--- a/Documents/HCI Project Proposal.pptx
+++ b/Documents/HCI Project Proposal.pptx
@@ -7,17 +7,18 @@
   <p:sldIdLst>
     <p:sldId id="256" r:id="rId2"/>
     <p:sldId id="257" r:id="rId3"/>
-    <p:sldId id="258" r:id="rId4"/>
-    <p:sldId id="259" r:id="rId5"/>
-    <p:sldId id="260" r:id="rId6"/>
-    <p:sldId id="261" r:id="rId7"/>
-    <p:sldId id="262" r:id="rId8"/>
-    <p:sldId id="263" r:id="rId9"/>
-    <p:sldId id="264" r:id="rId10"/>
-    <p:sldId id="265" r:id="rId11"/>
-    <p:sldId id="266" r:id="rId12"/>
-    <p:sldId id="267" r:id="rId13"/>
-    <p:sldId id="268" r:id="rId14"/>
+    <p:sldId id="269" r:id="rId4"/>
+    <p:sldId id="258" r:id="rId5"/>
+    <p:sldId id="259" r:id="rId6"/>
+    <p:sldId id="260" r:id="rId7"/>
+    <p:sldId id="261" r:id="rId8"/>
+    <p:sldId id="262" r:id="rId9"/>
+    <p:sldId id="263" r:id="rId10"/>
+    <p:sldId id="264" r:id="rId11"/>
+    <p:sldId id="265" r:id="rId12"/>
+    <p:sldId id="266" r:id="rId13"/>
+    <p:sldId id="267" r:id="rId14"/>
+    <p:sldId id="268" r:id="rId15"/>
   </p:sldIdLst>
   <p:sldSz cx="12192000" cy="6858000"/>
   <p:notesSz cx="6858000" cy="9144000"/>
@@ -136,789 +137,7 @@
 </file>
 
 <file path=ppt/diagrams/colors1.xml><?xml version="1.0" encoding="utf-8"?>
-<dgm:colorsDef xmlns:dgm="http://schemas.openxmlformats.org/drawingml/2006/diagram" xmlns:a="http://schemas.openxmlformats.org/drawingml/2006/main" uniqueId="urn:microsoft.com/office/officeart/2005/8/colors/colorful5">
-  <dgm:title val=""/>
-  <dgm:desc val=""/>
-  <dgm:catLst>
-    <dgm:cat type="colorful" pri="10500"/>
-  </dgm:catLst>
-  <dgm:styleLbl name="node0">
-    <dgm:fillClrLst meth="repeat">
-      <a:schemeClr val="accent4"/>
-    </dgm:fillClrLst>
-    <dgm:linClrLst meth="repeat">
-      <a:schemeClr val="lt1"/>
-    </dgm:linClrLst>
-    <dgm:effectClrLst/>
-    <dgm:txLinClrLst/>
-    <dgm:txFillClrLst/>
-    <dgm:txEffectClrLst/>
-  </dgm:styleLbl>
-  <dgm:styleLbl name="node1">
-    <dgm:fillClrLst>
-      <a:schemeClr val="accent5"/>
-      <a:schemeClr val="accent6"/>
-    </dgm:fillClrLst>
-    <dgm:linClrLst meth="repeat">
-      <a:schemeClr val="lt1"/>
-    </dgm:linClrLst>
-    <dgm:effectClrLst/>
-    <dgm:txLinClrLst/>
-    <dgm:txFillClrLst/>
-    <dgm:txEffectClrLst/>
-  </dgm:styleLbl>
-  <dgm:styleLbl name="alignNode1">
-    <dgm:fillClrLst>
-      <a:schemeClr val="accent5"/>
-      <a:schemeClr val="accent6"/>
-    </dgm:fillClrLst>
-    <dgm:linClrLst>
-      <a:schemeClr val="accent5"/>
-      <a:schemeClr val="accent6"/>
-    </dgm:linClrLst>
-    <dgm:effectClrLst/>
-    <dgm:txLinClrLst/>
-    <dgm:txFillClrLst/>
-    <dgm:txEffectClrLst/>
-  </dgm:styleLbl>
-  <dgm:styleLbl name="lnNode1">
-    <dgm:fillClrLst>
-      <a:schemeClr val="accent5"/>
-      <a:schemeClr val="accent6"/>
-    </dgm:fillClrLst>
-    <dgm:linClrLst meth="repeat">
-      <a:schemeClr val="lt1"/>
-    </dgm:linClrLst>
-    <dgm:effectClrLst/>
-    <dgm:txLinClrLst/>
-    <dgm:txFillClrLst/>
-    <dgm:txEffectClrLst/>
-  </dgm:styleLbl>
-  <dgm:styleLbl name="vennNode1">
-    <dgm:fillClrLst>
-      <a:schemeClr val="accent5">
-        <a:alpha val="50000"/>
-      </a:schemeClr>
-      <a:schemeClr val="accent6">
-        <a:alpha val="50000"/>
-      </a:schemeClr>
-    </dgm:fillClrLst>
-    <dgm:linClrLst meth="repeat">
-      <a:schemeClr val="lt1"/>
-    </dgm:linClrLst>
-    <dgm:effectClrLst/>
-    <dgm:txLinClrLst/>
-    <dgm:txFillClrLst/>
-    <dgm:txEffectClrLst/>
-  </dgm:styleLbl>
-  <dgm:styleLbl name="node2">
-    <dgm:fillClrLst>
-      <a:schemeClr val="accent6"/>
-    </dgm:fillClrLst>
-    <dgm:linClrLst meth="repeat">
-      <a:schemeClr val="lt1"/>
-    </dgm:linClrLst>
-    <dgm:effectClrLst/>
-    <dgm:txLinClrLst/>
-    <dgm:txFillClrLst/>
-    <dgm:txEffectClrLst/>
-  </dgm:styleLbl>
-  <dgm:styleLbl name="node3">
-    <dgm:fillClrLst>
-      <a:schemeClr val="accent1"/>
-    </dgm:fillClrLst>
-    <dgm:linClrLst meth="repeat">
-      <a:schemeClr val="lt1"/>
-    </dgm:linClrLst>
-    <dgm:effectClrLst/>
-    <dgm:txLinClrLst/>
-    <dgm:txFillClrLst/>
-    <dgm:txEffectClrLst/>
-  </dgm:styleLbl>
-  <dgm:styleLbl name="node4">
-    <dgm:fillClrLst>
-      <a:schemeClr val="accent2"/>
-    </dgm:fillClrLst>
-    <dgm:linClrLst meth="repeat">
-      <a:schemeClr val="lt1"/>
-    </dgm:linClrLst>
-    <dgm:effectClrLst/>
-    <dgm:txLinClrLst/>
-    <dgm:txFillClrLst/>
-    <dgm:txEffectClrLst/>
-  </dgm:styleLbl>
-  <dgm:styleLbl name="fgImgPlace1">
-    <dgm:fillClrLst>
-      <a:schemeClr val="accent5">
-        <a:tint val="50000"/>
-      </a:schemeClr>
-      <a:schemeClr val="accent6">
-        <a:tint val="50000"/>
-      </a:schemeClr>
-    </dgm:fillClrLst>
-    <dgm:linClrLst meth="repeat">
-      <a:schemeClr val="lt1"/>
-    </dgm:linClrLst>
-    <dgm:effectClrLst/>
-    <dgm:txLinClrLst/>
-    <dgm:txFillClrLst meth="repeat">
-      <a:schemeClr val="lt1"/>
-    </dgm:txFillClrLst>
-    <dgm:txEffectClrLst/>
-  </dgm:styleLbl>
-  <dgm:styleLbl name="alignImgPlace1">
-    <dgm:fillClrLst>
-      <a:schemeClr val="accent5">
-        <a:tint val="50000"/>
-      </a:schemeClr>
-      <a:schemeClr val="accent6">
-        <a:tint val="20000"/>
-      </a:schemeClr>
-    </dgm:fillClrLst>
-    <dgm:linClrLst meth="repeat">
-      <a:schemeClr val="lt1"/>
-    </dgm:linClrLst>
-    <dgm:effectClrLst/>
-    <dgm:txLinClrLst/>
-    <dgm:txFillClrLst meth="repeat">
-      <a:schemeClr val="lt1"/>
-    </dgm:txFillClrLst>
-    <dgm:txEffectClrLst/>
-  </dgm:styleLbl>
-  <dgm:styleLbl name="bgImgPlace1">
-    <dgm:fillClrLst>
-      <a:schemeClr val="accent5">
-        <a:tint val="50000"/>
-      </a:schemeClr>
-      <a:schemeClr val="accent6">
-        <a:tint val="20000"/>
-      </a:schemeClr>
-    </dgm:fillClrLst>
-    <dgm:linClrLst meth="repeat">
-      <a:schemeClr val="lt1"/>
-    </dgm:linClrLst>
-    <dgm:effectClrLst/>
-    <dgm:txLinClrLst/>
-    <dgm:txFillClrLst meth="repeat">
-      <a:schemeClr val="lt1"/>
-    </dgm:txFillClrLst>
-    <dgm:txEffectClrLst/>
-  </dgm:styleLbl>
-  <dgm:styleLbl name="sibTrans2D1">
-    <dgm:fillClrLst>
-      <a:schemeClr val="accent5"/>
-      <a:schemeClr val="accent6"/>
-    </dgm:fillClrLst>
-    <dgm:linClrLst meth="repeat">
-      <a:schemeClr val="lt1"/>
-    </dgm:linClrLst>
-    <dgm:effectClrLst/>
-    <dgm:txLinClrLst/>
-    <dgm:txFillClrLst/>
-    <dgm:txEffectClrLst/>
-  </dgm:styleLbl>
-  <dgm:styleLbl name="fgSibTrans2D1">
-    <dgm:fillClrLst>
-      <a:schemeClr val="accent5"/>
-      <a:schemeClr val="accent6"/>
-    </dgm:fillClrLst>
-    <dgm:linClrLst meth="repeat">
-      <a:schemeClr val="lt1"/>
-    </dgm:linClrLst>
-    <dgm:effectClrLst/>
-    <dgm:txLinClrLst/>
-    <dgm:txFillClrLst meth="repeat">
-      <a:schemeClr val="lt1"/>
-    </dgm:txFillClrLst>
-    <dgm:txEffectClrLst/>
-  </dgm:styleLbl>
-  <dgm:styleLbl name="bgSibTrans2D1">
-    <dgm:fillClrLst>
-      <a:schemeClr val="accent5"/>
-      <a:schemeClr val="accent6"/>
-    </dgm:fillClrLst>
-    <dgm:linClrLst meth="repeat">
-      <a:schemeClr val="lt1"/>
-    </dgm:linClrLst>
-    <dgm:effectClrLst/>
-    <dgm:txLinClrLst/>
-    <dgm:txFillClrLst meth="repeat">
-      <a:schemeClr val="lt1"/>
-    </dgm:txFillClrLst>
-    <dgm:txEffectClrLst/>
-  </dgm:styleLbl>
-  <dgm:styleLbl name="sibTrans1D1">
-    <dgm:fillClrLst/>
-    <dgm:linClrLst>
-      <a:schemeClr val="accent5"/>
-      <a:schemeClr val="accent6"/>
-    </dgm:linClrLst>
-    <dgm:effectClrLst/>
-    <dgm:txLinClrLst/>
-    <dgm:txFillClrLst meth="repeat">
-      <a:schemeClr val="tx1"/>
-    </dgm:txFillClrLst>
-    <dgm:txEffectClrLst/>
-  </dgm:styleLbl>
-  <dgm:styleLbl name="callout">
-    <dgm:fillClrLst meth="repeat">
-      <a:schemeClr val="accent5"/>
-    </dgm:fillClrLst>
-    <dgm:linClrLst meth="repeat">
-      <a:schemeClr val="accent5">
-        <a:tint val="50000"/>
-      </a:schemeClr>
-    </dgm:linClrLst>
-    <dgm:effectClrLst/>
-    <dgm:txLinClrLst/>
-    <dgm:txFillClrLst meth="repeat">
-      <a:schemeClr val="tx1"/>
-    </dgm:txFillClrLst>
-    <dgm:txEffectClrLst/>
-  </dgm:styleLbl>
-  <dgm:styleLbl name="asst0">
-    <dgm:fillClrLst meth="repeat">
-      <a:schemeClr val="accent5"/>
-    </dgm:fillClrLst>
-    <dgm:linClrLst meth="repeat">
-      <a:schemeClr val="lt1">
-        <a:shade val="80000"/>
-      </a:schemeClr>
-    </dgm:linClrLst>
-    <dgm:effectClrLst/>
-    <dgm:txLinClrLst/>
-    <dgm:txFillClrLst/>
-    <dgm:txEffectClrLst/>
-  </dgm:styleLbl>
-  <dgm:styleLbl name="asst1">
-    <dgm:fillClrLst meth="repeat">
-      <a:schemeClr val="accent6"/>
-    </dgm:fillClrLst>
-    <dgm:linClrLst meth="repeat">
-      <a:schemeClr val="lt1">
-        <a:shade val="80000"/>
-      </a:schemeClr>
-    </dgm:linClrLst>
-    <dgm:effectClrLst/>
-    <dgm:txLinClrLst/>
-    <dgm:txFillClrLst/>
-    <dgm:txEffectClrLst/>
-  </dgm:styleLbl>
-  <dgm:styleLbl name="asst2">
-    <dgm:fillClrLst>
-      <a:schemeClr val="accent1"/>
-    </dgm:fillClrLst>
-    <dgm:linClrLst meth="repeat">
-      <a:schemeClr val="lt1"/>
-    </dgm:linClrLst>
-    <dgm:effectClrLst/>
-    <dgm:txLinClrLst/>
-    <dgm:txFillClrLst/>
-    <dgm:txEffectClrLst/>
-  </dgm:styleLbl>
-  <dgm:styleLbl name="asst3">
-    <dgm:fillClrLst>
-      <a:schemeClr val="accent2"/>
-    </dgm:fillClrLst>
-    <dgm:linClrLst meth="repeat">
-      <a:schemeClr val="lt1"/>
-    </dgm:linClrLst>
-    <dgm:effectClrLst/>
-    <dgm:txLinClrLst/>
-    <dgm:txFillClrLst/>
-    <dgm:txEffectClrLst/>
-  </dgm:styleLbl>
-  <dgm:styleLbl name="asst4">
-    <dgm:fillClrLst>
-      <a:schemeClr val="accent3"/>
-    </dgm:fillClrLst>
-    <dgm:linClrLst meth="repeat">
-      <a:schemeClr val="lt1"/>
-    </dgm:linClrLst>
-    <dgm:effectClrLst/>
-    <dgm:txLinClrLst/>
-    <dgm:txFillClrLst/>
-    <dgm:txEffectClrLst/>
-  </dgm:styleLbl>
-  <dgm:styleLbl name="parChTrans2D1">
-    <dgm:fillClrLst meth="repeat">
-      <a:schemeClr val="accent5"/>
-    </dgm:fillClrLst>
-    <dgm:linClrLst meth="repeat">
-      <a:schemeClr val="lt1"/>
-    </dgm:linClrLst>
-    <dgm:effectClrLst/>
-    <dgm:txLinClrLst/>
-    <dgm:txFillClrLst meth="repeat">
-      <a:schemeClr val="lt1"/>
-    </dgm:txFillClrLst>
-    <dgm:txEffectClrLst/>
-  </dgm:styleLbl>
-  <dgm:styleLbl name="parChTrans2D2">
-    <dgm:fillClrLst meth="repeat">
-      <a:schemeClr val="accent6"/>
-    </dgm:fillClrLst>
-    <dgm:linClrLst meth="repeat">
-      <a:schemeClr val="lt1"/>
-    </dgm:linClrLst>
-    <dgm:effectClrLst/>
-    <dgm:txLinClrLst/>
-    <dgm:txFillClrLst/>
-    <dgm:txEffectClrLst/>
-  </dgm:styleLbl>
-  <dgm:styleLbl name="parChTrans2D3">
-    <dgm:fillClrLst meth="repeat">
-      <a:schemeClr val="accent6"/>
-    </dgm:fillClrLst>
-    <dgm:linClrLst meth="repeat">
-      <a:schemeClr val="lt1"/>
-    </dgm:linClrLst>
-    <dgm:effectClrLst/>
-    <dgm:txLinClrLst/>
-    <dgm:txFillClrLst/>
-    <dgm:txEffectClrLst/>
-  </dgm:styleLbl>
-  <dgm:styleLbl name="parChTrans2D4">
-    <dgm:fillClrLst meth="repeat">
-      <a:schemeClr val="accent1"/>
-    </dgm:fillClrLst>
-    <dgm:linClrLst meth="repeat">
-      <a:schemeClr val="lt1"/>
-    </dgm:linClrLst>
-    <dgm:effectClrLst/>
-    <dgm:txLinClrLst/>
-    <dgm:txFillClrLst meth="repeat">
-      <a:schemeClr val="lt1"/>
-    </dgm:txFillClrLst>
-    <dgm:txEffectClrLst/>
-  </dgm:styleLbl>
-  <dgm:styleLbl name="parChTrans1D1">
-    <dgm:fillClrLst meth="repeat">
-      <a:schemeClr val="accent5"/>
-    </dgm:fillClrLst>
-    <dgm:linClrLst meth="repeat">
-      <a:schemeClr val="accent5"/>
-    </dgm:linClrLst>
-    <dgm:effectClrLst/>
-    <dgm:txLinClrLst/>
-    <dgm:txFillClrLst meth="repeat">
-      <a:schemeClr val="tx1"/>
-    </dgm:txFillClrLst>
-    <dgm:txEffectClrLst/>
-  </dgm:styleLbl>
-  <dgm:styleLbl name="parChTrans1D2">
-    <dgm:fillClrLst meth="repeat">
-      <a:schemeClr val="accent6">
-        <a:tint val="90000"/>
-      </a:schemeClr>
-    </dgm:fillClrLst>
-    <dgm:linClrLst meth="repeat">
-      <a:schemeClr val="accent6"/>
-    </dgm:linClrLst>
-    <dgm:effectClrLst/>
-    <dgm:txLinClrLst/>
-    <dgm:txFillClrLst meth="repeat">
-      <a:schemeClr val="tx1"/>
-    </dgm:txFillClrLst>
-    <dgm:txEffectClrLst/>
-  </dgm:styleLbl>
-  <dgm:styleLbl name="parChTrans1D3">
-    <dgm:fillClrLst meth="repeat">
-      <a:schemeClr val="accent6">
-        <a:tint val="70000"/>
-      </a:schemeClr>
-    </dgm:fillClrLst>
-    <dgm:linClrLst meth="repeat">
-      <a:schemeClr val="accent1"/>
-    </dgm:linClrLst>
-    <dgm:effectClrLst/>
-    <dgm:txLinClrLst/>
-    <dgm:txFillClrLst meth="repeat">
-      <a:schemeClr val="tx1"/>
-    </dgm:txFillClrLst>
-    <dgm:txEffectClrLst/>
-  </dgm:styleLbl>
-  <dgm:styleLbl name="parChTrans1D4">
-    <dgm:fillClrLst meth="repeat">
-      <a:schemeClr val="accent6">
-        <a:tint val="50000"/>
-      </a:schemeClr>
-    </dgm:fillClrLst>
-    <dgm:linClrLst meth="repeat">
-      <a:schemeClr val="accent2"/>
-    </dgm:linClrLst>
-    <dgm:effectClrLst/>
-    <dgm:txLinClrLst/>
-    <dgm:txFillClrLst meth="repeat">
-      <a:schemeClr val="tx1"/>
-    </dgm:txFillClrLst>
-    <dgm:txEffectClrLst/>
-  </dgm:styleLbl>
-  <dgm:styleLbl name="fgAcc1">
-    <dgm:fillClrLst meth="repeat">
-      <a:schemeClr val="lt1">
-        <a:alpha val="90000"/>
-      </a:schemeClr>
-    </dgm:fillClrLst>
-    <dgm:linClrLst>
-      <a:schemeClr val="accent5"/>
-      <a:schemeClr val="accent6"/>
-    </dgm:linClrLst>
-    <dgm:effectClrLst/>
-    <dgm:txLinClrLst/>
-    <dgm:txFillClrLst meth="repeat">
-      <a:schemeClr val="dk1"/>
-    </dgm:txFillClrLst>
-    <dgm:txEffectClrLst/>
-  </dgm:styleLbl>
-  <dgm:styleLbl name="conFgAcc1">
-    <dgm:fillClrLst meth="repeat">
-      <a:schemeClr val="lt1">
-        <a:alpha val="90000"/>
-      </a:schemeClr>
-    </dgm:fillClrLst>
-    <dgm:linClrLst>
-      <a:schemeClr val="accent5"/>
-      <a:schemeClr val="accent6"/>
-    </dgm:linClrLst>
-    <dgm:effectClrLst/>
-    <dgm:txLinClrLst/>
-    <dgm:txFillClrLst meth="repeat">
-      <a:schemeClr val="dk1"/>
-    </dgm:txFillClrLst>
-    <dgm:txEffectClrLst/>
-  </dgm:styleLbl>
-  <dgm:styleLbl name="alignAcc1">
-    <dgm:fillClrLst meth="repeat">
-      <a:schemeClr val="lt1">
-        <a:alpha val="90000"/>
-      </a:schemeClr>
-    </dgm:fillClrLst>
-    <dgm:linClrLst>
-      <a:schemeClr val="accent5"/>
-      <a:schemeClr val="accent6"/>
-    </dgm:linClrLst>
-    <dgm:effectClrLst/>
-    <dgm:txLinClrLst/>
-    <dgm:txFillClrLst meth="repeat">
-      <a:schemeClr val="dk1"/>
-    </dgm:txFillClrLst>
-    <dgm:txEffectClrLst/>
-  </dgm:styleLbl>
-  <dgm:styleLbl name="trAlignAcc1">
-    <dgm:fillClrLst meth="repeat">
-      <a:schemeClr val="lt1">
-        <a:alpha val="40000"/>
-      </a:schemeClr>
-    </dgm:fillClrLst>
-    <dgm:linClrLst meth="repeat">
-      <a:schemeClr val="accent5"/>
-    </dgm:linClrLst>
-    <dgm:effectClrLst/>
-    <dgm:txLinClrLst/>
-    <dgm:txFillClrLst meth="repeat">
-      <a:schemeClr val="dk1"/>
-    </dgm:txFillClrLst>
-    <dgm:txEffectClrLst/>
-  </dgm:styleLbl>
-  <dgm:styleLbl name="bgAcc1">
-    <dgm:fillClrLst meth="repeat">
-      <a:schemeClr val="lt1">
-        <a:alpha val="90000"/>
-      </a:schemeClr>
-    </dgm:fillClrLst>
-    <dgm:linClrLst>
-      <a:schemeClr val="accent5"/>
-      <a:schemeClr val="accent6"/>
-    </dgm:linClrLst>
-    <dgm:effectClrLst/>
-    <dgm:txLinClrLst/>
-    <dgm:txFillClrLst meth="repeat">
-      <a:schemeClr val="dk1"/>
-    </dgm:txFillClrLst>
-    <dgm:txEffectClrLst/>
-  </dgm:styleLbl>
-  <dgm:styleLbl name="solidFgAcc1">
-    <dgm:fillClrLst meth="repeat">
-      <a:schemeClr val="lt1"/>
-    </dgm:fillClrLst>
-    <dgm:linClrLst>
-      <a:schemeClr val="accent5"/>
-      <a:schemeClr val="accent6"/>
-    </dgm:linClrLst>
-    <dgm:effectClrLst/>
-    <dgm:txLinClrLst/>
-    <dgm:txFillClrLst meth="repeat">
-      <a:schemeClr val="dk1"/>
-    </dgm:txFillClrLst>
-    <dgm:txEffectClrLst/>
-  </dgm:styleLbl>
-  <dgm:styleLbl name="solidAlignAcc1">
-    <dgm:fillClrLst meth="repeat">
-      <a:schemeClr val="lt1"/>
-    </dgm:fillClrLst>
-    <dgm:linClrLst>
-      <a:schemeClr val="accent5"/>
-      <a:schemeClr val="accent6"/>
-    </dgm:linClrLst>
-    <dgm:effectClrLst/>
-    <dgm:txLinClrLst/>
-    <dgm:txFillClrLst meth="repeat">
-      <a:schemeClr val="dk1"/>
-    </dgm:txFillClrLst>
-    <dgm:txEffectClrLst/>
-  </dgm:styleLbl>
-  <dgm:styleLbl name="solidBgAcc1">
-    <dgm:fillClrLst meth="repeat">
-      <a:schemeClr val="lt1"/>
-    </dgm:fillClrLst>
-    <dgm:linClrLst>
-      <a:schemeClr val="accent5"/>
-      <a:schemeClr val="accent6"/>
-    </dgm:linClrLst>
-    <dgm:effectClrLst/>
-    <dgm:txLinClrLst/>
-    <dgm:txFillClrLst meth="repeat">
-      <a:schemeClr val="dk1"/>
-    </dgm:txFillClrLst>
-    <dgm:txEffectClrLst/>
-  </dgm:styleLbl>
-  <dgm:styleLbl name="fgAccFollowNode1">
-    <dgm:fillClrLst>
-      <a:schemeClr val="accent5">
-        <a:tint val="40000"/>
-        <a:alpha val="90000"/>
-      </a:schemeClr>
-      <a:schemeClr val="accent6">
-        <a:tint val="40000"/>
-        <a:alpha val="90000"/>
-      </a:schemeClr>
-    </dgm:fillClrLst>
-    <dgm:linClrLst>
-      <a:schemeClr val="accent5">
-        <a:tint val="40000"/>
-        <a:alpha val="90000"/>
-      </a:schemeClr>
-      <a:schemeClr val="accent5">
-        <a:tint val="40000"/>
-        <a:alpha val="90000"/>
-      </a:schemeClr>
-    </dgm:linClrLst>
-    <dgm:effectClrLst/>
-    <dgm:txLinClrLst/>
-    <dgm:txFillClrLst meth="repeat">
-      <a:schemeClr val="dk1"/>
-    </dgm:txFillClrLst>
-    <dgm:txEffectClrLst/>
-  </dgm:styleLbl>
-  <dgm:styleLbl name="alignAccFollowNode1">
-    <dgm:fillClrLst>
-      <a:schemeClr val="accent5">
-        <a:tint val="40000"/>
-        <a:alpha val="90000"/>
-      </a:schemeClr>
-      <a:schemeClr val="accent6">
-        <a:tint val="40000"/>
-        <a:alpha val="90000"/>
-      </a:schemeClr>
-    </dgm:fillClrLst>
-    <dgm:linClrLst>
-      <a:schemeClr val="accent5">
-        <a:tint val="40000"/>
-        <a:alpha val="90000"/>
-      </a:schemeClr>
-      <a:schemeClr val="accent6">
-        <a:tint val="40000"/>
-        <a:alpha val="90000"/>
-      </a:schemeClr>
-    </dgm:linClrLst>
-    <dgm:effectClrLst/>
-    <dgm:txLinClrLst/>
-    <dgm:txFillClrLst meth="repeat">
-      <a:schemeClr val="dk1"/>
-    </dgm:txFillClrLst>
-    <dgm:txEffectClrLst/>
-  </dgm:styleLbl>
-  <dgm:styleLbl name="bgAccFollowNode1">
-    <dgm:fillClrLst>
-      <a:schemeClr val="accent5">
-        <a:tint val="40000"/>
-        <a:alpha val="90000"/>
-      </a:schemeClr>
-      <a:schemeClr val="accent6">
-        <a:tint val="40000"/>
-        <a:alpha val="90000"/>
-      </a:schemeClr>
-    </dgm:fillClrLst>
-    <dgm:linClrLst>
-      <a:schemeClr val="accent5">
-        <a:tint val="40000"/>
-        <a:alpha val="90000"/>
-      </a:schemeClr>
-      <a:schemeClr val="accent6">
-        <a:tint val="40000"/>
-        <a:alpha val="90000"/>
-      </a:schemeClr>
-    </dgm:linClrLst>
-    <dgm:effectClrLst/>
-    <dgm:txLinClrLst/>
-    <dgm:txFillClrLst meth="repeat">
-      <a:schemeClr val="dk1"/>
-    </dgm:txFillClrLst>
-    <dgm:txEffectClrLst/>
-  </dgm:styleLbl>
-  <dgm:styleLbl name="fgAcc0">
-    <dgm:fillClrLst meth="repeat">
-      <a:schemeClr val="lt1">
-        <a:alpha val="90000"/>
-      </a:schemeClr>
-    </dgm:fillClrLst>
-    <dgm:linClrLst>
-      <a:schemeClr val="accent4"/>
-    </dgm:linClrLst>
-    <dgm:effectClrLst/>
-    <dgm:txLinClrLst/>
-    <dgm:txFillClrLst meth="repeat">
-      <a:schemeClr val="dk1"/>
-    </dgm:txFillClrLst>
-    <dgm:txEffectClrLst/>
-  </dgm:styleLbl>
-  <dgm:styleLbl name="fgAcc2">
-    <dgm:fillClrLst meth="repeat">
-      <a:schemeClr val="lt1">
-        <a:alpha val="90000"/>
-      </a:schemeClr>
-    </dgm:fillClrLst>
-    <dgm:linClrLst>
-      <a:schemeClr val="accent6"/>
-    </dgm:linClrLst>
-    <dgm:effectClrLst/>
-    <dgm:txLinClrLst/>
-    <dgm:txFillClrLst meth="repeat">
-      <a:schemeClr val="dk1"/>
-    </dgm:txFillClrLst>
-    <dgm:txEffectClrLst/>
-  </dgm:styleLbl>
-  <dgm:styleLbl name="fgAcc3">
-    <dgm:fillClrLst meth="repeat">
-      <a:schemeClr val="lt1">
-        <a:alpha val="90000"/>
-      </a:schemeClr>
-    </dgm:fillClrLst>
-    <dgm:linClrLst>
-      <a:schemeClr val="accent1"/>
-    </dgm:linClrLst>
-    <dgm:effectClrLst/>
-    <dgm:txLinClrLst/>
-    <dgm:txFillClrLst meth="repeat">
-      <a:schemeClr val="dk1"/>
-    </dgm:txFillClrLst>
-    <dgm:txEffectClrLst/>
-  </dgm:styleLbl>
-  <dgm:styleLbl name="fgAcc4">
-    <dgm:fillClrLst meth="repeat">
-      <a:schemeClr val="lt1">
-        <a:alpha val="90000"/>
-      </a:schemeClr>
-    </dgm:fillClrLst>
-    <dgm:linClrLst>
-      <a:schemeClr val="accent2"/>
-    </dgm:linClrLst>
-    <dgm:effectClrLst/>
-    <dgm:txLinClrLst/>
-    <dgm:txFillClrLst meth="repeat">
-      <a:schemeClr val="dk1"/>
-    </dgm:txFillClrLst>
-    <dgm:txEffectClrLst/>
-  </dgm:styleLbl>
-  <dgm:styleLbl name="bgShp">
-    <dgm:fillClrLst meth="repeat">
-      <a:schemeClr val="accent5">
-        <a:tint val="40000"/>
-      </a:schemeClr>
-    </dgm:fillClrLst>
-    <dgm:linClrLst meth="repeat">
-      <a:schemeClr val="dk1"/>
-    </dgm:linClrLst>
-    <dgm:effectClrLst/>
-    <dgm:txLinClrLst/>
-    <dgm:txFillClrLst meth="repeat">
-      <a:schemeClr val="dk1"/>
-    </dgm:txFillClrLst>
-    <dgm:txEffectClrLst/>
-  </dgm:styleLbl>
-  <dgm:styleLbl name="dkBgShp">
-    <dgm:fillClrLst meth="repeat">
-      <a:schemeClr val="accent5">
-        <a:shade val="90000"/>
-      </a:schemeClr>
-    </dgm:fillClrLst>
-    <dgm:linClrLst meth="repeat">
-      <a:schemeClr val="dk1"/>
-    </dgm:linClrLst>
-    <dgm:effectClrLst/>
-    <dgm:txLinClrLst/>
-    <dgm:txFillClrLst meth="repeat">
-      <a:schemeClr val="lt1"/>
-    </dgm:txFillClrLst>
-    <dgm:txEffectClrLst/>
-  </dgm:styleLbl>
-  <dgm:styleLbl name="trBgShp">
-    <dgm:fillClrLst meth="repeat">
-      <a:schemeClr val="accent5">
-        <a:tint val="50000"/>
-        <a:alpha val="40000"/>
-      </a:schemeClr>
-    </dgm:fillClrLst>
-    <dgm:linClrLst meth="repeat">
-      <a:schemeClr val="accent5"/>
-    </dgm:linClrLst>
-    <dgm:effectClrLst/>
-    <dgm:txLinClrLst/>
-    <dgm:txFillClrLst meth="repeat">
-      <a:schemeClr val="lt1"/>
-    </dgm:txFillClrLst>
-    <dgm:txEffectClrLst/>
-  </dgm:styleLbl>
-  <dgm:styleLbl name="fgShp">
-    <dgm:fillClrLst meth="repeat">
-      <a:schemeClr val="accent5">
-        <a:tint val="40000"/>
-      </a:schemeClr>
-    </dgm:fillClrLst>
-    <dgm:linClrLst meth="repeat">
-      <a:schemeClr val="lt1"/>
-    </dgm:linClrLst>
-    <dgm:effectClrLst/>
-    <dgm:txLinClrLst/>
-    <dgm:txFillClrLst meth="repeat">
-      <a:schemeClr val="dk1"/>
-    </dgm:txFillClrLst>
-    <dgm:txEffectClrLst/>
-  </dgm:styleLbl>
-  <dgm:styleLbl name="revTx">
-    <dgm:fillClrLst meth="repeat">
-      <a:schemeClr val="lt1">
-        <a:alpha val="0"/>
-      </a:schemeClr>
-    </dgm:fillClrLst>
-    <dgm:linClrLst meth="repeat">
-      <a:schemeClr val="dk1">
-        <a:alpha val="0"/>
-      </a:schemeClr>
-    </dgm:linClrLst>
-    <dgm:effectClrLst/>
-    <dgm:txLinClrLst/>
-    <dgm:txFillClrLst meth="repeat">
-      <a:schemeClr val="tx1"/>
-    </dgm:txFillClrLst>
-    <dgm:txEffectClrLst/>
-  </dgm:styleLbl>
-</dgm:colorsDef>
-</file>
-
-<file path=ppt/diagrams/colors2.xml><?xml version="1.0" encoding="utf-8"?>
-<dgm:colorsDef xmlns:dgm="http://schemas.openxmlformats.org/drawingml/2006/diagram" xmlns:a="http://schemas.openxmlformats.org/drawingml/2006/main" uniqueId="urn:microsoft.com/office/officeart/2005/8/colors/colorful1">
+<dgm:colorsDef xmlns:dgm="http://schemas.openxmlformats.org/drawingml/2006/diagram" xmlns:a="http://schemas.openxmlformats.org/drawingml/2006/main" uniqueId="urn:microsoft.com/office/officeart/2018/5/colors/Iconchunking_neutralicon_colorful1">
   <dgm:title val=""/>
   <dgm:desc val=""/>
   <dgm:catLst>
@@ -938,18 +157,18 @@
   </dgm:styleLbl>
   <dgm:styleLbl name="node1">
     <dgm:fillClrLst meth="repeat">
-      <a:schemeClr val="accent2"/>
-      <a:schemeClr val="accent3"/>
-      <a:schemeClr val="accent4"/>
-      <a:schemeClr val="accent5"/>
-      <a:schemeClr val="accent6"/>
+      <a:schemeClr val="bg1"/>
     </dgm:fillClrLst>
     <dgm:linClrLst meth="repeat">
-      <a:schemeClr val="lt1"/>
+      <a:schemeClr val="lt1">
+        <a:alpha val="0"/>
+      </a:schemeClr>
     </dgm:linClrLst>
     <dgm:effectClrLst/>
     <dgm:txLinClrLst/>
-    <dgm:txFillClrLst/>
+    <dgm:txFillClrLst meth="repeat">
+      <a:schemeClr val="dk1"/>
+    </dgm:txFillClrLst>
     <dgm:txEffectClrLst/>
   </dgm:styleLbl>
   <dgm:styleLbl name="alignNode1">
@@ -1752,18 +971,20 @@
   </dgm:styleLbl>
   <dgm:styleLbl name="bgShp">
     <dgm:fillClrLst meth="repeat">
-      <a:schemeClr val="accent2">
-        <a:tint val="40000"/>
-      </a:schemeClr>
+      <a:schemeClr val="accent2"/>
+      <a:schemeClr val="accent3"/>
+      <a:schemeClr val="accent4"/>
+      <a:schemeClr val="accent5"/>
+      <a:schemeClr val="accent6"/>
     </dgm:fillClrLst>
     <dgm:linClrLst meth="repeat">
-      <a:schemeClr val="dk1"/>
+      <a:schemeClr val="lt1">
+        <a:alpha val="0"/>
+      </a:schemeClr>
     </dgm:linClrLst>
     <dgm:effectClrLst/>
     <dgm:txLinClrLst/>
-    <dgm:txFillClrLst meth="repeat">
-      <a:schemeClr val="dk1"/>
-    </dgm:txFillClrLst>
+    <dgm:txFillClrLst/>
     <dgm:txEffectClrLst/>
   </dgm:styleLbl>
   <dgm:styleLbl name="dkBgShp">
@@ -1836,8 +1057,790 @@
 </dgm:colorsDef>
 </file>
 
+<file path=ppt/diagrams/colors2.xml><?xml version="1.0" encoding="utf-8"?>
+<dgm:colorsDef xmlns:dgm="http://schemas.openxmlformats.org/drawingml/2006/diagram" xmlns:a="http://schemas.openxmlformats.org/drawingml/2006/main" uniqueId="urn:microsoft.com/office/officeart/2005/8/colors/colorful5">
+  <dgm:title val=""/>
+  <dgm:desc val=""/>
+  <dgm:catLst>
+    <dgm:cat type="colorful" pri="10500"/>
+  </dgm:catLst>
+  <dgm:styleLbl name="node0">
+    <dgm:fillClrLst meth="repeat">
+      <a:schemeClr val="accent4"/>
+    </dgm:fillClrLst>
+    <dgm:linClrLst meth="repeat">
+      <a:schemeClr val="lt1"/>
+    </dgm:linClrLst>
+    <dgm:effectClrLst/>
+    <dgm:txLinClrLst/>
+    <dgm:txFillClrLst/>
+    <dgm:txEffectClrLst/>
+  </dgm:styleLbl>
+  <dgm:styleLbl name="node1">
+    <dgm:fillClrLst>
+      <a:schemeClr val="accent5"/>
+      <a:schemeClr val="accent6"/>
+    </dgm:fillClrLst>
+    <dgm:linClrLst meth="repeat">
+      <a:schemeClr val="lt1"/>
+    </dgm:linClrLst>
+    <dgm:effectClrLst/>
+    <dgm:txLinClrLst/>
+    <dgm:txFillClrLst/>
+    <dgm:txEffectClrLst/>
+  </dgm:styleLbl>
+  <dgm:styleLbl name="alignNode1">
+    <dgm:fillClrLst>
+      <a:schemeClr val="accent5"/>
+      <a:schemeClr val="accent6"/>
+    </dgm:fillClrLst>
+    <dgm:linClrLst>
+      <a:schemeClr val="accent5"/>
+      <a:schemeClr val="accent6"/>
+    </dgm:linClrLst>
+    <dgm:effectClrLst/>
+    <dgm:txLinClrLst/>
+    <dgm:txFillClrLst/>
+    <dgm:txEffectClrLst/>
+  </dgm:styleLbl>
+  <dgm:styleLbl name="lnNode1">
+    <dgm:fillClrLst>
+      <a:schemeClr val="accent5"/>
+      <a:schemeClr val="accent6"/>
+    </dgm:fillClrLst>
+    <dgm:linClrLst meth="repeat">
+      <a:schemeClr val="lt1"/>
+    </dgm:linClrLst>
+    <dgm:effectClrLst/>
+    <dgm:txLinClrLst/>
+    <dgm:txFillClrLst/>
+    <dgm:txEffectClrLst/>
+  </dgm:styleLbl>
+  <dgm:styleLbl name="vennNode1">
+    <dgm:fillClrLst>
+      <a:schemeClr val="accent5">
+        <a:alpha val="50000"/>
+      </a:schemeClr>
+      <a:schemeClr val="accent6">
+        <a:alpha val="50000"/>
+      </a:schemeClr>
+    </dgm:fillClrLst>
+    <dgm:linClrLst meth="repeat">
+      <a:schemeClr val="lt1"/>
+    </dgm:linClrLst>
+    <dgm:effectClrLst/>
+    <dgm:txLinClrLst/>
+    <dgm:txFillClrLst/>
+    <dgm:txEffectClrLst/>
+  </dgm:styleLbl>
+  <dgm:styleLbl name="node2">
+    <dgm:fillClrLst>
+      <a:schemeClr val="accent6"/>
+    </dgm:fillClrLst>
+    <dgm:linClrLst meth="repeat">
+      <a:schemeClr val="lt1"/>
+    </dgm:linClrLst>
+    <dgm:effectClrLst/>
+    <dgm:txLinClrLst/>
+    <dgm:txFillClrLst/>
+    <dgm:txEffectClrLst/>
+  </dgm:styleLbl>
+  <dgm:styleLbl name="node3">
+    <dgm:fillClrLst>
+      <a:schemeClr val="accent1"/>
+    </dgm:fillClrLst>
+    <dgm:linClrLst meth="repeat">
+      <a:schemeClr val="lt1"/>
+    </dgm:linClrLst>
+    <dgm:effectClrLst/>
+    <dgm:txLinClrLst/>
+    <dgm:txFillClrLst/>
+    <dgm:txEffectClrLst/>
+  </dgm:styleLbl>
+  <dgm:styleLbl name="node4">
+    <dgm:fillClrLst>
+      <a:schemeClr val="accent2"/>
+    </dgm:fillClrLst>
+    <dgm:linClrLst meth="repeat">
+      <a:schemeClr val="lt1"/>
+    </dgm:linClrLst>
+    <dgm:effectClrLst/>
+    <dgm:txLinClrLst/>
+    <dgm:txFillClrLst/>
+    <dgm:txEffectClrLst/>
+  </dgm:styleLbl>
+  <dgm:styleLbl name="fgImgPlace1">
+    <dgm:fillClrLst>
+      <a:schemeClr val="accent5">
+        <a:tint val="50000"/>
+      </a:schemeClr>
+      <a:schemeClr val="accent6">
+        <a:tint val="50000"/>
+      </a:schemeClr>
+    </dgm:fillClrLst>
+    <dgm:linClrLst meth="repeat">
+      <a:schemeClr val="lt1"/>
+    </dgm:linClrLst>
+    <dgm:effectClrLst/>
+    <dgm:txLinClrLst/>
+    <dgm:txFillClrLst meth="repeat">
+      <a:schemeClr val="lt1"/>
+    </dgm:txFillClrLst>
+    <dgm:txEffectClrLst/>
+  </dgm:styleLbl>
+  <dgm:styleLbl name="alignImgPlace1">
+    <dgm:fillClrLst>
+      <a:schemeClr val="accent5">
+        <a:tint val="50000"/>
+      </a:schemeClr>
+      <a:schemeClr val="accent6">
+        <a:tint val="20000"/>
+      </a:schemeClr>
+    </dgm:fillClrLst>
+    <dgm:linClrLst meth="repeat">
+      <a:schemeClr val="lt1"/>
+    </dgm:linClrLst>
+    <dgm:effectClrLst/>
+    <dgm:txLinClrLst/>
+    <dgm:txFillClrLst meth="repeat">
+      <a:schemeClr val="lt1"/>
+    </dgm:txFillClrLst>
+    <dgm:txEffectClrLst/>
+  </dgm:styleLbl>
+  <dgm:styleLbl name="bgImgPlace1">
+    <dgm:fillClrLst>
+      <a:schemeClr val="accent5">
+        <a:tint val="50000"/>
+      </a:schemeClr>
+      <a:schemeClr val="accent6">
+        <a:tint val="20000"/>
+      </a:schemeClr>
+    </dgm:fillClrLst>
+    <dgm:linClrLst meth="repeat">
+      <a:schemeClr val="lt1"/>
+    </dgm:linClrLst>
+    <dgm:effectClrLst/>
+    <dgm:txLinClrLst/>
+    <dgm:txFillClrLst meth="repeat">
+      <a:schemeClr val="lt1"/>
+    </dgm:txFillClrLst>
+    <dgm:txEffectClrLst/>
+  </dgm:styleLbl>
+  <dgm:styleLbl name="sibTrans2D1">
+    <dgm:fillClrLst>
+      <a:schemeClr val="accent5"/>
+      <a:schemeClr val="accent6"/>
+    </dgm:fillClrLst>
+    <dgm:linClrLst meth="repeat">
+      <a:schemeClr val="lt1"/>
+    </dgm:linClrLst>
+    <dgm:effectClrLst/>
+    <dgm:txLinClrLst/>
+    <dgm:txFillClrLst/>
+    <dgm:txEffectClrLst/>
+  </dgm:styleLbl>
+  <dgm:styleLbl name="fgSibTrans2D1">
+    <dgm:fillClrLst>
+      <a:schemeClr val="accent5"/>
+      <a:schemeClr val="accent6"/>
+    </dgm:fillClrLst>
+    <dgm:linClrLst meth="repeat">
+      <a:schemeClr val="lt1"/>
+    </dgm:linClrLst>
+    <dgm:effectClrLst/>
+    <dgm:txLinClrLst/>
+    <dgm:txFillClrLst meth="repeat">
+      <a:schemeClr val="lt1"/>
+    </dgm:txFillClrLst>
+    <dgm:txEffectClrLst/>
+  </dgm:styleLbl>
+  <dgm:styleLbl name="bgSibTrans2D1">
+    <dgm:fillClrLst>
+      <a:schemeClr val="accent5"/>
+      <a:schemeClr val="accent6"/>
+    </dgm:fillClrLst>
+    <dgm:linClrLst meth="repeat">
+      <a:schemeClr val="lt1"/>
+    </dgm:linClrLst>
+    <dgm:effectClrLst/>
+    <dgm:txLinClrLst/>
+    <dgm:txFillClrLst meth="repeat">
+      <a:schemeClr val="lt1"/>
+    </dgm:txFillClrLst>
+    <dgm:txEffectClrLst/>
+  </dgm:styleLbl>
+  <dgm:styleLbl name="sibTrans1D1">
+    <dgm:fillClrLst/>
+    <dgm:linClrLst>
+      <a:schemeClr val="accent5"/>
+      <a:schemeClr val="accent6"/>
+    </dgm:linClrLst>
+    <dgm:effectClrLst/>
+    <dgm:txLinClrLst/>
+    <dgm:txFillClrLst meth="repeat">
+      <a:schemeClr val="tx1"/>
+    </dgm:txFillClrLst>
+    <dgm:txEffectClrLst/>
+  </dgm:styleLbl>
+  <dgm:styleLbl name="callout">
+    <dgm:fillClrLst meth="repeat">
+      <a:schemeClr val="accent5"/>
+    </dgm:fillClrLst>
+    <dgm:linClrLst meth="repeat">
+      <a:schemeClr val="accent5">
+        <a:tint val="50000"/>
+      </a:schemeClr>
+    </dgm:linClrLst>
+    <dgm:effectClrLst/>
+    <dgm:txLinClrLst/>
+    <dgm:txFillClrLst meth="repeat">
+      <a:schemeClr val="tx1"/>
+    </dgm:txFillClrLst>
+    <dgm:txEffectClrLst/>
+  </dgm:styleLbl>
+  <dgm:styleLbl name="asst0">
+    <dgm:fillClrLst meth="repeat">
+      <a:schemeClr val="accent5"/>
+    </dgm:fillClrLst>
+    <dgm:linClrLst meth="repeat">
+      <a:schemeClr val="lt1">
+        <a:shade val="80000"/>
+      </a:schemeClr>
+    </dgm:linClrLst>
+    <dgm:effectClrLst/>
+    <dgm:txLinClrLst/>
+    <dgm:txFillClrLst/>
+    <dgm:txEffectClrLst/>
+  </dgm:styleLbl>
+  <dgm:styleLbl name="asst1">
+    <dgm:fillClrLst meth="repeat">
+      <a:schemeClr val="accent6"/>
+    </dgm:fillClrLst>
+    <dgm:linClrLst meth="repeat">
+      <a:schemeClr val="lt1">
+        <a:shade val="80000"/>
+      </a:schemeClr>
+    </dgm:linClrLst>
+    <dgm:effectClrLst/>
+    <dgm:txLinClrLst/>
+    <dgm:txFillClrLst/>
+    <dgm:txEffectClrLst/>
+  </dgm:styleLbl>
+  <dgm:styleLbl name="asst2">
+    <dgm:fillClrLst>
+      <a:schemeClr val="accent1"/>
+    </dgm:fillClrLst>
+    <dgm:linClrLst meth="repeat">
+      <a:schemeClr val="lt1"/>
+    </dgm:linClrLst>
+    <dgm:effectClrLst/>
+    <dgm:txLinClrLst/>
+    <dgm:txFillClrLst/>
+    <dgm:txEffectClrLst/>
+  </dgm:styleLbl>
+  <dgm:styleLbl name="asst3">
+    <dgm:fillClrLst>
+      <a:schemeClr val="accent2"/>
+    </dgm:fillClrLst>
+    <dgm:linClrLst meth="repeat">
+      <a:schemeClr val="lt1"/>
+    </dgm:linClrLst>
+    <dgm:effectClrLst/>
+    <dgm:txLinClrLst/>
+    <dgm:txFillClrLst/>
+    <dgm:txEffectClrLst/>
+  </dgm:styleLbl>
+  <dgm:styleLbl name="asst4">
+    <dgm:fillClrLst>
+      <a:schemeClr val="accent3"/>
+    </dgm:fillClrLst>
+    <dgm:linClrLst meth="repeat">
+      <a:schemeClr val="lt1"/>
+    </dgm:linClrLst>
+    <dgm:effectClrLst/>
+    <dgm:txLinClrLst/>
+    <dgm:txFillClrLst/>
+    <dgm:txEffectClrLst/>
+  </dgm:styleLbl>
+  <dgm:styleLbl name="parChTrans2D1">
+    <dgm:fillClrLst meth="repeat">
+      <a:schemeClr val="accent5"/>
+    </dgm:fillClrLst>
+    <dgm:linClrLst meth="repeat">
+      <a:schemeClr val="lt1"/>
+    </dgm:linClrLst>
+    <dgm:effectClrLst/>
+    <dgm:txLinClrLst/>
+    <dgm:txFillClrLst meth="repeat">
+      <a:schemeClr val="lt1"/>
+    </dgm:txFillClrLst>
+    <dgm:txEffectClrLst/>
+  </dgm:styleLbl>
+  <dgm:styleLbl name="parChTrans2D2">
+    <dgm:fillClrLst meth="repeat">
+      <a:schemeClr val="accent6"/>
+    </dgm:fillClrLst>
+    <dgm:linClrLst meth="repeat">
+      <a:schemeClr val="lt1"/>
+    </dgm:linClrLst>
+    <dgm:effectClrLst/>
+    <dgm:txLinClrLst/>
+    <dgm:txFillClrLst/>
+    <dgm:txEffectClrLst/>
+  </dgm:styleLbl>
+  <dgm:styleLbl name="parChTrans2D3">
+    <dgm:fillClrLst meth="repeat">
+      <a:schemeClr val="accent6"/>
+    </dgm:fillClrLst>
+    <dgm:linClrLst meth="repeat">
+      <a:schemeClr val="lt1"/>
+    </dgm:linClrLst>
+    <dgm:effectClrLst/>
+    <dgm:txLinClrLst/>
+    <dgm:txFillClrLst/>
+    <dgm:txEffectClrLst/>
+  </dgm:styleLbl>
+  <dgm:styleLbl name="parChTrans2D4">
+    <dgm:fillClrLst meth="repeat">
+      <a:schemeClr val="accent1"/>
+    </dgm:fillClrLst>
+    <dgm:linClrLst meth="repeat">
+      <a:schemeClr val="lt1"/>
+    </dgm:linClrLst>
+    <dgm:effectClrLst/>
+    <dgm:txLinClrLst/>
+    <dgm:txFillClrLst meth="repeat">
+      <a:schemeClr val="lt1"/>
+    </dgm:txFillClrLst>
+    <dgm:txEffectClrLst/>
+  </dgm:styleLbl>
+  <dgm:styleLbl name="parChTrans1D1">
+    <dgm:fillClrLst meth="repeat">
+      <a:schemeClr val="accent5"/>
+    </dgm:fillClrLst>
+    <dgm:linClrLst meth="repeat">
+      <a:schemeClr val="accent5"/>
+    </dgm:linClrLst>
+    <dgm:effectClrLst/>
+    <dgm:txLinClrLst/>
+    <dgm:txFillClrLst meth="repeat">
+      <a:schemeClr val="tx1"/>
+    </dgm:txFillClrLst>
+    <dgm:txEffectClrLst/>
+  </dgm:styleLbl>
+  <dgm:styleLbl name="parChTrans1D2">
+    <dgm:fillClrLst meth="repeat">
+      <a:schemeClr val="accent6">
+        <a:tint val="90000"/>
+      </a:schemeClr>
+    </dgm:fillClrLst>
+    <dgm:linClrLst meth="repeat">
+      <a:schemeClr val="accent6"/>
+    </dgm:linClrLst>
+    <dgm:effectClrLst/>
+    <dgm:txLinClrLst/>
+    <dgm:txFillClrLst meth="repeat">
+      <a:schemeClr val="tx1"/>
+    </dgm:txFillClrLst>
+    <dgm:txEffectClrLst/>
+  </dgm:styleLbl>
+  <dgm:styleLbl name="parChTrans1D3">
+    <dgm:fillClrLst meth="repeat">
+      <a:schemeClr val="accent6">
+        <a:tint val="70000"/>
+      </a:schemeClr>
+    </dgm:fillClrLst>
+    <dgm:linClrLst meth="repeat">
+      <a:schemeClr val="accent1"/>
+    </dgm:linClrLst>
+    <dgm:effectClrLst/>
+    <dgm:txLinClrLst/>
+    <dgm:txFillClrLst meth="repeat">
+      <a:schemeClr val="tx1"/>
+    </dgm:txFillClrLst>
+    <dgm:txEffectClrLst/>
+  </dgm:styleLbl>
+  <dgm:styleLbl name="parChTrans1D4">
+    <dgm:fillClrLst meth="repeat">
+      <a:schemeClr val="accent6">
+        <a:tint val="50000"/>
+      </a:schemeClr>
+    </dgm:fillClrLst>
+    <dgm:linClrLst meth="repeat">
+      <a:schemeClr val="accent2"/>
+    </dgm:linClrLst>
+    <dgm:effectClrLst/>
+    <dgm:txLinClrLst/>
+    <dgm:txFillClrLst meth="repeat">
+      <a:schemeClr val="tx1"/>
+    </dgm:txFillClrLst>
+    <dgm:txEffectClrLst/>
+  </dgm:styleLbl>
+  <dgm:styleLbl name="fgAcc1">
+    <dgm:fillClrLst meth="repeat">
+      <a:schemeClr val="lt1">
+        <a:alpha val="90000"/>
+      </a:schemeClr>
+    </dgm:fillClrLst>
+    <dgm:linClrLst>
+      <a:schemeClr val="accent5"/>
+      <a:schemeClr val="accent6"/>
+    </dgm:linClrLst>
+    <dgm:effectClrLst/>
+    <dgm:txLinClrLst/>
+    <dgm:txFillClrLst meth="repeat">
+      <a:schemeClr val="dk1"/>
+    </dgm:txFillClrLst>
+    <dgm:txEffectClrLst/>
+  </dgm:styleLbl>
+  <dgm:styleLbl name="conFgAcc1">
+    <dgm:fillClrLst meth="repeat">
+      <a:schemeClr val="lt1">
+        <a:alpha val="90000"/>
+      </a:schemeClr>
+    </dgm:fillClrLst>
+    <dgm:linClrLst>
+      <a:schemeClr val="accent5"/>
+      <a:schemeClr val="accent6"/>
+    </dgm:linClrLst>
+    <dgm:effectClrLst/>
+    <dgm:txLinClrLst/>
+    <dgm:txFillClrLst meth="repeat">
+      <a:schemeClr val="dk1"/>
+    </dgm:txFillClrLst>
+    <dgm:txEffectClrLst/>
+  </dgm:styleLbl>
+  <dgm:styleLbl name="alignAcc1">
+    <dgm:fillClrLst meth="repeat">
+      <a:schemeClr val="lt1">
+        <a:alpha val="90000"/>
+      </a:schemeClr>
+    </dgm:fillClrLst>
+    <dgm:linClrLst>
+      <a:schemeClr val="accent5"/>
+      <a:schemeClr val="accent6"/>
+    </dgm:linClrLst>
+    <dgm:effectClrLst/>
+    <dgm:txLinClrLst/>
+    <dgm:txFillClrLst meth="repeat">
+      <a:schemeClr val="dk1"/>
+    </dgm:txFillClrLst>
+    <dgm:txEffectClrLst/>
+  </dgm:styleLbl>
+  <dgm:styleLbl name="trAlignAcc1">
+    <dgm:fillClrLst meth="repeat">
+      <a:schemeClr val="lt1">
+        <a:alpha val="40000"/>
+      </a:schemeClr>
+    </dgm:fillClrLst>
+    <dgm:linClrLst meth="repeat">
+      <a:schemeClr val="accent5"/>
+    </dgm:linClrLst>
+    <dgm:effectClrLst/>
+    <dgm:txLinClrLst/>
+    <dgm:txFillClrLst meth="repeat">
+      <a:schemeClr val="dk1"/>
+    </dgm:txFillClrLst>
+    <dgm:txEffectClrLst/>
+  </dgm:styleLbl>
+  <dgm:styleLbl name="bgAcc1">
+    <dgm:fillClrLst meth="repeat">
+      <a:schemeClr val="lt1">
+        <a:alpha val="90000"/>
+      </a:schemeClr>
+    </dgm:fillClrLst>
+    <dgm:linClrLst>
+      <a:schemeClr val="accent5"/>
+      <a:schemeClr val="accent6"/>
+    </dgm:linClrLst>
+    <dgm:effectClrLst/>
+    <dgm:txLinClrLst/>
+    <dgm:txFillClrLst meth="repeat">
+      <a:schemeClr val="dk1"/>
+    </dgm:txFillClrLst>
+    <dgm:txEffectClrLst/>
+  </dgm:styleLbl>
+  <dgm:styleLbl name="solidFgAcc1">
+    <dgm:fillClrLst meth="repeat">
+      <a:schemeClr val="lt1"/>
+    </dgm:fillClrLst>
+    <dgm:linClrLst>
+      <a:schemeClr val="accent5"/>
+      <a:schemeClr val="accent6"/>
+    </dgm:linClrLst>
+    <dgm:effectClrLst/>
+    <dgm:txLinClrLst/>
+    <dgm:txFillClrLst meth="repeat">
+      <a:schemeClr val="dk1"/>
+    </dgm:txFillClrLst>
+    <dgm:txEffectClrLst/>
+  </dgm:styleLbl>
+  <dgm:styleLbl name="solidAlignAcc1">
+    <dgm:fillClrLst meth="repeat">
+      <a:schemeClr val="lt1"/>
+    </dgm:fillClrLst>
+    <dgm:linClrLst>
+      <a:schemeClr val="accent5"/>
+      <a:schemeClr val="accent6"/>
+    </dgm:linClrLst>
+    <dgm:effectClrLst/>
+    <dgm:txLinClrLst/>
+    <dgm:txFillClrLst meth="repeat">
+      <a:schemeClr val="dk1"/>
+    </dgm:txFillClrLst>
+    <dgm:txEffectClrLst/>
+  </dgm:styleLbl>
+  <dgm:styleLbl name="solidBgAcc1">
+    <dgm:fillClrLst meth="repeat">
+      <a:schemeClr val="lt1"/>
+    </dgm:fillClrLst>
+    <dgm:linClrLst>
+      <a:schemeClr val="accent5"/>
+      <a:schemeClr val="accent6"/>
+    </dgm:linClrLst>
+    <dgm:effectClrLst/>
+    <dgm:txLinClrLst/>
+    <dgm:txFillClrLst meth="repeat">
+      <a:schemeClr val="dk1"/>
+    </dgm:txFillClrLst>
+    <dgm:txEffectClrLst/>
+  </dgm:styleLbl>
+  <dgm:styleLbl name="fgAccFollowNode1">
+    <dgm:fillClrLst>
+      <a:schemeClr val="accent5">
+        <a:tint val="40000"/>
+        <a:alpha val="90000"/>
+      </a:schemeClr>
+      <a:schemeClr val="accent6">
+        <a:tint val="40000"/>
+        <a:alpha val="90000"/>
+      </a:schemeClr>
+    </dgm:fillClrLst>
+    <dgm:linClrLst>
+      <a:schemeClr val="accent5">
+        <a:tint val="40000"/>
+        <a:alpha val="90000"/>
+      </a:schemeClr>
+      <a:schemeClr val="accent5">
+        <a:tint val="40000"/>
+        <a:alpha val="90000"/>
+      </a:schemeClr>
+    </dgm:linClrLst>
+    <dgm:effectClrLst/>
+    <dgm:txLinClrLst/>
+    <dgm:txFillClrLst meth="repeat">
+      <a:schemeClr val="dk1"/>
+    </dgm:txFillClrLst>
+    <dgm:txEffectClrLst/>
+  </dgm:styleLbl>
+  <dgm:styleLbl name="alignAccFollowNode1">
+    <dgm:fillClrLst>
+      <a:schemeClr val="accent5">
+        <a:tint val="40000"/>
+        <a:alpha val="90000"/>
+      </a:schemeClr>
+      <a:schemeClr val="accent6">
+        <a:tint val="40000"/>
+        <a:alpha val="90000"/>
+      </a:schemeClr>
+    </dgm:fillClrLst>
+    <dgm:linClrLst>
+      <a:schemeClr val="accent5">
+        <a:tint val="40000"/>
+        <a:alpha val="90000"/>
+      </a:schemeClr>
+      <a:schemeClr val="accent6">
+        <a:tint val="40000"/>
+        <a:alpha val="90000"/>
+      </a:schemeClr>
+    </dgm:linClrLst>
+    <dgm:effectClrLst/>
+    <dgm:txLinClrLst/>
+    <dgm:txFillClrLst meth="repeat">
+      <a:schemeClr val="dk1"/>
+    </dgm:txFillClrLst>
+    <dgm:txEffectClrLst/>
+  </dgm:styleLbl>
+  <dgm:styleLbl name="bgAccFollowNode1">
+    <dgm:fillClrLst>
+      <a:schemeClr val="accent5">
+        <a:tint val="40000"/>
+        <a:alpha val="90000"/>
+      </a:schemeClr>
+      <a:schemeClr val="accent6">
+        <a:tint val="40000"/>
+        <a:alpha val="90000"/>
+      </a:schemeClr>
+    </dgm:fillClrLst>
+    <dgm:linClrLst>
+      <a:schemeClr val="accent5">
+        <a:tint val="40000"/>
+        <a:alpha val="90000"/>
+      </a:schemeClr>
+      <a:schemeClr val="accent6">
+        <a:tint val="40000"/>
+        <a:alpha val="90000"/>
+      </a:schemeClr>
+    </dgm:linClrLst>
+    <dgm:effectClrLst/>
+    <dgm:txLinClrLst/>
+    <dgm:txFillClrLst meth="repeat">
+      <a:schemeClr val="dk1"/>
+    </dgm:txFillClrLst>
+    <dgm:txEffectClrLst/>
+  </dgm:styleLbl>
+  <dgm:styleLbl name="fgAcc0">
+    <dgm:fillClrLst meth="repeat">
+      <a:schemeClr val="lt1">
+        <a:alpha val="90000"/>
+      </a:schemeClr>
+    </dgm:fillClrLst>
+    <dgm:linClrLst>
+      <a:schemeClr val="accent4"/>
+    </dgm:linClrLst>
+    <dgm:effectClrLst/>
+    <dgm:txLinClrLst/>
+    <dgm:txFillClrLst meth="repeat">
+      <a:schemeClr val="dk1"/>
+    </dgm:txFillClrLst>
+    <dgm:txEffectClrLst/>
+  </dgm:styleLbl>
+  <dgm:styleLbl name="fgAcc2">
+    <dgm:fillClrLst meth="repeat">
+      <a:schemeClr val="lt1">
+        <a:alpha val="90000"/>
+      </a:schemeClr>
+    </dgm:fillClrLst>
+    <dgm:linClrLst>
+      <a:schemeClr val="accent6"/>
+    </dgm:linClrLst>
+    <dgm:effectClrLst/>
+    <dgm:txLinClrLst/>
+    <dgm:txFillClrLst meth="repeat">
+      <a:schemeClr val="dk1"/>
+    </dgm:txFillClrLst>
+    <dgm:txEffectClrLst/>
+  </dgm:styleLbl>
+  <dgm:styleLbl name="fgAcc3">
+    <dgm:fillClrLst meth="repeat">
+      <a:schemeClr val="lt1">
+        <a:alpha val="90000"/>
+      </a:schemeClr>
+    </dgm:fillClrLst>
+    <dgm:linClrLst>
+      <a:schemeClr val="accent1"/>
+    </dgm:linClrLst>
+    <dgm:effectClrLst/>
+    <dgm:txLinClrLst/>
+    <dgm:txFillClrLst meth="repeat">
+      <a:schemeClr val="dk1"/>
+    </dgm:txFillClrLst>
+    <dgm:txEffectClrLst/>
+  </dgm:styleLbl>
+  <dgm:styleLbl name="fgAcc4">
+    <dgm:fillClrLst meth="repeat">
+      <a:schemeClr val="lt1">
+        <a:alpha val="90000"/>
+      </a:schemeClr>
+    </dgm:fillClrLst>
+    <dgm:linClrLst>
+      <a:schemeClr val="accent2"/>
+    </dgm:linClrLst>
+    <dgm:effectClrLst/>
+    <dgm:txLinClrLst/>
+    <dgm:txFillClrLst meth="repeat">
+      <a:schemeClr val="dk1"/>
+    </dgm:txFillClrLst>
+    <dgm:txEffectClrLst/>
+  </dgm:styleLbl>
+  <dgm:styleLbl name="bgShp">
+    <dgm:fillClrLst meth="repeat">
+      <a:schemeClr val="accent5">
+        <a:tint val="40000"/>
+      </a:schemeClr>
+    </dgm:fillClrLst>
+    <dgm:linClrLst meth="repeat">
+      <a:schemeClr val="dk1"/>
+    </dgm:linClrLst>
+    <dgm:effectClrLst/>
+    <dgm:txLinClrLst/>
+    <dgm:txFillClrLst meth="repeat">
+      <a:schemeClr val="dk1"/>
+    </dgm:txFillClrLst>
+    <dgm:txEffectClrLst/>
+  </dgm:styleLbl>
+  <dgm:styleLbl name="dkBgShp">
+    <dgm:fillClrLst meth="repeat">
+      <a:schemeClr val="accent5">
+        <a:shade val="90000"/>
+      </a:schemeClr>
+    </dgm:fillClrLst>
+    <dgm:linClrLst meth="repeat">
+      <a:schemeClr val="dk1"/>
+    </dgm:linClrLst>
+    <dgm:effectClrLst/>
+    <dgm:txLinClrLst/>
+    <dgm:txFillClrLst meth="repeat">
+      <a:schemeClr val="lt1"/>
+    </dgm:txFillClrLst>
+    <dgm:txEffectClrLst/>
+  </dgm:styleLbl>
+  <dgm:styleLbl name="trBgShp">
+    <dgm:fillClrLst meth="repeat">
+      <a:schemeClr val="accent5">
+        <a:tint val="50000"/>
+        <a:alpha val="40000"/>
+      </a:schemeClr>
+    </dgm:fillClrLst>
+    <dgm:linClrLst meth="repeat">
+      <a:schemeClr val="accent5"/>
+    </dgm:linClrLst>
+    <dgm:effectClrLst/>
+    <dgm:txLinClrLst/>
+    <dgm:txFillClrLst meth="repeat">
+      <a:schemeClr val="lt1"/>
+    </dgm:txFillClrLst>
+    <dgm:txEffectClrLst/>
+  </dgm:styleLbl>
+  <dgm:styleLbl name="fgShp">
+    <dgm:fillClrLst meth="repeat">
+      <a:schemeClr val="accent5">
+        <a:tint val="40000"/>
+      </a:schemeClr>
+    </dgm:fillClrLst>
+    <dgm:linClrLst meth="repeat">
+      <a:schemeClr val="lt1"/>
+    </dgm:linClrLst>
+    <dgm:effectClrLst/>
+    <dgm:txLinClrLst/>
+    <dgm:txFillClrLst meth="repeat">
+      <a:schemeClr val="dk1"/>
+    </dgm:txFillClrLst>
+    <dgm:txEffectClrLst/>
+  </dgm:styleLbl>
+  <dgm:styleLbl name="revTx">
+    <dgm:fillClrLst meth="repeat">
+      <a:schemeClr val="lt1">
+        <a:alpha val="0"/>
+      </a:schemeClr>
+    </dgm:fillClrLst>
+    <dgm:linClrLst meth="repeat">
+      <a:schemeClr val="dk1">
+        <a:alpha val="0"/>
+      </a:schemeClr>
+    </dgm:linClrLst>
+    <dgm:effectClrLst/>
+    <dgm:txLinClrLst/>
+    <dgm:txFillClrLst meth="repeat">
+      <a:schemeClr val="tx1"/>
+    </dgm:txFillClrLst>
+    <dgm:txEffectClrLst/>
+  </dgm:styleLbl>
+</dgm:colorsDef>
+</file>
+
 <file path=ppt/diagrams/colors3.xml><?xml version="1.0" encoding="utf-8"?>
-<dgm:colorsDef xmlns:dgm="http://schemas.openxmlformats.org/drawingml/2006/diagram" xmlns:a="http://schemas.openxmlformats.org/drawingml/2006/main" uniqueId="urn:microsoft.com/office/officeart/2018/5/colors/Iconchunking_neutralbg_colorful1">
+<dgm:colorsDef xmlns:dgm="http://schemas.openxmlformats.org/drawingml/2006/diagram" xmlns:a="http://schemas.openxmlformats.org/drawingml/2006/main" uniqueId="urn:microsoft.com/office/officeart/2005/8/colors/colorful1">
   <dgm:title val=""/>
   <dgm:desc val=""/>
   <dgm:catLst>
@@ -1864,9 +1867,7 @@
       <a:schemeClr val="accent6"/>
     </dgm:fillClrLst>
     <dgm:linClrLst meth="repeat">
-      <a:schemeClr val="lt1">
-        <a:alpha val="0"/>
-      </a:schemeClr>
+      <a:schemeClr val="lt1"/>
     </dgm:linClrLst>
     <dgm:effectClrLst/>
     <dgm:txLinClrLst/>
@@ -2673,8 +2674,8 @@
   </dgm:styleLbl>
   <dgm:styleLbl name="bgShp">
     <dgm:fillClrLst meth="repeat">
-      <a:schemeClr val="bg1">
-        <a:lumMod val="95000"/>
+      <a:schemeClr val="accent2">
+        <a:tint val="40000"/>
       </a:schemeClr>
     </dgm:fillClrLst>
     <dgm:linClrLst meth="repeat">
@@ -2757,7 +2758,1182 @@
 </dgm:colorsDef>
 </file>
 
+<file path=ppt/diagrams/colors4.xml><?xml version="1.0" encoding="utf-8"?>
+<dgm:colorsDef xmlns:dgm="http://schemas.openxmlformats.org/drawingml/2006/diagram" xmlns:a="http://schemas.openxmlformats.org/drawingml/2006/main" uniqueId="urn:microsoft.com/office/officeart/2018/5/colors/Iconchunking_neutralbg_colorful1">
+  <dgm:title val=""/>
+  <dgm:desc val=""/>
+  <dgm:catLst>
+    <dgm:cat type="colorful" pri="10100"/>
+  </dgm:catLst>
+  <dgm:styleLbl name="node0">
+    <dgm:fillClrLst meth="repeat">
+      <a:schemeClr val="accent1"/>
+    </dgm:fillClrLst>
+    <dgm:linClrLst meth="repeat">
+      <a:schemeClr val="lt1"/>
+    </dgm:linClrLst>
+    <dgm:effectClrLst/>
+    <dgm:txLinClrLst/>
+    <dgm:txFillClrLst/>
+    <dgm:txEffectClrLst/>
+  </dgm:styleLbl>
+  <dgm:styleLbl name="node1">
+    <dgm:fillClrLst meth="repeat">
+      <a:schemeClr val="accent2"/>
+      <a:schemeClr val="accent3"/>
+      <a:schemeClr val="accent4"/>
+      <a:schemeClr val="accent5"/>
+      <a:schemeClr val="accent6"/>
+    </dgm:fillClrLst>
+    <dgm:linClrLst meth="repeat">
+      <a:schemeClr val="lt1">
+        <a:alpha val="0"/>
+      </a:schemeClr>
+    </dgm:linClrLst>
+    <dgm:effectClrLst/>
+    <dgm:txLinClrLst/>
+    <dgm:txFillClrLst/>
+    <dgm:txEffectClrLst/>
+  </dgm:styleLbl>
+  <dgm:styleLbl name="alignNode1">
+    <dgm:fillClrLst meth="repeat">
+      <a:schemeClr val="accent2"/>
+      <a:schemeClr val="accent3"/>
+      <a:schemeClr val="accent4"/>
+      <a:schemeClr val="accent5"/>
+      <a:schemeClr val="accent6"/>
+    </dgm:fillClrLst>
+    <dgm:linClrLst meth="repeat">
+      <a:schemeClr val="accent2"/>
+      <a:schemeClr val="accent3"/>
+      <a:schemeClr val="accent4"/>
+      <a:schemeClr val="accent5"/>
+      <a:schemeClr val="accent6"/>
+    </dgm:linClrLst>
+    <dgm:effectClrLst/>
+    <dgm:txLinClrLst/>
+    <dgm:txFillClrLst/>
+    <dgm:txEffectClrLst/>
+  </dgm:styleLbl>
+  <dgm:styleLbl name="lnNode1">
+    <dgm:fillClrLst meth="repeat">
+      <a:schemeClr val="accent2"/>
+      <a:schemeClr val="accent3"/>
+      <a:schemeClr val="accent4"/>
+      <a:schemeClr val="accent5"/>
+      <a:schemeClr val="accent6"/>
+    </dgm:fillClrLst>
+    <dgm:linClrLst meth="repeat">
+      <a:schemeClr val="lt1"/>
+    </dgm:linClrLst>
+    <dgm:effectClrLst/>
+    <dgm:txLinClrLst/>
+    <dgm:txFillClrLst/>
+    <dgm:txEffectClrLst/>
+  </dgm:styleLbl>
+  <dgm:styleLbl name="vennNode1">
+    <dgm:fillClrLst meth="repeat">
+      <a:schemeClr val="accent2">
+        <a:alpha val="50000"/>
+      </a:schemeClr>
+      <a:schemeClr val="accent3">
+        <a:alpha val="50000"/>
+      </a:schemeClr>
+      <a:schemeClr val="accent4">
+        <a:alpha val="50000"/>
+      </a:schemeClr>
+      <a:schemeClr val="accent5">
+        <a:alpha val="50000"/>
+      </a:schemeClr>
+      <a:schemeClr val="accent6">
+        <a:alpha val="50000"/>
+      </a:schemeClr>
+    </dgm:fillClrLst>
+    <dgm:linClrLst meth="repeat">
+      <a:schemeClr val="lt1"/>
+    </dgm:linClrLst>
+    <dgm:effectClrLst/>
+    <dgm:txLinClrLst/>
+    <dgm:txFillClrLst/>
+    <dgm:txEffectClrLst/>
+  </dgm:styleLbl>
+  <dgm:styleLbl name="node2">
+    <dgm:fillClrLst>
+      <a:schemeClr val="accent2"/>
+    </dgm:fillClrLst>
+    <dgm:linClrLst meth="repeat">
+      <a:schemeClr val="lt1"/>
+    </dgm:linClrLst>
+    <dgm:effectClrLst/>
+    <dgm:txLinClrLst/>
+    <dgm:txFillClrLst/>
+    <dgm:txEffectClrLst/>
+  </dgm:styleLbl>
+  <dgm:styleLbl name="node3">
+    <dgm:fillClrLst>
+      <a:schemeClr val="accent3"/>
+    </dgm:fillClrLst>
+    <dgm:linClrLst meth="repeat">
+      <a:schemeClr val="lt1"/>
+    </dgm:linClrLst>
+    <dgm:effectClrLst/>
+    <dgm:txLinClrLst/>
+    <dgm:txFillClrLst/>
+    <dgm:txEffectClrLst/>
+  </dgm:styleLbl>
+  <dgm:styleLbl name="node4">
+    <dgm:fillClrLst>
+      <a:schemeClr val="accent4"/>
+    </dgm:fillClrLst>
+    <dgm:linClrLst meth="repeat">
+      <a:schemeClr val="lt1"/>
+    </dgm:linClrLst>
+    <dgm:effectClrLst/>
+    <dgm:txLinClrLst/>
+    <dgm:txFillClrLst/>
+    <dgm:txEffectClrLst/>
+  </dgm:styleLbl>
+  <dgm:styleLbl name="fgImgPlace1">
+    <dgm:fillClrLst meth="repeat">
+      <a:schemeClr val="accent2">
+        <a:tint val="50000"/>
+      </a:schemeClr>
+      <a:schemeClr val="accent3">
+        <a:tint val="50000"/>
+      </a:schemeClr>
+      <a:schemeClr val="accent4">
+        <a:tint val="50000"/>
+      </a:schemeClr>
+      <a:schemeClr val="accent5">
+        <a:tint val="50000"/>
+      </a:schemeClr>
+      <a:schemeClr val="accent6">
+        <a:tint val="50000"/>
+      </a:schemeClr>
+    </dgm:fillClrLst>
+    <dgm:linClrLst meth="repeat">
+      <a:schemeClr val="lt1"/>
+    </dgm:linClrLst>
+    <dgm:effectClrLst/>
+    <dgm:txLinClrLst/>
+    <dgm:txFillClrLst meth="repeat">
+      <a:schemeClr val="lt1"/>
+    </dgm:txFillClrLst>
+    <dgm:txEffectClrLst/>
+  </dgm:styleLbl>
+  <dgm:styleLbl name="alignImgPlace1">
+    <dgm:fillClrLst>
+      <a:schemeClr val="accent1">
+        <a:tint val="50000"/>
+      </a:schemeClr>
+      <a:schemeClr val="accent2">
+        <a:tint val="20000"/>
+      </a:schemeClr>
+    </dgm:fillClrLst>
+    <dgm:linClrLst meth="repeat">
+      <a:schemeClr val="lt1"/>
+    </dgm:linClrLst>
+    <dgm:effectClrLst/>
+    <dgm:txLinClrLst/>
+    <dgm:txFillClrLst meth="repeat">
+      <a:schemeClr val="lt1"/>
+    </dgm:txFillClrLst>
+    <dgm:txEffectClrLst/>
+  </dgm:styleLbl>
+  <dgm:styleLbl name="bgImgPlace1">
+    <dgm:fillClrLst>
+      <a:schemeClr val="accent1">
+        <a:tint val="50000"/>
+      </a:schemeClr>
+      <a:schemeClr val="accent2">
+        <a:tint val="20000"/>
+      </a:schemeClr>
+    </dgm:fillClrLst>
+    <dgm:linClrLst meth="repeat">
+      <a:schemeClr val="lt1"/>
+    </dgm:linClrLst>
+    <dgm:effectClrLst/>
+    <dgm:txLinClrLst/>
+    <dgm:txFillClrLst meth="repeat">
+      <a:schemeClr val="lt1"/>
+    </dgm:txFillClrLst>
+    <dgm:txEffectClrLst/>
+  </dgm:styleLbl>
+  <dgm:styleLbl name="sibTrans2D1">
+    <dgm:fillClrLst meth="repeat">
+      <a:schemeClr val="accent2"/>
+      <a:schemeClr val="accent3"/>
+      <a:schemeClr val="accent4"/>
+      <a:schemeClr val="accent5"/>
+      <a:schemeClr val="accent6"/>
+    </dgm:fillClrLst>
+    <dgm:linClrLst meth="cycle">
+      <a:schemeClr val="lt1"/>
+    </dgm:linClrLst>
+    <dgm:effectClrLst/>
+    <dgm:txLinClrLst/>
+    <dgm:txFillClrLst/>
+    <dgm:txEffectClrLst/>
+  </dgm:styleLbl>
+  <dgm:styleLbl name="fgSibTrans2D1">
+    <dgm:fillClrLst meth="repeat">
+      <a:schemeClr val="accent2"/>
+      <a:schemeClr val="accent3"/>
+      <a:schemeClr val="accent4"/>
+      <a:schemeClr val="accent5"/>
+      <a:schemeClr val="accent6"/>
+    </dgm:fillClrLst>
+    <dgm:linClrLst meth="cycle">
+      <a:schemeClr val="lt1"/>
+    </dgm:linClrLst>
+    <dgm:effectClrLst/>
+    <dgm:txLinClrLst/>
+    <dgm:txFillClrLst meth="repeat">
+      <a:schemeClr val="lt1"/>
+    </dgm:txFillClrLst>
+    <dgm:txEffectClrLst/>
+  </dgm:styleLbl>
+  <dgm:styleLbl name="bgSibTrans2D1">
+    <dgm:fillClrLst meth="repeat">
+      <a:schemeClr val="accent2"/>
+      <a:schemeClr val="accent3"/>
+      <a:schemeClr val="accent4"/>
+      <a:schemeClr val="accent5"/>
+      <a:schemeClr val="accent6"/>
+    </dgm:fillClrLst>
+    <dgm:linClrLst meth="cycle">
+      <a:schemeClr val="lt1"/>
+    </dgm:linClrLst>
+    <dgm:effectClrLst/>
+    <dgm:txLinClrLst/>
+    <dgm:txFillClrLst meth="repeat">
+      <a:schemeClr val="lt1"/>
+    </dgm:txFillClrLst>
+    <dgm:txEffectClrLst/>
+  </dgm:styleLbl>
+  <dgm:styleLbl name="sibTrans1D1">
+    <dgm:fillClrLst meth="repeat">
+      <a:schemeClr val="accent2"/>
+      <a:schemeClr val="accent3"/>
+      <a:schemeClr val="accent4"/>
+      <a:schemeClr val="accent5"/>
+      <a:schemeClr val="accent6"/>
+    </dgm:fillClrLst>
+    <dgm:linClrLst meth="repeat">
+      <a:schemeClr val="accent2"/>
+      <a:schemeClr val="accent3"/>
+      <a:schemeClr val="accent4"/>
+      <a:schemeClr val="accent5"/>
+      <a:schemeClr val="accent6"/>
+    </dgm:linClrLst>
+    <dgm:effectClrLst/>
+    <dgm:txLinClrLst/>
+    <dgm:txFillClrLst meth="repeat">
+      <a:schemeClr val="tx1"/>
+    </dgm:txFillClrLst>
+    <dgm:txEffectClrLst/>
+  </dgm:styleLbl>
+  <dgm:styleLbl name="callout">
+    <dgm:fillClrLst meth="repeat">
+      <a:schemeClr val="accent2"/>
+    </dgm:fillClrLst>
+    <dgm:linClrLst meth="repeat">
+      <a:schemeClr val="accent2">
+        <a:tint val="50000"/>
+      </a:schemeClr>
+    </dgm:linClrLst>
+    <dgm:effectClrLst/>
+    <dgm:txLinClrLst/>
+    <dgm:txFillClrLst meth="repeat">
+      <a:schemeClr val="tx1"/>
+    </dgm:txFillClrLst>
+    <dgm:txEffectClrLst/>
+  </dgm:styleLbl>
+  <dgm:styleLbl name="asst0">
+    <dgm:fillClrLst meth="repeat">
+      <a:schemeClr val="accent1"/>
+    </dgm:fillClrLst>
+    <dgm:linClrLst meth="repeat">
+      <a:schemeClr val="lt1"/>
+    </dgm:linClrLst>
+    <dgm:effectClrLst/>
+    <dgm:txLinClrLst/>
+    <dgm:txFillClrLst/>
+    <dgm:txEffectClrLst/>
+  </dgm:styleLbl>
+  <dgm:styleLbl name="asst1">
+    <dgm:fillClrLst meth="repeat">
+      <a:schemeClr val="accent2"/>
+    </dgm:fillClrLst>
+    <dgm:linClrLst meth="repeat">
+      <a:schemeClr val="lt1"/>
+    </dgm:linClrLst>
+    <dgm:effectClrLst/>
+    <dgm:txLinClrLst/>
+    <dgm:txFillClrLst/>
+    <dgm:txEffectClrLst/>
+  </dgm:styleLbl>
+  <dgm:styleLbl name="asst2">
+    <dgm:fillClrLst>
+      <a:schemeClr val="accent3"/>
+    </dgm:fillClrLst>
+    <dgm:linClrLst meth="repeat">
+      <a:schemeClr val="lt1"/>
+    </dgm:linClrLst>
+    <dgm:effectClrLst/>
+    <dgm:txLinClrLst/>
+    <dgm:txFillClrLst/>
+    <dgm:txEffectClrLst/>
+  </dgm:styleLbl>
+  <dgm:styleLbl name="asst3">
+    <dgm:fillClrLst>
+      <a:schemeClr val="accent4"/>
+    </dgm:fillClrLst>
+    <dgm:linClrLst meth="repeat">
+      <a:schemeClr val="lt1"/>
+    </dgm:linClrLst>
+    <dgm:effectClrLst/>
+    <dgm:txLinClrLst/>
+    <dgm:txFillClrLst/>
+    <dgm:txEffectClrLst/>
+  </dgm:styleLbl>
+  <dgm:styleLbl name="asst4">
+    <dgm:fillClrLst>
+      <a:schemeClr val="accent5"/>
+    </dgm:fillClrLst>
+    <dgm:linClrLst meth="repeat">
+      <a:schemeClr val="lt1"/>
+    </dgm:linClrLst>
+    <dgm:effectClrLst/>
+    <dgm:txLinClrLst/>
+    <dgm:txFillClrLst/>
+    <dgm:txEffectClrLst/>
+  </dgm:styleLbl>
+  <dgm:styleLbl name="parChTrans2D1">
+    <dgm:fillClrLst meth="repeat">
+      <a:schemeClr val="accent2"/>
+    </dgm:fillClrLst>
+    <dgm:linClrLst meth="repeat">
+      <a:schemeClr val="lt1"/>
+    </dgm:linClrLst>
+    <dgm:effectClrLst/>
+    <dgm:txLinClrLst/>
+    <dgm:txFillClrLst meth="repeat">
+      <a:schemeClr val="lt1"/>
+    </dgm:txFillClrLst>
+    <dgm:txEffectClrLst/>
+  </dgm:styleLbl>
+  <dgm:styleLbl name="parChTrans2D2">
+    <dgm:fillClrLst meth="repeat">
+      <a:schemeClr val="accent3"/>
+    </dgm:fillClrLst>
+    <dgm:linClrLst meth="repeat">
+      <a:schemeClr val="lt1"/>
+    </dgm:linClrLst>
+    <dgm:effectClrLst/>
+    <dgm:txLinClrLst/>
+    <dgm:txFillClrLst/>
+    <dgm:txEffectClrLst/>
+  </dgm:styleLbl>
+  <dgm:styleLbl name="parChTrans2D3">
+    <dgm:fillClrLst meth="repeat">
+      <a:schemeClr val="accent4"/>
+    </dgm:fillClrLst>
+    <dgm:linClrLst meth="repeat">
+      <a:schemeClr val="lt1"/>
+    </dgm:linClrLst>
+    <dgm:effectClrLst/>
+    <dgm:txLinClrLst/>
+    <dgm:txFillClrLst/>
+    <dgm:txEffectClrLst/>
+  </dgm:styleLbl>
+  <dgm:styleLbl name="parChTrans2D4">
+    <dgm:fillClrLst meth="repeat">
+      <a:schemeClr val="accent5"/>
+    </dgm:fillClrLst>
+    <dgm:linClrLst meth="repeat">
+      <a:schemeClr val="lt1"/>
+    </dgm:linClrLst>
+    <dgm:effectClrLst/>
+    <dgm:txLinClrLst/>
+    <dgm:txFillClrLst meth="repeat">
+      <a:schemeClr val="lt1"/>
+    </dgm:txFillClrLst>
+    <dgm:txEffectClrLst/>
+  </dgm:styleLbl>
+  <dgm:styleLbl name="parChTrans1D1">
+    <dgm:fillClrLst meth="repeat">
+      <a:schemeClr val="accent2"/>
+    </dgm:fillClrLst>
+    <dgm:linClrLst meth="repeat">
+      <a:schemeClr val="accent1"/>
+    </dgm:linClrLst>
+    <dgm:effectClrLst/>
+    <dgm:txLinClrLst/>
+    <dgm:txFillClrLst meth="repeat">
+      <a:schemeClr val="tx1"/>
+    </dgm:txFillClrLst>
+    <dgm:txEffectClrLst/>
+  </dgm:styleLbl>
+  <dgm:styleLbl name="parChTrans1D2">
+    <dgm:fillClrLst meth="repeat">
+      <a:schemeClr val="accent3">
+        <a:tint val="90000"/>
+      </a:schemeClr>
+    </dgm:fillClrLst>
+    <dgm:linClrLst meth="repeat">
+      <a:schemeClr val="accent2"/>
+    </dgm:linClrLst>
+    <dgm:effectClrLst/>
+    <dgm:txLinClrLst/>
+    <dgm:txFillClrLst meth="repeat">
+      <a:schemeClr val="tx1"/>
+    </dgm:txFillClrLst>
+    <dgm:txEffectClrLst/>
+  </dgm:styleLbl>
+  <dgm:styleLbl name="parChTrans1D3">
+    <dgm:fillClrLst meth="repeat">
+      <a:schemeClr val="accent4">
+        <a:tint val="70000"/>
+      </a:schemeClr>
+    </dgm:fillClrLst>
+    <dgm:linClrLst meth="repeat">
+      <a:schemeClr val="accent3"/>
+    </dgm:linClrLst>
+    <dgm:effectClrLst/>
+    <dgm:txLinClrLst/>
+    <dgm:txFillClrLst meth="repeat">
+      <a:schemeClr val="tx1"/>
+    </dgm:txFillClrLst>
+    <dgm:txEffectClrLst/>
+  </dgm:styleLbl>
+  <dgm:styleLbl name="parChTrans1D4">
+    <dgm:fillClrLst meth="repeat">
+      <a:schemeClr val="accent5">
+        <a:tint val="50000"/>
+      </a:schemeClr>
+    </dgm:fillClrLst>
+    <dgm:linClrLst meth="repeat">
+      <a:schemeClr val="accent4"/>
+    </dgm:linClrLst>
+    <dgm:effectClrLst/>
+    <dgm:txLinClrLst/>
+    <dgm:txFillClrLst meth="repeat">
+      <a:schemeClr val="tx1"/>
+    </dgm:txFillClrLst>
+    <dgm:txEffectClrLst/>
+  </dgm:styleLbl>
+  <dgm:styleLbl name="fgAcc1">
+    <dgm:fillClrLst meth="repeat">
+      <a:schemeClr val="lt1">
+        <a:alpha val="90000"/>
+      </a:schemeClr>
+    </dgm:fillClrLst>
+    <dgm:linClrLst meth="repeat">
+      <a:schemeClr val="accent2"/>
+      <a:schemeClr val="accent3"/>
+      <a:schemeClr val="accent4"/>
+      <a:schemeClr val="accent5"/>
+      <a:schemeClr val="accent6"/>
+    </dgm:linClrLst>
+    <dgm:effectClrLst/>
+    <dgm:txLinClrLst/>
+    <dgm:txFillClrLst meth="repeat">
+      <a:schemeClr val="dk1"/>
+    </dgm:txFillClrLst>
+    <dgm:txEffectClrLst/>
+  </dgm:styleLbl>
+  <dgm:styleLbl name="conFgAcc1">
+    <dgm:fillClrLst meth="repeat">
+      <a:schemeClr val="lt1">
+        <a:alpha val="90000"/>
+      </a:schemeClr>
+    </dgm:fillClrLst>
+    <dgm:linClrLst meth="repeat">
+      <a:schemeClr val="accent2"/>
+      <a:schemeClr val="accent3"/>
+      <a:schemeClr val="accent4"/>
+      <a:schemeClr val="accent5"/>
+      <a:schemeClr val="accent6"/>
+    </dgm:linClrLst>
+    <dgm:effectClrLst/>
+    <dgm:txLinClrLst/>
+    <dgm:txFillClrLst meth="repeat">
+      <a:schemeClr val="dk1"/>
+    </dgm:txFillClrLst>
+    <dgm:txEffectClrLst/>
+  </dgm:styleLbl>
+  <dgm:styleLbl name="alignAcc1">
+    <dgm:fillClrLst meth="repeat">
+      <a:schemeClr val="lt1">
+        <a:alpha val="90000"/>
+      </a:schemeClr>
+    </dgm:fillClrLst>
+    <dgm:linClrLst meth="repeat">
+      <a:schemeClr val="accent2"/>
+      <a:schemeClr val="accent3"/>
+      <a:schemeClr val="accent4"/>
+      <a:schemeClr val="accent5"/>
+      <a:schemeClr val="accent6"/>
+    </dgm:linClrLst>
+    <dgm:effectClrLst/>
+    <dgm:txLinClrLst/>
+    <dgm:txFillClrLst meth="repeat">
+      <a:schemeClr val="dk1"/>
+    </dgm:txFillClrLst>
+    <dgm:txEffectClrLst/>
+  </dgm:styleLbl>
+  <dgm:styleLbl name="trAlignAcc1">
+    <dgm:fillClrLst meth="repeat">
+      <a:schemeClr val="lt1">
+        <a:alpha val="40000"/>
+      </a:schemeClr>
+    </dgm:fillClrLst>
+    <dgm:linClrLst meth="repeat">
+      <a:schemeClr val="accent1"/>
+    </dgm:linClrLst>
+    <dgm:effectClrLst/>
+    <dgm:txLinClrLst/>
+    <dgm:txFillClrLst meth="repeat">
+      <a:schemeClr val="dk1"/>
+    </dgm:txFillClrLst>
+    <dgm:txEffectClrLst/>
+  </dgm:styleLbl>
+  <dgm:styleLbl name="bgAcc1">
+    <dgm:fillClrLst meth="repeat">
+      <a:schemeClr val="lt1">
+        <a:alpha val="90000"/>
+      </a:schemeClr>
+    </dgm:fillClrLst>
+    <dgm:linClrLst meth="repeat">
+      <a:schemeClr val="accent2"/>
+      <a:schemeClr val="accent3"/>
+      <a:schemeClr val="accent4"/>
+      <a:schemeClr val="accent5"/>
+      <a:schemeClr val="accent6"/>
+    </dgm:linClrLst>
+    <dgm:effectClrLst/>
+    <dgm:txLinClrLst/>
+    <dgm:txFillClrLst meth="repeat">
+      <a:schemeClr val="dk1"/>
+    </dgm:txFillClrLst>
+    <dgm:txEffectClrLst/>
+  </dgm:styleLbl>
+  <dgm:styleLbl name="solidFgAcc1">
+    <dgm:fillClrLst meth="repeat">
+      <a:schemeClr val="lt1"/>
+    </dgm:fillClrLst>
+    <dgm:linClrLst meth="repeat">
+      <a:schemeClr val="accent2"/>
+      <a:schemeClr val="accent3"/>
+      <a:schemeClr val="accent4"/>
+      <a:schemeClr val="accent5"/>
+      <a:schemeClr val="accent6"/>
+    </dgm:linClrLst>
+    <dgm:effectClrLst/>
+    <dgm:txLinClrLst/>
+    <dgm:txFillClrLst meth="repeat">
+      <a:schemeClr val="dk1"/>
+    </dgm:txFillClrLst>
+    <dgm:txEffectClrLst/>
+  </dgm:styleLbl>
+  <dgm:styleLbl name="solidAlignAcc1">
+    <dgm:fillClrLst meth="repeat">
+      <a:schemeClr val="lt1"/>
+    </dgm:fillClrLst>
+    <dgm:linClrLst meth="repeat">
+      <a:schemeClr val="accent2"/>
+      <a:schemeClr val="accent3"/>
+      <a:schemeClr val="accent4"/>
+      <a:schemeClr val="accent5"/>
+      <a:schemeClr val="accent6"/>
+    </dgm:linClrLst>
+    <dgm:effectClrLst/>
+    <dgm:txLinClrLst/>
+    <dgm:txFillClrLst meth="repeat">
+      <a:schemeClr val="dk1"/>
+    </dgm:txFillClrLst>
+    <dgm:txEffectClrLst/>
+  </dgm:styleLbl>
+  <dgm:styleLbl name="solidBgAcc1">
+    <dgm:fillClrLst meth="repeat">
+      <a:schemeClr val="lt1"/>
+    </dgm:fillClrLst>
+    <dgm:linClrLst meth="repeat">
+      <a:schemeClr val="accent2"/>
+      <a:schemeClr val="accent3"/>
+      <a:schemeClr val="accent4"/>
+      <a:schemeClr val="accent5"/>
+      <a:schemeClr val="accent6"/>
+    </dgm:linClrLst>
+    <dgm:effectClrLst/>
+    <dgm:txLinClrLst/>
+    <dgm:txFillClrLst meth="repeat">
+      <a:schemeClr val="dk1"/>
+    </dgm:txFillClrLst>
+    <dgm:txEffectClrLst/>
+  </dgm:styleLbl>
+  <dgm:styleLbl name="fgAccFollowNode1">
+    <dgm:fillClrLst meth="repeat">
+      <a:schemeClr val="accent2">
+        <a:tint val="40000"/>
+        <a:alpha val="90000"/>
+      </a:schemeClr>
+      <a:schemeClr val="accent3">
+        <a:tint val="40000"/>
+        <a:alpha val="90000"/>
+      </a:schemeClr>
+      <a:schemeClr val="accent4">
+        <a:tint val="40000"/>
+        <a:alpha val="90000"/>
+      </a:schemeClr>
+      <a:schemeClr val="accent5">
+        <a:tint val="40000"/>
+        <a:alpha val="90000"/>
+      </a:schemeClr>
+      <a:schemeClr val="accent6">
+        <a:tint val="40000"/>
+        <a:alpha val="90000"/>
+      </a:schemeClr>
+    </dgm:fillClrLst>
+    <dgm:linClrLst meth="repeat">
+      <a:schemeClr val="accent2">
+        <a:tint val="40000"/>
+        <a:alpha val="90000"/>
+      </a:schemeClr>
+      <a:schemeClr val="accent3">
+        <a:tint val="40000"/>
+        <a:alpha val="90000"/>
+      </a:schemeClr>
+      <a:schemeClr val="accent4">
+        <a:tint val="40000"/>
+        <a:alpha val="90000"/>
+      </a:schemeClr>
+      <a:schemeClr val="accent5">
+        <a:tint val="40000"/>
+        <a:alpha val="90000"/>
+      </a:schemeClr>
+      <a:schemeClr val="accent6">
+        <a:tint val="40000"/>
+        <a:alpha val="90000"/>
+      </a:schemeClr>
+    </dgm:linClrLst>
+    <dgm:effectClrLst/>
+    <dgm:txLinClrLst/>
+    <dgm:txFillClrLst meth="repeat">
+      <a:schemeClr val="dk1"/>
+    </dgm:txFillClrLst>
+    <dgm:txEffectClrLst/>
+  </dgm:styleLbl>
+  <dgm:styleLbl name="alignAccFollowNode1">
+    <dgm:fillClrLst meth="repeat">
+      <a:schemeClr val="accent2">
+        <a:tint val="40000"/>
+        <a:alpha val="90000"/>
+      </a:schemeClr>
+      <a:schemeClr val="accent3">
+        <a:tint val="40000"/>
+        <a:alpha val="90000"/>
+      </a:schemeClr>
+      <a:schemeClr val="accent4">
+        <a:tint val="40000"/>
+        <a:alpha val="90000"/>
+      </a:schemeClr>
+      <a:schemeClr val="accent5">
+        <a:tint val="40000"/>
+        <a:alpha val="90000"/>
+      </a:schemeClr>
+      <a:schemeClr val="accent6">
+        <a:tint val="40000"/>
+        <a:alpha val="90000"/>
+      </a:schemeClr>
+    </dgm:fillClrLst>
+    <dgm:linClrLst meth="repeat">
+      <a:schemeClr val="accent2">
+        <a:tint val="40000"/>
+        <a:alpha val="90000"/>
+      </a:schemeClr>
+      <a:schemeClr val="accent3">
+        <a:tint val="40000"/>
+        <a:alpha val="90000"/>
+      </a:schemeClr>
+      <a:schemeClr val="accent4">
+        <a:tint val="40000"/>
+        <a:alpha val="90000"/>
+      </a:schemeClr>
+      <a:schemeClr val="accent5">
+        <a:tint val="40000"/>
+        <a:alpha val="90000"/>
+      </a:schemeClr>
+      <a:schemeClr val="accent6">
+        <a:tint val="40000"/>
+        <a:alpha val="90000"/>
+      </a:schemeClr>
+    </dgm:linClrLst>
+    <dgm:effectClrLst/>
+    <dgm:txLinClrLst/>
+    <dgm:txFillClrLst meth="repeat">
+      <a:schemeClr val="dk1"/>
+    </dgm:txFillClrLst>
+    <dgm:txEffectClrLst/>
+  </dgm:styleLbl>
+  <dgm:styleLbl name="bgAccFollowNode1">
+    <dgm:fillClrLst meth="repeat">
+      <a:schemeClr val="accent2">
+        <a:tint val="40000"/>
+        <a:alpha val="90000"/>
+      </a:schemeClr>
+      <a:schemeClr val="accent3">
+        <a:tint val="40000"/>
+        <a:alpha val="90000"/>
+      </a:schemeClr>
+      <a:schemeClr val="accent4">
+        <a:tint val="40000"/>
+        <a:alpha val="90000"/>
+      </a:schemeClr>
+      <a:schemeClr val="accent5">
+        <a:tint val="40000"/>
+        <a:alpha val="90000"/>
+      </a:schemeClr>
+      <a:schemeClr val="accent6">
+        <a:tint val="40000"/>
+        <a:alpha val="90000"/>
+      </a:schemeClr>
+    </dgm:fillClrLst>
+    <dgm:linClrLst meth="repeat">
+      <a:schemeClr val="accent2">
+        <a:tint val="40000"/>
+        <a:alpha val="90000"/>
+      </a:schemeClr>
+      <a:schemeClr val="accent3">
+        <a:tint val="40000"/>
+        <a:alpha val="90000"/>
+      </a:schemeClr>
+      <a:schemeClr val="accent4">
+        <a:tint val="40000"/>
+        <a:alpha val="90000"/>
+      </a:schemeClr>
+      <a:schemeClr val="accent5">
+        <a:tint val="40000"/>
+        <a:alpha val="90000"/>
+      </a:schemeClr>
+      <a:schemeClr val="accent6">
+        <a:tint val="40000"/>
+        <a:alpha val="90000"/>
+      </a:schemeClr>
+    </dgm:linClrLst>
+    <dgm:effectClrLst/>
+    <dgm:txLinClrLst/>
+    <dgm:txFillClrLst meth="repeat">
+      <a:schemeClr val="dk1"/>
+    </dgm:txFillClrLst>
+    <dgm:txEffectClrLst/>
+  </dgm:styleLbl>
+  <dgm:styleLbl name="fgAcc0">
+    <dgm:fillClrLst meth="repeat">
+      <a:schemeClr val="lt1">
+        <a:alpha val="90000"/>
+      </a:schemeClr>
+    </dgm:fillClrLst>
+    <dgm:linClrLst>
+      <a:schemeClr val="accent1"/>
+    </dgm:linClrLst>
+    <dgm:effectClrLst/>
+    <dgm:txLinClrLst/>
+    <dgm:txFillClrLst meth="repeat">
+      <a:schemeClr val="dk1"/>
+    </dgm:txFillClrLst>
+    <dgm:txEffectClrLst/>
+  </dgm:styleLbl>
+  <dgm:styleLbl name="fgAcc2">
+    <dgm:fillClrLst meth="repeat">
+      <a:schemeClr val="lt1">
+        <a:alpha val="90000"/>
+      </a:schemeClr>
+    </dgm:fillClrLst>
+    <dgm:linClrLst>
+      <a:schemeClr val="accent2"/>
+    </dgm:linClrLst>
+    <dgm:effectClrLst/>
+    <dgm:txLinClrLst/>
+    <dgm:txFillClrLst meth="repeat">
+      <a:schemeClr val="dk1"/>
+    </dgm:txFillClrLst>
+    <dgm:txEffectClrLst/>
+  </dgm:styleLbl>
+  <dgm:styleLbl name="fgAcc3">
+    <dgm:fillClrLst meth="repeat">
+      <a:schemeClr val="lt1">
+        <a:alpha val="90000"/>
+      </a:schemeClr>
+    </dgm:fillClrLst>
+    <dgm:linClrLst>
+      <a:schemeClr val="accent3"/>
+    </dgm:linClrLst>
+    <dgm:effectClrLst/>
+    <dgm:txLinClrLst/>
+    <dgm:txFillClrLst meth="repeat">
+      <a:schemeClr val="dk1"/>
+    </dgm:txFillClrLst>
+    <dgm:txEffectClrLst/>
+  </dgm:styleLbl>
+  <dgm:styleLbl name="fgAcc4">
+    <dgm:fillClrLst meth="repeat">
+      <a:schemeClr val="lt1">
+        <a:alpha val="90000"/>
+      </a:schemeClr>
+    </dgm:fillClrLst>
+    <dgm:linClrLst>
+      <a:schemeClr val="accent4"/>
+    </dgm:linClrLst>
+    <dgm:effectClrLst/>
+    <dgm:txLinClrLst/>
+    <dgm:txFillClrLst meth="repeat">
+      <a:schemeClr val="dk1"/>
+    </dgm:txFillClrLst>
+    <dgm:txEffectClrLst/>
+  </dgm:styleLbl>
+  <dgm:styleLbl name="bgShp">
+    <dgm:fillClrLst meth="repeat">
+      <a:schemeClr val="bg1">
+        <a:lumMod val="95000"/>
+      </a:schemeClr>
+    </dgm:fillClrLst>
+    <dgm:linClrLst meth="repeat">
+      <a:schemeClr val="dk1"/>
+    </dgm:linClrLst>
+    <dgm:effectClrLst/>
+    <dgm:txLinClrLst/>
+    <dgm:txFillClrLst meth="repeat">
+      <a:schemeClr val="dk1"/>
+    </dgm:txFillClrLst>
+    <dgm:txEffectClrLst/>
+  </dgm:styleLbl>
+  <dgm:styleLbl name="dkBgShp">
+    <dgm:fillClrLst meth="repeat">
+      <a:schemeClr val="accent2">
+        <a:shade val="90000"/>
+      </a:schemeClr>
+    </dgm:fillClrLst>
+    <dgm:linClrLst meth="repeat">
+      <a:schemeClr val="dk1"/>
+    </dgm:linClrLst>
+    <dgm:effectClrLst/>
+    <dgm:txLinClrLst/>
+    <dgm:txFillClrLst meth="repeat">
+      <a:schemeClr val="lt1"/>
+    </dgm:txFillClrLst>
+    <dgm:txEffectClrLst/>
+  </dgm:styleLbl>
+  <dgm:styleLbl name="trBgShp">
+    <dgm:fillClrLst meth="repeat">
+      <a:schemeClr val="accent1">
+        <a:tint val="50000"/>
+        <a:alpha val="40000"/>
+      </a:schemeClr>
+    </dgm:fillClrLst>
+    <dgm:linClrLst meth="repeat">
+      <a:schemeClr val="accent2"/>
+    </dgm:linClrLst>
+    <dgm:effectClrLst/>
+    <dgm:txLinClrLst/>
+    <dgm:txFillClrLst meth="repeat">
+      <a:schemeClr val="lt1"/>
+    </dgm:txFillClrLst>
+    <dgm:txEffectClrLst/>
+  </dgm:styleLbl>
+  <dgm:styleLbl name="fgShp">
+    <dgm:fillClrLst meth="repeat">
+      <a:schemeClr val="accent2">
+        <a:tint val="40000"/>
+      </a:schemeClr>
+    </dgm:fillClrLst>
+    <dgm:linClrLst meth="repeat">
+      <a:schemeClr val="lt1"/>
+    </dgm:linClrLst>
+    <dgm:effectClrLst/>
+    <dgm:txLinClrLst/>
+    <dgm:txFillClrLst meth="repeat">
+      <a:schemeClr val="dk1"/>
+    </dgm:txFillClrLst>
+    <dgm:txEffectClrLst/>
+  </dgm:styleLbl>
+  <dgm:styleLbl name="revTx">
+    <dgm:fillClrLst meth="repeat">
+      <a:schemeClr val="lt1">
+        <a:alpha val="0"/>
+      </a:schemeClr>
+    </dgm:fillClrLst>
+    <dgm:linClrLst meth="repeat">
+      <a:schemeClr val="dk1">
+        <a:alpha val="0"/>
+      </a:schemeClr>
+    </dgm:linClrLst>
+    <dgm:effectClrLst/>
+    <dgm:txLinClrLst/>
+    <dgm:txFillClrLst meth="repeat">
+      <a:schemeClr val="tx1"/>
+    </dgm:txFillClrLst>
+    <dgm:txEffectClrLst/>
+  </dgm:styleLbl>
+</dgm:colorsDef>
+</file>
+
 <file path=ppt/diagrams/data1.xml><?xml version="1.0" encoding="utf-8"?>
+<dgm:dataModel xmlns:dgm="http://schemas.openxmlformats.org/drawingml/2006/diagram" xmlns:a="http://schemas.openxmlformats.org/drawingml/2006/main">
+  <dgm:ptLst>
+    <dgm:pt modelId="{55F81085-3D31-4ED5-AAC7-F4240457773D}" type="doc">
+      <dgm:prSet loTypeId="urn:microsoft.com/office/officeart/2018/5/layout/IconLeafLabelList" loCatId="icon" qsTypeId="urn:microsoft.com/office/officeart/2005/8/quickstyle/simple1" qsCatId="simple" csTypeId="urn:microsoft.com/office/officeart/2018/5/colors/Iconchunking_neutralicon_colorful1" csCatId="colorful" phldr="1"/>
+      <dgm:spPr/>
+      <dgm:t>
+        <a:bodyPr/>
+        <a:lstStyle/>
+        <a:p>
+          <a:endParaRPr lang="en-US"/>
+        </a:p>
+      </dgm:t>
+    </dgm:pt>
+    <dgm:pt modelId="{FBA911BF-D100-4277-BCE7-C5C03093D552}">
+      <dgm:prSet/>
+      <dgm:spPr/>
+      <dgm:t>
+        <a:bodyPr/>
+        <a:lstStyle/>
+        <a:p>
+          <a:pPr>
+            <a:defRPr cap="all"/>
+          </a:pPr>
+          <a:r>
+            <a:rPr lang="en-US" b="1"/>
+            <a:t>If it's simple</a:t>
+          </a:r>
+          <a:r>
+            <a:rPr lang="en-US"/>
+            <a:t>: Using JSON or INI files to store settings and task data is sufficient.</a:t>
+          </a:r>
+        </a:p>
+      </dgm:t>
+    </dgm:pt>
+    <dgm:pt modelId="{FCF900FE-981D-472B-B261-5AB55DD3385A}" type="parTrans" cxnId="{A088551D-7B7F-48A4-8C6F-6E271A955722}">
+      <dgm:prSet/>
+      <dgm:spPr/>
+      <dgm:t>
+        <a:bodyPr/>
+        <a:lstStyle/>
+        <a:p>
+          <a:endParaRPr lang="en-US"/>
+        </a:p>
+      </dgm:t>
+    </dgm:pt>
+    <dgm:pt modelId="{42AC5E12-3555-4FB2-BE38-702273D34B8E}" type="sibTrans" cxnId="{A088551D-7B7F-48A4-8C6F-6E271A955722}">
+      <dgm:prSet/>
+      <dgm:spPr/>
+      <dgm:t>
+        <a:bodyPr/>
+        <a:lstStyle/>
+        <a:p>
+          <a:endParaRPr lang="en-US"/>
+        </a:p>
+      </dgm:t>
+    </dgm:pt>
+    <dgm:pt modelId="{64D66F28-930D-4268-94A4-497FFE089DCA}">
+      <dgm:prSet/>
+      <dgm:spPr/>
+      <dgm:t>
+        <a:bodyPr/>
+        <a:lstStyle/>
+        <a:p>
+          <a:pPr>
+            <a:defRPr cap="all"/>
+          </a:pPr>
+          <a:r>
+            <a:rPr lang="en-US" b="1"/>
+            <a:t>If it's more complex</a:t>
+          </a:r>
+          <a:r>
+            <a:rPr lang="en-US"/>
+            <a:t>: Consider using SQLite for more structured and relational data storage. </a:t>
+          </a:r>
+        </a:p>
+      </dgm:t>
+    </dgm:pt>
+    <dgm:pt modelId="{B0F67A4A-28CE-4727-9267-862CE76135E7}" type="parTrans" cxnId="{04232239-6250-4AE5-8714-7D3CE2E17B60}">
+      <dgm:prSet/>
+      <dgm:spPr/>
+      <dgm:t>
+        <a:bodyPr/>
+        <a:lstStyle/>
+        <a:p>
+          <a:endParaRPr lang="en-US"/>
+        </a:p>
+      </dgm:t>
+    </dgm:pt>
+    <dgm:pt modelId="{B40F103E-ABD2-49BB-849D-1146452F82B6}" type="sibTrans" cxnId="{04232239-6250-4AE5-8714-7D3CE2E17B60}">
+      <dgm:prSet/>
+      <dgm:spPr/>
+      <dgm:t>
+        <a:bodyPr/>
+        <a:lstStyle/>
+        <a:p>
+          <a:endParaRPr lang="en-US"/>
+        </a:p>
+      </dgm:t>
+    </dgm:pt>
+    <dgm:pt modelId="{185BD3AA-2FFB-4040-BC40-3C257EDB0BB9}" type="pres">
+      <dgm:prSet presAssocID="{55F81085-3D31-4ED5-AAC7-F4240457773D}" presName="root" presStyleCnt="0">
+        <dgm:presLayoutVars>
+          <dgm:dir/>
+          <dgm:resizeHandles val="exact"/>
+        </dgm:presLayoutVars>
+      </dgm:prSet>
+      <dgm:spPr/>
+    </dgm:pt>
+    <dgm:pt modelId="{53C4DB91-C714-43CE-9D81-950238915562}" type="pres">
+      <dgm:prSet presAssocID="{FBA911BF-D100-4277-BCE7-C5C03093D552}" presName="compNode" presStyleCnt="0"/>
+      <dgm:spPr/>
+    </dgm:pt>
+    <dgm:pt modelId="{687DE520-0A9E-452A-8C74-E3D209D0B9D1}" type="pres">
+      <dgm:prSet presAssocID="{FBA911BF-D100-4277-BCE7-C5C03093D552}" presName="iconBgRect" presStyleLbl="bgShp" presStyleIdx="0" presStyleCnt="2"/>
+      <dgm:spPr>
+        <a:prstGeom prst="round2DiagRect">
+          <a:avLst>
+            <a:gd name="adj1" fmla="val 29727"/>
+            <a:gd name="adj2" fmla="val 0"/>
+          </a:avLst>
+        </a:prstGeom>
+      </dgm:spPr>
+    </dgm:pt>
+    <dgm:pt modelId="{F657BA38-AFE7-42BF-BCD9-983CFD578794}" type="pres">
+      <dgm:prSet presAssocID="{FBA911BF-D100-4277-BCE7-C5C03093D552}" presName="iconRect" presStyleLbl="node1" presStyleIdx="0" presStyleCnt="2"/>
+      <dgm:spPr>
+        <a:blipFill>
+          <a:blip xmlns:r="http://schemas.openxmlformats.org/officeDocument/2006/relationships" r:embed="rId1">
+            <a:extLst>
+              <a:ext uri="{28A0092B-C50C-407E-A947-70E740481C1C}">
+                <a14:useLocalDpi xmlns:a14="http://schemas.microsoft.com/office/drawing/2010/main" val="0"/>
+              </a:ext>
+              <a:ext uri="{96DAC541-7B7A-43D3-8B79-37D633B846F1}">
+                <asvg:svgBlip xmlns:asvg="http://schemas.microsoft.com/office/drawing/2016/SVG/main" r:embed="rId2"/>
+              </a:ext>
+            </a:extLst>
+          </a:blip>
+          <a:stretch>
+            <a:fillRect/>
+          </a:stretch>
+        </a:blipFill>
+        <a:ln>
+          <a:noFill/>
+        </a:ln>
+      </dgm:spPr>
+      <dgm:extLst>
+        <a:ext uri="{E40237B7-FDA0-4F09-8148-C483321AD2D9}">
+          <dgm14:cNvPr xmlns:dgm14="http://schemas.microsoft.com/office/drawing/2010/diagram" id="0" name="" descr="Open Folder"/>
+        </a:ext>
+      </dgm:extLst>
+    </dgm:pt>
+    <dgm:pt modelId="{1E0E82C8-6338-450C-9BC4-10D5E1E1E7BE}" type="pres">
+      <dgm:prSet presAssocID="{FBA911BF-D100-4277-BCE7-C5C03093D552}" presName="spaceRect" presStyleCnt="0"/>
+      <dgm:spPr/>
+    </dgm:pt>
+    <dgm:pt modelId="{A079EB19-F763-4783-8609-C1C10772553B}" type="pres">
+      <dgm:prSet presAssocID="{FBA911BF-D100-4277-BCE7-C5C03093D552}" presName="textRect" presStyleLbl="revTx" presStyleIdx="0" presStyleCnt="2">
+        <dgm:presLayoutVars>
+          <dgm:chMax val="1"/>
+          <dgm:chPref val="1"/>
+        </dgm:presLayoutVars>
+      </dgm:prSet>
+      <dgm:spPr/>
+    </dgm:pt>
+    <dgm:pt modelId="{FBAAE9CD-125E-441C-86C8-E7871FC3DAC8}" type="pres">
+      <dgm:prSet presAssocID="{42AC5E12-3555-4FB2-BE38-702273D34B8E}" presName="sibTrans" presStyleCnt="0"/>
+      <dgm:spPr/>
+    </dgm:pt>
+    <dgm:pt modelId="{AE552371-5E09-425A-A8C7-3C18087950F7}" type="pres">
+      <dgm:prSet presAssocID="{64D66F28-930D-4268-94A4-497FFE089DCA}" presName="compNode" presStyleCnt="0"/>
+      <dgm:spPr/>
+    </dgm:pt>
+    <dgm:pt modelId="{C43A90B0-6F37-4ADB-97B5-07A20A69F87C}" type="pres">
+      <dgm:prSet presAssocID="{64D66F28-930D-4268-94A4-497FFE089DCA}" presName="iconBgRect" presStyleLbl="bgShp" presStyleIdx="1" presStyleCnt="2"/>
+      <dgm:spPr>
+        <a:prstGeom prst="round2DiagRect">
+          <a:avLst>
+            <a:gd name="adj1" fmla="val 29727"/>
+            <a:gd name="adj2" fmla="val 0"/>
+          </a:avLst>
+        </a:prstGeom>
+      </dgm:spPr>
+    </dgm:pt>
+    <dgm:pt modelId="{DA272202-1638-44E5-ADBE-FE563C205718}" type="pres">
+      <dgm:prSet presAssocID="{64D66F28-930D-4268-94A4-497FFE089DCA}" presName="iconRect" presStyleLbl="node1" presStyleIdx="1" presStyleCnt="2"/>
+      <dgm:spPr>
+        <a:blipFill>
+          <a:blip xmlns:r="http://schemas.openxmlformats.org/officeDocument/2006/relationships" r:embed="rId3">
+            <a:extLst>
+              <a:ext uri="{28A0092B-C50C-407E-A947-70E740481C1C}">
+                <a14:useLocalDpi xmlns:a14="http://schemas.microsoft.com/office/drawing/2010/main" val="0"/>
+              </a:ext>
+              <a:ext uri="{96DAC541-7B7A-43D3-8B79-37D633B846F1}">
+                <asvg:svgBlip xmlns:asvg="http://schemas.microsoft.com/office/drawing/2016/SVG/main" r:embed="rId4"/>
+              </a:ext>
+            </a:extLst>
+          </a:blip>
+          <a:stretch>
+            <a:fillRect/>
+          </a:stretch>
+        </a:blipFill>
+        <a:ln>
+          <a:noFill/>
+        </a:ln>
+      </dgm:spPr>
+      <dgm:extLst>
+        <a:ext uri="{E40237B7-FDA0-4F09-8148-C483321AD2D9}">
+          <dgm14:cNvPr xmlns:dgm14="http://schemas.microsoft.com/office/drawing/2010/diagram" id="0" name="" descr="Database"/>
+        </a:ext>
+      </dgm:extLst>
+    </dgm:pt>
+    <dgm:pt modelId="{BBAFE16F-186D-4772-8D27-1079E5399921}" type="pres">
+      <dgm:prSet presAssocID="{64D66F28-930D-4268-94A4-497FFE089DCA}" presName="spaceRect" presStyleCnt="0"/>
+      <dgm:spPr/>
+    </dgm:pt>
+    <dgm:pt modelId="{B94F1215-C4F8-48A9-A3CE-E68EF738F5E1}" type="pres">
+      <dgm:prSet presAssocID="{64D66F28-930D-4268-94A4-497FFE089DCA}" presName="textRect" presStyleLbl="revTx" presStyleIdx="1" presStyleCnt="2">
+        <dgm:presLayoutVars>
+          <dgm:chMax val="1"/>
+          <dgm:chPref val="1"/>
+        </dgm:presLayoutVars>
+      </dgm:prSet>
+      <dgm:spPr/>
+    </dgm:pt>
+  </dgm:ptLst>
+  <dgm:cxnLst>
+    <dgm:cxn modelId="{A088551D-7B7F-48A4-8C6F-6E271A955722}" srcId="{55F81085-3D31-4ED5-AAC7-F4240457773D}" destId="{FBA911BF-D100-4277-BCE7-C5C03093D552}" srcOrd="0" destOrd="0" parTransId="{FCF900FE-981D-472B-B261-5AB55DD3385A}" sibTransId="{42AC5E12-3555-4FB2-BE38-702273D34B8E}"/>
+    <dgm:cxn modelId="{04232239-6250-4AE5-8714-7D3CE2E17B60}" srcId="{55F81085-3D31-4ED5-AAC7-F4240457773D}" destId="{64D66F28-930D-4268-94A4-497FFE089DCA}" srcOrd="1" destOrd="0" parTransId="{B0F67A4A-28CE-4727-9267-862CE76135E7}" sibTransId="{B40F103E-ABD2-49BB-849D-1146452F82B6}"/>
+    <dgm:cxn modelId="{3120AD70-4E45-46F1-98B4-907441075484}" type="presOf" srcId="{64D66F28-930D-4268-94A4-497FFE089DCA}" destId="{B94F1215-C4F8-48A9-A3CE-E68EF738F5E1}" srcOrd="0" destOrd="0" presId="urn:microsoft.com/office/officeart/2018/5/layout/IconLeafLabelList"/>
+    <dgm:cxn modelId="{00CB72B7-D9E4-40BB-845D-B99A8DB09D4F}" type="presOf" srcId="{FBA911BF-D100-4277-BCE7-C5C03093D552}" destId="{A079EB19-F763-4783-8609-C1C10772553B}" srcOrd="0" destOrd="0" presId="urn:microsoft.com/office/officeart/2018/5/layout/IconLeafLabelList"/>
+    <dgm:cxn modelId="{94641CC8-5209-4FD6-A86B-FD155D7F90E5}" type="presOf" srcId="{55F81085-3D31-4ED5-AAC7-F4240457773D}" destId="{185BD3AA-2FFB-4040-BC40-3C257EDB0BB9}" srcOrd="0" destOrd="0" presId="urn:microsoft.com/office/officeart/2018/5/layout/IconLeafLabelList"/>
+    <dgm:cxn modelId="{B91DB406-6DBE-4B11-823D-481BFF6A5B36}" type="presParOf" srcId="{185BD3AA-2FFB-4040-BC40-3C257EDB0BB9}" destId="{53C4DB91-C714-43CE-9D81-950238915562}" srcOrd="0" destOrd="0" presId="urn:microsoft.com/office/officeart/2018/5/layout/IconLeafLabelList"/>
+    <dgm:cxn modelId="{72325A3A-25D6-41FD-BCE7-10075FEC8CC8}" type="presParOf" srcId="{53C4DB91-C714-43CE-9D81-950238915562}" destId="{687DE520-0A9E-452A-8C74-E3D209D0B9D1}" srcOrd="0" destOrd="0" presId="urn:microsoft.com/office/officeart/2018/5/layout/IconLeafLabelList"/>
+    <dgm:cxn modelId="{102A5AB4-A72C-4342-97F9-BF0D2C9F057F}" type="presParOf" srcId="{53C4DB91-C714-43CE-9D81-950238915562}" destId="{F657BA38-AFE7-42BF-BCD9-983CFD578794}" srcOrd="1" destOrd="0" presId="urn:microsoft.com/office/officeart/2018/5/layout/IconLeafLabelList"/>
+    <dgm:cxn modelId="{4F8BA1FF-4B5B-4F12-945C-0D0565402C14}" type="presParOf" srcId="{53C4DB91-C714-43CE-9D81-950238915562}" destId="{1E0E82C8-6338-450C-9BC4-10D5E1E1E7BE}" srcOrd="2" destOrd="0" presId="urn:microsoft.com/office/officeart/2018/5/layout/IconLeafLabelList"/>
+    <dgm:cxn modelId="{B74609E4-7837-49B4-B868-20077553B466}" type="presParOf" srcId="{53C4DB91-C714-43CE-9D81-950238915562}" destId="{A079EB19-F763-4783-8609-C1C10772553B}" srcOrd="3" destOrd="0" presId="urn:microsoft.com/office/officeart/2018/5/layout/IconLeafLabelList"/>
+    <dgm:cxn modelId="{55374EE7-4500-4255-8013-24533186A436}" type="presParOf" srcId="{185BD3AA-2FFB-4040-BC40-3C257EDB0BB9}" destId="{FBAAE9CD-125E-441C-86C8-E7871FC3DAC8}" srcOrd="1" destOrd="0" presId="urn:microsoft.com/office/officeart/2018/5/layout/IconLeafLabelList"/>
+    <dgm:cxn modelId="{D62E9497-1BC1-442C-B097-237F6FC9422F}" type="presParOf" srcId="{185BD3AA-2FFB-4040-BC40-3C257EDB0BB9}" destId="{AE552371-5E09-425A-A8C7-3C18087950F7}" srcOrd="2" destOrd="0" presId="urn:microsoft.com/office/officeart/2018/5/layout/IconLeafLabelList"/>
+    <dgm:cxn modelId="{13AEEFF3-B41E-4821-BE7E-1E8ECC0064F0}" type="presParOf" srcId="{AE552371-5E09-425A-A8C7-3C18087950F7}" destId="{C43A90B0-6F37-4ADB-97B5-07A20A69F87C}" srcOrd="0" destOrd="0" presId="urn:microsoft.com/office/officeart/2018/5/layout/IconLeafLabelList"/>
+    <dgm:cxn modelId="{507358D4-55FE-4BA2-AEB9-519DB0E9EA75}" type="presParOf" srcId="{AE552371-5E09-425A-A8C7-3C18087950F7}" destId="{DA272202-1638-44E5-ADBE-FE563C205718}" srcOrd="1" destOrd="0" presId="urn:microsoft.com/office/officeart/2018/5/layout/IconLeafLabelList"/>
+    <dgm:cxn modelId="{6FFC0EDB-B180-4CEC-877D-068B136B6E3C}" type="presParOf" srcId="{AE552371-5E09-425A-A8C7-3C18087950F7}" destId="{BBAFE16F-186D-4772-8D27-1079E5399921}" srcOrd="2" destOrd="0" presId="urn:microsoft.com/office/officeart/2018/5/layout/IconLeafLabelList"/>
+    <dgm:cxn modelId="{669028E0-ECEB-4AF4-BC19-C2B5A3CB3162}" type="presParOf" srcId="{AE552371-5E09-425A-A8C7-3C18087950F7}" destId="{B94F1215-C4F8-48A9-A3CE-E68EF738F5E1}" srcOrd="3" destOrd="0" presId="urn:microsoft.com/office/officeart/2018/5/layout/IconLeafLabelList"/>
+  </dgm:cxnLst>
+  <dgm:bg/>
+  <dgm:whole/>
+  <dgm:extLst>
+    <a:ext uri="http://schemas.microsoft.com/office/drawing/2008/diagram">
+      <dsp:dataModelExt xmlns:dsp="http://schemas.microsoft.com/office/drawing/2008/diagram" relId="rId6" minVer="http://schemas.openxmlformats.org/drawingml/2006/diagram"/>
+    </a:ext>
+  </dgm:extLst>
+</dgm:dataModel>
+</file>
+
+<file path=ppt/diagrams/data2.xml><?xml version="1.0" encoding="utf-8"?>
 <dgm:dataModel xmlns:dgm="http://schemas.openxmlformats.org/drawingml/2006/diagram" xmlns:a="http://schemas.openxmlformats.org/drawingml/2006/main">
   <dgm:ptLst>
     <dgm:pt modelId="{9E326E9B-9D84-4F7C-AC57-D0C1A6FC7B20}" type="doc">
@@ -3259,7 +4435,7 @@
 </dgm:dataModel>
 </file>
 
-<file path=ppt/diagrams/data2.xml><?xml version="1.0" encoding="utf-8"?>
+<file path=ppt/diagrams/data3.xml><?xml version="1.0" encoding="utf-8"?>
 <dgm:dataModel xmlns:dgm="http://schemas.openxmlformats.org/drawingml/2006/diagram" xmlns:a="http://schemas.openxmlformats.org/drawingml/2006/main">
   <dgm:ptLst>
     <dgm:pt modelId="{5194FCF6-E57E-429B-BAA8-B33842C890C0}" type="doc">
@@ -3495,7 +4671,7 @@
 </dgm:dataModel>
 </file>
 
-<file path=ppt/diagrams/data3.xml><?xml version="1.0" encoding="utf-8"?>
+<file path=ppt/diagrams/data4.xml><?xml version="1.0" encoding="utf-8"?>
 <dgm:dataModel xmlns:dgm="http://schemas.openxmlformats.org/drawingml/2006/diagram" xmlns:a="http://schemas.openxmlformats.org/drawingml/2006/main">
   <dgm:ptLst>
     <dgm:pt modelId="{E436A8C4-9C5F-4682-AA20-5DC3EC1A26A5}" type="doc">
@@ -4182,6 +5358,330 @@
       <dsp:cNvGrpSpPr/>
     </dsp:nvGrpSpPr>
     <dsp:grpSpPr/>
+    <dsp:sp modelId="{687DE520-0A9E-452A-8C74-E3D209D0B9D1}">
+      <dsp:nvSpPr>
+        <dsp:cNvPr id="0" name=""/>
+        <dsp:cNvSpPr/>
+      </dsp:nvSpPr>
+      <dsp:spPr>
+        <a:xfrm>
+          <a:off x="2415271" y="12907"/>
+          <a:ext cx="1955812" cy="1955812"/>
+        </a:xfrm>
+        <a:prstGeom prst="round2DiagRect">
+          <a:avLst>
+            <a:gd name="adj1" fmla="val 29727"/>
+            <a:gd name="adj2" fmla="val 0"/>
+          </a:avLst>
+        </a:prstGeom>
+        <a:solidFill>
+          <a:schemeClr val="accent2">
+            <a:hueOff val="0"/>
+            <a:satOff val="0"/>
+            <a:lumOff val="0"/>
+            <a:alphaOff val="0"/>
+          </a:schemeClr>
+        </a:solidFill>
+        <a:ln>
+          <a:noFill/>
+        </a:ln>
+        <a:effectLst/>
+      </dsp:spPr>
+      <dsp:style>
+        <a:lnRef idx="0">
+          <a:scrgbClr r="0" g="0" b="0"/>
+        </a:lnRef>
+        <a:fillRef idx="1">
+          <a:scrgbClr r="0" g="0" b="0"/>
+        </a:fillRef>
+        <a:effectRef idx="0">
+          <a:scrgbClr r="0" g="0" b="0"/>
+        </a:effectRef>
+        <a:fontRef idx="minor"/>
+      </dsp:style>
+    </dsp:sp>
+    <dsp:sp modelId="{F657BA38-AFE7-42BF-BCD9-983CFD578794}">
+      <dsp:nvSpPr>
+        <dsp:cNvPr id="0" name=""/>
+        <dsp:cNvSpPr/>
+      </dsp:nvSpPr>
+      <dsp:spPr>
+        <a:xfrm>
+          <a:off x="2832084" y="429720"/>
+          <a:ext cx="1122187" cy="1122187"/>
+        </a:xfrm>
+        <a:prstGeom prst="rect">
+          <a:avLst/>
+        </a:prstGeom>
+        <a:blipFill>
+          <a:blip xmlns:r="http://schemas.openxmlformats.org/officeDocument/2006/relationships" r:embed="rId1">
+            <a:extLst>
+              <a:ext uri="{28A0092B-C50C-407E-A947-70E740481C1C}">
+                <a14:useLocalDpi xmlns:a14="http://schemas.microsoft.com/office/drawing/2010/main" val="0"/>
+              </a:ext>
+              <a:ext uri="{96DAC541-7B7A-43D3-8B79-37D633B846F1}">
+                <asvg:svgBlip xmlns:asvg="http://schemas.microsoft.com/office/drawing/2016/SVG/main" r:embed="rId2"/>
+              </a:ext>
+            </a:extLst>
+          </a:blip>
+          <a:stretch>
+            <a:fillRect/>
+          </a:stretch>
+        </a:blipFill>
+        <a:ln w="15875" cap="rnd" cmpd="sng" algn="ctr">
+          <a:noFill/>
+          <a:prstDash val="solid"/>
+        </a:ln>
+        <a:effectLst/>
+      </dsp:spPr>
+      <dsp:style>
+        <a:lnRef idx="2">
+          <a:scrgbClr r="0" g="0" b="0"/>
+        </a:lnRef>
+        <a:fillRef idx="1">
+          <a:scrgbClr r="0" g="0" b="0"/>
+        </a:fillRef>
+        <a:effectRef idx="0">
+          <a:scrgbClr r="0" g="0" b="0"/>
+        </a:effectRef>
+        <a:fontRef idx="minor">
+          <a:schemeClr val="lt1"/>
+        </a:fontRef>
+      </dsp:style>
+    </dsp:sp>
+    <dsp:sp modelId="{A079EB19-F763-4783-8609-C1C10772553B}">
+      <dsp:nvSpPr>
+        <dsp:cNvPr id="0" name=""/>
+        <dsp:cNvSpPr/>
+      </dsp:nvSpPr>
+      <dsp:spPr>
+        <a:xfrm>
+          <a:off x="1790053" y="2577908"/>
+          <a:ext cx="3206250" cy="720000"/>
+        </a:xfrm>
+        <a:prstGeom prst="rect">
+          <a:avLst/>
+        </a:prstGeom>
+        <a:noFill/>
+        <a:ln>
+          <a:noFill/>
+        </a:ln>
+        <a:effectLst/>
+      </dsp:spPr>
+      <dsp:style>
+        <a:lnRef idx="0">
+          <a:scrgbClr r="0" g="0" b="0"/>
+        </a:lnRef>
+        <a:fillRef idx="0">
+          <a:scrgbClr r="0" g="0" b="0"/>
+        </a:fillRef>
+        <a:effectRef idx="0">
+          <a:scrgbClr r="0" g="0" b="0"/>
+        </a:effectRef>
+        <a:fontRef idx="minor"/>
+      </dsp:style>
+      <dsp:txBody>
+        <a:bodyPr spcFirstLastPara="0" vert="horz" wrap="square" lIns="0" tIns="0" rIns="0" bIns="0" numCol="1" spcCol="1270" anchor="t" anchorCtr="0">
+          <a:noAutofit/>
+        </a:bodyPr>
+        <a:lstStyle/>
+        <a:p>
+          <a:pPr marL="0" lvl="0" indent="0" algn="ctr" defTabSz="622300">
+            <a:lnSpc>
+              <a:spcPct val="90000"/>
+            </a:lnSpc>
+            <a:spcBef>
+              <a:spcPct val="0"/>
+            </a:spcBef>
+            <a:spcAft>
+              <a:spcPct val="35000"/>
+            </a:spcAft>
+            <a:buNone/>
+            <a:defRPr cap="all"/>
+          </a:pPr>
+          <a:r>
+            <a:rPr lang="en-US" sz="1400" b="1" kern="1200"/>
+            <a:t>If it's simple</a:t>
+          </a:r>
+          <a:r>
+            <a:rPr lang="en-US" sz="1400" kern="1200"/>
+            <a:t>: Using JSON or INI files to store settings and task data is sufficient.</a:t>
+          </a:r>
+        </a:p>
+      </dsp:txBody>
+      <dsp:txXfrm>
+        <a:off x="1790053" y="2577908"/>
+        <a:ext cx="3206250" cy="720000"/>
+      </dsp:txXfrm>
+    </dsp:sp>
+    <dsp:sp modelId="{C43A90B0-6F37-4ADB-97B5-07A20A69F87C}">
+      <dsp:nvSpPr>
+        <dsp:cNvPr id="0" name=""/>
+        <dsp:cNvSpPr/>
+      </dsp:nvSpPr>
+      <dsp:spPr>
+        <a:xfrm>
+          <a:off x="6182615" y="12907"/>
+          <a:ext cx="1955812" cy="1955812"/>
+        </a:xfrm>
+        <a:prstGeom prst="round2DiagRect">
+          <a:avLst>
+            <a:gd name="adj1" fmla="val 29727"/>
+            <a:gd name="adj2" fmla="val 0"/>
+          </a:avLst>
+        </a:prstGeom>
+        <a:solidFill>
+          <a:schemeClr val="accent3">
+            <a:hueOff val="0"/>
+            <a:satOff val="0"/>
+            <a:lumOff val="0"/>
+            <a:alphaOff val="0"/>
+          </a:schemeClr>
+        </a:solidFill>
+        <a:ln>
+          <a:noFill/>
+        </a:ln>
+        <a:effectLst/>
+      </dsp:spPr>
+      <dsp:style>
+        <a:lnRef idx="0">
+          <a:scrgbClr r="0" g="0" b="0"/>
+        </a:lnRef>
+        <a:fillRef idx="1">
+          <a:scrgbClr r="0" g="0" b="0"/>
+        </a:fillRef>
+        <a:effectRef idx="0">
+          <a:scrgbClr r="0" g="0" b="0"/>
+        </a:effectRef>
+        <a:fontRef idx="minor"/>
+      </dsp:style>
+    </dsp:sp>
+    <dsp:sp modelId="{DA272202-1638-44E5-ADBE-FE563C205718}">
+      <dsp:nvSpPr>
+        <dsp:cNvPr id="0" name=""/>
+        <dsp:cNvSpPr/>
+      </dsp:nvSpPr>
+      <dsp:spPr>
+        <a:xfrm>
+          <a:off x="6599428" y="429720"/>
+          <a:ext cx="1122187" cy="1122187"/>
+        </a:xfrm>
+        <a:prstGeom prst="rect">
+          <a:avLst/>
+        </a:prstGeom>
+        <a:blipFill>
+          <a:blip xmlns:r="http://schemas.openxmlformats.org/officeDocument/2006/relationships" r:embed="rId3">
+            <a:extLst>
+              <a:ext uri="{28A0092B-C50C-407E-A947-70E740481C1C}">
+                <a14:useLocalDpi xmlns:a14="http://schemas.microsoft.com/office/drawing/2010/main" val="0"/>
+              </a:ext>
+              <a:ext uri="{96DAC541-7B7A-43D3-8B79-37D633B846F1}">
+                <asvg:svgBlip xmlns:asvg="http://schemas.microsoft.com/office/drawing/2016/SVG/main" r:embed="rId4"/>
+              </a:ext>
+            </a:extLst>
+          </a:blip>
+          <a:stretch>
+            <a:fillRect/>
+          </a:stretch>
+        </a:blipFill>
+        <a:ln w="15875" cap="rnd" cmpd="sng" algn="ctr">
+          <a:noFill/>
+          <a:prstDash val="solid"/>
+        </a:ln>
+        <a:effectLst/>
+      </dsp:spPr>
+      <dsp:style>
+        <a:lnRef idx="2">
+          <a:scrgbClr r="0" g="0" b="0"/>
+        </a:lnRef>
+        <a:fillRef idx="1">
+          <a:scrgbClr r="0" g="0" b="0"/>
+        </a:fillRef>
+        <a:effectRef idx="0">
+          <a:scrgbClr r="0" g="0" b="0"/>
+        </a:effectRef>
+        <a:fontRef idx="minor">
+          <a:schemeClr val="lt1"/>
+        </a:fontRef>
+      </dsp:style>
+    </dsp:sp>
+    <dsp:sp modelId="{B94F1215-C4F8-48A9-A3CE-E68EF738F5E1}">
+      <dsp:nvSpPr>
+        <dsp:cNvPr id="0" name=""/>
+        <dsp:cNvSpPr/>
+      </dsp:nvSpPr>
+      <dsp:spPr>
+        <a:xfrm>
+          <a:off x="5557396" y="2577908"/>
+          <a:ext cx="3206250" cy="720000"/>
+        </a:xfrm>
+        <a:prstGeom prst="rect">
+          <a:avLst/>
+        </a:prstGeom>
+        <a:noFill/>
+        <a:ln>
+          <a:noFill/>
+        </a:ln>
+        <a:effectLst/>
+      </dsp:spPr>
+      <dsp:style>
+        <a:lnRef idx="0">
+          <a:scrgbClr r="0" g="0" b="0"/>
+        </a:lnRef>
+        <a:fillRef idx="0">
+          <a:scrgbClr r="0" g="0" b="0"/>
+        </a:fillRef>
+        <a:effectRef idx="0">
+          <a:scrgbClr r="0" g="0" b="0"/>
+        </a:effectRef>
+        <a:fontRef idx="minor"/>
+      </dsp:style>
+      <dsp:txBody>
+        <a:bodyPr spcFirstLastPara="0" vert="horz" wrap="square" lIns="0" tIns="0" rIns="0" bIns="0" numCol="1" spcCol="1270" anchor="t" anchorCtr="0">
+          <a:noAutofit/>
+        </a:bodyPr>
+        <a:lstStyle/>
+        <a:p>
+          <a:pPr marL="0" lvl="0" indent="0" algn="ctr" defTabSz="622300">
+            <a:lnSpc>
+              <a:spcPct val="90000"/>
+            </a:lnSpc>
+            <a:spcBef>
+              <a:spcPct val="0"/>
+            </a:spcBef>
+            <a:spcAft>
+              <a:spcPct val="35000"/>
+            </a:spcAft>
+            <a:buNone/>
+            <a:defRPr cap="all"/>
+          </a:pPr>
+          <a:r>
+            <a:rPr lang="en-US" sz="1400" b="1" kern="1200"/>
+            <a:t>If it's more complex</a:t>
+          </a:r>
+          <a:r>
+            <a:rPr lang="en-US" sz="1400" kern="1200"/>
+            <a:t>: Consider using SQLite for more structured and relational data storage. </a:t>
+          </a:r>
+        </a:p>
+      </dsp:txBody>
+      <dsp:txXfrm>
+        <a:off x="5557396" y="2577908"/>
+        <a:ext cx="3206250" cy="720000"/>
+      </dsp:txXfrm>
+    </dsp:sp>
+  </dsp:spTree>
+</dsp:drawing>
+</file>
+
+<file path=ppt/diagrams/drawing2.xml><?xml version="1.0" encoding="utf-8"?>
+<dsp:drawing xmlns:dgm="http://schemas.openxmlformats.org/drawingml/2006/diagram" xmlns:dsp="http://schemas.microsoft.com/office/drawing/2008/diagram" xmlns:a="http://schemas.openxmlformats.org/drawingml/2006/main">
+  <dsp:spTree>
+    <dsp:nvGrpSpPr>
+      <dsp:cNvPr id="0" name=""/>
+      <dsp:cNvGrpSpPr/>
+    </dsp:nvGrpSpPr>
+    <dsp:grpSpPr/>
     <dsp:sp modelId="{66505828-626D-4DA2-B677-4625EABEB77B}">
       <dsp:nvSpPr>
         <dsp:cNvPr id="0" name=""/>
@@ -4726,7 +6226,7 @@
 </dsp:drawing>
 </file>
 
-<file path=ppt/diagrams/drawing2.xml><?xml version="1.0" encoding="utf-8"?>
+<file path=ppt/diagrams/drawing3.xml><?xml version="1.0" encoding="utf-8"?>
 <dsp:drawing xmlns:dgm="http://schemas.openxmlformats.org/drawingml/2006/diagram" xmlns:dsp="http://schemas.microsoft.com/office/drawing/2008/diagram" xmlns:a="http://schemas.openxmlformats.org/drawingml/2006/main">
   <dsp:spTree>
     <dsp:nvGrpSpPr>
@@ -5154,7 +6654,7 @@
 </dsp:drawing>
 </file>
 
-<file path=ppt/diagrams/drawing3.xml><?xml version="1.0" encoding="utf-8"?>
+<file path=ppt/diagrams/drawing4.xml><?xml version="1.0" encoding="utf-8"?>
 <dsp:drawing xmlns:dgm="http://schemas.openxmlformats.org/drawingml/2006/diagram" xmlns:dsp="http://schemas.microsoft.com/office/drawing/2008/diagram" xmlns:a="http://schemas.openxmlformats.org/drawingml/2006/main">
   <dsp:spTree>
     <dsp:nvGrpSpPr>
@@ -5901,6 +7401,233 @@
 </file>
 
 <file path=ppt/diagrams/layout1.xml><?xml version="1.0" encoding="utf-8"?>
+<dgm:layoutDef xmlns:dgm="http://schemas.openxmlformats.org/drawingml/2006/diagram" xmlns:a="http://schemas.openxmlformats.org/drawingml/2006/main" uniqueId="urn:microsoft.com/office/officeart/2018/5/layout/IconLeafLabelList">
+  <dgm:title val="Icon Leaf Label List"/>
+  <dgm:desc val="Use to show non-sequential or grouped chunks of information accompanied by a related visuals. Works best with icons or small pictures with short text captions."/>
+  <dgm:catLst>
+    <dgm:cat type="icon" pri="500"/>
+  </dgm:catLst>
+  <dgm:sampData useDef="1">
+    <dgm:dataModel>
+      <dgm:ptLst/>
+      <dgm:bg/>
+      <dgm:whole/>
+    </dgm:dataModel>
+  </dgm:sampData>
+  <dgm:styleData useDef="1">
+    <dgm:dataModel>
+      <dgm:ptLst/>
+      <dgm:bg/>
+      <dgm:whole/>
+    </dgm:dataModel>
+  </dgm:styleData>
+  <dgm:clrData useDef="1">
+    <dgm:dataModel>
+      <dgm:ptLst/>
+      <dgm:bg/>
+      <dgm:whole/>
+    </dgm:dataModel>
+  </dgm:clrData>
+  <dgm:layoutNode name="root">
+    <dgm:varLst>
+      <dgm:dir/>
+      <dgm:resizeHandles val="exact"/>
+    </dgm:varLst>
+    <dgm:choose name="Name0">
+      <dgm:if name="Name1" axis="self" func="var" arg="dir" op="equ" val="norm">
+        <dgm:alg type="snake">
+          <dgm:param type="grDir" val="tL"/>
+          <dgm:param type="flowDir" val="row"/>
+          <dgm:param type="contDir" val="sameDir"/>
+          <dgm:param type="off" val="ctr"/>
+          <dgm:param type="vertAlign" val="mid"/>
+          <dgm:param type="horzAlign" val="ctr"/>
+        </dgm:alg>
+      </dgm:if>
+      <dgm:else name="Name2">
+        <dgm:alg type="snake">
+          <dgm:param type="grDir" val="tR"/>
+          <dgm:param type="flowDir" val="row"/>
+          <dgm:param type="contDir" val="sameDir"/>
+          <dgm:param type="off" val="ctr"/>
+          <dgm:param type="vertAlign" val="mid"/>
+          <dgm:param type="horzAlign" val="ctr"/>
+        </dgm:alg>
+      </dgm:else>
+    </dgm:choose>
+    <dgm:shape xmlns:r="http://schemas.openxmlformats.org/officeDocument/2006/relationships" r:blip="">
+      <dgm:adjLst/>
+    </dgm:shape>
+    <dgm:presOf/>
+    <dgm:choose name="Name3">
+      <dgm:if name="Name4" axis="ch" ptType="node" func="cnt" op="lte" val="2">
+        <dgm:constrLst>
+          <dgm:constr type="h" for="ch" forName="compNode" refType="h" fact="0.4"/>
+          <dgm:constr type="w" for="ch" forName="compNode" val="100"/>
+          <dgm:constr type="w" for="ch" forName="sibTrans" refType="w" refFor="ch" refForName="compNode" fact="0.175"/>
+          <dgm:constr type="sp" refType="w" refFor="ch" refForName="compNode" op="equ" fact="0.25"/>
+          <dgm:constr type="primFontSz" for="des" ptType="node" op="equ" val="44"/>
+          <dgm:constr type="h" for="des" forName="compNode" op="equ"/>
+          <dgm:constr type="h" for="des" forName="textRect" op="equ"/>
+        </dgm:constrLst>
+      </dgm:if>
+      <dgm:if name="Name5" axis="ch" ptType="node" func="cnt" op="lte" val="3">
+        <dgm:constrLst>
+          <dgm:constr type="h" for="ch" forName="compNode" refType="h" fact="0.4"/>
+          <dgm:constr type="w" for="ch" forName="compNode" val="100"/>
+          <dgm:constr type="w" for="ch" forName="sibTrans" refType="w" refFor="ch" refForName="compNode" fact="0.175"/>
+          <dgm:constr type="sp" refType="w" refFor="ch" refForName="compNode" op="equ" fact="0.25"/>
+          <dgm:constr type="primFontSz" for="des" ptType="node" op="equ" val="40"/>
+          <dgm:constr type="h" for="des" forName="compNode" op="equ"/>
+          <dgm:constr type="h" for="des" forName="textRect" op="equ"/>
+        </dgm:constrLst>
+      </dgm:if>
+      <dgm:if name="Name6" axis="ch" ptType="node" func="cnt" op="lte" val="4">
+        <dgm:constrLst>
+          <dgm:constr type="h" for="ch" forName="compNode" refType="h" fact="0.4"/>
+          <dgm:constr type="w" for="ch" forName="compNode" refType="w"/>
+          <dgm:constr type="w" for="ch" forName="sibTrans" refType="w" refFor="ch" refForName="compNode" fact="0.175"/>
+          <dgm:constr type="sp" refType="w" refFor="ch" refForName="compNode" op="equ" fact="0.25"/>
+          <dgm:constr type="primFontSz" for="des" ptType="node" op="equ" val="32"/>
+          <dgm:constr type="h" for="des" forName="compNode" op="equ"/>
+          <dgm:constr type="h" for="des" forName="textRect" op="equ"/>
+        </dgm:constrLst>
+      </dgm:if>
+      <dgm:else name="Name7">
+        <dgm:constrLst>
+          <dgm:constr type="h" for="ch" forName="compNode" refType="h" fact="0.4"/>
+          <dgm:constr type="w" for="ch" forName="compNode" refType="w"/>
+          <dgm:constr type="w" for="ch" forName="sibTrans" refType="w" refFor="ch" refForName="compNode" fact="0.175"/>
+          <dgm:constr type="sp" refType="w" refFor="ch" refForName="compNode" op="equ" fact="0.25"/>
+          <dgm:constr type="primFontSz" for="des" ptType="node" op="equ" val="24"/>
+          <dgm:constr type="h" for="des" forName="compNode" op="equ"/>
+          <dgm:constr type="h" for="des" forName="textRect" op="equ"/>
+        </dgm:constrLst>
+      </dgm:else>
+    </dgm:choose>
+    <dgm:ruleLst>
+      <dgm:rule type="w" for="ch" forName="compNode" val="50" fact="NaN" max="NaN"/>
+    </dgm:ruleLst>
+    <dgm:forEach name="Name8" axis="ch" ptType="node">
+      <dgm:layoutNode name="compNode">
+        <dgm:alg type="composite"/>
+        <dgm:shape xmlns:r="http://schemas.openxmlformats.org/officeDocument/2006/relationships" r:blip="">
+          <dgm:adjLst/>
+        </dgm:shape>
+        <dgm:presOf axis="self"/>
+        <dgm:constrLst>
+          <dgm:constr type="w" for="ch" forName="iconBgRect" refType="w" fact="0.61"/>
+          <dgm:constr type="h" for="ch" forName="iconBgRect" refType="w" refFor="ch" refForName="iconBgRect"/>
+          <dgm:constr type="t" for="ch" forName="iconBgRect"/>
+          <dgm:constr type="ctrX" for="ch" forName="iconBgRect" refType="w" fact="0.5"/>
+          <dgm:constr type="w" for="ch" forName="iconRect" refType="w" fact="0.35"/>
+          <dgm:constr type="h" for="ch" forName="iconRect" refType="w" refFor="ch" refForName="iconRect"/>
+          <dgm:constr type="ctrX" for="ch" forName="iconRect" refType="ctrX" refFor="ch" refForName="iconBgRect"/>
+          <dgm:constr type="ctrY" for="ch" forName="iconRect" refType="ctrY" refFor="ch" refForName="iconBgRect"/>
+          <dgm:constr type="h" for="ch" forName="spaceRect" refType="w" fact="0.19"/>
+          <dgm:constr type="w" for="ch" forName="spaceRect" refType="w"/>
+          <dgm:constr type="l" for="ch" forName="spaceRect"/>
+          <dgm:constr type="t" for="ch" forName="spaceRect" refType="b" refFor="ch" refForName="iconBgRect"/>
+          <dgm:constr type="h" for="ch" forName="textRect" val="20"/>
+          <dgm:constr type="w" for="ch" forName="textRect" refType="w"/>
+          <dgm:constr type="l" for="ch" forName="textRect"/>
+          <dgm:constr type="t" for="ch" forName="textRect" refType="b" refFor="ch" refForName="spaceRect"/>
+        </dgm:constrLst>
+        <dgm:ruleLst>
+          <dgm:rule type="h" val="INF" fact="NaN" max="NaN"/>
+        </dgm:ruleLst>
+        <dgm:layoutNode name="iconBgRect" styleLbl="bgShp">
+          <dgm:alg type="sp"/>
+          <dgm:shape xmlns:r="http://schemas.openxmlformats.org/officeDocument/2006/relationships" type="round2DiagRect" r:blip="">
+            <dgm:adjLst/>
+            <dgm:extLst>
+              <a:ext uri="{B698B0E9-8C71-41B9-8309-B3DCBF30829C}">
+                <dgm1612:spPr xmlns:dgm1612="http://schemas.microsoft.com/office/drawing/2016/12/diagram">
+                  <a:prstGeom prst="round2DiagRect">
+                    <a:avLst>
+                      <a:gd name="adj1" fmla="val 29727"/>
+                      <a:gd name="adj2" fmla="val 0"/>
+                    </a:avLst>
+                  </a:prstGeom>
+                </dgm1612:spPr>
+              </a:ext>
+            </dgm:extLst>
+          </dgm:shape>
+          <dgm:presOf/>
+          <dgm:constrLst/>
+          <dgm:ruleLst/>
+        </dgm:layoutNode>
+        <dgm:layoutNode name="iconRect" styleLbl="node1">
+          <dgm:alg type="sp"/>
+          <dgm:shape xmlns:r="http://schemas.openxmlformats.org/officeDocument/2006/relationships" type="rect" r:blip="" blipPhldr="1">
+            <dgm:adjLst/>
+          </dgm:shape>
+          <dgm:presOf/>
+          <dgm:constrLst/>
+          <dgm:ruleLst/>
+        </dgm:layoutNode>
+        <dgm:layoutNode name="spaceRect">
+          <dgm:alg type="sp"/>
+          <dgm:shape xmlns:r="http://schemas.openxmlformats.org/officeDocument/2006/relationships" r:blip="">
+            <dgm:adjLst/>
+          </dgm:shape>
+          <dgm:presOf/>
+          <dgm:constrLst/>
+          <dgm:ruleLst/>
+        </dgm:layoutNode>
+        <dgm:layoutNode name="textRect" styleLbl="revTx">
+          <dgm:varLst>
+            <dgm:chMax val="1"/>
+            <dgm:chPref val="1"/>
+          </dgm:varLst>
+          <dgm:alg type="tx">
+            <dgm:param type="txAnchorVert" val="t"/>
+          </dgm:alg>
+          <dgm:shape xmlns:r="http://schemas.openxmlformats.org/officeDocument/2006/relationships" type="rect" r:blip="">
+            <dgm:adjLst/>
+          </dgm:shape>
+          <dgm:presOf axis="self" ptType="node"/>
+          <dgm:constrLst>
+            <dgm:constr type="lMarg"/>
+            <dgm:constr type="rMarg"/>
+            <dgm:constr type="tMarg"/>
+            <dgm:constr type="bMarg"/>
+          </dgm:constrLst>
+          <dgm:ruleLst>
+            <dgm:rule type="primFontSz" val="11" fact="NaN" max="NaN"/>
+            <dgm:rule type="h" val="INF" fact="NaN" max="NaN"/>
+          </dgm:ruleLst>
+        </dgm:layoutNode>
+      </dgm:layoutNode>
+      <dgm:forEach name="Name9" axis="followSib" ptType="sibTrans" cnt="1">
+        <dgm:layoutNode name="sibTrans">
+          <dgm:alg type="sp"/>
+          <dgm:shape xmlns:r="http://schemas.openxmlformats.org/officeDocument/2006/relationships" r:blip="">
+            <dgm:adjLst/>
+          </dgm:shape>
+          <dgm:presOf axis="self"/>
+          <dgm:constrLst/>
+          <dgm:ruleLst/>
+        </dgm:layoutNode>
+      </dgm:forEach>
+    </dgm:forEach>
+  </dgm:layoutNode>
+  <dgm:extLst>
+    <a:ext uri="{68A01E43-0DF5-4B5B-8FA6-DAF915123BFB}">
+      <dgm1612:lstStyle xmlns:dgm1612="http://schemas.microsoft.com/office/drawing/2016/12/diagram">
+        <a:lvl1pPr>
+          <a:lnSpc>
+            <a:spcPct val="100000"/>
+          </a:lnSpc>
+          <a:defRPr cap="all"/>
+        </a:lvl1pPr>
+      </dgm1612:lstStyle>
+    </a:ext>
+  </dgm:extLst>
+</dgm:layoutDef>
+</file>
+
+<file path=ppt/diagrams/layout2.xml><?xml version="1.0" encoding="utf-8"?>
 <dgm:layoutDef xmlns:dgm="http://schemas.openxmlformats.org/drawingml/2006/diagram" xmlns:a="http://schemas.openxmlformats.org/drawingml/2006/main" uniqueId="urn:microsoft.com/office/officeart/2018/2/layout/IconLabelList">
   <dgm:title val="Icon Label List"/>
   <dgm:desc val="Use to show non-sequential or grouped chunks of information accompanied by a related visuals. Works best with icons or small pictures with short text captions."/>
@@ -6090,7 +7817,7 @@
 </dgm:layoutDef>
 </file>
 
-<file path=ppt/diagrams/layout2.xml><?xml version="1.0" encoding="utf-8"?>
+<file path=ppt/diagrams/layout3.xml><?xml version="1.0" encoding="utf-8"?>
 <dgm:layoutDef xmlns:dgm="http://schemas.openxmlformats.org/drawingml/2006/diagram" xmlns:a="http://schemas.openxmlformats.org/drawingml/2006/main" uniqueId="urn:microsoft.com/office/officeart/2005/8/layout/vProcess5">
   <dgm:title val=""/>
   <dgm:desc val=""/>
@@ -7316,7 +9043,7 @@
 </dgm:layoutDef>
 </file>
 
-<file path=ppt/diagrams/layout3.xml><?xml version="1.0" encoding="utf-8"?>
+<file path=ppt/diagrams/layout4.xml><?xml version="1.0" encoding="utf-8"?>
 <dgm:layoutDef xmlns:dgm="http://schemas.openxmlformats.org/drawingml/2006/diagram" xmlns:a="http://schemas.openxmlformats.org/drawingml/2006/main" uniqueId="urn:microsoft.com/office/officeart/2018/2/layout/IconLabelDescriptionList">
   <dgm:title val="Icon Label Description List"/>
   <dgm:desc val="Use to show non-sequential or grouped chunks of information. The placeholder holds an icon or small picture, and corresponding text boxes show Level 1 and Level 2 text respectively. Works well for minimal Level 1 text accompanied by lengthier Level two text."/>
@@ -7526,11 +9253,11 @@
 </file>
 
 <file path=ppt/diagrams/quickStyle1.xml><?xml version="1.0" encoding="utf-8"?>
-<dgm:styleDef xmlns:dgm="http://schemas.openxmlformats.org/drawingml/2006/diagram" xmlns:a="http://schemas.openxmlformats.org/drawingml/2006/main" uniqueId="urn:microsoft.com/office/officeart/2005/8/quickstyle/simple4">
+<dgm:styleDef xmlns:dgm="http://schemas.openxmlformats.org/drawingml/2006/diagram" xmlns:a="http://schemas.openxmlformats.org/drawingml/2006/main" uniqueId="urn:microsoft.com/office/officeart/2005/8/quickstyle/simple1">
   <dgm:title val=""/>
   <dgm:desc val=""/>
   <dgm:catLst>
-    <dgm:cat type="simple" pri="10400"/>
+    <dgm:cat type="simple" pri="10100"/>
   </dgm:catLst>
   <dgm:scene3d>
     <a:camera prst="orthographicFront"/>
@@ -7544,13 +9271,13 @@
     <dgm:sp3d/>
     <dgm:txPr/>
     <dgm:style>
-      <a:lnRef idx="0">
+      <a:lnRef idx="2">
         <a:scrgbClr r="0" g="0" b="0"/>
       </a:lnRef>
-      <a:fillRef idx="3">
+      <a:fillRef idx="1">
         <a:scrgbClr r="0" g="0" b="0"/>
       </a:fillRef>
-      <a:effectRef idx="2">
+      <a:effectRef idx="0">
         <a:scrgbClr r="0" g="0" b="0"/>
       </a:effectRef>
       <a:fontRef idx="minor">
@@ -7566,13 +9293,13 @@
     <dgm:sp3d/>
     <dgm:txPr/>
     <dgm:style>
-      <a:lnRef idx="1">
+      <a:lnRef idx="2">
         <a:scrgbClr r="0" g="0" b="0"/>
       </a:lnRef>
-      <a:fillRef idx="3">
+      <a:fillRef idx="1">
         <a:scrgbClr r="0" g="0" b="0"/>
       </a:fillRef>
-      <a:effectRef idx="2">
+      <a:effectRef idx="0">
         <a:scrgbClr r="0" g="0" b="0"/>
       </a:effectRef>
       <a:fontRef idx="minor">
@@ -7588,10 +9315,10 @@
     <dgm:sp3d/>
     <dgm:txPr/>
     <dgm:style>
-      <a:lnRef idx="0">
+      <a:lnRef idx="2">
         <a:scrgbClr r="0" g="0" b="0"/>
       </a:lnRef>
-      <a:fillRef idx="3">
+      <a:fillRef idx="1">
         <a:scrgbClr r="0" g="0" b="0"/>
       </a:fillRef>
       <a:effectRef idx="0">
@@ -7610,13 +9337,13 @@
     <dgm:sp3d/>
     <dgm:txPr/>
     <dgm:style>
-      <a:lnRef idx="1">
+      <a:lnRef idx="2">
         <a:scrgbClr r="0" g="0" b="0"/>
       </a:lnRef>
-      <a:fillRef idx="3">
+      <a:fillRef idx="1">
         <a:scrgbClr r="0" g="0" b="0"/>
       </a:fillRef>
-      <a:effectRef idx="2">
+      <a:effectRef idx="0">
         <a:scrgbClr r="0" g="0" b="0"/>
       </a:effectRef>
       <a:fontRef idx="minor">
@@ -7632,13 +9359,13 @@
     <dgm:sp3d/>
     <dgm:txPr/>
     <dgm:style>
-      <a:lnRef idx="0">
+      <a:lnRef idx="2">
         <a:scrgbClr r="0" g="0" b="0"/>
       </a:lnRef>
-      <a:fillRef idx="3">
+      <a:fillRef idx="1">
         <a:scrgbClr r="0" g="0" b="0"/>
       </a:fillRef>
-      <a:effectRef idx="2">
+      <a:effectRef idx="0">
         <a:scrgbClr r="0" g="0" b="0"/>
       </a:effectRef>
       <a:fontRef idx="minor">
@@ -7654,13 +9381,13 @@
     <dgm:sp3d/>
     <dgm:txPr/>
     <dgm:style>
-      <a:lnRef idx="0">
+      <a:lnRef idx="2">
         <a:scrgbClr r="0" g="0" b="0"/>
       </a:lnRef>
-      <a:fillRef idx="3">
+      <a:fillRef idx="1">
         <a:scrgbClr r="0" g="0" b="0"/>
       </a:fillRef>
-      <a:effectRef idx="2">
+      <a:effectRef idx="0">
         <a:scrgbClr r="0" g="0" b="0"/>
       </a:effectRef>
       <a:fontRef idx="minor">
@@ -7676,13 +9403,13 @@
     <dgm:sp3d/>
     <dgm:txPr/>
     <dgm:style>
-      <a:lnRef idx="0">
+      <a:lnRef idx="2">
         <a:scrgbClr r="0" g="0" b="0"/>
       </a:lnRef>
-      <a:fillRef idx="3">
+      <a:fillRef idx="1">
         <a:scrgbClr r="0" g="0" b="0"/>
       </a:fillRef>
-      <a:effectRef idx="2">
+      <a:effectRef idx="0">
         <a:scrgbClr r="0" g="0" b="0"/>
       </a:effectRef>
       <a:fontRef idx="minor">
@@ -7698,13 +9425,13 @@
     <dgm:sp3d/>
     <dgm:txPr/>
     <dgm:style>
-      <a:lnRef idx="0">
+      <a:lnRef idx="2">
         <a:scrgbClr r="0" g="0" b="0"/>
       </a:lnRef>
-      <a:fillRef idx="3">
+      <a:fillRef idx="1">
         <a:scrgbClr r="0" g="0" b="0"/>
       </a:fillRef>
-      <a:effectRef idx="2">
+      <a:effectRef idx="0">
         <a:scrgbClr r="0" g="0" b="0"/>
       </a:effectRef>
       <a:fontRef idx="minor">
@@ -7720,13 +9447,13 @@
     <dgm:sp3d/>
     <dgm:txPr/>
     <dgm:style>
-      <a:lnRef idx="0">
+      <a:lnRef idx="2">
         <a:scrgbClr r="0" g="0" b="0"/>
       </a:lnRef>
       <a:fillRef idx="1">
         <a:scrgbClr r="0" g="0" b="0"/>
       </a:fillRef>
-      <a:effectRef idx="2">
+      <a:effectRef idx="0">
         <a:scrgbClr r="0" g="0" b="0"/>
       </a:effectRef>
       <a:fontRef idx="minor"/>
@@ -7740,13 +9467,13 @@
     <dgm:sp3d/>
     <dgm:txPr/>
     <dgm:style>
-      <a:lnRef idx="0">
+      <a:lnRef idx="2">
         <a:scrgbClr r="0" g="0" b="0"/>
       </a:lnRef>
       <a:fillRef idx="1">
         <a:scrgbClr r="0" g="0" b="0"/>
       </a:fillRef>
-      <a:effectRef idx="2">
+      <a:effectRef idx="0">
         <a:scrgbClr r="0" g="0" b="0"/>
       </a:effectRef>
       <a:fontRef idx="minor"/>
@@ -7760,13 +9487,13 @@
     <dgm:sp3d/>
     <dgm:txPr/>
     <dgm:style>
-      <a:lnRef idx="0">
+      <a:lnRef idx="2">
         <a:scrgbClr r="0" g="0" b="0"/>
       </a:lnRef>
       <a:fillRef idx="1">
         <a:scrgbClr r="0" g="0" b="0"/>
       </a:fillRef>
-      <a:effectRef idx="2">
+      <a:effectRef idx="0">
         <a:scrgbClr r="0" g="0" b="0"/>
       </a:effectRef>
       <a:fontRef idx="minor"/>
@@ -7783,10 +9510,10 @@
       <a:lnRef idx="0">
         <a:scrgbClr r="0" g="0" b="0"/>
       </a:lnRef>
-      <a:fillRef idx="3">
+      <a:fillRef idx="1">
         <a:scrgbClr r="0" g="0" b="0"/>
       </a:fillRef>
-      <a:effectRef idx="2">
+      <a:effectRef idx="0">
         <a:scrgbClr r="0" g="0" b="0"/>
       </a:effectRef>
       <a:fontRef idx="minor">
@@ -7805,10 +9532,10 @@
       <a:lnRef idx="0">
         <a:scrgbClr r="0" g="0" b="0"/>
       </a:lnRef>
-      <a:fillRef idx="3">
+      <a:fillRef idx="1">
         <a:scrgbClr r="0" g="0" b="0"/>
       </a:fillRef>
-      <a:effectRef idx="2">
+      <a:effectRef idx="0">
         <a:scrgbClr r="0" g="0" b="0"/>
       </a:effectRef>
       <a:fontRef idx="minor">
@@ -7827,10 +9554,10 @@
       <a:lnRef idx="0">
         <a:scrgbClr r="0" g="0" b="0"/>
       </a:lnRef>
-      <a:fillRef idx="3">
+      <a:fillRef idx="1">
         <a:scrgbClr r="0" g="0" b="0"/>
       </a:fillRef>
-      <a:effectRef idx="2">
+      <a:effectRef idx="0">
         <a:scrgbClr r="0" g="0" b="0"/>
       </a:effectRef>
       <a:fontRef idx="minor">
@@ -7872,7 +9599,7 @@
       <a:fillRef idx="1">
         <a:scrgbClr r="0" g="0" b="0"/>
       </a:fillRef>
-      <a:effectRef idx="1">
+      <a:effectRef idx="0">
         <a:scrgbClr r="0" g="0" b="0"/>
       </a:effectRef>
       <a:fontRef idx="minor"/>
@@ -7886,13 +9613,13 @@
     <dgm:sp3d/>
     <dgm:txPr/>
     <dgm:style>
-      <a:lnRef idx="0">
+      <a:lnRef idx="2">
         <a:scrgbClr r="0" g="0" b="0"/>
       </a:lnRef>
-      <a:fillRef idx="3">
+      <a:fillRef idx="1">
         <a:scrgbClr r="0" g="0" b="0"/>
       </a:fillRef>
-      <a:effectRef idx="2">
+      <a:effectRef idx="0">
         <a:scrgbClr r="0" g="0" b="0"/>
       </a:effectRef>
       <a:fontRef idx="minor">
@@ -7908,13 +9635,13 @@
     <dgm:sp3d/>
     <dgm:txPr/>
     <dgm:style>
-      <a:lnRef idx="0">
+      <a:lnRef idx="2">
         <a:scrgbClr r="0" g="0" b="0"/>
       </a:lnRef>
-      <a:fillRef idx="3">
+      <a:fillRef idx="1">
         <a:scrgbClr r="0" g="0" b="0"/>
       </a:fillRef>
-      <a:effectRef idx="2">
+      <a:effectRef idx="0">
         <a:scrgbClr r="0" g="0" b="0"/>
       </a:effectRef>
       <a:fontRef idx="minor">
@@ -7930,13 +9657,13 @@
     <dgm:sp3d/>
     <dgm:txPr/>
     <dgm:style>
-      <a:lnRef idx="0">
+      <a:lnRef idx="2">
         <a:scrgbClr r="0" g="0" b="0"/>
       </a:lnRef>
-      <a:fillRef idx="3">
+      <a:fillRef idx="1">
         <a:scrgbClr r="0" g="0" b="0"/>
       </a:fillRef>
-      <a:effectRef idx="2">
+      <a:effectRef idx="0">
         <a:scrgbClr r="0" g="0" b="0"/>
       </a:effectRef>
       <a:fontRef idx="minor">
@@ -7952,13 +9679,13 @@
     <dgm:sp3d/>
     <dgm:txPr/>
     <dgm:style>
-      <a:lnRef idx="0">
+      <a:lnRef idx="2">
         <a:scrgbClr r="0" g="0" b="0"/>
       </a:lnRef>
-      <a:fillRef idx="3">
+      <a:fillRef idx="1">
         <a:scrgbClr r="0" g="0" b="0"/>
       </a:fillRef>
-      <a:effectRef idx="2">
+      <a:effectRef idx="0">
         <a:scrgbClr r="0" g="0" b="0"/>
       </a:effectRef>
       <a:fontRef idx="minor">
@@ -7974,13 +9701,13 @@
     <dgm:sp3d/>
     <dgm:txPr/>
     <dgm:style>
-      <a:lnRef idx="0">
+      <a:lnRef idx="2">
         <a:scrgbClr r="0" g="0" b="0"/>
       </a:lnRef>
-      <a:fillRef idx="3">
+      <a:fillRef idx="1">
         <a:scrgbClr r="0" g="0" b="0"/>
       </a:fillRef>
-      <a:effectRef idx="2">
+      <a:effectRef idx="0">
         <a:scrgbClr r="0" g="0" b="0"/>
       </a:effectRef>
       <a:fontRef idx="minor">
@@ -7996,13 +9723,13 @@
     <dgm:sp3d/>
     <dgm:txPr/>
     <dgm:style>
-      <a:lnRef idx="0">
+      <a:lnRef idx="2">
         <a:scrgbClr r="0" g="0" b="0"/>
       </a:lnRef>
-      <a:fillRef idx="3">
+      <a:fillRef idx="1">
         <a:scrgbClr r="0" g="0" b="0"/>
       </a:fillRef>
-      <a:effectRef idx="2">
+      <a:effectRef idx="0">
         <a:scrgbClr r="0" g="0" b="0"/>
       </a:effectRef>
       <a:fontRef idx="minor">
@@ -8018,13 +9745,13 @@
     <dgm:sp3d/>
     <dgm:txPr/>
     <dgm:style>
-      <a:lnRef idx="0">
+      <a:lnRef idx="2">
         <a:scrgbClr r="0" g="0" b="0"/>
       </a:lnRef>
-      <a:fillRef idx="3">
+      <a:fillRef idx="1">
         <a:scrgbClr r="0" g="0" b="0"/>
       </a:fillRef>
-      <a:effectRef idx="2">
+      <a:effectRef idx="0">
         <a:scrgbClr r="0" g="0" b="0"/>
       </a:effectRef>
       <a:fontRef idx="minor">
@@ -8040,13 +9767,13 @@
     <dgm:sp3d/>
     <dgm:txPr/>
     <dgm:style>
-      <a:lnRef idx="1">
+      <a:lnRef idx="2">
         <a:scrgbClr r="0" g="0" b="0"/>
       </a:lnRef>
-      <a:fillRef idx="3">
+      <a:fillRef idx="1">
         <a:scrgbClr r="0" g="0" b="0"/>
       </a:fillRef>
-      <a:effectRef idx="2">
+      <a:effectRef idx="0">
         <a:scrgbClr r="0" g="0" b="0"/>
       </a:effectRef>
       <a:fontRef idx="minor">
@@ -8062,13 +9789,13 @@
     <dgm:sp3d/>
     <dgm:txPr/>
     <dgm:style>
-      <a:lnRef idx="1">
+      <a:lnRef idx="2">
         <a:scrgbClr r="0" g="0" b="0"/>
       </a:lnRef>
-      <a:fillRef idx="3">
+      <a:fillRef idx="1">
         <a:scrgbClr r="0" g="0" b="0"/>
       </a:fillRef>
-      <a:effectRef idx="2">
+      <a:effectRef idx="0">
         <a:scrgbClr r="0" g="0" b="0"/>
       </a:effectRef>
       <a:fontRef idx="minor">
@@ -8084,7 +9811,7 @@
     <dgm:sp3d/>
     <dgm:txPr/>
     <dgm:style>
-      <a:lnRef idx="1">
+      <a:lnRef idx="2">
         <a:scrgbClr r="0" g="0" b="0"/>
       </a:lnRef>
       <a:fillRef idx="0">
@@ -8104,7 +9831,7 @@
     <dgm:sp3d/>
     <dgm:txPr/>
     <dgm:style>
-      <a:lnRef idx="1">
+      <a:lnRef idx="2">
         <a:scrgbClr r="0" g="0" b="0"/>
       </a:lnRef>
       <a:fillRef idx="0">
@@ -8124,7 +9851,7 @@
     <dgm:sp3d/>
     <dgm:txPr/>
     <dgm:style>
-      <a:lnRef idx="1">
+      <a:lnRef idx="2">
         <a:scrgbClr r="0" g="0" b="0"/>
       </a:lnRef>
       <a:fillRef idx="0">
@@ -8144,7 +9871,7 @@
     <dgm:sp3d/>
     <dgm:txPr/>
     <dgm:style>
-      <a:lnRef idx="1">
+      <a:lnRef idx="2">
         <a:scrgbClr r="0" g="0" b="0"/>
       </a:lnRef>
       <a:fillRef idx="0">
@@ -8164,7 +9891,7 @@
     <dgm:sp3d/>
     <dgm:txPr/>
     <dgm:style>
-      <a:lnRef idx="1">
+      <a:lnRef idx="2">
         <a:scrgbClr r="0" g="0" b="0"/>
       </a:lnRef>
       <a:fillRef idx="1">
@@ -8184,7 +9911,7 @@
     <dgm:sp3d/>
     <dgm:txPr/>
     <dgm:style>
-      <a:lnRef idx="1">
+      <a:lnRef idx="2">
         <a:scrgbClr r="0" g="0" b="0"/>
       </a:lnRef>
       <a:fillRef idx="1">
@@ -8204,7 +9931,7 @@
     <dgm:sp3d/>
     <dgm:txPr/>
     <dgm:style>
-      <a:lnRef idx="1">
+      <a:lnRef idx="2">
         <a:scrgbClr r="0" g="0" b="0"/>
       </a:lnRef>
       <a:fillRef idx="1">
@@ -8244,7 +9971,7 @@
     <dgm:sp3d/>
     <dgm:txPr/>
     <dgm:style>
-      <a:lnRef idx="1">
+      <a:lnRef idx="2">
         <a:scrgbClr r="0" g="0" b="0"/>
       </a:lnRef>
       <a:fillRef idx="1">
@@ -8264,7 +9991,7 @@
     <dgm:sp3d/>
     <dgm:txPr/>
     <dgm:style>
-      <a:lnRef idx="1">
+      <a:lnRef idx="2">
         <a:scrgbClr r="0" g="0" b="0"/>
       </a:lnRef>
       <a:fillRef idx="1">
@@ -8284,7 +10011,7 @@
     <dgm:sp3d/>
     <dgm:txPr/>
     <dgm:style>
-      <a:lnRef idx="1">
+      <a:lnRef idx="2">
         <a:scrgbClr r="0" g="0" b="0"/>
       </a:lnRef>
       <a:fillRef idx="1">
@@ -8304,7 +10031,7 @@
     <dgm:sp3d/>
     <dgm:txPr/>
     <dgm:style>
-      <a:lnRef idx="1">
+      <a:lnRef idx="2">
         <a:scrgbClr r="0" g="0" b="0"/>
       </a:lnRef>
       <a:fillRef idx="1">
@@ -8324,7 +10051,7 @@
     <dgm:sp3d/>
     <dgm:txPr/>
     <dgm:style>
-      <a:lnRef idx="1">
+      <a:lnRef idx="2">
         <a:scrgbClr r="0" g="0" b="0"/>
       </a:lnRef>
       <a:fillRef idx="1">
@@ -8344,7 +10071,7 @@
     <dgm:sp3d/>
     <dgm:txPr/>
     <dgm:style>
-      <a:lnRef idx="1">
+      <a:lnRef idx="2">
         <a:scrgbClr r="0" g="0" b="0"/>
       </a:lnRef>
       <a:fillRef idx="1">
@@ -8364,7 +10091,7 @@
     <dgm:sp3d/>
     <dgm:txPr/>
     <dgm:style>
-      <a:lnRef idx="1">
+      <a:lnRef idx="2">
         <a:scrgbClr r="0" g="0" b="0"/>
       </a:lnRef>
       <a:fillRef idx="1">
@@ -8384,7 +10111,7 @@
     <dgm:sp3d/>
     <dgm:txPr/>
     <dgm:style>
-      <a:lnRef idx="1">
+      <a:lnRef idx="2">
         <a:scrgbClr r="0" g="0" b="0"/>
       </a:lnRef>
       <a:fillRef idx="1">
@@ -8404,7 +10131,7 @@
     <dgm:sp3d/>
     <dgm:txPr/>
     <dgm:style>
-      <a:lnRef idx="1">
+      <a:lnRef idx="2">
         <a:scrgbClr r="0" g="0" b="0"/>
       </a:lnRef>
       <a:fillRef idx="1">
@@ -8424,7 +10151,7 @@
     <dgm:sp3d/>
     <dgm:txPr/>
     <dgm:style>
-      <a:lnRef idx="1">
+      <a:lnRef idx="2">
         <a:scrgbClr r="0" g="0" b="0"/>
       </a:lnRef>
       <a:fillRef idx="1">
@@ -8444,7 +10171,7 @@
     <dgm:sp3d/>
     <dgm:txPr/>
     <dgm:style>
-      <a:lnRef idx="1">
+      <a:lnRef idx="2">
         <a:scrgbClr r="0" g="0" b="0"/>
       </a:lnRef>
       <a:fillRef idx="1">
@@ -8470,7 +10197,7 @@
       <a:fillRef idx="1">
         <a:scrgbClr r="0" g="0" b="0"/>
       </a:fillRef>
-      <a:effectRef idx="2">
+      <a:effectRef idx="0">
         <a:scrgbClr r="0" g="0" b="0"/>
       </a:effectRef>
       <a:fontRef idx="minor"/>
@@ -8490,7 +10217,7 @@
       <a:fillRef idx="1">
         <a:scrgbClr r="0" g="0" b="0"/>
       </a:fillRef>
-      <a:effectRef idx="2">
+      <a:effectRef idx="0">
         <a:scrgbClr r="0" g="0" b="0"/>
       </a:effectRef>
       <a:fontRef idx="minor"/>
@@ -8524,13 +10251,13 @@
     <dgm:sp3d/>
     <dgm:txPr/>
     <dgm:style>
-      <a:lnRef idx="0">
+      <a:lnRef idx="2">
         <a:scrgbClr r="0" g="0" b="0"/>
       </a:lnRef>
-      <a:fillRef idx="3">
+      <a:fillRef idx="1">
         <a:scrgbClr r="0" g="0" b="0"/>
       </a:fillRef>
-      <a:effectRef idx="2">
+      <a:effectRef idx="0">
         <a:scrgbClr r="0" g="0" b="0"/>
       </a:effectRef>
       <a:fontRef idx="minor"/>
@@ -9594,6 +11321,1040 @@
 </file>
 
 <file path=ppt/diagrams/quickStyle3.xml><?xml version="1.0" encoding="utf-8"?>
+<dgm:styleDef xmlns:dgm="http://schemas.openxmlformats.org/drawingml/2006/diagram" xmlns:a="http://schemas.openxmlformats.org/drawingml/2006/main" uniqueId="urn:microsoft.com/office/officeart/2005/8/quickstyle/simple4">
+  <dgm:title val=""/>
+  <dgm:desc val=""/>
+  <dgm:catLst>
+    <dgm:cat type="simple" pri="10400"/>
+  </dgm:catLst>
+  <dgm:scene3d>
+    <a:camera prst="orthographicFront"/>
+    <a:lightRig rig="threePt" dir="t"/>
+  </dgm:scene3d>
+  <dgm:styleLbl name="node0">
+    <dgm:scene3d>
+      <a:camera prst="orthographicFront"/>
+      <a:lightRig rig="threePt" dir="t"/>
+    </dgm:scene3d>
+    <dgm:sp3d/>
+    <dgm:txPr/>
+    <dgm:style>
+      <a:lnRef idx="0">
+        <a:scrgbClr r="0" g="0" b="0"/>
+      </a:lnRef>
+      <a:fillRef idx="3">
+        <a:scrgbClr r="0" g="0" b="0"/>
+      </a:fillRef>
+      <a:effectRef idx="2">
+        <a:scrgbClr r="0" g="0" b="0"/>
+      </a:effectRef>
+      <a:fontRef idx="minor">
+        <a:schemeClr val="lt1"/>
+      </a:fontRef>
+    </dgm:style>
+  </dgm:styleLbl>
+  <dgm:styleLbl name="lnNode1">
+    <dgm:scene3d>
+      <a:camera prst="orthographicFront"/>
+      <a:lightRig rig="threePt" dir="t"/>
+    </dgm:scene3d>
+    <dgm:sp3d/>
+    <dgm:txPr/>
+    <dgm:style>
+      <a:lnRef idx="1">
+        <a:scrgbClr r="0" g="0" b="0"/>
+      </a:lnRef>
+      <a:fillRef idx="3">
+        <a:scrgbClr r="0" g="0" b="0"/>
+      </a:fillRef>
+      <a:effectRef idx="2">
+        <a:scrgbClr r="0" g="0" b="0"/>
+      </a:effectRef>
+      <a:fontRef idx="minor">
+        <a:schemeClr val="lt1"/>
+      </a:fontRef>
+    </dgm:style>
+  </dgm:styleLbl>
+  <dgm:styleLbl name="vennNode1">
+    <dgm:scene3d>
+      <a:camera prst="orthographicFront"/>
+      <a:lightRig rig="threePt" dir="t"/>
+    </dgm:scene3d>
+    <dgm:sp3d/>
+    <dgm:txPr/>
+    <dgm:style>
+      <a:lnRef idx="0">
+        <a:scrgbClr r="0" g="0" b="0"/>
+      </a:lnRef>
+      <a:fillRef idx="3">
+        <a:scrgbClr r="0" g="0" b="0"/>
+      </a:fillRef>
+      <a:effectRef idx="0">
+        <a:scrgbClr r="0" g="0" b="0"/>
+      </a:effectRef>
+      <a:fontRef idx="minor">
+        <a:schemeClr val="tx1"/>
+      </a:fontRef>
+    </dgm:style>
+  </dgm:styleLbl>
+  <dgm:styleLbl name="alignNode1">
+    <dgm:scene3d>
+      <a:camera prst="orthographicFront"/>
+      <a:lightRig rig="threePt" dir="t"/>
+    </dgm:scene3d>
+    <dgm:sp3d/>
+    <dgm:txPr/>
+    <dgm:style>
+      <a:lnRef idx="1">
+        <a:scrgbClr r="0" g="0" b="0"/>
+      </a:lnRef>
+      <a:fillRef idx="3">
+        <a:scrgbClr r="0" g="0" b="0"/>
+      </a:fillRef>
+      <a:effectRef idx="2">
+        <a:scrgbClr r="0" g="0" b="0"/>
+      </a:effectRef>
+      <a:fontRef idx="minor">
+        <a:schemeClr val="lt1"/>
+      </a:fontRef>
+    </dgm:style>
+  </dgm:styleLbl>
+  <dgm:styleLbl name="node1">
+    <dgm:scene3d>
+      <a:camera prst="orthographicFront"/>
+      <a:lightRig rig="threePt" dir="t"/>
+    </dgm:scene3d>
+    <dgm:sp3d/>
+    <dgm:txPr/>
+    <dgm:style>
+      <a:lnRef idx="0">
+        <a:scrgbClr r="0" g="0" b="0"/>
+      </a:lnRef>
+      <a:fillRef idx="3">
+        <a:scrgbClr r="0" g="0" b="0"/>
+      </a:fillRef>
+      <a:effectRef idx="2">
+        <a:scrgbClr r="0" g="0" b="0"/>
+      </a:effectRef>
+      <a:fontRef idx="minor">
+        <a:schemeClr val="lt1"/>
+      </a:fontRef>
+    </dgm:style>
+  </dgm:styleLbl>
+  <dgm:styleLbl name="node2">
+    <dgm:scene3d>
+      <a:camera prst="orthographicFront"/>
+      <a:lightRig rig="threePt" dir="t"/>
+    </dgm:scene3d>
+    <dgm:sp3d/>
+    <dgm:txPr/>
+    <dgm:style>
+      <a:lnRef idx="0">
+        <a:scrgbClr r="0" g="0" b="0"/>
+      </a:lnRef>
+      <a:fillRef idx="3">
+        <a:scrgbClr r="0" g="0" b="0"/>
+      </a:fillRef>
+      <a:effectRef idx="2">
+        <a:scrgbClr r="0" g="0" b="0"/>
+      </a:effectRef>
+      <a:fontRef idx="minor">
+        <a:schemeClr val="lt1"/>
+      </a:fontRef>
+    </dgm:style>
+  </dgm:styleLbl>
+  <dgm:styleLbl name="node3">
+    <dgm:scene3d>
+      <a:camera prst="orthographicFront"/>
+      <a:lightRig rig="threePt" dir="t"/>
+    </dgm:scene3d>
+    <dgm:sp3d/>
+    <dgm:txPr/>
+    <dgm:style>
+      <a:lnRef idx="0">
+        <a:scrgbClr r="0" g="0" b="0"/>
+      </a:lnRef>
+      <a:fillRef idx="3">
+        <a:scrgbClr r="0" g="0" b="0"/>
+      </a:fillRef>
+      <a:effectRef idx="2">
+        <a:scrgbClr r="0" g="0" b="0"/>
+      </a:effectRef>
+      <a:fontRef idx="minor">
+        <a:schemeClr val="lt1"/>
+      </a:fontRef>
+    </dgm:style>
+  </dgm:styleLbl>
+  <dgm:styleLbl name="node4">
+    <dgm:scene3d>
+      <a:camera prst="orthographicFront"/>
+      <a:lightRig rig="threePt" dir="t"/>
+    </dgm:scene3d>
+    <dgm:sp3d/>
+    <dgm:txPr/>
+    <dgm:style>
+      <a:lnRef idx="0">
+        <a:scrgbClr r="0" g="0" b="0"/>
+      </a:lnRef>
+      <a:fillRef idx="3">
+        <a:scrgbClr r="0" g="0" b="0"/>
+      </a:fillRef>
+      <a:effectRef idx="2">
+        <a:scrgbClr r="0" g="0" b="0"/>
+      </a:effectRef>
+      <a:fontRef idx="minor">
+        <a:schemeClr val="lt1"/>
+      </a:fontRef>
+    </dgm:style>
+  </dgm:styleLbl>
+  <dgm:styleLbl name="fgImgPlace1">
+    <dgm:scene3d>
+      <a:camera prst="orthographicFront"/>
+      <a:lightRig rig="threePt" dir="t"/>
+    </dgm:scene3d>
+    <dgm:sp3d/>
+    <dgm:txPr/>
+    <dgm:style>
+      <a:lnRef idx="0">
+        <a:scrgbClr r="0" g="0" b="0"/>
+      </a:lnRef>
+      <a:fillRef idx="1">
+        <a:scrgbClr r="0" g="0" b="0"/>
+      </a:fillRef>
+      <a:effectRef idx="2">
+        <a:scrgbClr r="0" g="0" b="0"/>
+      </a:effectRef>
+      <a:fontRef idx="minor"/>
+    </dgm:style>
+  </dgm:styleLbl>
+  <dgm:styleLbl name="alignImgPlace1">
+    <dgm:scene3d>
+      <a:camera prst="orthographicFront"/>
+      <a:lightRig rig="threePt" dir="t"/>
+    </dgm:scene3d>
+    <dgm:sp3d/>
+    <dgm:txPr/>
+    <dgm:style>
+      <a:lnRef idx="0">
+        <a:scrgbClr r="0" g="0" b="0"/>
+      </a:lnRef>
+      <a:fillRef idx="1">
+        <a:scrgbClr r="0" g="0" b="0"/>
+      </a:fillRef>
+      <a:effectRef idx="2">
+        <a:scrgbClr r="0" g="0" b="0"/>
+      </a:effectRef>
+      <a:fontRef idx="minor"/>
+    </dgm:style>
+  </dgm:styleLbl>
+  <dgm:styleLbl name="bgImgPlace1">
+    <dgm:scene3d>
+      <a:camera prst="orthographicFront"/>
+      <a:lightRig rig="threePt" dir="t"/>
+    </dgm:scene3d>
+    <dgm:sp3d/>
+    <dgm:txPr/>
+    <dgm:style>
+      <a:lnRef idx="0">
+        <a:scrgbClr r="0" g="0" b="0"/>
+      </a:lnRef>
+      <a:fillRef idx="1">
+        <a:scrgbClr r="0" g="0" b="0"/>
+      </a:fillRef>
+      <a:effectRef idx="2">
+        <a:scrgbClr r="0" g="0" b="0"/>
+      </a:effectRef>
+      <a:fontRef idx="minor"/>
+    </dgm:style>
+  </dgm:styleLbl>
+  <dgm:styleLbl name="sibTrans2D1">
+    <dgm:scene3d>
+      <a:camera prst="orthographicFront"/>
+      <a:lightRig rig="threePt" dir="t"/>
+    </dgm:scene3d>
+    <dgm:sp3d/>
+    <dgm:txPr/>
+    <dgm:style>
+      <a:lnRef idx="0">
+        <a:scrgbClr r="0" g="0" b="0"/>
+      </a:lnRef>
+      <a:fillRef idx="3">
+        <a:scrgbClr r="0" g="0" b="0"/>
+      </a:fillRef>
+      <a:effectRef idx="2">
+        <a:scrgbClr r="0" g="0" b="0"/>
+      </a:effectRef>
+      <a:fontRef idx="minor">
+        <a:schemeClr val="lt1"/>
+      </a:fontRef>
+    </dgm:style>
+  </dgm:styleLbl>
+  <dgm:styleLbl name="fgSibTrans2D1">
+    <dgm:scene3d>
+      <a:camera prst="orthographicFront"/>
+      <a:lightRig rig="threePt" dir="t"/>
+    </dgm:scene3d>
+    <dgm:sp3d/>
+    <dgm:txPr/>
+    <dgm:style>
+      <a:lnRef idx="0">
+        <a:scrgbClr r="0" g="0" b="0"/>
+      </a:lnRef>
+      <a:fillRef idx="3">
+        <a:scrgbClr r="0" g="0" b="0"/>
+      </a:fillRef>
+      <a:effectRef idx="2">
+        <a:scrgbClr r="0" g="0" b="0"/>
+      </a:effectRef>
+      <a:fontRef idx="minor">
+        <a:schemeClr val="lt1"/>
+      </a:fontRef>
+    </dgm:style>
+  </dgm:styleLbl>
+  <dgm:styleLbl name="bgSibTrans2D1">
+    <dgm:scene3d>
+      <a:camera prst="orthographicFront"/>
+      <a:lightRig rig="threePt" dir="t"/>
+    </dgm:scene3d>
+    <dgm:sp3d/>
+    <dgm:txPr/>
+    <dgm:style>
+      <a:lnRef idx="0">
+        <a:scrgbClr r="0" g="0" b="0"/>
+      </a:lnRef>
+      <a:fillRef idx="3">
+        <a:scrgbClr r="0" g="0" b="0"/>
+      </a:fillRef>
+      <a:effectRef idx="2">
+        <a:scrgbClr r="0" g="0" b="0"/>
+      </a:effectRef>
+      <a:fontRef idx="minor">
+        <a:schemeClr val="lt1"/>
+      </a:fontRef>
+    </dgm:style>
+  </dgm:styleLbl>
+  <dgm:styleLbl name="sibTrans1D1">
+    <dgm:scene3d>
+      <a:camera prst="orthographicFront"/>
+      <a:lightRig rig="threePt" dir="t"/>
+    </dgm:scene3d>
+    <dgm:sp3d/>
+    <dgm:txPr/>
+    <dgm:style>
+      <a:lnRef idx="1">
+        <a:scrgbClr r="0" g="0" b="0"/>
+      </a:lnRef>
+      <a:fillRef idx="0">
+        <a:scrgbClr r="0" g="0" b="0"/>
+      </a:fillRef>
+      <a:effectRef idx="0">
+        <a:scrgbClr r="0" g="0" b="0"/>
+      </a:effectRef>
+      <a:fontRef idx="minor"/>
+    </dgm:style>
+  </dgm:styleLbl>
+  <dgm:styleLbl name="callout">
+    <dgm:scene3d>
+      <a:camera prst="orthographicFront"/>
+      <a:lightRig rig="threePt" dir="t"/>
+    </dgm:scene3d>
+    <dgm:sp3d/>
+    <dgm:txPr/>
+    <dgm:style>
+      <a:lnRef idx="2">
+        <a:scrgbClr r="0" g="0" b="0"/>
+      </a:lnRef>
+      <a:fillRef idx="1">
+        <a:scrgbClr r="0" g="0" b="0"/>
+      </a:fillRef>
+      <a:effectRef idx="1">
+        <a:scrgbClr r="0" g="0" b="0"/>
+      </a:effectRef>
+      <a:fontRef idx="minor"/>
+    </dgm:style>
+  </dgm:styleLbl>
+  <dgm:styleLbl name="asst0">
+    <dgm:scene3d>
+      <a:camera prst="orthographicFront"/>
+      <a:lightRig rig="threePt" dir="t"/>
+    </dgm:scene3d>
+    <dgm:sp3d/>
+    <dgm:txPr/>
+    <dgm:style>
+      <a:lnRef idx="0">
+        <a:scrgbClr r="0" g="0" b="0"/>
+      </a:lnRef>
+      <a:fillRef idx="3">
+        <a:scrgbClr r="0" g="0" b="0"/>
+      </a:fillRef>
+      <a:effectRef idx="2">
+        <a:scrgbClr r="0" g="0" b="0"/>
+      </a:effectRef>
+      <a:fontRef idx="minor">
+        <a:schemeClr val="lt1"/>
+      </a:fontRef>
+    </dgm:style>
+  </dgm:styleLbl>
+  <dgm:styleLbl name="asst1">
+    <dgm:scene3d>
+      <a:camera prst="orthographicFront"/>
+      <a:lightRig rig="threePt" dir="t"/>
+    </dgm:scene3d>
+    <dgm:sp3d/>
+    <dgm:txPr/>
+    <dgm:style>
+      <a:lnRef idx="0">
+        <a:scrgbClr r="0" g="0" b="0"/>
+      </a:lnRef>
+      <a:fillRef idx="3">
+        <a:scrgbClr r="0" g="0" b="0"/>
+      </a:fillRef>
+      <a:effectRef idx="2">
+        <a:scrgbClr r="0" g="0" b="0"/>
+      </a:effectRef>
+      <a:fontRef idx="minor">
+        <a:schemeClr val="lt1"/>
+      </a:fontRef>
+    </dgm:style>
+  </dgm:styleLbl>
+  <dgm:styleLbl name="asst2">
+    <dgm:scene3d>
+      <a:camera prst="orthographicFront"/>
+      <a:lightRig rig="threePt" dir="t"/>
+    </dgm:scene3d>
+    <dgm:sp3d/>
+    <dgm:txPr/>
+    <dgm:style>
+      <a:lnRef idx="0">
+        <a:scrgbClr r="0" g="0" b="0"/>
+      </a:lnRef>
+      <a:fillRef idx="3">
+        <a:scrgbClr r="0" g="0" b="0"/>
+      </a:fillRef>
+      <a:effectRef idx="2">
+        <a:scrgbClr r="0" g="0" b="0"/>
+      </a:effectRef>
+      <a:fontRef idx="minor">
+        <a:schemeClr val="lt1"/>
+      </a:fontRef>
+    </dgm:style>
+  </dgm:styleLbl>
+  <dgm:styleLbl name="asst3">
+    <dgm:scene3d>
+      <a:camera prst="orthographicFront"/>
+      <a:lightRig rig="threePt" dir="t"/>
+    </dgm:scene3d>
+    <dgm:sp3d/>
+    <dgm:txPr/>
+    <dgm:style>
+      <a:lnRef idx="0">
+        <a:scrgbClr r="0" g="0" b="0"/>
+      </a:lnRef>
+      <a:fillRef idx="3">
+        <a:scrgbClr r="0" g="0" b="0"/>
+      </a:fillRef>
+      <a:effectRef idx="2">
+        <a:scrgbClr r="0" g="0" b="0"/>
+      </a:effectRef>
+      <a:fontRef idx="minor">
+        <a:schemeClr val="lt1"/>
+      </a:fontRef>
+    </dgm:style>
+  </dgm:styleLbl>
+  <dgm:styleLbl name="asst4">
+    <dgm:scene3d>
+      <a:camera prst="orthographicFront"/>
+      <a:lightRig rig="threePt" dir="t"/>
+    </dgm:scene3d>
+    <dgm:sp3d/>
+    <dgm:txPr/>
+    <dgm:style>
+      <a:lnRef idx="0">
+        <a:scrgbClr r="0" g="0" b="0"/>
+      </a:lnRef>
+      <a:fillRef idx="3">
+        <a:scrgbClr r="0" g="0" b="0"/>
+      </a:fillRef>
+      <a:effectRef idx="2">
+        <a:scrgbClr r="0" g="0" b="0"/>
+      </a:effectRef>
+      <a:fontRef idx="minor">
+        <a:schemeClr val="lt1"/>
+      </a:fontRef>
+    </dgm:style>
+  </dgm:styleLbl>
+  <dgm:styleLbl name="parChTrans2D1">
+    <dgm:scene3d>
+      <a:camera prst="orthographicFront"/>
+      <a:lightRig rig="threePt" dir="t"/>
+    </dgm:scene3d>
+    <dgm:sp3d/>
+    <dgm:txPr/>
+    <dgm:style>
+      <a:lnRef idx="0">
+        <a:scrgbClr r="0" g="0" b="0"/>
+      </a:lnRef>
+      <a:fillRef idx="3">
+        <a:scrgbClr r="0" g="0" b="0"/>
+      </a:fillRef>
+      <a:effectRef idx="2">
+        <a:scrgbClr r="0" g="0" b="0"/>
+      </a:effectRef>
+      <a:fontRef idx="minor">
+        <a:schemeClr val="lt1"/>
+      </a:fontRef>
+    </dgm:style>
+  </dgm:styleLbl>
+  <dgm:styleLbl name="parChTrans2D2">
+    <dgm:scene3d>
+      <a:camera prst="orthographicFront"/>
+      <a:lightRig rig="threePt" dir="t"/>
+    </dgm:scene3d>
+    <dgm:sp3d/>
+    <dgm:txPr/>
+    <dgm:style>
+      <a:lnRef idx="0">
+        <a:scrgbClr r="0" g="0" b="0"/>
+      </a:lnRef>
+      <a:fillRef idx="3">
+        <a:scrgbClr r="0" g="0" b="0"/>
+      </a:fillRef>
+      <a:effectRef idx="2">
+        <a:scrgbClr r="0" g="0" b="0"/>
+      </a:effectRef>
+      <a:fontRef idx="minor">
+        <a:schemeClr val="lt1"/>
+      </a:fontRef>
+    </dgm:style>
+  </dgm:styleLbl>
+  <dgm:styleLbl name="parChTrans2D3">
+    <dgm:scene3d>
+      <a:camera prst="orthographicFront"/>
+      <a:lightRig rig="threePt" dir="t"/>
+    </dgm:scene3d>
+    <dgm:sp3d/>
+    <dgm:txPr/>
+    <dgm:style>
+      <a:lnRef idx="1">
+        <a:scrgbClr r="0" g="0" b="0"/>
+      </a:lnRef>
+      <a:fillRef idx="3">
+        <a:scrgbClr r="0" g="0" b="0"/>
+      </a:fillRef>
+      <a:effectRef idx="2">
+        <a:scrgbClr r="0" g="0" b="0"/>
+      </a:effectRef>
+      <a:fontRef idx="minor">
+        <a:schemeClr val="lt1"/>
+      </a:fontRef>
+    </dgm:style>
+  </dgm:styleLbl>
+  <dgm:styleLbl name="parChTrans2D4">
+    <dgm:scene3d>
+      <a:camera prst="orthographicFront"/>
+      <a:lightRig rig="threePt" dir="t"/>
+    </dgm:scene3d>
+    <dgm:sp3d/>
+    <dgm:txPr/>
+    <dgm:style>
+      <a:lnRef idx="1">
+        <a:scrgbClr r="0" g="0" b="0"/>
+      </a:lnRef>
+      <a:fillRef idx="3">
+        <a:scrgbClr r="0" g="0" b="0"/>
+      </a:fillRef>
+      <a:effectRef idx="2">
+        <a:scrgbClr r="0" g="0" b="0"/>
+      </a:effectRef>
+      <a:fontRef idx="minor">
+        <a:schemeClr val="lt1"/>
+      </a:fontRef>
+    </dgm:style>
+  </dgm:styleLbl>
+  <dgm:styleLbl name="parChTrans1D1">
+    <dgm:scene3d>
+      <a:camera prst="orthographicFront"/>
+      <a:lightRig rig="threePt" dir="t"/>
+    </dgm:scene3d>
+    <dgm:sp3d/>
+    <dgm:txPr/>
+    <dgm:style>
+      <a:lnRef idx="1">
+        <a:scrgbClr r="0" g="0" b="0"/>
+      </a:lnRef>
+      <a:fillRef idx="0">
+        <a:scrgbClr r="0" g="0" b="0"/>
+      </a:fillRef>
+      <a:effectRef idx="0">
+        <a:scrgbClr r="0" g="0" b="0"/>
+      </a:effectRef>
+      <a:fontRef idx="minor"/>
+    </dgm:style>
+  </dgm:styleLbl>
+  <dgm:styleLbl name="parChTrans1D2">
+    <dgm:scene3d>
+      <a:camera prst="orthographicFront"/>
+      <a:lightRig rig="threePt" dir="t"/>
+    </dgm:scene3d>
+    <dgm:sp3d/>
+    <dgm:txPr/>
+    <dgm:style>
+      <a:lnRef idx="1">
+        <a:scrgbClr r="0" g="0" b="0"/>
+      </a:lnRef>
+      <a:fillRef idx="0">
+        <a:scrgbClr r="0" g="0" b="0"/>
+      </a:fillRef>
+      <a:effectRef idx="0">
+        <a:scrgbClr r="0" g="0" b="0"/>
+      </a:effectRef>
+      <a:fontRef idx="minor"/>
+    </dgm:style>
+  </dgm:styleLbl>
+  <dgm:styleLbl name="parChTrans1D3">
+    <dgm:scene3d>
+      <a:camera prst="orthographicFront"/>
+      <a:lightRig rig="threePt" dir="t"/>
+    </dgm:scene3d>
+    <dgm:sp3d/>
+    <dgm:txPr/>
+    <dgm:style>
+      <a:lnRef idx="1">
+        <a:scrgbClr r="0" g="0" b="0"/>
+      </a:lnRef>
+      <a:fillRef idx="0">
+        <a:scrgbClr r="0" g="0" b="0"/>
+      </a:fillRef>
+      <a:effectRef idx="0">
+        <a:scrgbClr r="0" g="0" b="0"/>
+      </a:effectRef>
+      <a:fontRef idx="minor"/>
+    </dgm:style>
+  </dgm:styleLbl>
+  <dgm:styleLbl name="parChTrans1D4">
+    <dgm:scene3d>
+      <a:camera prst="orthographicFront"/>
+      <a:lightRig rig="threePt" dir="t"/>
+    </dgm:scene3d>
+    <dgm:sp3d/>
+    <dgm:txPr/>
+    <dgm:style>
+      <a:lnRef idx="1">
+        <a:scrgbClr r="0" g="0" b="0"/>
+      </a:lnRef>
+      <a:fillRef idx="0">
+        <a:scrgbClr r="0" g="0" b="0"/>
+      </a:fillRef>
+      <a:effectRef idx="0">
+        <a:scrgbClr r="0" g="0" b="0"/>
+      </a:effectRef>
+      <a:fontRef idx="minor"/>
+    </dgm:style>
+  </dgm:styleLbl>
+  <dgm:styleLbl name="fgAcc1">
+    <dgm:scene3d>
+      <a:camera prst="orthographicFront"/>
+      <a:lightRig rig="threePt" dir="t"/>
+    </dgm:scene3d>
+    <dgm:sp3d/>
+    <dgm:txPr/>
+    <dgm:style>
+      <a:lnRef idx="1">
+        <a:scrgbClr r="0" g="0" b="0"/>
+      </a:lnRef>
+      <a:fillRef idx="1">
+        <a:scrgbClr r="0" g="0" b="0"/>
+      </a:fillRef>
+      <a:effectRef idx="0">
+        <a:scrgbClr r="0" g="0" b="0"/>
+      </a:effectRef>
+      <a:fontRef idx="minor"/>
+    </dgm:style>
+  </dgm:styleLbl>
+  <dgm:styleLbl name="conFgAcc1">
+    <dgm:scene3d>
+      <a:camera prst="orthographicFront"/>
+      <a:lightRig rig="threePt" dir="t"/>
+    </dgm:scene3d>
+    <dgm:sp3d/>
+    <dgm:txPr/>
+    <dgm:style>
+      <a:lnRef idx="1">
+        <a:scrgbClr r="0" g="0" b="0"/>
+      </a:lnRef>
+      <a:fillRef idx="1">
+        <a:scrgbClr r="0" g="0" b="0"/>
+      </a:fillRef>
+      <a:effectRef idx="0">
+        <a:scrgbClr r="0" g="0" b="0"/>
+      </a:effectRef>
+      <a:fontRef idx="minor"/>
+    </dgm:style>
+  </dgm:styleLbl>
+  <dgm:styleLbl name="alignAcc1">
+    <dgm:scene3d>
+      <a:camera prst="orthographicFront"/>
+      <a:lightRig rig="threePt" dir="t"/>
+    </dgm:scene3d>
+    <dgm:sp3d/>
+    <dgm:txPr/>
+    <dgm:style>
+      <a:lnRef idx="1">
+        <a:scrgbClr r="0" g="0" b="0"/>
+      </a:lnRef>
+      <a:fillRef idx="1">
+        <a:scrgbClr r="0" g="0" b="0"/>
+      </a:fillRef>
+      <a:effectRef idx="0">
+        <a:scrgbClr r="0" g="0" b="0"/>
+      </a:effectRef>
+      <a:fontRef idx="minor"/>
+    </dgm:style>
+  </dgm:styleLbl>
+  <dgm:styleLbl name="trAlignAcc1">
+    <dgm:scene3d>
+      <a:camera prst="orthographicFront"/>
+      <a:lightRig rig="threePt" dir="t"/>
+    </dgm:scene3d>
+    <dgm:sp3d/>
+    <dgm:txPr/>
+    <dgm:style>
+      <a:lnRef idx="1">
+        <a:scrgbClr r="0" g="0" b="0"/>
+      </a:lnRef>
+      <a:fillRef idx="1">
+        <a:scrgbClr r="0" g="0" b="0"/>
+      </a:fillRef>
+      <a:effectRef idx="0">
+        <a:scrgbClr r="0" g="0" b="0"/>
+      </a:effectRef>
+      <a:fontRef idx="minor"/>
+    </dgm:style>
+  </dgm:styleLbl>
+  <dgm:styleLbl name="bgAcc1">
+    <dgm:scene3d>
+      <a:camera prst="orthographicFront"/>
+      <a:lightRig rig="threePt" dir="t"/>
+    </dgm:scene3d>
+    <dgm:sp3d/>
+    <dgm:txPr/>
+    <dgm:style>
+      <a:lnRef idx="1">
+        <a:scrgbClr r="0" g="0" b="0"/>
+      </a:lnRef>
+      <a:fillRef idx="1">
+        <a:scrgbClr r="0" g="0" b="0"/>
+      </a:fillRef>
+      <a:effectRef idx="0">
+        <a:scrgbClr r="0" g="0" b="0"/>
+      </a:effectRef>
+      <a:fontRef idx="minor"/>
+    </dgm:style>
+  </dgm:styleLbl>
+  <dgm:styleLbl name="solidFgAcc1">
+    <dgm:scene3d>
+      <a:camera prst="orthographicFront"/>
+      <a:lightRig rig="threePt" dir="t"/>
+    </dgm:scene3d>
+    <dgm:sp3d/>
+    <dgm:txPr/>
+    <dgm:style>
+      <a:lnRef idx="1">
+        <a:scrgbClr r="0" g="0" b="0"/>
+      </a:lnRef>
+      <a:fillRef idx="1">
+        <a:scrgbClr r="0" g="0" b="0"/>
+      </a:fillRef>
+      <a:effectRef idx="0">
+        <a:scrgbClr r="0" g="0" b="0"/>
+      </a:effectRef>
+      <a:fontRef idx="minor"/>
+    </dgm:style>
+  </dgm:styleLbl>
+  <dgm:styleLbl name="solidAlignAcc1">
+    <dgm:scene3d>
+      <a:camera prst="orthographicFront"/>
+      <a:lightRig rig="threePt" dir="t"/>
+    </dgm:scene3d>
+    <dgm:sp3d/>
+    <dgm:txPr/>
+    <dgm:style>
+      <a:lnRef idx="1">
+        <a:scrgbClr r="0" g="0" b="0"/>
+      </a:lnRef>
+      <a:fillRef idx="1">
+        <a:scrgbClr r="0" g="0" b="0"/>
+      </a:fillRef>
+      <a:effectRef idx="0">
+        <a:scrgbClr r="0" g="0" b="0"/>
+      </a:effectRef>
+      <a:fontRef idx="minor"/>
+    </dgm:style>
+  </dgm:styleLbl>
+  <dgm:styleLbl name="solidBgAcc1">
+    <dgm:scene3d>
+      <a:camera prst="orthographicFront"/>
+      <a:lightRig rig="threePt" dir="t"/>
+    </dgm:scene3d>
+    <dgm:sp3d/>
+    <dgm:txPr/>
+    <dgm:style>
+      <a:lnRef idx="1">
+        <a:scrgbClr r="0" g="0" b="0"/>
+      </a:lnRef>
+      <a:fillRef idx="1">
+        <a:scrgbClr r="0" g="0" b="0"/>
+      </a:fillRef>
+      <a:effectRef idx="0">
+        <a:scrgbClr r="0" g="0" b="0"/>
+      </a:effectRef>
+      <a:fontRef idx="minor"/>
+    </dgm:style>
+  </dgm:styleLbl>
+  <dgm:styleLbl name="fgAccFollowNode1">
+    <dgm:scene3d>
+      <a:camera prst="orthographicFront"/>
+      <a:lightRig rig="threePt" dir="t"/>
+    </dgm:scene3d>
+    <dgm:sp3d/>
+    <dgm:txPr/>
+    <dgm:style>
+      <a:lnRef idx="1">
+        <a:scrgbClr r="0" g="0" b="0"/>
+      </a:lnRef>
+      <a:fillRef idx="1">
+        <a:scrgbClr r="0" g="0" b="0"/>
+      </a:fillRef>
+      <a:effectRef idx="0">
+        <a:scrgbClr r="0" g="0" b="0"/>
+      </a:effectRef>
+      <a:fontRef idx="minor"/>
+    </dgm:style>
+  </dgm:styleLbl>
+  <dgm:styleLbl name="alignAccFollowNode1">
+    <dgm:scene3d>
+      <a:camera prst="orthographicFront"/>
+      <a:lightRig rig="threePt" dir="t"/>
+    </dgm:scene3d>
+    <dgm:sp3d/>
+    <dgm:txPr/>
+    <dgm:style>
+      <a:lnRef idx="1">
+        <a:scrgbClr r="0" g="0" b="0"/>
+      </a:lnRef>
+      <a:fillRef idx="1">
+        <a:scrgbClr r="0" g="0" b="0"/>
+      </a:fillRef>
+      <a:effectRef idx="0">
+        <a:scrgbClr r="0" g="0" b="0"/>
+      </a:effectRef>
+      <a:fontRef idx="minor"/>
+    </dgm:style>
+  </dgm:styleLbl>
+  <dgm:styleLbl name="bgAccFollowNode1">
+    <dgm:scene3d>
+      <a:camera prst="orthographicFront"/>
+      <a:lightRig rig="threePt" dir="t"/>
+    </dgm:scene3d>
+    <dgm:sp3d/>
+    <dgm:txPr/>
+    <dgm:style>
+      <a:lnRef idx="1">
+        <a:scrgbClr r="0" g="0" b="0"/>
+      </a:lnRef>
+      <a:fillRef idx="1">
+        <a:scrgbClr r="0" g="0" b="0"/>
+      </a:fillRef>
+      <a:effectRef idx="0">
+        <a:scrgbClr r="0" g="0" b="0"/>
+      </a:effectRef>
+      <a:fontRef idx="minor"/>
+    </dgm:style>
+  </dgm:styleLbl>
+  <dgm:styleLbl name="fgAcc0">
+    <dgm:scene3d>
+      <a:camera prst="orthographicFront"/>
+      <a:lightRig rig="threePt" dir="t"/>
+    </dgm:scene3d>
+    <dgm:sp3d/>
+    <dgm:txPr/>
+    <dgm:style>
+      <a:lnRef idx="1">
+        <a:scrgbClr r="0" g="0" b="0"/>
+      </a:lnRef>
+      <a:fillRef idx="1">
+        <a:scrgbClr r="0" g="0" b="0"/>
+      </a:fillRef>
+      <a:effectRef idx="0">
+        <a:scrgbClr r="0" g="0" b="0"/>
+      </a:effectRef>
+      <a:fontRef idx="minor"/>
+    </dgm:style>
+  </dgm:styleLbl>
+  <dgm:styleLbl name="fgAcc2">
+    <dgm:scene3d>
+      <a:camera prst="orthographicFront"/>
+      <a:lightRig rig="threePt" dir="t"/>
+    </dgm:scene3d>
+    <dgm:sp3d/>
+    <dgm:txPr/>
+    <dgm:style>
+      <a:lnRef idx="1">
+        <a:scrgbClr r="0" g="0" b="0"/>
+      </a:lnRef>
+      <a:fillRef idx="1">
+        <a:scrgbClr r="0" g="0" b="0"/>
+      </a:fillRef>
+      <a:effectRef idx="0">
+        <a:scrgbClr r="0" g="0" b="0"/>
+      </a:effectRef>
+      <a:fontRef idx="minor"/>
+    </dgm:style>
+  </dgm:styleLbl>
+  <dgm:styleLbl name="fgAcc3">
+    <dgm:scene3d>
+      <a:camera prst="orthographicFront"/>
+      <a:lightRig rig="threePt" dir="t"/>
+    </dgm:scene3d>
+    <dgm:sp3d/>
+    <dgm:txPr/>
+    <dgm:style>
+      <a:lnRef idx="1">
+        <a:scrgbClr r="0" g="0" b="0"/>
+      </a:lnRef>
+      <a:fillRef idx="1">
+        <a:scrgbClr r="0" g="0" b="0"/>
+      </a:fillRef>
+      <a:effectRef idx="0">
+        <a:scrgbClr r="0" g="0" b="0"/>
+      </a:effectRef>
+      <a:fontRef idx="minor"/>
+    </dgm:style>
+  </dgm:styleLbl>
+  <dgm:styleLbl name="fgAcc4">
+    <dgm:scene3d>
+      <a:camera prst="orthographicFront"/>
+      <a:lightRig rig="threePt" dir="t"/>
+    </dgm:scene3d>
+    <dgm:sp3d/>
+    <dgm:txPr/>
+    <dgm:style>
+      <a:lnRef idx="1">
+        <a:scrgbClr r="0" g="0" b="0"/>
+      </a:lnRef>
+      <a:fillRef idx="1">
+        <a:scrgbClr r="0" g="0" b="0"/>
+      </a:fillRef>
+      <a:effectRef idx="0">
+        <a:scrgbClr r="0" g="0" b="0"/>
+      </a:effectRef>
+      <a:fontRef idx="minor"/>
+    </dgm:style>
+  </dgm:styleLbl>
+  <dgm:styleLbl name="bgShp">
+    <dgm:scene3d>
+      <a:camera prst="orthographicFront"/>
+      <a:lightRig rig="threePt" dir="t"/>
+    </dgm:scene3d>
+    <dgm:sp3d/>
+    <dgm:txPr/>
+    <dgm:style>
+      <a:lnRef idx="0">
+        <a:scrgbClr r="0" g="0" b="0"/>
+      </a:lnRef>
+      <a:fillRef idx="1">
+        <a:scrgbClr r="0" g="0" b="0"/>
+      </a:fillRef>
+      <a:effectRef idx="2">
+        <a:scrgbClr r="0" g="0" b="0"/>
+      </a:effectRef>
+      <a:fontRef idx="minor"/>
+    </dgm:style>
+  </dgm:styleLbl>
+  <dgm:styleLbl name="dkBgShp">
+    <dgm:scene3d>
+      <a:camera prst="orthographicFront"/>
+      <a:lightRig rig="threePt" dir="t"/>
+    </dgm:scene3d>
+    <dgm:sp3d/>
+    <dgm:txPr/>
+    <dgm:style>
+      <a:lnRef idx="0">
+        <a:scrgbClr r="0" g="0" b="0"/>
+      </a:lnRef>
+      <a:fillRef idx="1">
+        <a:scrgbClr r="0" g="0" b="0"/>
+      </a:fillRef>
+      <a:effectRef idx="2">
+        <a:scrgbClr r="0" g="0" b="0"/>
+      </a:effectRef>
+      <a:fontRef idx="minor"/>
+    </dgm:style>
+  </dgm:styleLbl>
+  <dgm:styleLbl name="trBgShp">
+    <dgm:scene3d>
+      <a:camera prst="orthographicFront"/>
+      <a:lightRig rig="threePt" dir="t"/>
+    </dgm:scene3d>
+    <dgm:sp3d/>
+    <dgm:txPr/>
+    <dgm:style>
+      <a:lnRef idx="0">
+        <a:scrgbClr r="0" g="0" b="0"/>
+      </a:lnRef>
+      <a:fillRef idx="1">
+        <a:scrgbClr r="0" g="0" b="0"/>
+      </a:fillRef>
+      <a:effectRef idx="0">
+        <a:scrgbClr r="0" g="0" b="0"/>
+      </a:effectRef>
+      <a:fontRef idx="minor"/>
+    </dgm:style>
+  </dgm:styleLbl>
+  <dgm:styleLbl name="fgShp">
+    <dgm:scene3d>
+      <a:camera prst="orthographicFront"/>
+      <a:lightRig rig="threePt" dir="t"/>
+    </dgm:scene3d>
+    <dgm:sp3d/>
+    <dgm:txPr/>
+    <dgm:style>
+      <a:lnRef idx="0">
+        <a:scrgbClr r="0" g="0" b="0"/>
+      </a:lnRef>
+      <a:fillRef idx="3">
+        <a:scrgbClr r="0" g="0" b="0"/>
+      </a:fillRef>
+      <a:effectRef idx="2">
+        <a:scrgbClr r="0" g="0" b="0"/>
+      </a:effectRef>
+      <a:fontRef idx="minor"/>
+    </dgm:style>
+  </dgm:styleLbl>
+  <dgm:styleLbl name="revTx">
+    <dgm:scene3d>
+      <a:camera prst="orthographicFront"/>
+      <a:lightRig rig="threePt" dir="t"/>
+    </dgm:scene3d>
+    <dgm:sp3d/>
+    <dgm:txPr/>
+    <dgm:style>
+      <a:lnRef idx="0">
+        <a:scrgbClr r="0" g="0" b="0"/>
+      </a:lnRef>
+      <a:fillRef idx="0">
+        <a:scrgbClr r="0" g="0" b="0"/>
+      </a:fillRef>
+      <a:effectRef idx="0">
+        <a:scrgbClr r="0" g="0" b="0"/>
+      </a:effectRef>
+      <a:fontRef idx="minor"/>
+    </dgm:style>
+  </dgm:styleLbl>
+</dgm:styleDef>
+</file>
+
+<file path=ppt/diagrams/quickStyle4.xml><?xml version="1.0" encoding="utf-8"?>
 <dgm:styleDef xmlns:dgm="http://schemas.openxmlformats.org/drawingml/2006/diagram" xmlns:a="http://schemas.openxmlformats.org/drawingml/2006/main" uniqueId="urn:microsoft.com/office/officeart/2005/8/quickstyle/simple2">
   <dgm:title val=""/>
   <dgm:desc val=""/>
@@ -16021,7 +18782,7 @@
         </p:nvSpPr>
         <p:spPr>
           <a:xfrm>
-            <a:off x="810001" y="1449147"/>
+            <a:off x="809990" y="553601"/>
             <a:ext cx="10572000" cy="1979853"/>
           </a:xfrm>
         </p:spPr>
@@ -16032,10 +18793,13 @@
           <a:lstStyle/>
           <a:p>
             <a:r>
-              <a:rPr lang="en-US"/>
+              <a:rPr lang="en-US" dirty="0">
+                <a:solidFill>
+                  <a:schemeClr val="accent1"/>
+                </a:solidFill>
+              </a:rPr>
               <a:t>Task Management App</a:t>
             </a:r>
-            <a:endParaRPr lang="en-US" dirty="0"/>
           </a:p>
         </p:txBody>
       </p:sp>
@@ -16073,7 +18837,11 @@
               </a:lnSpc>
             </a:pPr>
             <a:r>
-              <a:rPr lang="en-US" b="1" dirty="0"/>
+              <a:rPr lang="en-US" b="1" dirty="0">
+                <a:solidFill>
+                  <a:schemeClr val="accent1"/>
+                </a:solidFill>
+              </a:rPr>
               <a:t>Human-computer interaction project proposal</a:t>
             </a:r>
           </a:p>
@@ -16084,12 +18852,16 @@
               </a:lnSpc>
             </a:pPr>
             <a:r>
-              <a:rPr lang="en-US" b="1" dirty="0"/>
+              <a:rPr lang="en-US" b="1" dirty="0">
+                <a:solidFill>
+                  <a:schemeClr val="accent1"/>
+                </a:solidFill>
+              </a:rPr>
               <a:t>Presented by: </a:t>
             </a:r>
             <a:r>
               <a:rPr lang="en-US" dirty="0"/>
-              <a:t>[insert name here] [insert ID here]</a:t>
+              <a:t>[insert name here] - [insert ID here]</a:t>
             </a:r>
           </a:p>
           <a:p>
@@ -16099,7 +18871,11 @@
               </a:lnSpc>
             </a:pPr>
             <a:r>
-              <a:rPr lang="en-US" b="1" dirty="0"/>
+              <a:rPr lang="en-US" b="1" dirty="0">
+                <a:solidFill>
+                  <a:schemeClr val="accent1"/>
+                </a:solidFill>
+              </a:rPr>
               <a:t>Other Team members:</a:t>
             </a:r>
           </a:p>
@@ -16113,7 +18889,7 @@
             </a:pPr>
             <a:r>
               <a:rPr lang="en-US" dirty="0"/>
-              <a:t>[insert name here] [insert ID here]</a:t>
+              <a:t>[insert name here] - [insert ID here]</a:t>
             </a:r>
           </a:p>
           <a:p>
@@ -16126,7 +18902,7 @@
             </a:pPr>
             <a:r>
               <a:rPr lang="en-US" dirty="0"/>
-              <a:t>[insert name here] [insert ID here]</a:t>
+              <a:t>[insert name here] - [insert ID here]</a:t>
             </a:r>
           </a:p>
           <a:p>
@@ -16139,7 +18915,7 @@
             </a:pPr>
             <a:r>
               <a:rPr lang="en-US" dirty="0"/>
-              <a:t>[insert name here] [insert ID here]</a:t>
+              <a:t>Nour Khaled Mohamed - 22011319</a:t>
             </a:r>
           </a:p>
           <a:p>
@@ -16152,7 +18928,7 @@
             </a:pPr>
             <a:r>
               <a:rPr lang="en-US" dirty="0"/>
-              <a:t>[insert name here] [insert ID here]</a:t>
+              <a:t>[insert name here] - [insert ID here]</a:t>
             </a:r>
           </a:p>
           <a:p>
@@ -16165,7 +18941,7 @@
             </a:pPr>
             <a:r>
               <a:rPr lang="en-US" dirty="0"/>
-              <a:t>[insert name here] [insert ID here]</a:t>
+              <a:t>[insert name here] - [insert ID here]</a:t>
             </a:r>
           </a:p>
         </p:txBody>
@@ -16585,6 +19361,374 @@
           <a:chExt cx="0" cy="0"/>
         </a:xfrm>
       </p:grpSpPr>
+      <p:sp useBgFill="1">
+        <p:nvSpPr>
+          <p:cNvPr id="16" name="Rectangle 15">
+            <a:extLst>
+              <a:ext uri="{FF2B5EF4-FFF2-40B4-BE49-F238E27FC236}">
+                <a16:creationId xmlns:a16="http://schemas.microsoft.com/office/drawing/2014/main" id="{A3322B77-FA16-4D4E-BAA6-811C61DB3E85}"/>
+              </a:ext>
+              <a:ext uri="{C183D7F6-B498-43B3-948B-1728B52AA6E4}">
+                <adec:decorative xmlns:adec="http://schemas.microsoft.com/office/drawing/2017/decorative" val="1"/>
+              </a:ext>
+            </a:extLst>
+          </p:cNvPr>
+          <p:cNvSpPr>
+            <a:spLocks noGrp="1" noRot="1" noChangeAspect="1" noMove="1" noResize="1" noEditPoints="1" noAdjustHandles="1" noChangeArrowheads="1" noChangeShapeType="1" noTextEdit="1"/>
+          </p:cNvSpPr>
+          <p:nvPr>
+            <p:extLst>
+              <p:ext uri="{386F3935-93C4-4BCD-93E2-E3B085C9AB24}">
+                <p16:designElem xmlns:p16="http://schemas.microsoft.com/office/powerpoint/2015/main" val="1"/>
+              </p:ext>
+            </p:extLst>
+          </p:nvPr>
+        </p:nvSpPr>
+        <p:spPr>
+          <a:xfrm>
+            <a:off x="0" y="0"/>
+            <a:ext cx="12192000" cy="6858000"/>
+          </a:xfrm>
+          <a:prstGeom prst="rect">
+            <a:avLst/>
+          </a:prstGeom>
+          <a:ln>
+            <a:noFill/>
+          </a:ln>
+        </p:spPr>
+        <p:style>
+          <a:lnRef idx="2">
+            <a:schemeClr val="accent1">
+              <a:shade val="50000"/>
+            </a:schemeClr>
+          </a:lnRef>
+          <a:fillRef idx="1">
+            <a:schemeClr val="accent1"/>
+          </a:fillRef>
+          <a:effectRef idx="0">
+            <a:schemeClr val="accent1"/>
+          </a:effectRef>
+          <a:fontRef idx="minor">
+            <a:schemeClr val="lt1"/>
+          </a:fontRef>
+        </p:style>
+        <p:txBody>
+          <a:bodyPr rtlCol="0" anchor="ctr"/>
+          <a:lstStyle/>
+          <a:p>
+            <a:pPr algn="ctr"/>
+            <a:endParaRPr lang="en-US"/>
+          </a:p>
+        </p:txBody>
+      </p:sp>
+      <p:sp>
+        <p:nvSpPr>
+          <p:cNvPr id="18" name="Freeform: Shape 17">
+            <a:extLst>
+              <a:ext uri="{FF2B5EF4-FFF2-40B4-BE49-F238E27FC236}">
+                <a16:creationId xmlns:a16="http://schemas.microsoft.com/office/drawing/2014/main" id="{CA6EF34F-3BAD-4CD8-B05E-03BA773AE864}"/>
+              </a:ext>
+              <a:ext uri="{C183D7F6-B498-43B3-948B-1728B52AA6E4}">
+                <adec:decorative xmlns:adec="http://schemas.microsoft.com/office/drawing/2017/decorative" val="1"/>
+              </a:ext>
+            </a:extLst>
+          </p:cNvPr>
+          <p:cNvSpPr>
+            <a:spLocks noGrp="1" noRot="1" noChangeAspect="1" noMove="1" noResize="1" noEditPoints="1" noAdjustHandles="1" noChangeArrowheads="1" noChangeShapeType="1" noTextEdit="1"/>
+          </p:cNvSpPr>
+          <p:nvPr>
+            <p:extLst>
+              <p:ext uri="{386F3935-93C4-4BCD-93E2-E3B085C9AB24}">
+                <p16:designElem xmlns:p16="http://schemas.microsoft.com/office/powerpoint/2015/main" val="1"/>
+              </p:ext>
+            </p:extLst>
+          </p:nvPr>
+        </p:nvSpPr>
+        <p:spPr bwMode="auto">
+          <a:xfrm rot="16200000">
+            <a:off x="-1050631" y="1050634"/>
+            <a:ext cx="6857997" cy="4756735"/>
+          </a:xfrm>
+          <a:custGeom>
+            <a:avLst/>
+            <a:gdLst>
+              <a:gd name="connsiteX0" fmla="*/ 6857997 w 6857997"/>
+              <a:gd name="connsiteY0" fmla="*/ 0 h 4756735"/>
+              <a:gd name="connsiteX1" fmla="*/ 6857997 w 6857997"/>
+              <a:gd name="connsiteY1" fmla="*/ 4458285 h 4756735"/>
+              <a:gd name="connsiteX2" fmla="*/ 4861980 w 6857997"/>
+              <a:gd name="connsiteY2" fmla="*/ 4458285 h 4756735"/>
+              <a:gd name="connsiteX3" fmla="*/ 4480980 w 6857997"/>
+              <a:gd name="connsiteY3" fmla="*/ 4744036 h 4756735"/>
+              <a:gd name="connsiteX4" fmla="*/ 4472514 w 6857997"/>
+              <a:gd name="connsiteY4" fmla="*/ 4747210 h 4756735"/>
+              <a:gd name="connsiteX5" fmla="*/ 4459814 w 6857997"/>
+              <a:gd name="connsiteY5" fmla="*/ 4751973 h 4756735"/>
+              <a:gd name="connsiteX6" fmla="*/ 4447114 w 6857997"/>
+              <a:gd name="connsiteY6" fmla="*/ 4756735 h 4756735"/>
+              <a:gd name="connsiteX7" fmla="*/ 4436530 w 6857997"/>
+              <a:gd name="connsiteY7" fmla="*/ 4756735 h 4756735"/>
+              <a:gd name="connsiteX8" fmla="*/ 4423830 w 6857997"/>
+              <a:gd name="connsiteY8" fmla="*/ 4756735 h 4756735"/>
+              <a:gd name="connsiteX9" fmla="*/ 4413247 w 6857997"/>
+              <a:gd name="connsiteY9" fmla="*/ 4751973 h 4756735"/>
+              <a:gd name="connsiteX10" fmla="*/ 4400547 w 6857997"/>
+              <a:gd name="connsiteY10" fmla="*/ 4747210 h 4756735"/>
+              <a:gd name="connsiteX11" fmla="*/ 4392080 w 6857997"/>
+              <a:gd name="connsiteY11" fmla="*/ 4744036 h 4756735"/>
+              <a:gd name="connsiteX12" fmla="*/ 4011080 w 6857997"/>
+              <a:gd name="connsiteY12" fmla="*/ 4458285 h 4756735"/>
+              <a:gd name="connsiteX13" fmla="*/ 0 w 6857997"/>
+              <a:gd name="connsiteY13" fmla="*/ 4458285 h 4756735"/>
+              <a:gd name="connsiteX14" fmla="*/ 1 w 6857997"/>
+              <a:gd name="connsiteY14" fmla="*/ 0 h 4756735"/>
+            </a:gdLst>
+            <a:ahLst/>
+            <a:cxnLst>
+              <a:cxn ang="0">
+                <a:pos x="connsiteX0" y="connsiteY0"/>
+              </a:cxn>
+              <a:cxn ang="0">
+                <a:pos x="connsiteX1" y="connsiteY1"/>
+              </a:cxn>
+              <a:cxn ang="0">
+                <a:pos x="connsiteX2" y="connsiteY2"/>
+              </a:cxn>
+              <a:cxn ang="0">
+                <a:pos x="connsiteX3" y="connsiteY3"/>
+              </a:cxn>
+              <a:cxn ang="0">
+                <a:pos x="connsiteX4" y="connsiteY4"/>
+              </a:cxn>
+              <a:cxn ang="0">
+                <a:pos x="connsiteX5" y="connsiteY5"/>
+              </a:cxn>
+              <a:cxn ang="0">
+                <a:pos x="connsiteX6" y="connsiteY6"/>
+              </a:cxn>
+              <a:cxn ang="0">
+                <a:pos x="connsiteX7" y="connsiteY7"/>
+              </a:cxn>
+              <a:cxn ang="0">
+                <a:pos x="connsiteX8" y="connsiteY8"/>
+              </a:cxn>
+              <a:cxn ang="0">
+                <a:pos x="connsiteX9" y="connsiteY9"/>
+              </a:cxn>
+              <a:cxn ang="0">
+                <a:pos x="connsiteX10" y="connsiteY10"/>
+              </a:cxn>
+              <a:cxn ang="0">
+                <a:pos x="connsiteX11" y="connsiteY11"/>
+              </a:cxn>
+              <a:cxn ang="0">
+                <a:pos x="connsiteX12" y="connsiteY12"/>
+              </a:cxn>
+              <a:cxn ang="0">
+                <a:pos x="connsiteX13" y="connsiteY13"/>
+              </a:cxn>
+              <a:cxn ang="0">
+                <a:pos x="connsiteX14" y="connsiteY14"/>
+              </a:cxn>
+            </a:cxnLst>
+            <a:rect l="l" t="t" r="r" b="b"/>
+            <a:pathLst>
+              <a:path w="6857997" h="4756735">
+                <a:moveTo>
+                  <a:pt x="6857997" y="0"/>
+                </a:moveTo>
+                <a:lnTo>
+                  <a:pt x="6857997" y="4458285"/>
+                </a:lnTo>
+                <a:lnTo>
+                  <a:pt x="4861980" y="4458285"/>
+                </a:lnTo>
+                <a:lnTo>
+                  <a:pt x="4480980" y="4744036"/>
+                </a:lnTo>
+                <a:lnTo>
+                  <a:pt x="4472514" y="4747210"/>
+                </a:lnTo>
+                <a:lnTo>
+                  <a:pt x="4459814" y="4751973"/>
+                </a:lnTo>
+                <a:lnTo>
+                  <a:pt x="4447114" y="4756735"/>
+                </a:lnTo>
+                <a:lnTo>
+                  <a:pt x="4436530" y="4756735"/>
+                </a:lnTo>
+                <a:lnTo>
+                  <a:pt x="4423830" y="4756735"/>
+                </a:lnTo>
+                <a:lnTo>
+                  <a:pt x="4413247" y="4751973"/>
+                </a:lnTo>
+                <a:lnTo>
+                  <a:pt x="4400547" y="4747210"/>
+                </a:lnTo>
+                <a:lnTo>
+                  <a:pt x="4392080" y="4744036"/>
+                </a:lnTo>
+                <a:lnTo>
+                  <a:pt x="4011080" y="4458285"/>
+                </a:lnTo>
+                <a:lnTo>
+                  <a:pt x="0" y="4458285"/>
+                </a:lnTo>
+                <a:lnTo>
+                  <a:pt x="1" y="0"/>
+                </a:lnTo>
+                <a:close/>
+              </a:path>
+            </a:pathLst>
+          </a:custGeom>
+          <a:solidFill>
+            <a:schemeClr val="accent1"/>
+          </a:solidFill>
+          <a:ln>
+            <a:headEnd/>
+            <a:tailEnd/>
+          </a:ln>
+        </p:spPr>
+        <p:style>
+          <a:lnRef idx="1">
+            <a:schemeClr val="accent1"/>
+          </a:lnRef>
+          <a:fillRef idx="3">
+            <a:schemeClr val="accent1"/>
+          </a:fillRef>
+          <a:effectRef idx="2">
+            <a:schemeClr val="accent1"/>
+          </a:effectRef>
+          <a:fontRef idx="minor">
+            <a:schemeClr val="lt1"/>
+          </a:fontRef>
+        </p:style>
+        <p:txBody>
+          <a:bodyPr/>
+          <a:lstStyle/>
+          <a:p>
+            <a:endParaRPr lang="en-US"/>
+          </a:p>
+        </p:txBody>
+      </p:sp>
+      <p:sp>
+        <p:nvSpPr>
+          <p:cNvPr id="2" name="Title 1">
+            <a:extLst>
+              <a:ext uri="{FF2B5EF4-FFF2-40B4-BE49-F238E27FC236}">
+                <a16:creationId xmlns:a16="http://schemas.microsoft.com/office/drawing/2014/main" id="{8D7FCED5-EBE9-EC98-8197-C762265A617D}"/>
+              </a:ext>
+            </a:extLst>
+          </p:cNvPr>
+          <p:cNvSpPr>
+            <a:spLocks noGrp="1"/>
+          </p:cNvSpPr>
+          <p:nvPr>
+            <p:ph type="title"/>
+          </p:nvPr>
+        </p:nvSpPr>
+        <p:spPr>
+          <a:xfrm>
+            <a:off x="641754" y="1918252"/>
+            <a:ext cx="3365439" cy="3997635"/>
+          </a:xfrm>
+        </p:spPr>
+        <p:txBody>
+          <a:bodyPr anchor="t">
+            <a:normAutofit/>
+          </a:bodyPr>
+          <a:lstStyle/>
+          <a:p>
+            <a:pPr lvl="1" rtl="0">
+              <a:spcBef>
+                <a:spcPct val="0"/>
+              </a:spcBef>
+            </a:pPr>
+            <a:r>
+              <a:rPr lang="en-US" sz="4400" kern="1200" cap="all">
+                <a:latin typeface="+mj-lt"/>
+                <a:ea typeface="+mj-ea"/>
+                <a:cs typeface="+mj-cs"/>
+              </a:rPr>
+              <a:t>Progress Insights &amp; Analytics</a:t>
+            </a:r>
+          </a:p>
+        </p:txBody>
+      </p:sp>
+      <p:graphicFrame>
+        <p:nvGraphicFramePr>
+          <p:cNvPr id="12" name="Content Placeholder 2">
+            <a:extLst>
+              <a:ext uri="{FF2B5EF4-FFF2-40B4-BE49-F238E27FC236}">
+                <a16:creationId xmlns:a16="http://schemas.microsoft.com/office/drawing/2014/main" id="{DF5FDB9D-3CC5-ABCF-68A7-ECE91AB2C5FD}"/>
+              </a:ext>
+            </a:extLst>
+          </p:cNvPr>
+          <p:cNvGraphicFramePr>
+            <a:graphicFrameLocks noGrp="1"/>
+          </p:cNvGraphicFramePr>
+          <p:nvPr>
+            <p:ph idx="1"/>
+            <p:extLst>
+              <p:ext uri="{D42A27DB-BD31-4B8C-83A1-F6EECF244321}">
+                <p14:modId xmlns:p14="http://schemas.microsoft.com/office/powerpoint/2010/main" val="86636305"/>
+              </p:ext>
+            </p:extLst>
+          </p:nvPr>
+        </p:nvGraphicFramePr>
+        <p:xfrm>
+          <a:off x="5556250" y="1262063"/>
+          <a:ext cx="5816600" cy="4327525"/>
+        </p:xfrm>
+        <a:graphic>
+          <a:graphicData uri="http://schemas.openxmlformats.org/drawingml/2006/diagram">
+            <dgm:relIds xmlns:dgm="http://schemas.openxmlformats.org/drawingml/2006/diagram" xmlns:r="http://schemas.openxmlformats.org/officeDocument/2006/relationships" r:dm="rId2" r:lo="rId3" r:qs="rId4" r:cs="rId5"/>
+          </a:graphicData>
+        </a:graphic>
+      </p:graphicFrame>
+    </p:spTree>
+    <p:extLst>
+      <p:ext uri="{BB962C8B-B14F-4D97-AF65-F5344CB8AC3E}">
+        <p14:creationId xmlns:p14="http://schemas.microsoft.com/office/powerpoint/2010/main" val="2205184149"/>
+      </p:ext>
+    </p:extLst>
+  </p:cSld>
+  <p:clrMapOvr>
+    <a:masterClrMapping/>
+  </p:clrMapOvr>
+  <p:transition spd="slow">
+    <p:cover/>
+  </p:transition>
+</p:sld>
+</file>
+
+<file path=ppt/slides/slide11.xml><?xml version="1.0" encoding="utf-8"?>
+<p:sld xmlns:a="http://schemas.openxmlformats.org/drawingml/2006/main" xmlns:r="http://schemas.openxmlformats.org/officeDocument/2006/relationships" xmlns:p="http://schemas.openxmlformats.org/presentationml/2006/main">
+  <p:cSld>
+    <p:bg>
+      <p:bgPr>
+        <a:solidFill>
+          <a:schemeClr val="bg2"/>
+        </a:solidFill>
+        <a:effectLst/>
+      </p:bgPr>
+    </p:bg>
+    <p:spTree>
+      <p:nvGrpSpPr>
+        <p:cNvPr id="1" name=""/>
+        <p:cNvGrpSpPr/>
+        <p:nvPr/>
+      </p:nvGrpSpPr>
+      <p:grpSpPr>
+        <a:xfrm>
+          <a:off x="0" y="0"/>
+          <a:ext cx="0" cy="0"/>
+          <a:chOff x="0" y="0"/>
+          <a:chExt cx="0" cy="0"/>
+        </a:xfrm>
+      </p:grpSpPr>
       <p:pic>
         <p:nvPicPr>
           <p:cNvPr id="5" name="Picture 4" descr="Calendar flipping">
@@ -16933,10 +20077,13 @@
   <p:clrMapOvr>
     <a:masterClrMapping/>
   </p:clrMapOvr>
+  <p:transition spd="slow">
+    <p:cover/>
+  </p:transition>
 </p:sld>
 </file>
 
-<file path=ppt/slides/slide11.xml><?xml version="1.0" encoding="utf-8"?>
+<file path=ppt/slides/slide12.xml><?xml version="1.0" encoding="utf-8"?>
 <p:sld xmlns:a="http://schemas.openxmlformats.org/drawingml/2006/main" xmlns:r="http://schemas.openxmlformats.org/officeDocument/2006/relationships" xmlns:p="http://schemas.openxmlformats.org/presentationml/2006/main">
   <p:cSld>
     <p:bg>
@@ -17310,10 +20457,13 @@
   <p:clrMapOvr>
     <a:masterClrMapping/>
   </p:clrMapOvr>
+  <p:transition spd="slow">
+    <p:cover/>
+  </p:transition>
 </p:sld>
 </file>
 
-<file path=ppt/slides/slide12.xml><?xml version="1.0" encoding="utf-8"?>
+<file path=ppt/slides/slide13.xml><?xml version="1.0" encoding="utf-8"?>
 <p:sld xmlns:a="http://schemas.openxmlformats.org/drawingml/2006/main" xmlns:r="http://schemas.openxmlformats.org/officeDocument/2006/relationships" xmlns:p="http://schemas.openxmlformats.org/presentationml/2006/main">
   <p:cSld>
     <p:bg>
@@ -17415,10 +20565,13 @@
   <p:clrMapOvr>
     <a:masterClrMapping/>
   </p:clrMapOvr>
+  <p:transition spd="slow">
+    <p:cover/>
+  </p:transition>
 </p:sld>
 </file>
 
-<file path=ppt/slides/slide13.xml><?xml version="1.0" encoding="utf-8"?>
+<file path=ppt/slides/slide14.xml><?xml version="1.0" encoding="utf-8"?>
 <p:sld xmlns:a="http://schemas.openxmlformats.org/drawingml/2006/main" xmlns:r="http://schemas.openxmlformats.org/officeDocument/2006/relationships" xmlns:p="http://schemas.openxmlformats.org/presentationml/2006/main">
   <p:cSld>
     <p:bg>
@@ -17724,14 +20877,9 @@
   <p:clrMapOvr>
     <a:masterClrMapping/>
   </p:clrMapOvr>
-  <mc:AlternateContent xmlns:mc="http://schemas.openxmlformats.org/markup-compatibility/2006">
-    <mc:Choice xmlns:p14="http://schemas.microsoft.com/office/powerpoint/2010/main" Requires="p14">
-      <p:transition p14:dur="300"/>
-    </mc:Choice>
-    <mc:Fallback>
-      <p:transition/>
-    </mc:Fallback>
-  </mc:AlternateContent>
+  <p:transition spd="slow">
+    <p:cover/>
+  </p:transition>
   <p:timing>
     <p:tnLst>
       <p:par>
@@ -17864,22 +21012,14 @@
           <p:nvPr/>
         </p:nvPicPr>
         <p:blipFill>
-          <a:blip r:embed="rId2">
-            <a:duotone>
-              <a:schemeClr val="accent1">
-                <a:shade val="45000"/>
-                <a:satMod val="135000"/>
-              </a:schemeClr>
-              <a:prstClr val="white"/>
-            </a:duotone>
-          </a:blip>
-          <a:srcRect l="26571" r="14110" b="-2"/>
+          <a:blip r:embed="rId2"/>
+          <a:srcRect t="3698" r="9091" b="19693"/>
           <a:stretch/>
         </p:blipFill>
         <p:spPr>
           <a:xfrm>
-            <a:off x="6108700" y="-1"/>
-            <a:ext cx="6094450" cy="6858001"/>
+            <a:off x="20" y="10"/>
+            <a:ext cx="12191980" cy="6857989"/>
           </a:xfrm>
           <a:prstGeom prst="rect">
             <a:avLst/>
@@ -17888,10 +21028,10 @@
       </p:pic>
       <p:sp>
         <p:nvSpPr>
-          <p:cNvPr id="9" name="Freeform 16">
+          <p:cNvPr id="14" name="Freeform 9">
             <a:extLst>
               <a:ext uri="{FF2B5EF4-FFF2-40B4-BE49-F238E27FC236}">
-                <a16:creationId xmlns:a16="http://schemas.microsoft.com/office/drawing/2014/main" id="{3994EE40-F54F-48E5-826B-B45158209684}"/>
+                <a16:creationId xmlns:a16="http://schemas.microsoft.com/office/drawing/2014/main" id="{72319FFA-0E4F-4E0B-BEBA-A9DD4B41AAE9}"/>
               </a:ext>
               <a:ext uri="{C183D7F6-B498-43B3-948B-1728B52AA6E4}">
                 <adec:decorative xmlns:adec="http://schemas.microsoft.com/office/drawing/2017/decorative" val="1"/>
@@ -18052,6 +21192,7 @@
             <a:schemeClr val="bg1">
               <a:lumMod val="85000"/>
               <a:lumOff val="15000"/>
+              <a:alpha val="90000"/>
             </a:schemeClr>
           </a:solidFill>
           <a:ln>
@@ -18103,7 +21244,7 @@
         <p:spPr>
           <a:xfrm>
             <a:off x="810000" y="447188"/>
-            <a:ext cx="5070100" cy="1559412"/>
+            <a:ext cx="4930400" cy="1559412"/>
           </a:xfrm>
         </p:spPr>
         <p:txBody>
@@ -18142,7 +21283,7 @@
         <p:spPr>
           <a:xfrm>
             <a:off x="818712" y="2413000"/>
-            <a:ext cx="5055923" cy="3632200"/>
+            <a:ext cx="4921687" cy="3632200"/>
           </a:xfrm>
         </p:spPr>
         <p:txBody>
@@ -18150,6 +21291,23 @@
             <a:normAutofit/>
           </a:bodyPr>
           <a:lstStyle/>
+          <a:p>
+            <a:pPr marL="0" indent="0">
+              <a:buNone/>
+            </a:pPr>
+            <a:r>
+              <a:rPr lang="en-US" b="1" dirty="0"/>
+              <a:t>Using Python-</a:t>
+            </a:r>
+            <a:r>
+              <a:rPr lang="en-US" b="1" dirty="0" err="1"/>
+              <a:t>PyQt</a:t>
+            </a:r>
+            <a:r>
+              <a:rPr lang="en-US" b="1" dirty="0"/>
+              <a:t>,</a:t>
+            </a:r>
+          </a:p>
           <a:p>
             <a:pPr marL="0" indent="0">
               <a:buNone/>
@@ -18234,6 +21392,9 @@
   <p:clrMapOvr>
     <a:masterClrMapping/>
   </p:clrMapOvr>
+  <p:transition spd="slow">
+    <p:cover/>
+  </p:transition>
   <p:timing>
     <p:tnLst>
       <p:par>
@@ -18285,39 +21446,26 @@
                                   </p:childTnLst>
                                 </p:cTn>
                               </p:par>
+                            </p:childTnLst>
+                          </p:cTn>
+                        </p:par>
+                      </p:childTnLst>
+                    </p:cTn>
+                  </p:par>
+                  <p:par>
+                    <p:cTn id="7" fill="hold">
+                      <p:stCondLst>
+                        <p:cond delay="indefinite"/>
+                      </p:stCondLst>
+                      <p:childTnLst>
+                        <p:par>
+                          <p:cTn id="8" fill="hold">
+                            <p:stCondLst>
+                              <p:cond delay="0"/>
+                            </p:stCondLst>
+                            <p:childTnLst>
                               <p:par>
-                                <p:cTn id="7" presetID="1" presetClass="entr" presetSubtype="0" fill="hold" grpId="0" nodeType="withEffect">
-                                  <p:stCondLst>
-                                    <p:cond delay="0"/>
-                                  </p:stCondLst>
-                                  <p:childTnLst>
-                                    <p:set>
-                                      <p:cBhvr>
-                                        <p:cTn id="8" dur="1" fill="hold">
-                                          <p:stCondLst>
-                                            <p:cond delay="299"/>
-                                          </p:stCondLst>
-                                        </p:cTn>
-                                        <p:tgtEl>
-                                          <p:spTgt spid="3">
-                                            <p:txEl>
-                                              <p:pRg st="1" end="1"/>
-                                            </p:txEl>
-                                          </p:spTgt>
-                                        </p:tgtEl>
-                                        <p:attrNameLst>
-                                          <p:attrName>style.visibility</p:attrName>
-                                        </p:attrNameLst>
-                                      </p:cBhvr>
-                                      <p:to>
-                                        <p:strVal val="visible"/>
-                                      </p:to>
-                                    </p:set>
-                                  </p:childTnLst>
-                                </p:cTn>
-                              </p:par>
-                              <p:par>
-                                <p:cTn id="9" presetID="1" presetClass="entr" presetSubtype="0" fill="hold" grpId="0" nodeType="withEffect">
+                                <p:cTn id="9" presetID="1" presetClass="entr" presetSubtype="0" fill="hold" grpId="0" nodeType="clickEffect">
                                   <p:stCondLst>
                                     <p:cond delay="0"/>
                                   </p:stCondLst>
@@ -18332,7 +21480,7 @@
                                         <p:tgtEl>
                                           <p:spTgt spid="3">
                                             <p:txEl>
-                                              <p:pRg st="2" end="2"/>
+                                              <p:pRg st="1" end="1"/>
                                             </p:txEl>
                                           </p:spTgt>
                                         </p:tgtEl>
@@ -18363,7 +21511,7 @@
                                         <p:tgtEl>
                                           <p:spTgt spid="3">
                                             <p:txEl>
-                                              <p:pRg st="3" end="3"/>
+                                              <p:pRg st="2" end="2"/>
                                             </p:txEl>
                                           </p:spTgt>
                                         </p:tgtEl>
@@ -18394,7 +21542,7 @@
                                         <p:tgtEl>
                                           <p:spTgt spid="3">
                                             <p:txEl>
-                                              <p:pRg st="4" end="4"/>
+                                              <p:pRg st="3" end="3"/>
                                             </p:txEl>
                                           </p:spTgt>
                                         </p:tgtEl>
@@ -18425,7 +21573,69 @@
                                         <p:tgtEl>
                                           <p:spTgt spid="3">
                                             <p:txEl>
+                                              <p:pRg st="4" end="4"/>
+                                            </p:txEl>
+                                          </p:spTgt>
+                                        </p:tgtEl>
+                                        <p:attrNameLst>
+                                          <p:attrName>style.visibility</p:attrName>
+                                        </p:attrNameLst>
+                                      </p:cBhvr>
+                                      <p:to>
+                                        <p:strVal val="visible"/>
+                                      </p:to>
+                                    </p:set>
+                                  </p:childTnLst>
+                                </p:cTn>
+                              </p:par>
+                              <p:par>
+                                <p:cTn id="17" presetID="1" presetClass="entr" presetSubtype="0" fill="hold" grpId="0" nodeType="withEffect">
+                                  <p:stCondLst>
+                                    <p:cond delay="0"/>
+                                  </p:stCondLst>
+                                  <p:childTnLst>
+                                    <p:set>
+                                      <p:cBhvr>
+                                        <p:cTn id="18" dur="1" fill="hold">
+                                          <p:stCondLst>
+                                            <p:cond delay="299"/>
+                                          </p:stCondLst>
+                                        </p:cTn>
+                                        <p:tgtEl>
+                                          <p:spTgt spid="3">
+                                            <p:txEl>
                                               <p:pRg st="5" end="5"/>
+                                            </p:txEl>
+                                          </p:spTgt>
+                                        </p:tgtEl>
+                                        <p:attrNameLst>
+                                          <p:attrName>style.visibility</p:attrName>
+                                        </p:attrNameLst>
+                                      </p:cBhvr>
+                                      <p:to>
+                                        <p:strVal val="visible"/>
+                                      </p:to>
+                                    </p:set>
+                                  </p:childTnLst>
+                                </p:cTn>
+                              </p:par>
+                              <p:par>
+                                <p:cTn id="19" presetID="1" presetClass="entr" presetSubtype="0" fill="hold" grpId="0" nodeType="withEffect">
+                                  <p:stCondLst>
+                                    <p:cond delay="0"/>
+                                  </p:stCondLst>
+                                  <p:childTnLst>
+                                    <p:set>
+                                      <p:cBhvr>
+                                        <p:cTn id="20" dur="1" fill="hold">
+                                          <p:stCondLst>
+                                            <p:cond delay="299"/>
+                                          </p:stCondLst>
+                                        </p:cTn>
+                                        <p:tgtEl>
+                                          <p:spTgt spid="3">
+                                            <p:txEl>
+                                              <p:pRg st="6" end="6"/>
                                             </p:txEl>
                                           </p:spTgt>
                                         </p:tgtEl>
@@ -18475,6 +21685,131 @@
 </file>
 
 <file path=ppt/slides/slide3.xml><?xml version="1.0" encoding="utf-8"?>
+<p:sld xmlns:a="http://schemas.openxmlformats.org/drawingml/2006/main" xmlns:r="http://schemas.openxmlformats.org/officeDocument/2006/relationships" xmlns:p="http://schemas.openxmlformats.org/presentationml/2006/main">
+  <p:cSld>
+    <p:bg>
+      <p:bgPr>
+        <a:solidFill>
+          <a:schemeClr val="bg2"/>
+        </a:solidFill>
+        <a:effectLst/>
+      </p:bgPr>
+    </p:bg>
+    <p:spTree>
+      <p:nvGrpSpPr>
+        <p:cNvPr id="1" name=""/>
+        <p:cNvGrpSpPr/>
+        <p:nvPr/>
+      </p:nvGrpSpPr>
+      <p:grpSpPr>
+        <a:xfrm>
+          <a:off x="0" y="0"/>
+          <a:ext cx="0" cy="0"/>
+          <a:chOff x="0" y="0"/>
+          <a:chExt cx="0" cy="0"/>
+        </a:xfrm>
+      </p:grpSpPr>
+      <p:sp>
+        <p:nvSpPr>
+          <p:cNvPr id="2" name="Title 1">
+            <a:extLst>
+              <a:ext uri="{FF2B5EF4-FFF2-40B4-BE49-F238E27FC236}">
+                <a16:creationId xmlns:a16="http://schemas.microsoft.com/office/drawing/2014/main" id="{20B2E7C2-936A-B1EA-CB30-F18CBA65A228}"/>
+              </a:ext>
+            </a:extLst>
+          </p:cNvPr>
+          <p:cNvSpPr>
+            <a:spLocks noGrp="1"/>
+          </p:cNvSpPr>
+          <p:nvPr>
+            <p:ph type="title"/>
+          </p:nvPr>
+        </p:nvSpPr>
+        <p:spPr>
+          <a:xfrm>
+            <a:off x="810000" y="447188"/>
+            <a:ext cx="10571998" cy="970450"/>
+          </a:xfrm>
+        </p:spPr>
+        <p:txBody>
+          <a:bodyPr>
+            <a:normAutofit/>
+          </a:bodyPr>
+          <a:lstStyle/>
+          <a:p>
+            <a:pPr>
+              <a:lnSpc>
+                <a:spcPct val="90000"/>
+              </a:lnSpc>
+            </a:pPr>
+            <a:r>
+              <a:rPr lang="en-US" sz="3100" b="1" kern="100" dirty="0">
+                <a:effectLst/>
+                <a:ea typeface="NSimSun" panose="02010609030101010101" pitchFamily="49" charset="-122"/>
+                <a:cs typeface="Lucida Sans" panose="020B0602030504020204" pitchFamily="34" charset="0"/>
+              </a:rPr>
+              <a:t>Storage/Database</a:t>
+            </a:r>
+            <a:br>
+              <a:rPr lang="en-US" sz="3100" kern="100" dirty="0">
+                <a:effectLst/>
+                <a:latin typeface="Liberation Serif"/>
+                <a:ea typeface="NSimSun" panose="02010609030101010101" pitchFamily="49" charset="-122"/>
+                <a:cs typeface="Lucida Sans" panose="020B0602030504020204" pitchFamily="34" charset="0"/>
+              </a:rPr>
+            </a:br>
+            <a:endParaRPr lang="en-US" sz="3100" dirty="0"/>
+          </a:p>
+        </p:txBody>
+      </p:sp>
+      <p:graphicFrame>
+        <p:nvGraphicFramePr>
+          <p:cNvPr id="5" name="Content Placeholder 2">
+            <a:extLst>
+              <a:ext uri="{FF2B5EF4-FFF2-40B4-BE49-F238E27FC236}">
+                <a16:creationId xmlns:a16="http://schemas.microsoft.com/office/drawing/2014/main" id="{217A77F0-9895-12A2-9754-4CC2968A9667}"/>
+              </a:ext>
+            </a:extLst>
+          </p:cNvPr>
+          <p:cNvGraphicFramePr>
+            <a:graphicFrameLocks noGrp="1"/>
+          </p:cNvGraphicFramePr>
+          <p:nvPr>
+            <p:ph idx="1"/>
+            <p:extLst>
+              <p:ext uri="{D42A27DB-BD31-4B8C-83A1-F6EECF244321}">
+                <p14:modId xmlns:p14="http://schemas.microsoft.com/office/powerpoint/2010/main" val="2583326091"/>
+              </p:ext>
+            </p:extLst>
+          </p:nvPr>
+        </p:nvGraphicFramePr>
+        <p:xfrm>
+          <a:off x="819150" y="2548647"/>
+          <a:ext cx="10553700" cy="3310816"/>
+        </p:xfrm>
+        <a:graphic>
+          <a:graphicData uri="http://schemas.openxmlformats.org/drawingml/2006/diagram">
+            <dgm:relIds xmlns:dgm="http://schemas.openxmlformats.org/drawingml/2006/diagram" xmlns:r="http://schemas.openxmlformats.org/officeDocument/2006/relationships" r:dm="rId2" r:lo="rId3" r:qs="rId4" r:cs="rId5"/>
+          </a:graphicData>
+        </a:graphic>
+      </p:graphicFrame>
+    </p:spTree>
+    <p:extLst>
+      <p:ext uri="{BB962C8B-B14F-4D97-AF65-F5344CB8AC3E}">
+        <p14:creationId xmlns:p14="http://schemas.microsoft.com/office/powerpoint/2010/main" val="2173817574"/>
+      </p:ext>
+    </p:extLst>
+  </p:cSld>
+  <p:clrMapOvr>
+    <a:masterClrMapping/>
+  </p:clrMapOvr>
+  <p:transition spd="slow">
+    <p:cover/>
+  </p:transition>
+</p:sld>
+</file>
+
+<file path=ppt/slides/slide4.xml><?xml version="1.0" encoding="utf-8"?>
 <p:sld xmlns:a="http://schemas.openxmlformats.org/drawingml/2006/main" xmlns:r="http://schemas.openxmlformats.org/officeDocument/2006/relationships" xmlns:p="http://schemas.openxmlformats.org/presentationml/2006/main">
   <p:cSld>
     <p:bg>
@@ -18717,7 +22052,7 @@
           <a:p>
             <a:pPr algn="r"/>
             <a:r>
-              <a:rPr lang="en-US" sz="3200">
+              <a:rPr lang="en-US" sz="3200" dirty="0">
                 <a:solidFill>
                   <a:schemeClr val="tx1"/>
                 </a:solidFill>
@@ -18725,7 +22060,7 @@
               </a:rPr>
               <a:t>Core Features</a:t>
             </a:r>
-            <a:endParaRPr lang="en-US" sz="3200">
+            <a:endParaRPr lang="en-US" sz="3200" dirty="0">
               <a:solidFill>
                 <a:schemeClr val="tx1"/>
               </a:solidFill>
@@ -18898,6 +22233,9 @@
   <p:clrMapOvr>
     <a:masterClrMapping/>
   </p:clrMapOvr>
+  <p:transition spd="slow">
+    <p:cover/>
+  </p:transition>
   <p:timing>
     <p:tnLst>
       <p:par>
@@ -19296,7 +22634,7 @@
 </p:sld>
 </file>
 
-<file path=ppt/slides/slide4.xml><?xml version="1.0" encoding="utf-8"?>
+<file path=ppt/slides/slide5.xml><?xml version="1.0" encoding="utf-8"?>
 <p:sld xmlns:a="http://schemas.openxmlformats.org/drawingml/2006/main" xmlns:r="http://schemas.openxmlformats.org/officeDocument/2006/relationships" xmlns:p="http://schemas.openxmlformats.org/presentationml/2006/main">
   <p:cSld>
     <p:bg>
@@ -19664,10 +23002,13 @@
   <p:clrMapOvr>
     <a:masterClrMapping/>
   </p:clrMapOvr>
+  <p:transition spd="slow">
+    <p:cover/>
+  </p:transition>
 </p:sld>
 </file>
 
-<file path=ppt/slides/slide5.xml><?xml version="1.0" encoding="utf-8"?>
+<file path=ppt/slides/slide6.xml><?xml version="1.0" encoding="utf-8"?>
 <p:sld xmlns:a="http://schemas.openxmlformats.org/drawingml/2006/main" xmlns:r="http://schemas.openxmlformats.org/officeDocument/2006/relationships" xmlns:p="http://schemas.openxmlformats.org/presentationml/2006/main">
   <p:cSld>
     <p:bg>
@@ -20070,10 +23411,13 @@
   <p:clrMapOvr>
     <a:masterClrMapping/>
   </p:clrMapOvr>
+  <p:transition spd="slow">
+    <p:cover/>
+  </p:transition>
 </p:sld>
 </file>
 
-<file path=ppt/slides/slide6.xml><?xml version="1.0" encoding="utf-8"?>
+<file path=ppt/slides/slide7.xml><?xml version="1.0" encoding="utf-8"?>
 <p:sld xmlns:a="http://schemas.openxmlformats.org/drawingml/2006/main" xmlns:r="http://schemas.openxmlformats.org/officeDocument/2006/relationships" xmlns:p="http://schemas.openxmlformats.org/presentationml/2006/main">
   <p:cSld>
     <p:bg>
@@ -20479,10 +23823,13 @@
   <p:clrMapOvr>
     <a:masterClrMapping/>
   </p:clrMapOvr>
+  <p:transition spd="slow">
+    <p:cover/>
+  </p:transition>
 </p:sld>
 </file>
 
-<file path=ppt/slides/slide7.xml><?xml version="1.0" encoding="utf-8"?>
+<file path=ppt/slides/slide8.xml><?xml version="1.0" encoding="utf-8"?>
 <p:sld xmlns:a="http://schemas.openxmlformats.org/drawingml/2006/main" xmlns:r="http://schemas.openxmlformats.org/officeDocument/2006/relationships" xmlns:p="http://schemas.openxmlformats.org/presentationml/2006/main">
   <p:cSld>
     <p:bg>
@@ -20865,10 +24212,13 @@
   <p:clrMapOvr>
     <a:masterClrMapping/>
   </p:clrMapOvr>
+  <p:transition spd="slow">
+    <p:cover/>
+  </p:transition>
 </p:sld>
 </file>
 
-<file path=ppt/slides/slide8.xml><?xml version="1.0" encoding="utf-8"?>
+<file path=ppt/slides/slide9.xml><?xml version="1.0" encoding="utf-8"?>
 <p:sld xmlns:a="http://schemas.openxmlformats.org/drawingml/2006/main" xmlns:r="http://schemas.openxmlformats.org/officeDocument/2006/relationships" xmlns:p="http://schemas.openxmlformats.org/presentationml/2006/main">
   <p:cSld>
     <p:bg>
@@ -21320,371 +24670,9 @@
   <p:clrMapOvr>
     <a:masterClrMapping/>
   </p:clrMapOvr>
-</p:sld>
-</file>
-
-<file path=ppt/slides/slide9.xml><?xml version="1.0" encoding="utf-8"?>
-<p:sld xmlns:a="http://schemas.openxmlformats.org/drawingml/2006/main" xmlns:r="http://schemas.openxmlformats.org/officeDocument/2006/relationships" xmlns:p="http://schemas.openxmlformats.org/presentationml/2006/main">
-  <p:cSld>
-    <p:bg>
-      <p:bgPr>
-        <a:solidFill>
-          <a:schemeClr val="bg2"/>
-        </a:solidFill>
-        <a:effectLst/>
-      </p:bgPr>
-    </p:bg>
-    <p:spTree>
-      <p:nvGrpSpPr>
-        <p:cNvPr id="1" name=""/>
-        <p:cNvGrpSpPr/>
-        <p:nvPr/>
-      </p:nvGrpSpPr>
-      <p:grpSpPr>
-        <a:xfrm>
-          <a:off x="0" y="0"/>
-          <a:ext cx="0" cy="0"/>
-          <a:chOff x="0" y="0"/>
-          <a:chExt cx="0" cy="0"/>
-        </a:xfrm>
-      </p:grpSpPr>
-      <p:sp useBgFill="1">
-        <p:nvSpPr>
-          <p:cNvPr id="16" name="Rectangle 15">
-            <a:extLst>
-              <a:ext uri="{FF2B5EF4-FFF2-40B4-BE49-F238E27FC236}">
-                <a16:creationId xmlns:a16="http://schemas.microsoft.com/office/drawing/2014/main" id="{A3322B77-FA16-4D4E-BAA6-811C61DB3E85}"/>
-              </a:ext>
-              <a:ext uri="{C183D7F6-B498-43B3-948B-1728B52AA6E4}">
-                <adec:decorative xmlns:adec="http://schemas.microsoft.com/office/drawing/2017/decorative" val="1"/>
-              </a:ext>
-            </a:extLst>
-          </p:cNvPr>
-          <p:cNvSpPr>
-            <a:spLocks noGrp="1" noRot="1" noChangeAspect="1" noMove="1" noResize="1" noEditPoints="1" noAdjustHandles="1" noChangeArrowheads="1" noChangeShapeType="1" noTextEdit="1"/>
-          </p:cNvSpPr>
-          <p:nvPr>
-            <p:extLst>
-              <p:ext uri="{386F3935-93C4-4BCD-93E2-E3B085C9AB24}">
-                <p16:designElem xmlns:p16="http://schemas.microsoft.com/office/powerpoint/2015/main" val="1"/>
-              </p:ext>
-            </p:extLst>
-          </p:nvPr>
-        </p:nvSpPr>
-        <p:spPr>
-          <a:xfrm>
-            <a:off x="0" y="0"/>
-            <a:ext cx="12192000" cy="6858000"/>
-          </a:xfrm>
-          <a:prstGeom prst="rect">
-            <a:avLst/>
-          </a:prstGeom>
-          <a:ln>
-            <a:noFill/>
-          </a:ln>
-        </p:spPr>
-        <p:style>
-          <a:lnRef idx="2">
-            <a:schemeClr val="accent1">
-              <a:shade val="50000"/>
-            </a:schemeClr>
-          </a:lnRef>
-          <a:fillRef idx="1">
-            <a:schemeClr val="accent1"/>
-          </a:fillRef>
-          <a:effectRef idx="0">
-            <a:schemeClr val="accent1"/>
-          </a:effectRef>
-          <a:fontRef idx="minor">
-            <a:schemeClr val="lt1"/>
-          </a:fontRef>
-        </p:style>
-        <p:txBody>
-          <a:bodyPr rtlCol="0" anchor="ctr"/>
-          <a:lstStyle/>
-          <a:p>
-            <a:pPr algn="ctr"/>
-            <a:endParaRPr lang="en-US"/>
-          </a:p>
-        </p:txBody>
-      </p:sp>
-      <p:sp>
-        <p:nvSpPr>
-          <p:cNvPr id="18" name="Freeform: Shape 17">
-            <a:extLst>
-              <a:ext uri="{FF2B5EF4-FFF2-40B4-BE49-F238E27FC236}">
-                <a16:creationId xmlns:a16="http://schemas.microsoft.com/office/drawing/2014/main" id="{CA6EF34F-3BAD-4CD8-B05E-03BA773AE864}"/>
-              </a:ext>
-              <a:ext uri="{C183D7F6-B498-43B3-948B-1728B52AA6E4}">
-                <adec:decorative xmlns:adec="http://schemas.microsoft.com/office/drawing/2017/decorative" val="1"/>
-              </a:ext>
-            </a:extLst>
-          </p:cNvPr>
-          <p:cNvSpPr>
-            <a:spLocks noGrp="1" noRot="1" noChangeAspect="1" noMove="1" noResize="1" noEditPoints="1" noAdjustHandles="1" noChangeArrowheads="1" noChangeShapeType="1" noTextEdit="1"/>
-          </p:cNvSpPr>
-          <p:nvPr>
-            <p:extLst>
-              <p:ext uri="{386F3935-93C4-4BCD-93E2-E3B085C9AB24}">
-                <p16:designElem xmlns:p16="http://schemas.microsoft.com/office/powerpoint/2015/main" val="1"/>
-              </p:ext>
-            </p:extLst>
-          </p:nvPr>
-        </p:nvSpPr>
-        <p:spPr bwMode="auto">
-          <a:xfrm rot="16200000">
-            <a:off x="-1050631" y="1050634"/>
-            <a:ext cx="6857997" cy="4756735"/>
-          </a:xfrm>
-          <a:custGeom>
-            <a:avLst/>
-            <a:gdLst>
-              <a:gd name="connsiteX0" fmla="*/ 6857997 w 6857997"/>
-              <a:gd name="connsiteY0" fmla="*/ 0 h 4756735"/>
-              <a:gd name="connsiteX1" fmla="*/ 6857997 w 6857997"/>
-              <a:gd name="connsiteY1" fmla="*/ 4458285 h 4756735"/>
-              <a:gd name="connsiteX2" fmla="*/ 4861980 w 6857997"/>
-              <a:gd name="connsiteY2" fmla="*/ 4458285 h 4756735"/>
-              <a:gd name="connsiteX3" fmla="*/ 4480980 w 6857997"/>
-              <a:gd name="connsiteY3" fmla="*/ 4744036 h 4756735"/>
-              <a:gd name="connsiteX4" fmla="*/ 4472514 w 6857997"/>
-              <a:gd name="connsiteY4" fmla="*/ 4747210 h 4756735"/>
-              <a:gd name="connsiteX5" fmla="*/ 4459814 w 6857997"/>
-              <a:gd name="connsiteY5" fmla="*/ 4751973 h 4756735"/>
-              <a:gd name="connsiteX6" fmla="*/ 4447114 w 6857997"/>
-              <a:gd name="connsiteY6" fmla="*/ 4756735 h 4756735"/>
-              <a:gd name="connsiteX7" fmla="*/ 4436530 w 6857997"/>
-              <a:gd name="connsiteY7" fmla="*/ 4756735 h 4756735"/>
-              <a:gd name="connsiteX8" fmla="*/ 4423830 w 6857997"/>
-              <a:gd name="connsiteY8" fmla="*/ 4756735 h 4756735"/>
-              <a:gd name="connsiteX9" fmla="*/ 4413247 w 6857997"/>
-              <a:gd name="connsiteY9" fmla="*/ 4751973 h 4756735"/>
-              <a:gd name="connsiteX10" fmla="*/ 4400547 w 6857997"/>
-              <a:gd name="connsiteY10" fmla="*/ 4747210 h 4756735"/>
-              <a:gd name="connsiteX11" fmla="*/ 4392080 w 6857997"/>
-              <a:gd name="connsiteY11" fmla="*/ 4744036 h 4756735"/>
-              <a:gd name="connsiteX12" fmla="*/ 4011080 w 6857997"/>
-              <a:gd name="connsiteY12" fmla="*/ 4458285 h 4756735"/>
-              <a:gd name="connsiteX13" fmla="*/ 0 w 6857997"/>
-              <a:gd name="connsiteY13" fmla="*/ 4458285 h 4756735"/>
-              <a:gd name="connsiteX14" fmla="*/ 1 w 6857997"/>
-              <a:gd name="connsiteY14" fmla="*/ 0 h 4756735"/>
-            </a:gdLst>
-            <a:ahLst/>
-            <a:cxnLst>
-              <a:cxn ang="0">
-                <a:pos x="connsiteX0" y="connsiteY0"/>
-              </a:cxn>
-              <a:cxn ang="0">
-                <a:pos x="connsiteX1" y="connsiteY1"/>
-              </a:cxn>
-              <a:cxn ang="0">
-                <a:pos x="connsiteX2" y="connsiteY2"/>
-              </a:cxn>
-              <a:cxn ang="0">
-                <a:pos x="connsiteX3" y="connsiteY3"/>
-              </a:cxn>
-              <a:cxn ang="0">
-                <a:pos x="connsiteX4" y="connsiteY4"/>
-              </a:cxn>
-              <a:cxn ang="0">
-                <a:pos x="connsiteX5" y="connsiteY5"/>
-              </a:cxn>
-              <a:cxn ang="0">
-                <a:pos x="connsiteX6" y="connsiteY6"/>
-              </a:cxn>
-              <a:cxn ang="0">
-                <a:pos x="connsiteX7" y="connsiteY7"/>
-              </a:cxn>
-              <a:cxn ang="0">
-                <a:pos x="connsiteX8" y="connsiteY8"/>
-              </a:cxn>
-              <a:cxn ang="0">
-                <a:pos x="connsiteX9" y="connsiteY9"/>
-              </a:cxn>
-              <a:cxn ang="0">
-                <a:pos x="connsiteX10" y="connsiteY10"/>
-              </a:cxn>
-              <a:cxn ang="0">
-                <a:pos x="connsiteX11" y="connsiteY11"/>
-              </a:cxn>
-              <a:cxn ang="0">
-                <a:pos x="connsiteX12" y="connsiteY12"/>
-              </a:cxn>
-              <a:cxn ang="0">
-                <a:pos x="connsiteX13" y="connsiteY13"/>
-              </a:cxn>
-              <a:cxn ang="0">
-                <a:pos x="connsiteX14" y="connsiteY14"/>
-              </a:cxn>
-            </a:cxnLst>
-            <a:rect l="l" t="t" r="r" b="b"/>
-            <a:pathLst>
-              <a:path w="6857997" h="4756735">
-                <a:moveTo>
-                  <a:pt x="6857997" y="0"/>
-                </a:moveTo>
-                <a:lnTo>
-                  <a:pt x="6857997" y="4458285"/>
-                </a:lnTo>
-                <a:lnTo>
-                  <a:pt x="4861980" y="4458285"/>
-                </a:lnTo>
-                <a:lnTo>
-                  <a:pt x="4480980" y="4744036"/>
-                </a:lnTo>
-                <a:lnTo>
-                  <a:pt x="4472514" y="4747210"/>
-                </a:lnTo>
-                <a:lnTo>
-                  <a:pt x="4459814" y="4751973"/>
-                </a:lnTo>
-                <a:lnTo>
-                  <a:pt x="4447114" y="4756735"/>
-                </a:lnTo>
-                <a:lnTo>
-                  <a:pt x="4436530" y="4756735"/>
-                </a:lnTo>
-                <a:lnTo>
-                  <a:pt x="4423830" y="4756735"/>
-                </a:lnTo>
-                <a:lnTo>
-                  <a:pt x="4413247" y="4751973"/>
-                </a:lnTo>
-                <a:lnTo>
-                  <a:pt x="4400547" y="4747210"/>
-                </a:lnTo>
-                <a:lnTo>
-                  <a:pt x="4392080" y="4744036"/>
-                </a:lnTo>
-                <a:lnTo>
-                  <a:pt x="4011080" y="4458285"/>
-                </a:lnTo>
-                <a:lnTo>
-                  <a:pt x="0" y="4458285"/>
-                </a:lnTo>
-                <a:lnTo>
-                  <a:pt x="1" y="0"/>
-                </a:lnTo>
-                <a:close/>
-              </a:path>
-            </a:pathLst>
-          </a:custGeom>
-          <a:solidFill>
-            <a:schemeClr val="accent1"/>
-          </a:solidFill>
-          <a:ln>
-            <a:headEnd/>
-            <a:tailEnd/>
-          </a:ln>
-        </p:spPr>
-        <p:style>
-          <a:lnRef idx="1">
-            <a:schemeClr val="accent1"/>
-          </a:lnRef>
-          <a:fillRef idx="3">
-            <a:schemeClr val="accent1"/>
-          </a:fillRef>
-          <a:effectRef idx="2">
-            <a:schemeClr val="accent1"/>
-          </a:effectRef>
-          <a:fontRef idx="minor">
-            <a:schemeClr val="lt1"/>
-          </a:fontRef>
-        </p:style>
-        <p:txBody>
-          <a:bodyPr/>
-          <a:lstStyle/>
-          <a:p>
-            <a:endParaRPr lang="en-US"/>
-          </a:p>
-        </p:txBody>
-      </p:sp>
-      <p:sp>
-        <p:nvSpPr>
-          <p:cNvPr id="2" name="Title 1">
-            <a:extLst>
-              <a:ext uri="{FF2B5EF4-FFF2-40B4-BE49-F238E27FC236}">
-                <a16:creationId xmlns:a16="http://schemas.microsoft.com/office/drawing/2014/main" id="{8D7FCED5-EBE9-EC98-8197-C762265A617D}"/>
-              </a:ext>
-            </a:extLst>
-          </p:cNvPr>
-          <p:cNvSpPr>
-            <a:spLocks noGrp="1"/>
-          </p:cNvSpPr>
-          <p:nvPr>
-            <p:ph type="title"/>
-          </p:nvPr>
-        </p:nvSpPr>
-        <p:spPr>
-          <a:xfrm>
-            <a:off x="641754" y="1918252"/>
-            <a:ext cx="3365439" cy="3997635"/>
-          </a:xfrm>
-        </p:spPr>
-        <p:txBody>
-          <a:bodyPr anchor="t">
-            <a:normAutofit/>
-          </a:bodyPr>
-          <a:lstStyle/>
-          <a:p>
-            <a:pPr lvl="1" rtl="0">
-              <a:spcBef>
-                <a:spcPct val="0"/>
-              </a:spcBef>
-            </a:pPr>
-            <a:r>
-              <a:rPr lang="en-US" sz="4400" kern="1200" cap="all">
-                <a:latin typeface="+mj-lt"/>
-                <a:ea typeface="+mj-ea"/>
-                <a:cs typeface="+mj-cs"/>
-              </a:rPr>
-              <a:t>Progress Insights &amp; Analytics</a:t>
-            </a:r>
-          </a:p>
-        </p:txBody>
-      </p:sp>
-      <p:graphicFrame>
-        <p:nvGraphicFramePr>
-          <p:cNvPr id="12" name="Content Placeholder 2">
-            <a:extLst>
-              <a:ext uri="{FF2B5EF4-FFF2-40B4-BE49-F238E27FC236}">
-                <a16:creationId xmlns:a16="http://schemas.microsoft.com/office/drawing/2014/main" id="{DF5FDB9D-3CC5-ABCF-68A7-ECE91AB2C5FD}"/>
-              </a:ext>
-            </a:extLst>
-          </p:cNvPr>
-          <p:cNvGraphicFramePr>
-            <a:graphicFrameLocks noGrp="1"/>
-          </p:cNvGraphicFramePr>
-          <p:nvPr>
-            <p:ph idx="1"/>
-            <p:extLst>
-              <p:ext uri="{D42A27DB-BD31-4B8C-83A1-F6EECF244321}">
-                <p14:modId xmlns:p14="http://schemas.microsoft.com/office/powerpoint/2010/main" val="86636305"/>
-              </p:ext>
-            </p:extLst>
-          </p:nvPr>
-        </p:nvGraphicFramePr>
-        <p:xfrm>
-          <a:off x="5556250" y="1262063"/>
-          <a:ext cx="5816600" cy="4327525"/>
-        </p:xfrm>
-        <a:graphic>
-          <a:graphicData uri="http://schemas.openxmlformats.org/drawingml/2006/diagram">
-            <dgm:relIds xmlns:dgm="http://schemas.openxmlformats.org/drawingml/2006/diagram" xmlns:r="http://schemas.openxmlformats.org/officeDocument/2006/relationships" r:dm="rId2" r:lo="rId3" r:qs="rId4" r:cs="rId5"/>
-          </a:graphicData>
-        </a:graphic>
-      </p:graphicFrame>
-    </p:spTree>
-    <p:extLst>
-      <p:ext uri="{BB962C8B-B14F-4D97-AF65-F5344CB8AC3E}">
-        <p14:creationId xmlns:p14="http://schemas.microsoft.com/office/powerpoint/2010/main" val="2205184149"/>
-      </p:ext>
-    </p:extLst>
-  </p:cSld>
-  <p:clrMapOvr>
-    <a:masterClrMapping/>
-  </p:clrMapOvr>
+  <p:transition spd="slow">
+    <p:cover/>
+  </p:transition>
 </p:sld>
 </file>
 

--- a/Documents/HCI Project Proposal.pptx
+++ b/Documents/HCI Project Proposal.pptx
@@ -13483,7 +13483,7 @@
           <a:effectLst/>
           <a:extLst>
             <a:ext uri="{91240B29-F687-4f45-9708-019B960494DF}">
-              <a14:hiddenLine xmlns:a14="http://schemas.microsoft.com/office/drawing/2010/main" xmlns="" w="9525">
+              <a14:hiddenLine xmlns="" xmlns:a14="http://schemas.microsoft.com/office/drawing/2010/main" w="9525">
                 <a:solidFill>
                   <a:srgbClr val="000000"/>
                 </a:solidFill>
@@ -15005,7 +15005,7 @@
           <a:ln/>
           <a:extLst>
             <a:ext uri="{91240B29-F687-4f45-9708-019B960494DF}">
-              <a14:hiddenLine xmlns:a14="http://schemas.microsoft.com/office/drawing/2010/main" xmlns="" w="9525">
+              <a14:hiddenLine xmlns="" xmlns:a14="http://schemas.microsoft.com/office/drawing/2010/main" w="9525">
                 <a:solidFill>
                   <a:srgbClr val="000000"/>
                 </a:solidFill>
@@ -15280,7 +15280,7 @@
           <a:ln/>
           <a:extLst>
             <a:ext uri="{91240B29-F687-4f45-9708-019B960494DF}">
-              <a14:hiddenLine xmlns:a14="http://schemas.microsoft.com/office/drawing/2010/main" xmlns="" w="9525">
+              <a14:hiddenLine xmlns="" xmlns:a14="http://schemas.microsoft.com/office/drawing/2010/main" w="9525">
                 <a:solidFill>
                   <a:srgbClr val="000000"/>
                 </a:solidFill>
@@ -15563,7 +15563,7 @@
           <a:ln/>
           <a:extLst>
             <a:ext uri="{91240B29-F687-4f45-9708-019B960494DF}">
-              <a14:hiddenLine xmlns:a14="http://schemas.microsoft.com/office/drawing/2010/main" xmlns="" w="9525">
+              <a14:hiddenLine xmlns="" xmlns:a14="http://schemas.microsoft.com/office/drawing/2010/main" w="9525">
                 <a:solidFill>
                   <a:srgbClr val="000000"/>
                 </a:solidFill>
@@ -16189,7 +16189,7 @@
           <a:ln/>
           <a:extLst>
             <a:ext uri="{91240B29-F687-4f45-9708-019B960494DF}">
-              <a14:hiddenLine xmlns:a14="http://schemas.microsoft.com/office/drawing/2010/main" xmlns="" w="9525">
+              <a14:hiddenLine xmlns="" xmlns:a14="http://schemas.microsoft.com/office/drawing/2010/main" w="9525">
                 <a:solidFill>
                   <a:srgbClr val="000000"/>
                 </a:solidFill>
@@ -16528,7 +16528,7 @@
           <a:ln/>
           <a:extLst>
             <a:ext uri="{91240B29-F687-4f45-9708-019B960494DF}">
-              <a14:hiddenLine xmlns:a14="http://schemas.microsoft.com/office/drawing/2010/main" xmlns="" w="9525">
+              <a14:hiddenLine xmlns="" xmlns:a14="http://schemas.microsoft.com/office/drawing/2010/main" w="9525">
                 <a:solidFill>
                   <a:srgbClr val="000000"/>
                 </a:solidFill>
@@ -17005,7 +17005,7 @@
           <a:ln/>
           <a:extLst>
             <a:ext uri="{91240B29-F687-4f45-9708-019B960494DF}">
-              <a14:hiddenLine xmlns:a14="http://schemas.microsoft.com/office/drawing/2010/main" xmlns="" w="9525">
+              <a14:hiddenLine xmlns="" xmlns:a14="http://schemas.microsoft.com/office/drawing/2010/main" w="9525">
                 <a:solidFill>
                   <a:srgbClr val="000000"/>
                 </a:solidFill>
@@ -17434,7 +17434,7 @@
           <a:ln/>
           <a:extLst>
             <a:ext uri="{91240B29-F687-4f45-9708-019B960494DF}">
-              <a14:hiddenLine xmlns:a14="http://schemas.microsoft.com/office/drawing/2010/main" xmlns="" w="9525">
+              <a14:hiddenLine xmlns="" xmlns:a14="http://schemas.microsoft.com/office/drawing/2010/main" w="9525">
                 <a:solidFill>
                   <a:srgbClr val="000000"/>
                 </a:solidFill>
@@ -20691,7 +20691,7 @@
           <a:effectLst/>
           <a:extLst>
             <a:ext uri="{91240B29-F687-4f45-9708-019B960494DF}">
-              <a14:hiddenLine xmlns="" xmlns:a16="http://schemas.microsoft.com/office/drawing/2014/main" xmlns:p14="http://schemas.microsoft.com/office/powerpoint/2010/main" xmlns:a14="http://schemas.microsoft.com/office/drawing/2010/main" w="9525">
+              <a14:hiddenLine xmlns:a14="http://schemas.microsoft.com/office/drawing/2010/main" xmlns:p14="http://schemas.microsoft.com/office/powerpoint/2010/main" xmlns:a16="http://schemas.microsoft.com/office/drawing/2014/main" xmlns="" w="9525">
                 <a:solidFill>
                   <a:srgbClr val="000000"/>
                 </a:solidFill>
@@ -21928,7 +21928,7 @@
           <a:ln/>
           <a:extLst>
             <a:ext uri="{91240B29-F687-4f45-9708-019B960494DF}">
-              <a14:hiddenLine xmlns="" xmlns:a14="http://schemas.microsoft.com/office/drawing/2010/main" xmlns:a16="http://schemas.microsoft.com/office/drawing/2014/main" w="9525">
+              <a14:hiddenLine xmlns:a16="http://schemas.microsoft.com/office/drawing/2014/main" xmlns:a14="http://schemas.microsoft.com/office/drawing/2010/main" xmlns="" w="9525">
                 <a:solidFill>
                   <a:srgbClr val="000000"/>
                 </a:solidFill>
@@ -22954,8 +22954,17 @@
           </a:bodyPr>
           <a:lstStyle/>
           <a:p>
+            <a:pPr lvl="1" rtl="0">
+              <a:spcBef>
+                <a:spcPct val="0"/>
+              </a:spcBef>
+            </a:pPr>
             <a:r>
-              <a:rPr lang="en-US" sz="3600" dirty="0"/>
+              <a:rPr lang="en-US" sz="3200" kern="1200" cap="all" dirty="0">
+                <a:latin typeface="+mj-lt"/>
+                <a:ea typeface="+mj-ea"/>
+                <a:cs typeface="+mj-cs"/>
+              </a:rPr>
               <a:t>Task Management</a:t>
             </a:r>
           </a:p>
@@ -23289,8 +23298,17 @@
           </a:bodyPr>
           <a:lstStyle/>
           <a:p>
+            <a:pPr lvl="1" rtl="0">
+              <a:spcBef>
+                <a:spcPct val="0"/>
+              </a:spcBef>
+            </a:pPr>
             <a:r>
-              <a:rPr lang="en-US" dirty="0"/>
+              <a:rPr lang="en-US" sz="3600" kern="1200" cap="all" dirty="0">
+                <a:latin typeface="+mj-lt"/>
+                <a:ea typeface="+mj-ea"/>
+                <a:cs typeface="+mj-cs"/>
+              </a:rPr>
               <a:t>Task Organization</a:t>
             </a:r>
           </a:p>
@@ -23698,8 +23716,17 @@
           </a:bodyPr>
           <a:lstStyle/>
           <a:p>
+            <a:pPr lvl="1" rtl="0">
+              <a:spcBef>
+                <a:spcPct val="0"/>
+              </a:spcBef>
+            </a:pPr>
             <a:r>
-              <a:rPr lang="en-US" sz="4400" dirty="0"/>
+              <a:rPr lang="en-US" sz="4400" kern="1200" cap="all" dirty="0">
+                <a:latin typeface="+mj-lt"/>
+                <a:ea typeface="+mj-ea"/>
+                <a:cs typeface="+mj-cs"/>
+              </a:rPr>
               <a:t>Due Dates and Reminders</a:t>
             </a:r>
           </a:p>
@@ -24110,8 +24137,17 @@
           </a:bodyPr>
           <a:lstStyle/>
           <a:p>
+            <a:pPr lvl="1" rtl="0">
+              <a:spcBef>
+                <a:spcPct val="0"/>
+              </a:spcBef>
+            </a:pPr>
             <a:r>
-              <a:rPr lang="en-US" sz="4400" dirty="0"/>
+              <a:rPr lang="en-US" sz="3600" kern="1200" cap="all" dirty="0">
+                <a:latin typeface="+mj-lt"/>
+                <a:ea typeface="+mj-ea"/>
+                <a:cs typeface="+mj-cs"/>
+              </a:rPr>
               <a:t>Search and Filter</a:t>
             </a:r>
           </a:p>

--- a/Documents/HCI Project Proposal.pptx
+++ b/Documents/HCI Project Proposal.pptx
@@ -3704,12 +3704,12 @@
             <a:defRPr cap="all"/>
           </a:pPr>
           <a:r>
-            <a:rPr lang="en-US" b="1"/>
+            <a:rPr lang="en-US" b="1" dirty="0"/>
             <a:t>If it's simple</a:t>
           </a:r>
           <a:r>
-            <a:rPr lang="en-US"/>
-            <a:t>: Using JSON or INI files to store settings and task data is sufficient.</a:t>
+            <a:rPr lang="en-US" dirty="0"/>
+            <a:t>: We’ll JSON or INI files to store settings and task data.</a:t>
           </a:r>
         </a:p>
       </dgm:t>
@@ -3747,12 +3747,12 @@
             <a:defRPr cap="all"/>
           </a:pPr>
           <a:r>
-            <a:rPr lang="en-US" b="1"/>
+            <a:rPr lang="en-US" b="1" dirty="0"/>
             <a:t>If it's more complex</a:t>
           </a:r>
           <a:r>
-            <a:rPr lang="en-US"/>
-            <a:t>: Consider using SQLite for more structured and relational data storage. </a:t>
+            <a:rPr lang="en-US" dirty="0"/>
+            <a:t>: we’ll use SQLite for more structured and relational data storage. </a:t>
           </a:r>
         </a:p>
       </dgm:t>
@@ -5486,7 +5486,7 @@
         </a:bodyPr>
         <a:lstStyle/>
         <a:p>
-          <a:pPr marL="0" lvl="0" indent="0" algn="ctr" defTabSz="622300">
+          <a:pPr marL="0" lvl="0" indent="0" algn="ctr" defTabSz="666750">
             <a:lnSpc>
               <a:spcPct val="90000"/>
             </a:lnSpc>
@@ -5500,12 +5500,12 @@
             <a:defRPr cap="all"/>
           </a:pPr>
           <a:r>
-            <a:rPr lang="en-US" sz="1400" b="1" kern="1200"/>
+            <a:rPr lang="en-US" sz="1500" b="1" kern="1200" dirty="0"/>
             <a:t>If it's simple</a:t>
           </a:r>
           <a:r>
-            <a:rPr lang="en-US" sz="1400" kern="1200"/>
-            <a:t>: Using JSON or INI files to store settings and task data is sufficient.</a:t>
+            <a:rPr lang="en-US" sz="1500" kern="1200" dirty="0"/>
+            <a:t>: We’ll JSON or INI files to store settings and task data.</a:t>
           </a:r>
         </a:p>
       </dsp:txBody>
@@ -5642,7 +5642,7 @@
         </a:bodyPr>
         <a:lstStyle/>
         <a:p>
-          <a:pPr marL="0" lvl="0" indent="0" algn="ctr" defTabSz="622300">
+          <a:pPr marL="0" lvl="0" indent="0" algn="ctr" defTabSz="666750">
             <a:lnSpc>
               <a:spcPct val="90000"/>
             </a:lnSpc>
@@ -5656,12 +5656,12 @@
             <a:defRPr cap="all"/>
           </a:pPr>
           <a:r>
-            <a:rPr lang="en-US" sz="1400" b="1" kern="1200"/>
+            <a:rPr lang="en-US" sz="1500" b="1" kern="1200" dirty="0"/>
             <a:t>If it's more complex</a:t>
           </a:r>
           <a:r>
-            <a:rPr lang="en-US" sz="1400" kern="1200"/>
-            <a:t>: Consider using SQLite for more structured and relational data storage. </a:t>
+            <a:rPr lang="en-US" sz="1500" kern="1200" dirty="0"/>
+            <a:t>: we’ll use SQLite for more structured and relational data storage. </a:t>
           </a:r>
         </a:p>
       </dsp:txBody>
@@ -13483,7 +13483,7 @@
           <a:effectLst/>
           <a:extLst>
             <a:ext uri="{91240B29-F687-4f45-9708-019B960494DF}">
-              <a14:hiddenLine xmlns="" xmlns:a14="http://schemas.microsoft.com/office/drawing/2010/main" w="9525">
+              <a14:hiddenLine xmlns:a14="http://schemas.microsoft.com/office/drawing/2010/main" xmlns="" w="9525">
                 <a:solidFill>
                   <a:srgbClr val="000000"/>
                 </a:solidFill>
@@ -15005,7 +15005,7 @@
           <a:ln/>
           <a:extLst>
             <a:ext uri="{91240B29-F687-4f45-9708-019B960494DF}">
-              <a14:hiddenLine xmlns="" xmlns:a14="http://schemas.microsoft.com/office/drawing/2010/main" w="9525">
+              <a14:hiddenLine xmlns:a14="http://schemas.microsoft.com/office/drawing/2010/main" xmlns="" w="9525">
                 <a:solidFill>
                   <a:srgbClr val="000000"/>
                 </a:solidFill>
@@ -15280,7 +15280,7 @@
           <a:ln/>
           <a:extLst>
             <a:ext uri="{91240B29-F687-4f45-9708-019B960494DF}">
-              <a14:hiddenLine xmlns="" xmlns:a14="http://schemas.microsoft.com/office/drawing/2010/main" w="9525">
+              <a14:hiddenLine xmlns:a14="http://schemas.microsoft.com/office/drawing/2010/main" xmlns="" w="9525">
                 <a:solidFill>
                   <a:srgbClr val="000000"/>
                 </a:solidFill>
@@ -15563,7 +15563,7 @@
           <a:ln/>
           <a:extLst>
             <a:ext uri="{91240B29-F687-4f45-9708-019B960494DF}">
-              <a14:hiddenLine xmlns="" xmlns:a14="http://schemas.microsoft.com/office/drawing/2010/main" w="9525">
+              <a14:hiddenLine xmlns:a14="http://schemas.microsoft.com/office/drawing/2010/main" xmlns="" w="9525">
                 <a:solidFill>
                   <a:srgbClr val="000000"/>
                 </a:solidFill>
@@ -16189,7 +16189,7 @@
           <a:ln/>
           <a:extLst>
             <a:ext uri="{91240B29-F687-4f45-9708-019B960494DF}">
-              <a14:hiddenLine xmlns="" xmlns:a14="http://schemas.microsoft.com/office/drawing/2010/main" w="9525">
+              <a14:hiddenLine xmlns:a14="http://schemas.microsoft.com/office/drawing/2010/main" xmlns="" w="9525">
                 <a:solidFill>
                   <a:srgbClr val="000000"/>
                 </a:solidFill>
@@ -16528,7 +16528,7 @@
           <a:ln/>
           <a:extLst>
             <a:ext uri="{91240B29-F687-4f45-9708-019B960494DF}">
-              <a14:hiddenLine xmlns="" xmlns:a14="http://schemas.microsoft.com/office/drawing/2010/main" w="9525">
+              <a14:hiddenLine xmlns:a14="http://schemas.microsoft.com/office/drawing/2010/main" xmlns="" w="9525">
                 <a:solidFill>
                   <a:srgbClr val="000000"/>
                 </a:solidFill>
@@ -17005,7 +17005,7 @@
           <a:ln/>
           <a:extLst>
             <a:ext uri="{91240B29-F687-4f45-9708-019B960494DF}">
-              <a14:hiddenLine xmlns="" xmlns:a14="http://schemas.microsoft.com/office/drawing/2010/main" w="9525">
+              <a14:hiddenLine xmlns:a14="http://schemas.microsoft.com/office/drawing/2010/main" xmlns="" w="9525">
                 <a:solidFill>
                   <a:srgbClr val="000000"/>
                 </a:solidFill>
@@ -17434,7 +17434,7 @@
           <a:ln/>
           <a:extLst>
             <a:ext uri="{91240B29-F687-4f45-9708-019B960494DF}">
-              <a14:hiddenLine xmlns="" xmlns:a14="http://schemas.microsoft.com/office/drawing/2010/main" w="9525">
+              <a14:hiddenLine xmlns:a14="http://schemas.microsoft.com/office/drawing/2010/main" xmlns="" w="9525">
                 <a:solidFill>
                   <a:srgbClr val="000000"/>
                 </a:solidFill>
@@ -18889,7 +18889,7 @@
             </a:pPr>
             <a:r>
               <a:rPr lang="en-US" dirty="0"/>
-              <a:t>[insert name here] - [insert ID here]</a:t>
+              <a:t>Badr Elsayed- 22010664</a:t>
             </a:r>
           </a:p>
           <a:p>
@@ -20691,7 +20691,7 @@
           <a:effectLst/>
           <a:extLst>
             <a:ext uri="{91240B29-F687-4f45-9708-019B960494DF}">
-              <a14:hiddenLine xmlns:a14="http://schemas.microsoft.com/office/drawing/2010/main" xmlns:p14="http://schemas.microsoft.com/office/powerpoint/2010/main" xmlns:a16="http://schemas.microsoft.com/office/drawing/2014/main" xmlns="" w="9525">
+              <a14:hiddenLine xmlns="" xmlns:a16="http://schemas.microsoft.com/office/drawing/2014/main" xmlns:p14="http://schemas.microsoft.com/office/powerpoint/2010/main" xmlns:a14="http://schemas.microsoft.com/office/drawing/2010/main" w="9525">
                 <a:solidFill>
                   <a:srgbClr val="000000"/>
                 </a:solidFill>
@@ -21778,7 +21778,7 @@
             <p:ph idx="1"/>
             <p:extLst>
               <p:ext uri="{D42A27DB-BD31-4B8C-83A1-F6EECF244321}">
-                <p14:modId xmlns:p14="http://schemas.microsoft.com/office/powerpoint/2010/main" val="2583326091"/>
+                <p14:modId xmlns:p14="http://schemas.microsoft.com/office/powerpoint/2010/main" val="1764825795"/>
               </p:ext>
             </p:extLst>
           </p:nvPr>
@@ -21928,7 +21928,7 @@
           <a:ln/>
           <a:extLst>
             <a:ext uri="{91240B29-F687-4f45-9708-019B960494DF}">
-              <a14:hiddenLine xmlns:a16="http://schemas.microsoft.com/office/drawing/2014/main" xmlns:a14="http://schemas.microsoft.com/office/drawing/2010/main" xmlns="" w="9525">
+              <a14:hiddenLine xmlns="" xmlns:a14="http://schemas.microsoft.com/office/drawing/2010/main" xmlns:a16="http://schemas.microsoft.com/office/drawing/2014/main" w="9525">
                 <a:solidFill>
                   <a:srgbClr val="000000"/>
                 </a:solidFill>

--- a/Documents/HCI Project Proposal.pptx
+++ b/Documents/HCI Project Proposal.pptx
@@ -3747,12 +3747,12 @@
             <a:defRPr cap="all"/>
           </a:pPr>
           <a:r>
-            <a:rPr lang="en-US" b="1"/>
+            <a:rPr lang="en-US" b="1" dirty="0"/>
             <a:t>If it's more complex</a:t>
           </a:r>
           <a:r>
-            <a:rPr lang="en-US"/>
-            <a:t>: Consider using SQLite for more structured and relational data storage. </a:t>
+            <a:rPr lang="en-US" dirty="0"/>
+            <a:t>: using SQLite for more structured and relational data storage. </a:t>
           </a:r>
         </a:p>
       </dgm:t>
@@ -3948,7 +3948,7 @@
       </dgm:t>
     </dgm:pt>
     <dgm:pt modelId="{E9B9210A-CAF0-4AD1-8D18-AEDD716DC509}">
-      <dgm:prSet/>
+      <dgm:prSet custT="1"/>
       <dgm:spPr/>
       <dgm:t>
         <a:bodyPr/>
@@ -3960,8 +3960,8 @@
             </a:lnSpc>
           </a:pPr>
           <a:r>
-            <a:rPr lang="en-US"/>
-            <a:t>Create new tasks with titles and descriptions.</a:t>
+            <a:rPr lang="en-US" sz="1600" dirty="0"/>
+            <a:t>Create new tasks with titles and descriptions</a:t>
           </a:r>
         </a:p>
       </dgm:t>
@@ -3989,7 +3989,7 @@
       </dgm:t>
     </dgm:pt>
     <dgm:pt modelId="{5F8FFDD0-9E88-4448-8787-5508D6FFEDB1}">
-      <dgm:prSet/>
+      <dgm:prSet custT="1"/>
       <dgm:spPr/>
       <dgm:t>
         <a:bodyPr/>
@@ -4001,9 +4001,10 @@
             </a:lnSpc>
           </a:pPr>
           <a:r>
-            <a:rPr lang="en-US"/>
-            <a:t>Edit existing tasks.</a:t>
+            <a:rPr lang="en-US" sz="1600" dirty="0"/>
+            <a:t>Edit existing tasks</a:t>
           </a:r>
+          <a:endParaRPr lang="en-US" sz="1500" dirty="0"/>
         </a:p>
       </dgm:t>
     </dgm:pt>
@@ -4030,7 +4031,7 @@
       </dgm:t>
     </dgm:pt>
     <dgm:pt modelId="{79BB3CA5-6452-44E2-801E-01DD176963B6}">
-      <dgm:prSet/>
+      <dgm:prSet custT="1"/>
       <dgm:spPr/>
       <dgm:t>
         <a:bodyPr/>
@@ -4042,8 +4043,8 @@
             </a:lnSpc>
           </a:pPr>
           <a:r>
-            <a:rPr lang="en-US"/>
-            <a:t>Delete tasks.</a:t>
+            <a:rPr lang="en-US" sz="1600" dirty="0"/>
+            <a:t>Delete tasks</a:t>
           </a:r>
         </a:p>
       </dgm:t>
@@ -4071,7 +4072,7 @@
       </dgm:t>
     </dgm:pt>
     <dgm:pt modelId="{55E42649-3F2A-4183-859C-39D6C57D2F91}">
-      <dgm:prSet/>
+      <dgm:prSet custT="1"/>
       <dgm:spPr/>
       <dgm:t>
         <a:bodyPr/>
@@ -4083,8 +4084,8 @@
             </a:lnSpc>
           </a:pPr>
           <a:r>
-            <a:rPr lang="en-US"/>
-            <a:t>Mark tasks as completed or pending.</a:t>
+            <a:rPr lang="en-US" sz="1600" dirty="0"/>
+            <a:t>Mark tasks as completed or pending</a:t>
           </a:r>
         </a:p>
       </dgm:t>
@@ -4112,7 +4113,7 @@
       </dgm:t>
     </dgm:pt>
     <dgm:pt modelId="{4BE39EE8-0B7D-46C7-AEB5-0EA2A86AA25E}">
-      <dgm:prSet/>
+      <dgm:prSet custT="1"/>
       <dgm:spPr/>
       <dgm:t>
         <a:bodyPr/>
@@ -4124,8 +4125,8 @@
             </a:lnSpc>
           </a:pPr>
           <a:r>
-            <a:rPr lang="en-US"/>
-            <a:t>Set priorities (high, medium, low).</a:t>
+            <a:rPr lang="en-US" sz="1600" dirty="0"/>
+            <a:t>Set priorities (high, medium, low)</a:t>
           </a:r>
         </a:p>
       </dgm:t>
@@ -4686,7 +4687,7 @@
       </dgm:t>
     </dgm:pt>
     <dgm:pt modelId="{082C15E8-E597-4424-A782-8832850DB8D2}">
-      <dgm:prSet/>
+      <dgm:prSet custT="1"/>
       <dgm:spPr/>
       <dgm:t>
         <a:bodyPr/>
@@ -4699,10 +4700,10 @@
             <a:defRPr b="1"/>
           </a:pPr>
           <a:r>
-            <a:rPr lang="en-US" b="1"/>
+            <a:rPr lang="en-US" sz="1900" b="1" dirty="0"/>
             <a:t>Customizable Themes:</a:t>
           </a:r>
-          <a:endParaRPr lang="en-US"/>
+          <a:endParaRPr lang="en-US" sz="1900" dirty="0"/>
         </a:p>
       </dgm:t>
     </dgm:pt>
@@ -4729,7 +4730,7 @@
       </dgm:t>
     </dgm:pt>
     <dgm:pt modelId="{5D68C43B-D725-455F-9409-EFC3F7B701FA}">
-      <dgm:prSet/>
+      <dgm:prSet custT="1"/>
       <dgm:spPr/>
       <dgm:t>
         <a:bodyPr/>
@@ -4741,7 +4742,7 @@
             </a:lnSpc>
           </a:pPr>
           <a:r>
-            <a:rPr lang="en-US"/>
+            <a:rPr lang="en-US" sz="1600" dirty="0"/>
             <a:t>Light and dark modes.</a:t>
           </a:r>
         </a:p>
@@ -4770,7 +4771,7 @@
       </dgm:t>
     </dgm:pt>
     <dgm:pt modelId="{DC62AB87-0678-46F7-AFE3-587DF4B7480F}">
-      <dgm:prSet/>
+      <dgm:prSet custT="1"/>
       <dgm:spPr/>
       <dgm:t>
         <a:bodyPr/>
@@ -4782,8 +4783,8 @@
             </a:lnSpc>
           </a:pPr>
           <a:r>
-            <a:rPr lang="en-US"/>
-            <a:t>Option to change color schemes.</a:t>
+            <a:rPr lang="en-US" sz="1600" dirty="0"/>
+            <a:t>Option to change color schemes</a:t>
           </a:r>
         </a:p>
       </dgm:t>
@@ -4811,7 +4812,7 @@
       </dgm:t>
     </dgm:pt>
     <dgm:pt modelId="{F1747D42-40CA-4600-9367-9C9751BFBF7D}">
-      <dgm:prSet/>
+      <dgm:prSet custT="1"/>
       <dgm:spPr/>
       <dgm:t>
         <a:bodyPr/>
@@ -4824,10 +4825,10 @@
             <a:defRPr b="1"/>
           </a:pPr>
           <a:r>
-            <a:rPr lang="en-US" b="1"/>
+            <a:rPr lang="en-US" sz="1900" b="1" dirty="0"/>
             <a:t>Drag and Drop:</a:t>
           </a:r>
-          <a:endParaRPr lang="en-US"/>
+          <a:endParaRPr lang="en-US" sz="1900" dirty="0"/>
         </a:p>
       </dgm:t>
     </dgm:pt>
@@ -4854,7 +4855,7 @@
       </dgm:t>
     </dgm:pt>
     <dgm:pt modelId="{E459B3D5-9A3C-4DA4-AC1C-EF0A1EFAAF05}">
-      <dgm:prSet/>
+      <dgm:prSet custT="1"/>
       <dgm:spPr/>
       <dgm:t>
         <a:bodyPr/>
@@ -4866,8 +4867,8 @@
             </a:lnSpc>
           </a:pPr>
           <a:r>
-            <a:rPr lang="en-US"/>
-            <a:t>Reorder tasks using drag and drop.</a:t>
+            <a:rPr lang="en-US" sz="1600" dirty="0"/>
+            <a:t>Reorder tasks using drag and drop</a:t>
           </a:r>
         </a:p>
       </dgm:t>
@@ -4908,10 +4909,10 @@
             <a:defRPr b="1"/>
           </a:pPr>
           <a:r>
-            <a:rPr lang="en-US" b="1"/>
+            <a:rPr lang="en-US" b="1" dirty="0"/>
             <a:t>Responsive Design:</a:t>
           </a:r>
-          <a:endParaRPr lang="en-US"/>
+          <a:endParaRPr lang="en-US" dirty="0"/>
         </a:p>
       </dgm:t>
     </dgm:pt>
@@ -4938,7 +4939,7 @@
       </dgm:t>
     </dgm:pt>
     <dgm:pt modelId="{7D89D406-C8CA-4378-AA86-FCE8EEB52241}">
-      <dgm:prSet/>
+      <dgm:prSet custT="1"/>
       <dgm:spPr/>
       <dgm:t>
         <a:bodyPr/>
@@ -4950,8 +4951,8 @@
             </a:lnSpc>
           </a:pPr>
           <a:r>
-            <a:rPr lang="en-US"/>
-            <a:t>Ensure the UI adapts to different screen sizes.</a:t>
+            <a:rPr lang="en-US" sz="1600" dirty="0"/>
+            <a:t>Ensure the UI adapts to different screen sizes</a:t>
           </a:r>
         </a:p>
       </dgm:t>
@@ -4992,10 +4993,10 @@
             <a:defRPr b="1"/>
           </a:pPr>
           <a:r>
-            <a:rPr lang="en-US" b="1"/>
+            <a:rPr lang="en-US" b="1" dirty="0"/>
             <a:t>Context Menus:</a:t>
           </a:r>
-          <a:endParaRPr lang="en-US"/>
+          <a:endParaRPr lang="en-US" dirty="0"/>
         </a:p>
       </dgm:t>
     </dgm:pt>
@@ -5022,7 +5023,7 @@
       </dgm:t>
     </dgm:pt>
     <dgm:pt modelId="{89CEF2A3-0029-4891-BE7F-1BC1F6A4A256}">
-      <dgm:prSet/>
+      <dgm:prSet custT="1"/>
       <dgm:spPr/>
       <dgm:t>
         <a:bodyPr/>
@@ -5034,8 +5035,8 @@
             </a:lnSpc>
           </a:pPr>
           <a:r>
-            <a:rPr lang="en-US"/>
-            <a:t>Right-click options for quick actions (edit, delete, mark complete).</a:t>
+            <a:rPr lang="en-US" sz="1600" dirty="0"/>
+            <a:t>Right-click options for quick actions (edit, delete, mark complete)</a:t>
           </a:r>
         </a:p>
       </dgm:t>
@@ -5486,7 +5487,7 @@
         </a:bodyPr>
         <a:lstStyle/>
         <a:p>
-          <a:pPr marL="0" lvl="0" indent="0" algn="ctr" defTabSz="622300">
+          <a:pPr marL="0" lvl="0" indent="0" algn="ctr" defTabSz="666750">
             <a:lnSpc>
               <a:spcPct val="90000"/>
             </a:lnSpc>
@@ -5500,11 +5501,11 @@
             <a:defRPr cap="all"/>
           </a:pPr>
           <a:r>
-            <a:rPr lang="en-US" sz="1400" b="1" kern="1200"/>
+            <a:rPr lang="en-US" sz="1500" b="1" kern="1200"/>
             <a:t>If it's simple</a:t>
           </a:r>
           <a:r>
-            <a:rPr lang="en-US" sz="1400" kern="1200"/>
+            <a:rPr lang="en-US" sz="1500" kern="1200"/>
             <a:t>: Using JSON or INI files to store settings and task data is sufficient.</a:t>
           </a:r>
         </a:p>
@@ -5642,7 +5643,7 @@
         </a:bodyPr>
         <a:lstStyle/>
         <a:p>
-          <a:pPr marL="0" lvl="0" indent="0" algn="ctr" defTabSz="622300">
+          <a:pPr marL="0" lvl="0" indent="0" algn="ctr" defTabSz="666750">
             <a:lnSpc>
               <a:spcPct val="90000"/>
             </a:lnSpc>
@@ -5656,12 +5657,12 @@
             <a:defRPr cap="all"/>
           </a:pPr>
           <a:r>
-            <a:rPr lang="en-US" sz="1400" b="1" kern="1200"/>
+            <a:rPr lang="en-US" sz="1500" b="1" kern="1200" dirty="0"/>
             <a:t>If it's more complex</a:t>
           </a:r>
           <a:r>
-            <a:rPr lang="en-US" sz="1400" kern="1200"/>
-            <a:t>: Consider using SQLite for more structured and relational data storage. </a:t>
+            <a:rPr lang="en-US" sz="1500" kern="1200" dirty="0"/>
+            <a:t>: using SQLite for more structured and relational data storage. </a:t>
           </a:r>
         </a:p>
       </dsp:txBody>
@@ -5689,7 +5690,7 @@
       </dsp:nvSpPr>
       <dsp:spPr>
         <a:xfrm>
-          <a:off x="472140" y="491436"/>
+          <a:off x="472140" y="448721"/>
           <a:ext cx="768867" cy="768867"/>
         </a:xfrm>
         <a:prstGeom prst="rect">
@@ -5737,8 +5738,8 @@
       </dsp:nvSpPr>
       <dsp:spPr>
         <a:xfrm>
-          <a:off x="2277" y="1554483"/>
-          <a:ext cx="1708593" cy="683437"/>
+          <a:off x="2277" y="1511768"/>
+          <a:ext cx="1708593" cy="726152"/>
         </a:xfrm>
         <a:prstGeom prst="rect">
           <a:avLst/>
@@ -5767,7 +5768,7 @@
         </a:bodyPr>
         <a:lstStyle/>
         <a:p>
-          <a:pPr marL="0" lvl="0" indent="0" algn="ctr" defTabSz="622300">
+          <a:pPr marL="0" lvl="0" indent="0" algn="ctr" defTabSz="711200">
             <a:lnSpc>
               <a:spcPct val="100000"/>
             </a:lnSpc>
@@ -5780,14 +5781,14 @@
             <a:buNone/>
           </a:pPr>
           <a:r>
-            <a:rPr lang="en-US" sz="1400" kern="1200"/>
-            <a:t>Create new tasks with titles and descriptions.</a:t>
+            <a:rPr lang="en-US" sz="1600" kern="1200" dirty="0"/>
+            <a:t>Create new tasks with titles and descriptions</a:t>
           </a:r>
         </a:p>
       </dsp:txBody>
       <dsp:txXfrm>
-        <a:off x="2277" y="1554483"/>
-        <a:ext cx="1708593" cy="683437"/>
+        <a:off x="2277" y="1511768"/>
+        <a:ext cx="1708593" cy="726152"/>
       </dsp:txXfrm>
     </dsp:sp>
     <dsp:sp modelId="{2067CC13-4F24-4077-B090-46D09BEEE734}">
@@ -5797,7 +5798,7 @@
       </dsp:nvSpPr>
       <dsp:spPr>
         <a:xfrm>
-          <a:off x="2479738" y="491436"/>
+          <a:off x="2479738" y="448721"/>
           <a:ext cx="768867" cy="768867"/>
         </a:xfrm>
         <a:prstGeom prst="rect">
@@ -5845,8 +5846,8 @@
       </dsp:nvSpPr>
       <dsp:spPr>
         <a:xfrm>
-          <a:off x="2009875" y="1554483"/>
-          <a:ext cx="1708593" cy="683437"/>
+          <a:off x="2009875" y="1511768"/>
+          <a:ext cx="1708593" cy="726152"/>
         </a:xfrm>
         <a:prstGeom prst="rect">
           <a:avLst/>
@@ -5875,7 +5876,7 @@
         </a:bodyPr>
         <a:lstStyle/>
         <a:p>
-          <a:pPr marL="0" lvl="0" indent="0" algn="ctr" defTabSz="622300">
+          <a:pPr marL="0" lvl="0" indent="0" algn="ctr" defTabSz="711200">
             <a:lnSpc>
               <a:spcPct val="100000"/>
             </a:lnSpc>
@@ -5888,14 +5889,15 @@
             <a:buNone/>
           </a:pPr>
           <a:r>
-            <a:rPr lang="en-US" sz="1400" kern="1200"/>
-            <a:t>Edit existing tasks.</a:t>
+            <a:rPr lang="en-US" sz="1600" kern="1200" dirty="0"/>
+            <a:t>Edit existing tasks</a:t>
           </a:r>
+          <a:endParaRPr lang="en-US" sz="1500" kern="1200" dirty="0"/>
         </a:p>
       </dsp:txBody>
       <dsp:txXfrm>
-        <a:off x="2009875" y="1554483"/>
-        <a:ext cx="1708593" cy="683437"/>
+        <a:off x="2009875" y="1511768"/>
+        <a:ext cx="1708593" cy="726152"/>
       </dsp:txXfrm>
     </dsp:sp>
     <dsp:sp modelId="{3BC21FB4-9F74-451F-BF82-C15F2E2EE51C}">
@@ -5905,7 +5907,7 @@
       </dsp:nvSpPr>
       <dsp:spPr>
         <a:xfrm>
-          <a:off x="4487336" y="491436"/>
+          <a:off x="4487336" y="448721"/>
           <a:ext cx="768867" cy="768867"/>
         </a:xfrm>
         <a:prstGeom prst="rect">
@@ -5953,8 +5955,8 @@
       </dsp:nvSpPr>
       <dsp:spPr>
         <a:xfrm>
-          <a:off x="4017472" y="1554483"/>
-          <a:ext cx="1708593" cy="683437"/>
+          <a:off x="4017472" y="1511768"/>
+          <a:ext cx="1708593" cy="726152"/>
         </a:xfrm>
         <a:prstGeom prst="rect">
           <a:avLst/>
@@ -5983,7 +5985,7 @@
         </a:bodyPr>
         <a:lstStyle/>
         <a:p>
-          <a:pPr marL="0" lvl="0" indent="0" algn="ctr" defTabSz="622300">
+          <a:pPr marL="0" lvl="0" indent="0" algn="ctr" defTabSz="711200">
             <a:lnSpc>
               <a:spcPct val="100000"/>
             </a:lnSpc>
@@ -5996,14 +5998,14 @@
             <a:buNone/>
           </a:pPr>
           <a:r>
-            <a:rPr lang="en-US" sz="1400" kern="1200"/>
-            <a:t>Delete tasks.</a:t>
+            <a:rPr lang="en-US" sz="1600" kern="1200" dirty="0"/>
+            <a:t>Delete tasks</a:t>
           </a:r>
         </a:p>
       </dsp:txBody>
       <dsp:txXfrm>
-        <a:off x="4017472" y="1554483"/>
-        <a:ext cx="1708593" cy="683437"/>
+        <a:off x="4017472" y="1511768"/>
+        <a:ext cx="1708593" cy="726152"/>
       </dsp:txXfrm>
     </dsp:sp>
     <dsp:sp modelId="{AB47BAA7-261B-4328-A3B7-7BAF2D5B5047}">
@@ -6062,7 +6064,7 @@
       <dsp:spPr>
         <a:xfrm>
           <a:off x="1006076" y="3728115"/>
-          <a:ext cx="1708593" cy="683437"/>
+          <a:ext cx="1708593" cy="726152"/>
         </a:xfrm>
         <a:prstGeom prst="rect">
           <a:avLst/>
@@ -6091,7 +6093,7 @@
         </a:bodyPr>
         <a:lstStyle/>
         <a:p>
-          <a:pPr marL="0" lvl="0" indent="0" algn="ctr" defTabSz="622300">
+          <a:pPr marL="0" lvl="0" indent="0" algn="ctr" defTabSz="711200">
             <a:lnSpc>
               <a:spcPct val="100000"/>
             </a:lnSpc>
@@ -6104,14 +6106,14 @@
             <a:buNone/>
           </a:pPr>
           <a:r>
-            <a:rPr lang="en-US" sz="1400" kern="1200"/>
-            <a:t>Mark tasks as completed or pending.</a:t>
+            <a:rPr lang="en-US" sz="1600" kern="1200" dirty="0"/>
+            <a:t>Mark tasks as completed or pending</a:t>
           </a:r>
         </a:p>
       </dsp:txBody>
       <dsp:txXfrm>
         <a:off x="1006076" y="3728115"/>
-        <a:ext cx="1708593" cy="683437"/>
+        <a:ext cx="1708593" cy="726152"/>
       </dsp:txXfrm>
     </dsp:sp>
     <dsp:sp modelId="{2711F996-E4A9-4B7E-A375-3383DF6E109A}">
@@ -6170,7 +6172,7 @@
       <dsp:spPr>
         <a:xfrm>
           <a:off x="3013673" y="3728115"/>
-          <a:ext cx="1708593" cy="683437"/>
+          <a:ext cx="1708593" cy="726152"/>
         </a:xfrm>
         <a:prstGeom prst="rect">
           <a:avLst/>
@@ -6199,7 +6201,7 @@
         </a:bodyPr>
         <a:lstStyle/>
         <a:p>
-          <a:pPr marL="0" lvl="0" indent="0" algn="ctr" defTabSz="622300">
+          <a:pPr marL="0" lvl="0" indent="0" algn="ctr" defTabSz="711200">
             <a:lnSpc>
               <a:spcPct val="100000"/>
             </a:lnSpc>
@@ -6212,14 +6214,14 @@
             <a:buNone/>
           </a:pPr>
           <a:r>
-            <a:rPr lang="en-US" sz="1400" kern="1200"/>
-            <a:t>Set priorities (high, medium, low).</a:t>
+            <a:rPr lang="en-US" sz="1600" kern="1200" dirty="0"/>
+            <a:t>Set priorities (high, medium, low)</a:t>
           </a:r>
         </a:p>
       </dsp:txBody>
       <dsp:txXfrm>
         <a:off x="3013673" y="3728115"/>
-        <a:ext cx="1708593" cy="683437"/>
+        <a:ext cx="1708593" cy="726152"/>
       </dsp:txXfrm>
     </dsp:sp>
   </dsp:spTree>
@@ -6669,7 +6671,7 @@
       </dsp:nvSpPr>
       <dsp:spPr>
         <a:xfrm>
-          <a:off x="596528" y="664450"/>
+          <a:off x="596528" y="334541"/>
           <a:ext cx="815062" cy="815062"/>
         </a:xfrm>
         <a:prstGeom prst="rect">
@@ -6726,8 +6728,70 @@
       </dsp:nvSpPr>
       <dsp:spPr>
         <a:xfrm>
-          <a:off x="8053" y="1591457"/>
-          <a:ext cx="2328750" cy="349312"/>
+          <a:off x="8053" y="1289920"/>
+          <a:ext cx="2328750" cy="600380"/>
+        </a:xfrm>
+        <a:prstGeom prst="rect">
+          <a:avLst/>
+        </a:prstGeom>
+        <a:noFill/>
+        <a:ln>
+          <a:noFill/>
+        </a:ln>
+        <a:effectLst/>
+      </dsp:spPr>
+      <dsp:style>
+        <a:lnRef idx="0">
+          <a:scrgbClr r="0" g="0" b="0"/>
+        </a:lnRef>
+        <a:fillRef idx="0">
+          <a:scrgbClr r="0" g="0" b="0"/>
+        </a:fillRef>
+        <a:effectRef idx="0">
+          <a:scrgbClr r="0" g="0" b="0"/>
+        </a:effectRef>
+        <a:fontRef idx="minor"/>
+      </dsp:style>
+      <dsp:txBody>
+        <a:bodyPr spcFirstLastPara="0" vert="horz" wrap="square" lIns="0" tIns="0" rIns="0" bIns="0" numCol="1" spcCol="1270" anchor="t" anchorCtr="0">
+          <a:noAutofit/>
+        </a:bodyPr>
+        <a:lstStyle/>
+        <a:p>
+          <a:pPr marL="0" lvl="0" indent="0" algn="l" defTabSz="844550">
+            <a:lnSpc>
+              <a:spcPct val="100000"/>
+            </a:lnSpc>
+            <a:spcBef>
+              <a:spcPct val="0"/>
+            </a:spcBef>
+            <a:spcAft>
+              <a:spcPct val="35000"/>
+            </a:spcAft>
+            <a:buNone/>
+            <a:defRPr b="1"/>
+          </a:pPr>
+          <a:r>
+            <a:rPr lang="en-US" sz="1900" b="1" kern="1200" dirty="0"/>
+            <a:t>Customizable Themes:</a:t>
+          </a:r>
+          <a:endParaRPr lang="en-US" sz="1900" kern="1200" dirty="0"/>
+        </a:p>
+      </dsp:txBody>
+      <dsp:txXfrm>
+        <a:off x="8053" y="1289920"/>
+        <a:ext cx="2328750" cy="600380"/>
+      </dsp:txXfrm>
+    </dsp:sp>
+    <dsp:sp modelId="{6DEB808F-4162-4341-AB7D-7E17EAB9A621}">
+      <dsp:nvSpPr>
+        <dsp:cNvPr id="0" name=""/>
+        <dsp:cNvSpPr/>
+      </dsp:nvSpPr>
+      <dsp:spPr>
+        <a:xfrm>
+          <a:off x="8053" y="1941966"/>
+          <a:ext cx="2328750" cy="1005072"/>
         </a:xfrm>
         <a:prstGeom prst="rect">
           <a:avLst/>
@@ -6767,58 +6831,14 @@
               <a:spcPct val="35000"/>
             </a:spcAft>
             <a:buNone/>
-            <a:defRPr b="1"/>
           </a:pPr>
           <a:r>
-            <a:rPr lang="en-US" sz="1600" b="1" kern="1200"/>
-            <a:t>Customizable Themes:</a:t>
+            <a:rPr lang="en-US" sz="1600" kern="1200" dirty="0"/>
+            <a:t>Light and dark modes.</a:t>
           </a:r>
-          <a:endParaRPr lang="en-US" sz="1600" kern="1200"/>
         </a:p>
-      </dsp:txBody>
-      <dsp:txXfrm>
-        <a:off x="8053" y="1591457"/>
-        <a:ext cx="2328750" cy="349312"/>
-      </dsp:txXfrm>
-    </dsp:sp>
-    <dsp:sp modelId="{6DEB808F-4162-4341-AB7D-7E17EAB9A621}">
-      <dsp:nvSpPr>
-        <dsp:cNvPr id="0" name=""/>
-        <dsp:cNvSpPr/>
-      </dsp:nvSpPr>
-      <dsp:spPr>
-        <a:xfrm>
-          <a:off x="8053" y="1979238"/>
-          <a:ext cx="2328750" cy="637889"/>
-        </a:xfrm>
-        <a:prstGeom prst="rect">
-          <a:avLst/>
-        </a:prstGeom>
-        <a:noFill/>
-        <a:ln>
-          <a:noFill/>
-        </a:ln>
-        <a:effectLst/>
-      </dsp:spPr>
-      <dsp:style>
-        <a:lnRef idx="0">
-          <a:scrgbClr r="0" g="0" b="0"/>
-        </a:lnRef>
-        <a:fillRef idx="0">
-          <a:scrgbClr r="0" g="0" b="0"/>
-        </a:fillRef>
-        <a:effectRef idx="0">
-          <a:scrgbClr r="0" g="0" b="0"/>
-        </a:effectRef>
-        <a:fontRef idx="minor"/>
-      </dsp:style>
-      <dsp:txBody>
-        <a:bodyPr spcFirstLastPara="0" vert="horz" wrap="square" lIns="0" tIns="0" rIns="0" bIns="0" numCol="1" spcCol="1270" anchor="t" anchorCtr="0">
-          <a:noAutofit/>
-        </a:bodyPr>
-        <a:lstStyle/>
         <a:p>
-          <a:pPr marL="0" lvl="0" indent="0" algn="l" defTabSz="533400">
+          <a:pPr marL="0" lvl="0" indent="0" algn="l" defTabSz="711200">
             <a:lnSpc>
               <a:spcPct val="100000"/>
             </a:lnSpc>
@@ -6831,32 +6851,14 @@
             <a:buNone/>
           </a:pPr>
           <a:r>
-            <a:rPr lang="en-US" sz="1200" kern="1200"/>
-            <a:t>Light and dark modes.</a:t>
-          </a:r>
-        </a:p>
-        <a:p>
-          <a:pPr marL="0" lvl="0" indent="0" algn="l" defTabSz="533400">
-            <a:lnSpc>
-              <a:spcPct val="100000"/>
-            </a:lnSpc>
-            <a:spcBef>
-              <a:spcPct val="0"/>
-            </a:spcBef>
-            <a:spcAft>
-              <a:spcPct val="35000"/>
-            </a:spcAft>
-            <a:buNone/>
-          </a:pPr>
-          <a:r>
-            <a:rPr lang="en-US" sz="1200" kern="1200"/>
-            <a:t>Option to change color schemes.</a:t>
+            <a:rPr lang="en-US" sz="1600" kern="1200" dirty="0"/>
+            <a:t>Option to change color schemes</a:t>
           </a:r>
         </a:p>
       </dsp:txBody>
       <dsp:txXfrm>
-        <a:off x="8053" y="1979238"/>
-        <a:ext cx="2328750" cy="637889"/>
+        <a:off x="8053" y="1941966"/>
+        <a:ext cx="2328750" cy="1005072"/>
       </dsp:txXfrm>
     </dsp:sp>
     <dsp:sp modelId="{860EF3FD-70A0-4AAD-A517-E1D08BD18046}">
@@ -6866,7 +6868,7 @@
       </dsp:nvSpPr>
       <dsp:spPr>
         <a:xfrm>
-          <a:off x="3078933" y="664450"/>
+          <a:off x="3078933" y="334541"/>
           <a:ext cx="815062" cy="815062"/>
         </a:xfrm>
         <a:prstGeom prst="rect">
@@ -6923,8 +6925,70 @@
       </dsp:nvSpPr>
       <dsp:spPr>
         <a:xfrm>
-          <a:off x="2744334" y="1591457"/>
-          <a:ext cx="2328750" cy="349312"/>
+          <a:off x="2744334" y="1289920"/>
+          <a:ext cx="2328750" cy="600380"/>
+        </a:xfrm>
+        <a:prstGeom prst="rect">
+          <a:avLst/>
+        </a:prstGeom>
+        <a:noFill/>
+        <a:ln>
+          <a:noFill/>
+        </a:ln>
+        <a:effectLst/>
+      </dsp:spPr>
+      <dsp:style>
+        <a:lnRef idx="0">
+          <a:scrgbClr r="0" g="0" b="0"/>
+        </a:lnRef>
+        <a:fillRef idx="0">
+          <a:scrgbClr r="0" g="0" b="0"/>
+        </a:fillRef>
+        <a:effectRef idx="0">
+          <a:scrgbClr r="0" g="0" b="0"/>
+        </a:effectRef>
+        <a:fontRef idx="minor"/>
+      </dsp:style>
+      <dsp:txBody>
+        <a:bodyPr spcFirstLastPara="0" vert="horz" wrap="square" lIns="0" tIns="0" rIns="0" bIns="0" numCol="1" spcCol="1270" anchor="t" anchorCtr="0">
+          <a:noAutofit/>
+        </a:bodyPr>
+        <a:lstStyle/>
+        <a:p>
+          <a:pPr marL="0" lvl="0" indent="0" algn="l" defTabSz="844550">
+            <a:lnSpc>
+              <a:spcPct val="100000"/>
+            </a:lnSpc>
+            <a:spcBef>
+              <a:spcPct val="0"/>
+            </a:spcBef>
+            <a:spcAft>
+              <a:spcPct val="35000"/>
+            </a:spcAft>
+            <a:buNone/>
+            <a:defRPr b="1"/>
+          </a:pPr>
+          <a:r>
+            <a:rPr lang="en-US" sz="1900" b="1" kern="1200" dirty="0"/>
+            <a:t>Drag and Drop:</a:t>
+          </a:r>
+          <a:endParaRPr lang="en-US" sz="1900" kern="1200" dirty="0"/>
+        </a:p>
+      </dsp:txBody>
+      <dsp:txXfrm>
+        <a:off x="2744334" y="1289920"/>
+        <a:ext cx="2328750" cy="600380"/>
+      </dsp:txXfrm>
+    </dsp:sp>
+    <dsp:sp modelId="{EF976DAC-C790-4DBD-BE95-76784002FCEB}">
+      <dsp:nvSpPr>
+        <dsp:cNvPr id="0" name=""/>
+        <dsp:cNvSpPr/>
+      </dsp:nvSpPr>
+      <dsp:spPr>
+        <a:xfrm>
+          <a:off x="2744334" y="1941966"/>
+          <a:ext cx="2328750" cy="1005072"/>
         </a:xfrm>
         <a:prstGeom prst="rect">
           <a:avLst/>
@@ -6964,78 +7028,16 @@
               <a:spcPct val="35000"/>
             </a:spcAft>
             <a:buNone/>
-            <a:defRPr b="1"/>
           </a:pPr>
           <a:r>
-            <a:rPr lang="en-US" sz="1600" b="1" kern="1200"/>
-            <a:t>Drag and Drop:</a:t>
-          </a:r>
-          <a:endParaRPr lang="en-US" sz="1600" kern="1200"/>
-        </a:p>
-      </dsp:txBody>
-      <dsp:txXfrm>
-        <a:off x="2744334" y="1591457"/>
-        <a:ext cx="2328750" cy="349312"/>
-      </dsp:txXfrm>
-    </dsp:sp>
-    <dsp:sp modelId="{EF976DAC-C790-4DBD-BE95-76784002FCEB}">
-      <dsp:nvSpPr>
-        <dsp:cNvPr id="0" name=""/>
-        <dsp:cNvSpPr/>
-      </dsp:nvSpPr>
-      <dsp:spPr>
-        <a:xfrm>
-          <a:off x="2744334" y="1979238"/>
-          <a:ext cx="2328750" cy="637889"/>
-        </a:xfrm>
-        <a:prstGeom prst="rect">
-          <a:avLst/>
-        </a:prstGeom>
-        <a:noFill/>
-        <a:ln>
-          <a:noFill/>
-        </a:ln>
-        <a:effectLst/>
-      </dsp:spPr>
-      <dsp:style>
-        <a:lnRef idx="0">
-          <a:scrgbClr r="0" g="0" b="0"/>
-        </a:lnRef>
-        <a:fillRef idx="0">
-          <a:scrgbClr r="0" g="0" b="0"/>
-        </a:fillRef>
-        <a:effectRef idx="0">
-          <a:scrgbClr r="0" g="0" b="0"/>
-        </a:effectRef>
-        <a:fontRef idx="minor"/>
-      </dsp:style>
-      <dsp:txBody>
-        <a:bodyPr spcFirstLastPara="0" vert="horz" wrap="square" lIns="0" tIns="0" rIns="0" bIns="0" numCol="1" spcCol="1270" anchor="t" anchorCtr="0">
-          <a:noAutofit/>
-        </a:bodyPr>
-        <a:lstStyle/>
-        <a:p>
-          <a:pPr marL="0" lvl="0" indent="0" algn="l" defTabSz="533400">
-            <a:lnSpc>
-              <a:spcPct val="100000"/>
-            </a:lnSpc>
-            <a:spcBef>
-              <a:spcPct val="0"/>
-            </a:spcBef>
-            <a:spcAft>
-              <a:spcPct val="35000"/>
-            </a:spcAft>
-            <a:buNone/>
-          </a:pPr>
-          <a:r>
-            <a:rPr lang="en-US" sz="1200" kern="1200"/>
-            <a:t>Reorder tasks using drag and drop.</a:t>
+            <a:rPr lang="en-US" sz="1600" kern="1200" dirty="0"/>
+            <a:t>Reorder tasks using drag and drop</a:t>
           </a:r>
         </a:p>
       </dsp:txBody>
       <dsp:txXfrm>
-        <a:off x="2744334" y="1979238"/>
-        <a:ext cx="2328750" cy="637889"/>
+        <a:off x="2744334" y="1941966"/>
+        <a:ext cx="2328750" cy="1005072"/>
       </dsp:txXfrm>
     </dsp:sp>
     <dsp:sp modelId="{317D7814-6991-4683-912E-46111C664FB3}">
@@ -7045,7 +7047,7 @@
       </dsp:nvSpPr>
       <dsp:spPr>
         <a:xfrm>
-          <a:off x="5932021" y="664450"/>
+          <a:off x="5932021" y="334541"/>
           <a:ext cx="815062" cy="815062"/>
         </a:xfrm>
         <a:prstGeom prst="rect">
@@ -7102,8 +7104,70 @@
       </dsp:nvSpPr>
       <dsp:spPr>
         <a:xfrm>
-          <a:off x="5480615" y="1591457"/>
-          <a:ext cx="2328750" cy="349312"/>
+          <a:off x="5480615" y="1289920"/>
+          <a:ext cx="2328750" cy="600380"/>
+        </a:xfrm>
+        <a:prstGeom prst="rect">
+          <a:avLst/>
+        </a:prstGeom>
+        <a:noFill/>
+        <a:ln>
+          <a:noFill/>
+        </a:ln>
+        <a:effectLst/>
+      </dsp:spPr>
+      <dsp:style>
+        <a:lnRef idx="0">
+          <a:scrgbClr r="0" g="0" b="0"/>
+        </a:lnRef>
+        <a:fillRef idx="0">
+          <a:scrgbClr r="0" g="0" b="0"/>
+        </a:fillRef>
+        <a:effectRef idx="0">
+          <a:scrgbClr r="0" g="0" b="0"/>
+        </a:effectRef>
+        <a:fontRef idx="minor"/>
+      </dsp:style>
+      <dsp:txBody>
+        <a:bodyPr spcFirstLastPara="0" vert="horz" wrap="square" lIns="0" tIns="0" rIns="0" bIns="0" numCol="1" spcCol="1270" anchor="t" anchorCtr="0">
+          <a:noAutofit/>
+        </a:bodyPr>
+        <a:lstStyle/>
+        <a:p>
+          <a:pPr marL="0" lvl="0" indent="0" algn="l" defTabSz="844550">
+            <a:lnSpc>
+              <a:spcPct val="100000"/>
+            </a:lnSpc>
+            <a:spcBef>
+              <a:spcPct val="0"/>
+            </a:spcBef>
+            <a:spcAft>
+              <a:spcPct val="35000"/>
+            </a:spcAft>
+            <a:buNone/>
+            <a:defRPr b="1"/>
+          </a:pPr>
+          <a:r>
+            <a:rPr lang="en-US" sz="1900" b="1" kern="1200" dirty="0"/>
+            <a:t>Responsive Design:</a:t>
+          </a:r>
+          <a:endParaRPr lang="en-US" sz="1900" kern="1200" dirty="0"/>
+        </a:p>
+      </dsp:txBody>
+      <dsp:txXfrm>
+        <a:off x="5480615" y="1289920"/>
+        <a:ext cx="2328750" cy="600380"/>
+      </dsp:txXfrm>
+    </dsp:sp>
+    <dsp:sp modelId="{9283C167-461D-4133-AE68-DC0F5DA07C20}">
+      <dsp:nvSpPr>
+        <dsp:cNvPr id="0" name=""/>
+        <dsp:cNvSpPr/>
+      </dsp:nvSpPr>
+      <dsp:spPr>
+        <a:xfrm>
+          <a:off x="5480615" y="1941966"/>
+          <a:ext cx="2328750" cy="1005072"/>
         </a:xfrm>
         <a:prstGeom prst="rect">
           <a:avLst/>
@@ -7143,78 +7207,16 @@
               <a:spcPct val="35000"/>
             </a:spcAft>
             <a:buNone/>
-            <a:defRPr b="1"/>
           </a:pPr>
           <a:r>
-            <a:rPr lang="en-US" sz="1600" b="1" kern="1200"/>
-            <a:t>Responsive Design:</a:t>
-          </a:r>
-          <a:endParaRPr lang="en-US" sz="1600" kern="1200"/>
-        </a:p>
-      </dsp:txBody>
-      <dsp:txXfrm>
-        <a:off x="5480615" y="1591457"/>
-        <a:ext cx="2328750" cy="349312"/>
-      </dsp:txXfrm>
-    </dsp:sp>
-    <dsp:sp modelId="{9283C167-461D-4133-AE68-DC0F5DA07C20}">
-      <dsp:nvSpPr>
-        <dsp:cNvPr id="0" name=""/>
-        <dsp:cNvSpPr/>
-      </dsp:nvSpPr>
-      <dsp:spPr>
-        <a:xfrm>
-          <a:off x="5480615" y="1979238"/>
-          <a:ext cx="2328750" cy="637889"/>
-        </a:xfrm>
-        <a:prstGeom prst="rect">
-          <a:avLst/>
-        </a:prstGeom>
-        <a:noFill/>
-        <a:ln>
-          <a:noFill/>
-        </a:ln>
-        <a:effectLst/>
-      </dsp:spPr>
-      <dsp:style>
-        <a:lnRef idx="0">
-          <a:scrgbClr r="0" g="0" b="0"/>
-        </a:lnRef>
-        <a:fillRef idx="0">
-          <a:scrgbClr r="0" g="0" b="0"/>
-        </a:fillRef>
-        <a:effectRef idx="0">
-          <a:scrgbClr r="0" g="0" b="0"/>
-        </a:effectRef>
-        <a:fontRef idx="minor"/>
-      </dsp:style>
-      <dsp:txBody>
-        <a:bodyPr spcFirstLastPara="0" vert="horz" wrap="square" lIns="0" tIns="0" rIns="0" bIns="0" numCol="1" spcCol="1270" anchor="t" anchorCtr="0">
-          <a:noAutofit/>
-        </a:bodyPr>
-        <a:lstStyle/>
-        <a:p>
-          <a:pPr marL="0" lvl="0" indent="0" algn="l" defTabSz="533400">
-            <a:lnSpc>
-              <a:spcPct val="100000"/>
-            </a:lnSpc>
-            <a:spcBef>
-              <a:spcPct val="0"/>
-            </a:spcBef>
-            <a:spcAft>
-              <a:spcPct val="35000"/>
-            </a:spcAft>
-            <a:buNone/>
-          </a:pPr>
-          <a:r>
-            <a:rPr lang="en-US" sz="1200" kern="1200"/>
-            <a:t>Ensure the UI adapts to different screen sizes.</a:t>
+            <a:rPr lang="en-US" sz="1600" kern="1200" dirty="0"/>
+            <a:t>Ensure the UI adapts to different screen sizes</a:t>
           </a:r>
         </a:p>
       </dsp:txBody>
       <dsp:txXfrm>
-        <a:off x="5480615" y="1979238"/>
-        <a:ext cx="2328750" cy="637889"/>
+        <a:off x="5480615" y="1941966"/>
+        <a:ext cx="2328750" cy="1005072"/>
       </dsp:txXfrm>
     </dsp:sp>
     <dsp:sp modelId="{D01E8B69-7B60-4229-937F-DD9DDC8003C7}">
@@ -7224,7 +7226,7 @@
       </dsp:nvSpPr>
       <dsp:spPr>
         <a:xfrm>
-          <a:off x="8596398" y="664450"/>
+          <a:off x="8596398" y="334541"/>
           <a:ext cx="815062" cy="815062"/>
         </a:xfrm>
         <a:prstGeom prst="rect">
@@ -7281,8 +7283,70 @@
       </dsp:nvSpPr>
       <dsp:spPr>
         <a:xfrm>
-          <a:off x="8216896" y="1591457"/>
-          <a:ext cx="2328750" cy="349312"/>
+          <a:off x="8216896" y="1289920"/>
+          <a:ext cx="2328750" cy="600380"/>
+        </a:xfrm>
+        <a:prstGeom prst="rect">
+          <a:avLst/>
+        </a:prstGeom>
+        <a:noFill/>
+        <a:ln>
+          <a:noFill/>
+        </a:ln>
+        <a:effectLst/>
+      </dsp:spPr>
+      <dsp:style>
+        <a:lnRef idx="0">
+          <a:scrgbClr r="0" g="0" b="0"/>
+        </a:lnRef>
+        <a:fillRef idx="0">
+          <a:scrgbClr r="0" g="0" b="0"/>
+        </a:fillRef>
+        <a:effectRef idx="0">
+          <a:scrgbClr r="0" g="0" b="0"/>
+        </a:effectRef>
+        <a:fontRef idx="minor"/>
+      </dsp:style>
+      <dsp:txBody>
+        <a:bodyPr spcFirstLastPara="0" vert="horz" wrap="square" lIns="0" tIns="0" rIns="0" bIns="0" numCol="1" spcCol="1270" anchor="t" anchorCtr="0">
+          <a:noAutofit/>
+        </a:bodyPr>
+        <a:lstStyle/>
+        <a:p>
+          <a:pPr marL="0" lvl="0" indent="0" algn="l" defTabSz="844550">
+            <a:lnSpc>
+              <a:spcPct val="100000"/>
+            </a:lnSpc>
+            <a:spcBef>
+              <a:spcPct val="0"/>
+            </a:spcBef>
+            <a:spcAft>
+              <a:spcPct val="35000"/>
+            </a:spcAft>
+            <a:buNone/>
+            <a:defRPr b="1"/>
+          </a:pPr>
+          <a:r>
+            <a:rPr lang="en-US" sz="1900" b="1" kern="1200" dirty="0"/>
+            <a:t>Context Menus:</a:t>
+          </a:r>
+          <a:endParaRPr lang="en-US" sz="1900" kern="1200" dirty="0"/>
+        </a:p>
+      </dsp:txBody>
+      <dsp:txXfrm>
+        <a:off x="8216896" y="1289920"/>
+        <a:ext cx="2328750" cy="600380"/>
+      </dsp:txXfrm>
+    </dsp:sp>
+    <dsp:sp modelId="{567A6C12-10C1-48A0-8BDB-97F6503F78ED}">
+      <dsp:nvSpPr>
+        <dsp:cNvPr id="0" name=""/>
+        <dsp:cNvSpPr/>
+      </dsp:nvSpPr>
+      <dsp:spPr>
+        <a:xfrm>
+          <a:off x="8216896" y="1941966"/>
+          <a:ext cx="2328750" cy="1005072"/>
         </a:xfrm>
         <a:prstGeom prst="rect">
           <a:avLst/>
@@ -7322,78 +7386,16 @@
               <a:spcPct val="35000"/>
             </a:spcAft>
             <a:buNone/>
-            <a:defRPr b="1"/>
           </a:pPr>
           <a:r>
-            <a:rPr lang="en-US" sz="1600" b="1" kern="1200"/>
-            <a:t>Context Menus:</a:t>
-          </a:r>
-          <a:endParaRPr lang="en-US" sz="1600" kern="1200"/>
-        </a:p>
-      </dsp:txBody>
-      <dsp:txXfrm>
-        <a:off x="8216896" y="1591457"/>
-        <a:ext cx="2328750" cy="349312"/>
-      </dsp:txXfrm>
-    </dsp:sp>
-    <dsp:sp modelId="{567A6C12-10C1-48A0-8BDB-97F6503F78ED}">
-      <dsp:nvSpPr>
-        <dsp:cNvPr id="0" name=""/>
-        <dsp:cNvSpPr/>
-      </dsp:nvSpPr>
-      <dsp:spPr>
-        <a:xfrm>
-          <a:off x="8216896" y="1979238"/>
-          <a:ext cx="2328750" cy="637889"/>
-        </a:xfrm>
-        <a:prstGeom prst="rect">
-          <a:avLst/>
-        </a:prstGeom>
-        <a:noFill/>
-        <a:ln>
-          <a:noFill/>
-        </a:ln>
-        <a:effectLst/>
-      </dsp:spPr>
-      <dsp:style>
-        <a:lnRef idx="0">
-          <a:scrgbClr r="0" g="0" b="0"/>
-        </a:lnRef>
-        <a:fillRef idx="0">
-          <a:scrgbClr r="0" g="0" b="0"/>
-        </a:fillRef>
-        <a:effectRef idx="0">
-          <a:scrgbClr r="0" g="0" b="0"/>
-        </a:effectRef>
-        <a:fontRef idx="minor"/>
-      </dsp:style>
-      <dsp:txBody>
-        <a:bodyPr spcFirstLastPara="0" vert="horz" wrap="square" lIns="0" tIns="0" rIns="0" bIns="0" numCol="1" spcCol="1270" anchor="t" anchorCtr="0">
-          <a:noAutofit/>
-        </a:bodyPr>
-        <a:lstStyle/>
-        <a:p>
-          <a:pPr marL="0" lvl="0" indent="0" algn="l" defTabSz="533400">
-            <a:lnSpc>
-              <a:spcPct val="100000"/>
-            </a:lnSpc>
-            <a:spcBef>
-              <a:spcPct val="0"/>
-            </a:spcBef>
-            <a:spcAft>
-              <a:spcPct val="35000"/>
-            </a:spcAft>
-            <a:buNone/>
-          </a:pPr>
-          <a:r>
-            <a:rPr lang="en-US" sz="1200" kern="1200"/>
-            <a:t>Right-click options for quick actions (edit, delete, mark complete).</a:t>
+            <a:rPr lang="en-US" sz="1600" kern="1200" dirty="0"/>
+            <a:t>Right-click options for quick actions (edit, delete, mark complete)</a:t>
           </a:r>
         </a:p>
       </dsp:txBody>
       <dsp:txXfrm>
-        <a:off x="8216896" y="1979238"/>
-        <a:ext cx="2328750" cy="637889"/>
+        <a:off x="8216896" y="1941966"/>
+        <a:ext cx="2328750" cy="1005072"/>
       </dsp:txXfrm>
     </dsp:sp>
   </dsp:spTree>
@@ -13483,7 +13485,7 @@
           <a:effectLst/>
           <a:extLst>
             <a:ext uri="{91240B29-F687-4f45-9708-019B960494DF}">
-              <a14:hiddenLine xmlns="" xmlns:a14="http://schemas.microsoft.com/office/drawing/2010/main" w="9525">
+              <a14:hiddenLine xmlns:a14="http://schemas.microsoft.com/office/drawing/2010/main" xmlns="" w="9525">
                 <a:solidFill>
                   <a:srgbClr val="000000"/>
                 </a:solidFill>
@@ -15005,7 +15007,7 @@
           <a:ln/>
           <a:extLst>
             <a:ext uri="{91240B29-F687-4f45-9708-019B960494DF}">
-              <a14:hiddenLine xmlns="" xmlns:a14="http://schemas.microsoft.com/office/drawing/2010/main" w="9525">
+              <a14:hiddenLine xmlns:a14="http://schemas.microsoft.com/office/drawing/2010/main" xmlns="" w="9525">
                 <a:solidFill>
                   <a:srgbClr val="000000"/>
                 </a:solidFill>
@@ -15280,7 +15282,7 @@
           <a:ln/>
           <a:extLst>
             <a:ext uri="{91240B29-F687-4f45-9708-019B960494DF}">
-              <a14:hiddenLine xmlns="" xmlns:a14="http://schemas.microsoft.com/office/drawing/2010/main" w="9525">
+              <a14:hiddenLine xmlns:a14="http://schemas.microsoft.com/office/drawing/2010/main" xmlns="" w="9525">
                 <a:solidFill>
                   <a:srgbClr val="000000"/>
                 </a:solidFill>
@@ -15563,7 +15565,7 @@
           <a:ln/>
           <a:extLst>
             <a:ext uri="{91240B29-F687-4f45-9708-019B960494DF}">
-              <a14:hiddenLine xmlns="" xmlns:a14="http://schemas.microsoft.com/office/drawing/2010/main" w="9525">
+              <a14:hiddenLine xmlns:a14="http://schemas.microsoft.com/office/drawing/2010/main" xmlns="" w="9525">
                 <a:solidFill>
                   <a:srgbClr val="000000"/>
                 </a:solidFill>
@@ -16189,7 +16191,7 @@
           <a:ln/>
           <a:extLst>
             <a:ext uri="{91240B29-F687-4f45-9708-019B960494DF}">
-              <a14:hiddenLine xmlns="" xmlns:a14="http://schemas.microsoft.com/office/drawing/2010/main" w="9525">
+              <a14:hiddenLine xmlns:a14="http://schemas.microsoft.com/office/drawing/2010/main" xmlns="" w="9525">
                 <a:solidFill>
                   <a:srgbClr val="000000"/>
                 </a:solidFill>
@@ -16528,7 +16530,7 @@
           <a:ln/>
           <a:extLst>
             <a:ext uri="{91240B29-F687-4f45-9708-019B960494DF}">
-              <a14:hiddenLine xmlns="" xmlns:a14="http://schemas.microsoft.com/office/drawing/2010/main" w="9525">
+              <a14:hiddenLine xmlns:a14="http://schemas.microsoft.com/office/drawing/2010/main" xmlns="" w="9525">
                 <a:solidFill>
                   <a:srgbClr val="000000"/>
                 </a:solidFill>
@@ -17005,7 +17007,7 @@
           <a:ln/>
           <a:extLst>
             <a:ext uri="{91240B29-F687-4f45-9708-019B960494DF}">
-              <a14:hiddenLine xmlns="" xmlns:a14="http://schemas.microsoft.com/office/drawing/2010/main" w="9525">
+              <a14:hiddenLine xmlns:a14="http://schemas.microsoft.com/office/drawing/2010/main" xmlns="" w="9525">
                 <a:solidFill>
                   <a:srgbClr val="000000"/>
                 </a:solidFill>
@@ -17434,7 +17436,7 @@
           <a:ln/>
           <a:extLst>
             <a:ext uri="{91240B29-F687-4f45-9708-019B960494DF}">
-              <a14:hiddenLine xmlns="" xmlns:a14="http://schemas.microsoft.com/office/drawing/2010/main" w="9525">
+              <a14:hiddenLine xmlns:a14="http://schemas.microsoft.com/office/drawing/2010/main" xmlns="" w="9525">
                 <a:solidFill>
                   <a:srgbClr val="000000"/>
                 </a:solidFill>
@@ -18902,7 +18904,7 @@
             </a:pPr>
             <a:r>
               <a:rPr lang="en-US" dirty="0"/>
-              <a:t>[insert name here] - [insert ID here]</a:t>
+              <a:t>Mohamed Mostafa Sayed - 22011170</a:t>
             </a:r>
           </a:p>
           <a:p>
@@ -19991,7 +19993,7 @@
               </a:spcBef>
             </a:pPr>
             <a:r>
-              <a:rPr lang="en-US" sz="4000" kern="1200" cap="all" dirty="0">
+              <a:rPr lang="en-US" sz="4400" kern="1200" cap="all" dirty="0">
                 <a:latin typeface="+mj-lt"/>
                 <a:ea typeface="+mj-ea"/>
                 <a:cs typeface="+mj-cs"/>
@@ -20055,7 +20057,7 @@
               </a:tabLst>
             </a:pPr>
             <a:r>
-              <a:rPr lang="en-US" kern="100" dirty="0">
+              <a:rPr lang="en-US" sz="2400" kern="100" dirty="0">
                 <a:latin typeface="Liberation Serif"/>
                 <a:ea typeface="NSimSun" panose="02010609030101010101" pitchFamily="49" charset="-122"/>
               </a:rPr>
@@ -20370,7 +20372,7 @@
               </a:spcBef>
             </a:pPr>
             <a:r>
-              <a:rPr lang="en-US" sz="3600" kern="1200" cap="all" dirty="0">
+              <a:rPr lang="en-US" sz="4400" kern="1200" cap="all" dirty="0">
                 <a:latin typeface="+mj-lt"/>
                 <a:ea typeface="+mj-ea"/>
                 <a:cs typeface="+mj-cs"/>
@@ -20435,7 +20437,7 @@
               </a:tabLst>
             </a:pPr>
             <a:r>
-              <a:rPr lang="en-US" kern="100" dirty="0">
+              <a:rPr lang="en-US" sz="2400" kern="100" dirty="0">
                 <a:latin typeface="Liberation Serif"/>
                 <a:ea typeface="NSimSun" panose="02010609030101010101" pitchFamily="49" charset="-122"/>
               </a:rPr>
@@ -20517,10 +20519,10 @@
           <a:lstStyle/>
           <a:p>
             <a:r>
-              <a:rPr lang="en-US" b="1"/>
+              <a:rPr lang="en-US" sz="4400" b="1" dirty="0"/>
               <a:t>User Interface Features</a:t>
             </a:r>
-            <a:endParaRPr lang="en-US"/>
+            <a:endParaRPr lang="en-US" sz="4400" dirty="0"/>
           </a:p>
         </p:txBody>
       </p:sp>
@@ -20540,7 +20542,7 @@
             <p:ph idx="1"/>
             <p:extLst>
               <p:ext uri="{D42A27DB-BD31-4B8C-83A1-F6EECF244321}">
-                <p14:modId xmlns:p14="http://schemas.microsoft.com/office/powerpoint/2010/main" val="1415385804"/>
+                <p14:modId xmlns:p14="http://schemas.microsoft.com/office/powerpoint/2010/main" val="4104497355"/>
               </p:ext>
             </p:extLst>
           </p:nvPr>
@@ -20691,7 +20693,7 @@
           <a:effectLst/>
           <a:extLst>
             <a:ext uri="{91240B29-F687-4f45-9708-019B960494DF}">
-              <a14:hiddenLine xmlns:a14="http://schemas.microsoft.com/office/drawing/2010/main" xmlns:p14="http://schemas.microsoft.com/office/powerpoint/2010/main" xmlns:a16="http://schemas.microsoft.com/office/drawing/2014/main" xmlns="" w="9525">
+              <a14:hiddenLine xmlns="" xmlns:a16="http://schemas.microsoft.com/office/drawing/2014/main" xmlns:p14="http://schemas.microsoft.com/office/powerpoint/2010/main" xmlns:a14="http://schemas.microsoft.com/office/drawing/2010/main" w="9525">
                 <a:solidFill>
                   <a:srgbClr val="000000"/>
                 </a:solidFill>
@@ -21254,11 +21256,11 @@
           <a:lstStyle/>
           <a:p>
             <a:r>
-              <a:rPr lang="en-US"/>
+              <a:rPr lang="en-US" sz="4400" dirty="0"/>
               <a:t>O</a:t>
             </a:r>
             <a:r>
-              <a:rPr lang="en-US" b="1"/>
+              <a:rPr lang="en-US" sz="4400" b="1" dirty="0"/>
               <a:t>bjectives</a:t>
             </a:r>
           </a:p>
@@ -21288,7 +21290,7 @@
         </p:spPr>
         <p:txBody>
           <a:bodyPr>
-            <a:normAutofit/>
+            <a:normAutofit lnSpcReduction="10000"/>
           </a:bodyPr>
           <a:lstStyle/>
           <a:p>
@@ -21296,15 +21298,15 @@
               <a:buNone/>
             </a:pPr>
             <a:r>
-              <a:rPr lang="en-US" b="1" dirty="0"/>
+              <a:rPr lang="en-US" sz="2000" b="1" dirty="0"/>
               <a:t>Using Python-</a:t>
             </a:r>
             <a:r>
-              <a:rPr lang="en-US" b="1" dirty="0" err="1"/>
+              <a:rPr lang="en-US" sz="2000" b="1" dirty="0" err="1"/>
               <a:t>PyQt</a:t>
             </a:r>
             <a:r>
-              <a:rPr lang="en-US" b="1" dirty="0"/>
+              <a:rPr lang="en-US" sz="2000" b="1" dirty="0"/>
               <a:t>,</a:t>
             </a:r>
           </a:p>
@@ -21313,29 +21315,29 @@
               <a:buNone/>
             </a:pPr>
             <a:r>
-              <a:rPr lang="en-US" b="1" dirty="0"/>
+              <a:rPr lang="en-US" sz="2000" b="1" dirty="0"/>
               <a:t>An application that helps users: </a:t>
             </a:r>
           </a:p>
           <a:p>
             <a:pPr lvl="2"/>
             <a:r>
-              <a:rPr lang="en-US" dirty="0">
+              <a:rPr lang="en-US" sz="1600" dirty="0">
                 <a:latin typeface="Liberation Serif"/>
               </a:rPr>
-              <a:t>Manage their time efficiently using Pomodoro Technique.</a:t>
+              <a:t>Manage their time efficiently using varies study Techniques.</a:t>
             </a:r>
           </a:p>
           <a:p>
             <a:pPr lvl="2"/>
             <a:r>
-              <a:rPr lang="en-US" dirty="0">
+              <a:rPr lang="en-US" sz="1600" dirty="0">
                 <a:latin typeface="Liberation Serif"/>
               </a:rPr>
               <a:t>Organize their tasks and categorize them </a:t>
             </a:r>
             <a:r>
-              <a:rPr lang="en-US" kern="100" dirty="0">
+              <a:rPr lang="en-US" sz="1600" kern="100" dirty="0">
                 <a:effectLst/>
                 <a:latin typeface="Liberation Serif"/>
                 <a:ea typeface="NSimSun" panose="02010609030101010101" pitchFamily="49" charset="-122"/>
@@ -21347,7 +21349,7 @@
           <a:p>
             <a:pPr lvl="2"/>
             <a:r>
-              <a:rPr lang="en-US" kern="100" dirty="0">
+              <a:rPr lang="en-US" sz="1600" kern="100" dirty="0">
                 <a:effectLst/>
                 <a:latin typeface="Liberation Serif"/>
                 <a:ea typeface="NSimSun" panose="02010609030101010101" pitchFamily="49" charset="-122"/>
@@ -21359,7 +21361,7 @@
           <a:p>
             <a:pPr lvl="2"/>
             <a:r>
-              <a:rPr lang="en-US" kern="100" dirty="0">
+              <a:rPr lang="en-US" sz="1600" kern="100" dirty="0">
                 <a:effectLst/>
                 <a:latin typeface="Liberation Serif"/>
                 <a:ea typeface="NSimSun" panose="02010609030101010101" pitchFamily="49" charset="-122"/>
@@ -21371,7 +21373,7 @@
           <a:p>
             <a:pPr lvl="2"/>
             <a:r>
-              <a:rPr lang="en-US" kern="100" dirty="0">
+              <a:rPr lang="en-US" sz="1600" kern="100" dirty="0">
                 <a:effectLst/>
                 <a:latin typeface="Liberation Serif"/>
                 <a:ea typeface="NSimSun" panose="02010609030101010101" pitchFamily="49" charset="-122"/>
@@ -21778,7 +21780,7 @@
             <p:ph idx="1"/>
             <p:extLst>
               <p:ext uri="{D42A27DB-BD31-4B8C-83A1-F6EECF244321}">
-                <p14:modId xmlns:p14="http://schemas.microsoft.com/office/powerpoint/2010/main" val="2583326091"/>
+                <p14:modId xmlns:p14="http://schemas.microsoft.com/office/powerpoint/2010/main" val="2034247455"/>
               </p:ext>
             </p:extLst>
           </p:nvPr>
@@ -21928,7 +21930,7 @@
           <a:ln/>
           <a:extLst>
             <a:ext uri="{91240B29-F687-4f45-9708-019B960494DF}">
-              <a14:hiddenLine xmlns:a16="http://schemas.microsoft.com/office/drawing/2014/main" xmlns:a14="http://schemas.microsoft.com/office/drawing/2010/main" xmlns="" w="9525">
+              <a14:hiddenLine xmlns="" xmlns:a14="http://schemas.microsoft.com/office/drawing/2010/main" xmlns:a16="http://schemas.microsoft.com/office/drawing/2014/main" w="9525">
                 <a:solidFill>
                   <a:srgbClr val="000000"/>
                 </a:solidFill>
@@ -22147,7 +22149,7 @@
           <a:p>
             <a:pPr lvl="1"/>
             <a:r>
-              <a:rPr lang="en-US" dirty="0">
+              <a:rPr lang="en-US" sz="1800" dirty="0">
                 <a:effectLst/>
               </a:rPr>
               <a:t>Task Management</a:t>
@@ -22156,7 +22158,7 @@
           <a:p>
             <a:pPr lvl="1"/>
             <a:r>
-              <a:rPr lang="en-US" dirty="0">
+              <a:rPr lang="en-US" sz="1800" dirty="0">
                 <a:effectLst/>
               </a:rPr>
               <a:t>Task Organization</a:t>
@@ -22165,7 +22167,7 @@
           <a:p>
             <a:pPr lvl="1"/>
             <a:r>
-              <a:rPr lang="en-US" dirty="0">
+              <a:rPr lang="en-US" sz="1800" dirty="0">
                 <a:effectLst/>
               </a:rPr>
               <a:t>Due Dates and Reminders</a:t>
@@ -22174,38 +22176,38 @@
           <a:p>
             <a:pPr lvl="1"/>
             <a:r>
-              <a:rPr lang="en-US" dirty="0">
+              <a:rPr lang="en-US" sz="1800" dirty="0">
                 <a:effectLst/>
               </a:rPr>
               <a:t>Search and Filter</a:t>
             </a:r>
-            <a:endParaRPr lang="en-US" dirty="0"/>
+            <a:endParaRPr lang="en-US" sz="1800" dirty="0"/>
           </a:p>
           <a:p>
             <a:pPr lvl="1"/>
             <a:r>
-              <a:rPr lang="en-US" dirty="0"/>
+              <a:rPr lang="en-US" sz="1800" dirty="0"/>
               <a:t>Pomodoro Technique</a:t>
             </a:r>
           </a:p>
           <a:p>
             <a:pPr lvl="1"/>
             <a:r>
-              <a:rPr lang="en-US" dirty="0"/>
+              <a:rPr lang="en-US" sz="1800" dirty="0"/>
               <a:t>Progress Insights &amp; Analytics</a:t>
             </a:r>
           </a:p>
           <a:p>
             <a:pPr lvl="1"/>
             <a:r>
-              <a:rPr lang="en-US" dirty="0"/>
+              <a:rPr lang="en-US" sz="1800" dirty="0"/>
               <a:t>Calendar View</a:t>
             </a:r>
           </a:p>
           <a:p>
             <a:pPr lvl="1"/>
             <a:r>
-              <a:rPr lang="en-US" dirty="0"/>
+              <a:rPr lang="en-US" sz="1800" dirty="0"/>
               <a:t>Progress Tracking</a:t>
             </a:r>
           </a:p>
@@ -22216,7 +22218,9 @@
             </a:endParaRPr>
           </a:p>
           <a:p>
-            <a:pPr marL="0" indent="0"/>
+            <a:pPr marL="0" indent="0">
+              <a:buNone/>
+            </a:pPr>
             <a:endParaRPr lang="en-US" sz="1600" dirty="0">
               <a:effectLst/>
             </a:endParaRPr>
@@ -22944,8 +22948,8 @@
         </p:nvSpPr>
         <p:spPr>
           <a:xfrm>
-            <a:off x="641754" y="1687286"/>
-            <a:ext cx="3269463" cy="3978017"/>
+            <a:off x="182880" y="1687286"/>
+            <a:ext cx="3904488" cy="3978017"/>
           </a:xfrm>
         </p:spPr>
         <p:txBody>
@@ -22960,7 +22964,7 @@
               </a:spcBef>
             </a:pPr>
             <a:r>
-              <a:rPr lang="en-US" sz="3200" kern="1200" cap="all" dirty="0">
+              <a:rPr lang="en-US" sz="4000" kern="1200" cap="all" dirty="0">
                 <a:latin typeface="+mj-lt"/>
                 <a:ea typeface="+mj-ea"/>
                 <a:cs typeface="+mj-cs"/>
@@ -22986,7 +22990,7 @@
             <p:ph idx="1"/>
             <p:extLst>
               <p:ext uri="{D42A27DB-BD31-4B8C-83A1-F6EECF244321}">
-                <p14:modId xmlns:p14="http://schemas.microsoft.com/office/powerpoint/2010/main" val="362013367"/>
+                <p14:modId xmlns:p14="http://schemas.microsoft.com/office/powerpoint/2010/main" val="1704653182"/>
               </p:ext>
             </p:extLst>
           </p:nvPr>
@@ -23304,7 +23308,7 @@
               </a:spcBef>
             </a:pPr>
             <a:r>
-              <a:rPr lang="en-US" sz="3600" kern="1200" cap="all" dirty="0">
+              <a:rPr lang="en-US" sz="4400" kern="1200" cap="all" dirty="0">
                 <a:latin typeface="+mj-lt"/>
                 <a:ea typeface="+mj-ea"/>
                 <a:cs typeface="+mj-cs"/>
@@ -23369,7 +23373,7 @@
               </a:tabLst>
             </a:pPr>
             <a:r>
-              <a:rPr lang="en-US" kern="100" dirty="0">
+              <a:rPr lang="en-US" sz="2400" kern="100" dirty="0">
                 <a:latin typeface="Liberation Serif"/>
                 <a:ea typeface="NSimSun" panose="02010609030101010101" pitchFamily="49" charset="-122"/>
               </a:rPr>
@@ -23388,7 +23392,7 @@
               </a:tabLst>
             </a:pPr>
             <a:r>
-              <a:rPr lang="en-US" kern="100" dirty="0">
+              <a:rPr lang="en-US" sz="2400" kern="100" dirty="0">
                 <a:latin typeface="Liberation Serif"/>
                 <a:ea typeface="NSimSun" panose="02010609030101010101" pitchFamily="49" charset="-122"/>
               </a:rPr>
@@ -23407,7 +23411,7 @@
               </a:tabLst>
             </a:pPr>
             <a:r>
-              <a:rPr lang="en-US" kern="100" dirty="0">
+              <a:rPr lang="en-US" sz="2400" kern="100" dirty="0">
                 <a:latin typeface="Liberation Serif"/>
                 <a:ea typeface="NSimSun" panose="02010609030101010101" pitchFamily="49" charset="-122"/>
               </a:rPr>
@@ -23787,7 +23791,7 @@
               </a:tabLst>
             </a:pPr>
             <a:r>
-              <a:rPr lang="en-US" kern="100" dirty="0">
+              <a:rPr lang="en-US" sz="2400" kern="100" dirty="0">
                 <a:latin typeface="Liberation Serif"/>
                 <a:ea typeface="NSimSun" panose="02010609030101010101" pitchFamily="49" charset="-122"/>
               </a:rPr>
@@ -23806,7 +23810,7 @@
               </a:tabLst>
             </a:pPr>
             <a:r>
-              <a:rPr lang="en-US" kern="100" dirty="0">
+              <a:rPr lang="en-US" sz="2400" kern="100" dirty="0">
                 <a:latin typeface="Liberation Serif"/>
                 <a:ea typeface="NSimSun" panose="02010609030101010101" pitchFamily="49" charset="-122"/>
               </a:rPr>
@@ -23825,7 +23829,7 @@
               </a:tabLst>
             </a:pPr>
             <a:r>
-              <a:rPr lang="en-US" kern="100" dirty="0">
+              <a:rPr lang="en-US" sz="2400" kern="100" dirty="0">
                 <a:latin typeface="Liberation Serif"/>
                 <a:ea typeface="NSimSun" panose="02010609030101010101" pitchFamily="49" charset="-122"/>
               </a:rPr>
@@ -23902,7 +23906,7 @@
         </p:blipFill>
         <p:spPr>
           <a:xfrm>
-            <a:off x="20" y="10"/>
+            <a:off x="0" y="11"/>
             <a:ext cx="12191980" cy="6857989"/>
           </a:xfrm>
           <a:prstGeom prst="rect">
@@ -24143,12 +24147,27 @@
               </a:spcBef>
             </a:pPr>
             <a:r>
-              <a:rPr lang="en-US" sz="3600" kern="1200" cap="all" dirty="0">
+              <a:rPr lang="en-US" sz="4400" kern="1200" cap="all" dirty="0">
                 <a:latin typeface="+mj-lt"/>
                 <a:ea typeface="+mj-ea"/>
                 <a:cs typeface="+mj-cs"/>
               </a:rPr>
-              <a:t>Search and Filter</a:t>
+              <a:t>Search </a:t>
+            </a:r>
+            <a:br>
+              <a:rPr lang="en-US" sz="4400" kern="1200" cap="all" dirty="0">
+                <a:latin typeface="+mj-lt"/>
+                <a:ea typeface="+mj-ea"/>
+                <a:cs typeface="+mj-cs"/>
+              </a:rPr>
+            </a:br>
+            <a:r>
+              <a:rPr lang="en-US" sz="4400" kern="1200" cap="all" dirty="0">
+                <a:latin typeface="+mj-lt"/>
+                <a:ea typeface="+mj-ea"/>
+                <a:cs typeface="+mj-cs"/>
+              </a:rPr>
+              <a:t>and Filter</a:t>
             </a:r>
           </a:p>
         </p:txBody>
@@ -24207,7 +24226,7 @@
               </a:tabLst>
             </a:pPr>
             <a:r>
-              <a:rPr lang="en-US" kern="100" dirty="0">
+              <a:rPr lang="en-US" sz="2400" kern="100" dirty="0">
                 <a:latin typeface="Liberation Serif"/>
                 <a:ea typeface="NSimSun" panose="02010609030101010101" pitchFamily="49" charset="-122"/>
               </a:rPr>
@@ -24226,7 +24245,7 @@
               </a:tabLst>
             </a:pPr>
             <a:r>
-              <a:rPr lang="en-US" kern="100" dirty="0">
+              <a:rPr lang="en-US" sz="2400" kern="100" dirty="0">
                 <a:latin typeface="Liberation Serif"/>
                 <a:ea typeface="NSimSun" panose="02010609030101010101" pitchFamily="49" charset="-122"/>
               </a:rPr>
@@ -24541,12 +24560,12 @@
               </a:spcBef>
             </a:pPr>
             <a:r>
-              <a:rPr lang="en-US" sz="4400" kern="1200" cap="all" dirty="0">
+              <a:rPr lang="en-US" sz="4800" kern="1200" cap="all" dirty="0">
                 <a:latin typeface="+mj-lt"/>
                 <a:ea typeface="+mj-ea"/>
                 <a:cs typeface="+mj-cs"/>
               </a:rPr>
-              <a:t>Pomodoro Technique</a:t>
+              <a:t>Study Techniques</a:t>
             </a:r>
           </a:p>
         </p:txBody>
@@ -24579,120 +24598,23 @@
           </a:bodyPr>
           <a:lstStyle/>
           <a:p>
-            <a:pPr marL="743300" indent="-457200">
+            <a:pPr marL="629000">
               <a:spcAft>
                 <a:spcPts val="700"/>
               </a:spcAft>
-              <a:buFont typeface="+mj-lt"/>
-              <a:buAutoNum type="arabicParenR"/>
+              <a:buFont typeface="Arial" panose="020B0604020202020204" pitchFamily="34" charset="0"/>
+              <a:buChar char="•"/>
               <a:tabLst>
                 <a:tab pos="900430" algn="l"/>
               </a:tabLst>
             </a:pPr>
             <a:r>
-              <a:rPr lang="en-US" kern="100" dirty="0">
-                <a:latin typeface="Liberation Serif"/>
-                <a:ea typeface="NSimSun" panose="02010609030101010101" pitchFamily="49" charset="-122"/>
-              </a:rPr>
-              <a:t>Choose your topic.</a:t>
+              <a:rPr lang="en-US" sz="2000" dirty="0"/>
+              <a:t>Offers a variety of study techniques tailored to boost focus and productivity, including the Pomodoro Technique and more</a:t>
             </a:r>
-          </a:p>
-          <a:p>
-            <a:pPr marL="743300" indent="-457200">
-              <a:spcAft>
-                <a:spcPts val="700"/>
-              </a:spcAft>
-              <a:buFont typeface="+mj-lt"/>
-              <a:buAutoNum type="arabicParenR"/>
-              <a:tabLst>
-                <a:tab pos="900430" algn="l"/>
-              </a:tabLst>
-            </a:pPr>
-            <a:r>
-              <a:rPr lang="en-US" kern="100" dirty="0">
-                <a:latin typeface="Liberation Serif"/>
-                <a:ea typeface="NSimSun" panose="02010609030101010101" pitchFamily="49" charset="-122"/>
-              </a:rPr>
-              <a:t>Set a timer for 25 minutes.</a:t>
-            </a:r>
-          </a:p>
-          <a:p>
-            <a:pPr marL="743300" indent="-457200">
-              <a:spcAft>
-                <a:spcPts val="700"/>
-              </a:spcAft>
-              <a:buFont typeface="+mj-lt"/>
-              <a:buAutoNum type="arabicParenR"/>
-              <a:tabLst>
-                <a:tab pos="900430" algn="l"/>
-              </a:tabLst>
-            </a:pPr>
-            <a:r>
-              <a:rPr lang="en-US" kern="100" dirty="0">
-                <a:latin typeface="Liberation Serif"/>
-                <a:ea typeface="NSimSun" panose="02010609030101010101" pitchFamily="49" charset="-122"/>
-              </a:rPr>
-              <a:t>Work on the topic until the timer goes off.</a:t>
-            </a:r>
-          </a:p>
-          <a:p>
-            <a:pPr marL="743300" indent="-457200">
-              <a:spcAft>
-                <a:spcPts val="700"/>
-              </a:spcAft>
-              <a:buFont typeface="+mj-lt"/>
-              <a:buAutoNum type="arabicParenR"/>
-              <a:tabLst>
-                <a:tab pos="900430" algn="l"/>
-              </a:tabLst>
-            </a:pPr>
-            <a:r>
-              <a:rPr lang="en-US" kern="100" dirty="0">
-                <a:latin typeface="Liberation Serif"/>
-                <a:ea typeface="NSimSun" panose="02010609030101010101" pitchFamily="49" charset="-122"/>
-              </a:rPr>
-              <a:t>Take a short break (usually 5 minutes).</a:t>
-            </a:r>
-          </a:p>
-          <a:p>
-            <a:pPr marL="743300" indent="-457200">
-              <a:spcAft>
-                <a:spcPts val="700"/>
-              </a:spcAft>
-              <a:buFont typeface="+mj-lt"/>
-              <a:buAutoNum type="arabicParenR"/>
-              <a:tabLst>
-                <a:tab pos="900430" algn="l"/>
-              </a:tabLst>
-            </a:pPr>
-            <a:r>
-              <a:rPr lang="en-US" kern="100" dirty="0">
-                <a:latin typeface="Liberation Serif"/>
-                <a:ea typeface="NSimSun" panose="02010609030101010101" pitchFamily="49" charset="-122"/>
-              </a:rPr>
-              <a:t>After every fourth Pomodoro, take a longer</a:t>
-            </a:r>
-          </a:p>
-          <a:p>
-            <a:pPr marL="286100" indent="0">
-              <a:spcAft>
-                <a:spcPts val="700"/>
-              </a:spcAft>
-              <a:buNone/>
-              <a:tabLst>
-                <a:tab pos="900430" algn="l"/>
-              </a:tabLst>
-            </a:pPr>
-            <a:r>
-              <a:rPr lang="en-US" kern="100" dirty="0">
-                <a:latin typeface="Liberation Serif"/>
-                <a:ea typeface="NSimSun" panose="02010609030101010101" pitchFamily="49" charset="-122"/>
-              </a:rPr>
-              <a:t>       break (usually 15-30 minutes).</a:t>
-            </a:r>
-          </a:p>
-          <a:p>
-            <a:endParaRPr lang="en-US" dirty="0"/>
+            <a:endParaRPr lang="en-US" sz="2000" kern="100" dirty="0">
+              <a:ea typeface="NSimSun" panose="02010609030101010101" pitchFamily="49" charset="-122"/>
+            </a:endParaRPr>
           </a:p>
         </p:txBody>
       </p:sp>

--- a/Documents/HCI Project Proposal.pptx
+++ b/Documents/HCI Project Proposal.pptx
@@ -13485,7 +13485,7 @@
           <a:effectLst/>
           <a:extLst>
             <a:ext uri="{91240B29-F687-4f45-9708-019B960494DF}">
-              <a14:hiddenLine xmlns:a14="http://schemas.microsoft.com/office/drawing/2010/main" xmlns="" w="9525">
+              <a14:hiddenLine xmlns="" xmlns:a14="http://schemas.microsoft.com/office/drawing/2010/main" w="9525">
                 <a:solidFill>
                   <a:srgbClr val="000000"/>
                 </a:solidFill>
@@ -15007,7 +15007,7 @@
           <a:ln/>
           <a:extLst>
             <a:ext uri="{91240B29-F687-4f45-9708-019B960494DF}">
-              <a14:hiddenLine xmlns:a14="http://schemas.microsoft.com/office/drawing/2010/main" xmlns="" w="9525">
+              <a14:hiddenLine xmlns="" xmlns:a14="http://schemas.microsoft.com/office/drawing/2010/main" w="9525">
                 <a:solidFill>
                   <a:srgbClr val="000000"/>
                 </a:solidFill>
@@ -15282,7 +15282,7 @@
           <a:ln/>
           <a:extLst>
             <a:ext uri="{91240B29-F687-4f45-9708-019B960494DF}">
-              <a14:hiddenLine xmlns:a14="http://schemas.microsoft.com/office/drawing/2010/main" xmlns="" w="9525">
+              <a14:hiddenLine xmlns="" xmlns:a14="http://schemas.microsoft.com/office/drawing/2010/main" w="9525">
                 <a:solidFill>
                   <a:srgbClr val="000000"/>
                 </a:solidFill>
@@ -15565,7 +15565,7 @@
           <a:ln/>
           <a:extLst>
             <a:ext uri="{91240B29-F687-4f45-9708-019B960494DF}">
-              <a14:hiddenLine xmlns:a14="http://schemas.microsoft.com/office/drawing/2010/main" xmlns="" w="9525">
+              <a14:hiddenLine xmlns="" xmlns:a14="http://schemas.microsoft.com/office/drawing/2010/main" w="9525">
                 <a:solidFill>
                   <a:srgbClr val="000000"/>
                 </a:solidFill>
@@ -16191,7 +16191,7 @@
           <a:ln/>
           <a:extLst>
             <a:ext uri="{91240B29-F687-4f45-9708-019B960494DF}">
-              <a14:hiddenLine xmlns:a14="http://schemas.microsoft.com/office/drawing/2010/main" xmlns="" w="9525">
+              <a14:hiddenLine xmlns="" xmlns:a14="http://schemas.microsoft.com/office/drawing/2010/main" w="9525">
                 <a:solidFill>
                   <a:srgbClr val="000000"/>
                 </a:solidFill>
@@ -16530,7 +16530,7 @@
           <a:ln/>
           <a:extLst>
             <a:ext uri="{91240B29-F687-4f45-9708-019B960494DF}">
-              <a14:hiddenLine xmlns:a14="http://schemas.microsoft.com/office/drawing/2010/main" xmlns="" w="9525">
+              <a14:hiddenLine xmlns="" xmlns:a14="http://schemas.microsoft.com/office/drawing/2010/main" w="9525">
                 <a:solidFill>
                   <a:srgbClr val="000000"/>
                 </a:solidFill>
@@ -17007,7 +17007,7 @@
           <a:ln/>
           <a:extLst>
             <a:ext uri="{91240B29-F687-4f45-9708-019B960494DF}">
-              <a14:hiddenLine xmlns:a14="http://schemas.microsoft.com/office/drawing/2010/main" xmlns="" w="9525">
+              <a14:hiddenLine xmlns="" xmlns:a14="http://schemas.microsoft.com/office/drawing/2010/main" w="9525">
                 <a:solidFill>
                   <a:srgbClr val="000000"/>
                 </a:solidFill>
@@ -17436,7 +17436,7 @@
           <a:ln/>
           <a:extLst>
             <a:ext uri="{91240B29-F687-4f45-9708-019B960494DF}">
-              <a14:hiddenLine xmlns:a14="http://schemas.microsoft.com/office/drawing/2010/main" xmlns="" w="9525">
+              <a14:hiddenLine xmlns="" xmlns:a14="http://schemas.microsoft.com/office/drawing/2010/main" w="9525">
                 <a:solidFill>
                   <a:srgbClr val="000000"/>
                 </a:solidFill>
@@ -18930,8 +18930,13 @@
             </a:pPr>
             <a:r>
               <a:rPr lang="en-US" dirty="0"/>
-              <a:t>[insert name here] - [insert ID here]</a:t>
+              <a:t>Ali El-Deen Maher </a:t>
             </a:r>
+            <a:r>
+              <a:rPr lang="en-US"/>
+              <a:t>- 22010934</a:t>
+            </a:r>
+            <a:endParaRPr lang="en-US" dirty="0"/>
           </a:p>
           <a:p>
             <a:pPr marL="285750" indent="-285750">
@@ -20693,7 +20698,7 @@
           <a:effectLst/>
           <a:extLst>
             <a:ext uri="{91240B29-F687-4f45-9708-019B960494DF}">
-              <a14:hiddenLine xmlns="" xmlns:a16="http://schemas.microsoft.com/office/drawing/2014/main" xmlns:p14="http://schemas.microsoft.com/office/powerpoint/2010/main" xmlns:a14="http://schemas.microsoft.com/office/drawing/2010/main" w="9525">
+              <a14:hiddenLine xmlns:a14="http://schemas.microsoft.com/office/drawing/2010/main" xmlns:p14="http://schemas.microsoft.com/office/powerpoint/2010/main" xmlns:a16="http://schemas.microsoft.com/office/drawing/2014/main" xmlns="" w="9525">
                 <a:solidFill>
                   <a:srgbClr val="000000"/>
                 </a:solidFill>
@@ -21930,7 +21935,7 @@
           <a:ln/>
           <a:extLst>
             <a:ext uri="{91240B29-F687-4f45-9708-019B960494DF}">
-              <a14:hiddenLine xmlns="" xmlns:a14="http://schemas.microsoft.com/office/drawing/2010/main" xmlns:a16="http://schemas.microsoft.com/office/drawing/2014/main" w="9525">
+              <a14:hiddenLine xmlns:a16="http://schemas.microsoft.com/office/drawing/2014/main" xmlns:a14="http://schemas.microsoft.com/office/drawing/2010/main" xmlns="" w="9525">
                 <a:solidFill>
                   <a:srgbClr val="000000"/>
                 </a:solidFill>

--- a/Documents/HCI Project Proposal.pptx
+++ b/Documents/HCI Project Proposal.pptx
@@ -13485,7 +13485,7 @@
           <a:effectLst/>
           <a:extLst>
             <a:ext uri="{91240B29-F687-4f45-9708-019B960494DF}">
-              <a14:hiddenLine xmlns="" xmlns:a14="http://schemas.microsoft.com/office/drawing/2010/main" w="9525">
+              <a14:hiddenLine xmlns:a14="http://schemas.microsoft.com/office/drawing/2010/main" xmlns="" w="9525">
                 <a:solidFill>
                   <a:srgbClr val="000000"/>
                 </a:solidFill>
@@ -15007,7 +15007,7 @@
           <a:ln/>
           <a:extLst>
             <a:ext uri="{91240B29-F687-4f45-9708-019B960494DF}">
-              <a14:hiddenLine xmlns="" xmlns:a14="http://schemas.microsoft.com/office/drawing/2010/main" w="9525">
+              <a14:hiddenLine xmlns:a14="http://schemas.microsoft.com/office/drawing/2010/main" xmlns="" w="9525">
                 <a:solidFill>
                   <a:srgbClr val="000000"/>
                 </a:solidFill>
@@ -15282,7 +15282,7 @@
           <a:ln/>
           <a:extLst>
             <a:ext uri="{91240B29-F687-4f45-9708-019B960494DF}">
-              <a14:hiddenLine xmlns="" xmlns:a14="http://schemas.microsoft.com/office/drawing/2010/main" w="9525">
+              <a14:hiddenLine xmlns:a14="http://schemas.microsoft.com/office/drawing/2010/main" xmlns="" w="9525">
                 <a:solidFill>
                   <a:srgbClr val="000000"/>
                 </a:solidFill>
@@ -15565,7 +15565,7 @@
           <a:ln/>
           <a:extLst>
             <a:ext uri="{91240B29-F687-4f45-9708-019B960494DF}">
-              <a14:hiddenLine xmlns="" xmlns:a14="http://schemas.microsoft.com/office/drawing/2010/main" w="9525">
+              <a14:hiddenLine xmlns:a14="http://schemas.microsoft.com/office/drawing/2010/main" xmlns="" w="9525">
                 <a:solidFill>
                   <a:srgbClr val="000000"/>
                 </a:solidFill>
@@ -16191,7 +16191,7 @@
           <a:ln/>
           <a:extLst>
             <a:ext uri="{91240B29-F687-4f45-9708-019B960494DF}">
-              <a14:hiddenLine xmlns="" xmlns:a14="http://schemas.microsoft.com/office/drawing/2010/main" w="9525">
+              <a14:hiddenLine xmlns:a14="http://schemas.microsoft.com/office/drawing/2010/main" xmlns="" w="9525">
                 <a:solidFill>
                   <a:srgbClr val="000000"/>
                 </a:solidFill>
@@ -16530,7 +16530,7 @@
           <a:ln/>
           <a:extLst>
             <a:ext uri="{91240B29-F687-4f45-9708-019B960494DF}">
-              <a14:hiddenLine xmlns="" xmlns:a14="http://schemas.microsoft.com/office/drawing/2010/main" w="9525">
+              <a14:hiddenLine xmlns:a14="http://schemas.microsoft.com/office/drawing/2010/main" xmlns="" w="9525">
                 <a:solidFill>
                   <a:srgbClr val="000000"/>
                 </a:solidFill>
@@ -17007,7 +17007,7 @@
           <a:ln/>
           <a:extLst>
             <a:ext uri="{91240B29-F687-4f45-9708-019B960494DF}">
-              <a14:hiddenLine xmlns="" xmlns:a14="http://schemas.microsoft.com/office/drawing/2010/main" w="9525">
+              <a14:hiddenLine xmlns:a14="http://schemas.microsoft.com/office/drawing/2010/main" xmlns="" w="9525">
                 <a:solidFill>
                   <a:srgbClr val="000000"/>
                 </a:solidFill>
@@ -17436,7 +17436,7 @@
           <a:ln/>
           <a:extLst>
             <a:ext uri="{91240B29-F687-4f45-9708-019B960494DF}">
-              <a14:hiddenLine xmlns="" xmlns:a14="http://schemas.microsoft.com/office/drawing/2010/main" w="9525">
+              <a14:hiddenLine xmlns:a14="http://schemas.microsoft.com/office/drawing/2010/main" xmlns="" w="9525">
                 <a:solidFill>
                   <a:srgbClr val="000000"/>
                 </a:solidFill>
@@ -19988,7 +19988,7 @@
         </p:spPr>
         <p:txBody>
           <a:bodyPr>
-            <a:normAutofit/>
+            <a:normAutofit fontScale="90000"/>
           </a:bodyPr>
           <a:lstStyle/>
           <a:p>
@@ -20003,7 +20003,7 @@
                 <a:ea typeface="+mj-ea"/>
                 <a:cs typeface="+mj-cs"/>
               </a:rPr>
-              <a:t>Calendar View</a:t>
+              <a:t>Calendar View and create schedule</a:t>
             </a:r>
           </a:p>
         </p:txBody>
@@ -20067,6 +20067,25 @@
                 <a:ea typeface="NSimSun" panose="02010609030101010101" pitchFamily="49" charset="-122"/>
               </a:rPr>
               <a:t>Offer a calendar view for a visual representation of upcoming deadlines and events.</a:t>
+            </a:r>
+          </a:p>
+          <a:p>
+            <a:pPr marL="514650">
+              <a:spcAft>
+                <a:spcPts val="700"/>
+              </a:spcAft>
+              <a:buFont typeface="Symbol" panose="05050102010706020507" pitchFamily="18" charset="2"/>
+              <a:buChar char=""/>
+              <a:tabLst>
+                <a:tab pos="900430" algn="l"/>
+              </a:tabLst>
+            </a:pPr>
+            <a:r>
+              <a:rPr lang="en-US" sz="2400" kern="100" dirty="0">
+                <a:latin typeface="Liberation Serif"/>
+                <a:ea typeface="NSimSun" panose="02010609030101010101" pitchFamily="49" charset="-122"/>
+              </a:rPr>
+              <a:t>Create a schedule for daily, weekly and monthly events.</a:t>
             </a:r>
           </a:p>
           <a:p>
@@ -20698,7 +20717,7 @@
           <a:effectLst/>
           <a:extLst>
             <a:ext uri="{91240B29-F687-4f45-9708-019B960494DF}">
-              <a14:hiddenLine xmlns:a14="http://schemas.microsoft.com/office/drawing/2010/main" xmlns:p14="http://schemas.microsoft.com/office/powerpoint/2010/main" xmlns:a16="http://schemas.microsoft.com/office/drawing/2014/main" xmlns="" w="9525">
+              <a14:hiddenLine xmlns="" xmlns:a16="http://schemas.microsoft.com/office/drawing/2014/main" xmlns:p14="http://schemas.microsoft.com/office/powerpoint/2010/main" xmlns:a14="http://schemas.microsoft.com/office/drawing/2010/main" w="9525">
                 <a:solidFill>
                   <a:srgbClr val="000000"/>
                 </a:solidFill>
@@ -21348,7 +21367,24 @@
                 <a:ea typeface="NSimSun" panose="02010609030101010101" pitchFamily="49" charset="-122"/>
                 <a:cs typeface="Symbol" panose="05050102010706020507" pitchFamily="18" charset="2"/>
               </a:rPr>
-              <a:t>into projects or lists.</a:t>
+              <a:t>into projects or lists and </a:t>
+            </a:r>
+            <a:r>
+              <a:rPr lang="en-US" sz="1600" kern="100" dirty="0">
+                <a:latin typeface="Liberation Serif"/>
+                <a:ea typeface="NSimSun" panose="02010609030101010101" pitchFamily="49" charset="-122"/>
+                <a:cs typeface="Symbol" panose="05050102010706020507" pitchFamily="18" charset="2"/>
+              </a:rPr>
+              <a:t>make schedules</a:t>
+            </a:r>
+            <a:r>
+              <a:rPr lang="en-US" sz="1600" kern="100" dirty="0">
+                <a:effectLst/>
+                <a:latin typeface="Liberation Serif"/>
+                <a:ea typeface="NSimSun" panose="02010609030101010101" pitchFamily="49" charset="-122"/>
+                <a:cs typeface="Symbol" panose="05050102010706020507" pitchFamily="18" charset="2"/>
+              </a:rPr>
+              <a:t>.</a:t>
             </a:r>
           </a:p>
           <a:p>
@@ -21935,7 +21971,7 @@
           <a:ln/>
           <a:extLst>
             <a:ext uri="{91240B29-F687-4f45-9708-019B960494DF}">
-              <a14:hiddenLine xmlns:a16="http://schemas.microsoft.com/office/drawing/2014/main" xmlns:a14="http://schemas.microsoft.com/office/drawing/2010/main" xmlns="" w="9525">
+              <a14:hiddenLine xmlns="" xmlns:a14="http://schemas.microsoft.com/office/drawing/2010/main" xmlns:a16="http://schemas.microsoft.com/office/drawing/2014/main" w="9525">
                 <a:solidFill>
                   <a:srgbClr val="000000"/>
                 </a:solidFill>
@@ -22192,7 +22228,7 @@
             <a:pPr lvl="1"/>
             <a:r>
               <a:rPr lang="en-US" sz="1800" dirty="0"/>
-              <a:t>Pomodoro Technique</a:t>
+              <a:t>Study Techniques</a:t>
             </a:r>
           </a:p>
           <a:p>
@@ -22206,7 +22242,7 @@
             <a:pPr lvl="1"/>
             <a:r>
               <a:rPr lang="en-US" sz="1800" dirty="0"/>
-              <a:t>Calendar View</a:t>
+              <a:t>Calendar View and create schedules</a:t>
             </a:r>
           </a:p>
           <a:p>

--- a/Documents/HCI Project Proposal.pptx
+++ b/Documents/HCI Project Proposal.pptx
@@ -3704,12 +3704,12 @@
             <a:defRPr cap="all"/>
           </a:pPr>
           <a:r>
-            <a:rPr lang="en-US" b="1"/>
+            <a:rPr lang="en-US" b="1" dirty="0"/>
             <a:t>If it's simple</a:t>
           </a:r>
           <a:r>
-            <a:rPr lang="en-US"/>
-            <a:t>: Using JSON or INI files to store settings and task data is sufficient.</a:t>
+            <a:rPr lang="en-US" dirty="0"/>
+            <a:t>: Using JSON files to store settings and task data is sufficient.</a:t>
           </a:r>
         </a:p>
       </dgm:t>
@@ -5501,12 +5501,12 @@
             <a:defRPr cap="all"/>
           </a:pPr>
           <a:r>
-            <a:rPr lang="en-US" sz="1500" b="1" kern="1200"/>
+            <a:rPr lang="en-US" sz="1500" b="1" kern="1200" dirty="0"/>
             <a:t>If it's simple</a:t>
           </a:r>
           <a:r>
-            <a:rPr lang="en-US" sz="1500" kern="1200"/>
-            <a:t>: Using JSON or INI files to store settings and task data is sufficient.</a:t>
+            <a:rPr lang="en-US" sz="1500" kern="1200" dirty="0"/>
+            <a:t>: Using JSON files to store settings and task data is sufficient.</a:t>
           </a:r>
         </a:p>
       </dsp:txBody>
@@ -13485,7 +13485,7 @@
           <a:effectLst/>
           <a:extLst>
             <a:ext uri="{91240B29-F687-4f45-9708-019B960494DF}">
-              <a14:hiddenLine xmlns:a14="http://schemas.microsoft.com/office/drawing/2010/main" xmlns="" w="9525">
+              <a14:hiddenLine xmlns="" xmlns:a14="http://schemas.microsoft.com/office/drawing/2010/main" w="9525">
                 <a:solidFill>
                   <a:srgbClr val="000000"/>
                 </a:solidFill>
@@ -15007,7 +15007,7 @@
           <a:ln/>
           <a:extLst>
             <a:ext uri="{91240B29-F687-4f45-9708-019B960494DF}">
-              <a14:hiddenLine xmlns:a14="http://schemas.microsoft.com/office/drawing/2010/main" xmlns="" w="9525">
+              <a14:hiddenLine xmlns="" xmlns:a14="http://schemas.microsoft.com/office/drawing/2010/main" w="9525">
                 <a:solidFill>
                   <a:srgbClr val="000000"/>
                 </a:solidFill>
@@ -15282,7 +15282,7 @@
           <a:ln/>
           <a:extLst>
             <a:ext uri="{91240B29-F687-4f45-9708-019B960494DF}">
-              <a14:hiddenLine xmlns:a14="http://schemas.microsoft.com/office/drawing/2010/main" xmlns="" w="9525">
+              <a14:hiddenLine xmlns="" xmlns:a14="http://schemas.microsoft.com/office/drawing/2010/main" w="9525">
                 <a:solidFill>
                   <a:srgbClr val="000000"/>
                 </a:solidFill>
@@ -15565,7 +15565,7 @@
           <a:ln/>
           <a:extLst>
             <a:ext uri="{91240B29-F687-4f45-9708-019B960494DF}">
-              <a14:hiddenLine xmlns:a14="http://schemas.microsoft.com/office/drawing/2010/main" xmlns="" w="9525">
+              <a14:hiddenLine xmlns="" xmlns:a14="http://schemas.microsoft.com/office/drawing/2010/main" w="9525">
                 <a:solidFill>
                   <a:srgbClr val="000000"/>
                 </a:solidFill>
@@ -16191,7 +16191,7 @@
           <a:ln/>
           <a:extLst>
             <a:ext uri="{91240B29-F687-4f45-9708-019B960494DF}">
-              <a14:hiddenLine xmlns:a14="http://schemas.microsoft.com/office/drawing/2010/main" xmlns="" w="9525">
+              <a14:hiddenLine xmlns="" xmlns:a14="http://schemas.microsoft.com/office/drawing/2010/main" w="9525">
                 <a:solidFill>
                   <a:srgbClr val="000000"/>
                 </a:solidFill>
@@ -16530,7 +16530,7 @@
           <a:ln/>
           <a:extLst>
             <a:ext uri="{91240B29-F687-4f45-9708-019B960494DF}">
-              <a14:hiddenLine xmlns:a14="http://schemas.microsoft.com/office/drawing/2010/main" xmlns="" w="9525">
+              <a14:hiddenLine xmlns="" xmlns:a14="http://schemas.microsoft.com/office/drawing/2010/main" w="9525">
                 <a:solidFill>
                   <a:srgbClr val="000000"/>
                 </a:solidFill>
@@ -17007,7 +17007,7 @@
           <a:ln/>
           <a:extLst>
             <a:ext uri="{91240B29-F687-4f45-9708-019B960494DF}">
-              <a14:hiddenLine xmlns:a14="http://schemas.microsoft.com/office/drawing/2010/main" xmlns="" w="9525">
+              <a14:hiddenLine xmlns="" xmlns:a14="http://schemas.microsoft.com/office/drawing/2010/main" w="9525">
                 <a:solidFill>
                   <a:srgbClr val="000000"/>
                 </a:solidFill>
@@ -17436,7 +17436,7 @@
           <a:ln/>
           <a:extLst>
             <a:ext uri="{91240B29-F687-4f45-9708-019B960494DF}">
-              <a14:hiddenLine xmlns:a14="http://schemas.microsoft.com/office/drawing/2010/main" xmlns="" w="9525">
+              <a14:hiddenLine xmlns="" xmlns:a14="http://schemas.microsoft.com/office/drawing/2010/main" w="9525">
                 <a:solidFill>
                   <a:srgbClr val="000000"/>
                 </a:solidFill>
@@ -18863,7 +18863,7 @@
             </a:r>
             <a:r>
               <a:rPr lang="en-US" dirty="0"/>
-              <a:t>[insert name here] - [insert ID here]</a:t>
+              <a:t>Badr Elsayed - 22010664</a:t>
             </a:r>
           </a:p>
           <a:p>
@@ -18890,8 +18890,12 @@
               <a:buChar char="•"/>
             </a:pPr>
             <a:r>
+              <a:rPr lang="en-US" dirty="0" err="1"/>
+              <a:t>Adham</a:t>
+            </a:r>
+            <a:r>
               <a:rPr lang="en-US" dirty="0"/>
-              <a:t>[insert name here] - [insert ID here]</a:t>
+              <a:t> Anas- 22010601</a:t>
             </a:r>
           </a:p>
           <a:p>
@@ -18930,13 +18934,8 @@
             </a:pPr>
             <a:r>
               <a:rPr lang="en-US" dirty="0"/>
-              <a:t>Ali El-Deen Maher </a:t>
+              <a:t>Ali El-Deen Maher - 22010934</a:t>
             </a:r>
-            <a:r>
-              <a:rPr lang="en-US"/>
-              <a:t>- 22010934</a:t>
-            </a:r>
-            <a:endParaRPr lang="en-US" dirty="0"/>
           </a:p>
           <a:p>
             <a:pPr marL="285750" indent="-285750">
@@ -18948,7 +18947,7 @@
             </a:pPr>
             <a:r>
               <a:rPr lang="en-US" dirty="0"/>
-              <a:t>[insert name here] - [insert ID here]</a:t>
+              <a:t>Yousef Awad - 22011390</a:t>
             </a:r>
           </a:p>
         </p:txBody>
@@ -20717,7 +20716,7 @@
           <a:effectLst/>
           <a:extLst>
             <a:ext uri="{91240B29-F687-4f45-9708-019B960494DF}">
-              <a14:hiddenLine xmlns="" xmlns:a16="http://schemas.microsoft.com/office/drawing/2014/main" xmlns:p14="http://schemas.microsoft.com/office/powerpoint/2010/main" xmlns:a14="http://schemas.microsoft.com/office/drawing/2010/main" w="9525">
+              <a14:hiddenLine xmlns:a14="http://schemas.microsoft.com/office/drawing/2010/main" xmlns:p14="http://schemas.microsoft.com/office/powerpoint/2010/main" xmlns:a16="http://schemas.microsoft.com/office/drawing/2014/main" xmlns="" w="9525">
                 <a:solidFill>
                   <a:srgbClr val="000000"/>
                 </a:solidFill>
@@ -21821,7 +21820,7 @@
             <p:ph idx="1"/>
             <p:extLst>
               <p:ext uri="{D42A27DB-BD31-4B8C-83A1-F6EECF244321}">
-                <p14:modId xmlns:p14="http://schemas.microsoft.com/office/powerpoint/2010/main" val="2034247455"/>
+                <p14:modId xmlns:p14="http://schemas.microsoft.com/office/powerpoint/2010/main" val="2583477044"/>
               </p:ext>
             </p:extLst>
           </p:nvPr>
@@ -21971,7 +21970,7 @@
           <a:ln/>
           <a:extLst>
             <a:ext uri="{91240B29-F687-4f45-9708-019B960494DF}">
-              <a14:hiddenLine xmlns="" xmlns:a14="http://schemas.microsoft.com/office/drawing/2010/main" xmlns:a16="http://schemas.microsoft.com/office/drawing/2014/main" w="9525">
+              <a14:hiddenLine xmlns:a16="http://schemas.microsoft.com/office/drawing/2014/main" xmlns:a14="http://schemas.microsoft.com/office/drawing/2010/main" xmlns="" w="9525">
                 <a:solidFill>
                   <a:srgbClr val="000000"/>
                 </a:solidFill>
